--- a/dahahilipls.pptx
+++ b/dahahilipls.pptx
@@ -5,16 +5,25 @@
     <p:sldMasterId id="2147483648" r:id="rId2"/>
   </p:sldMasterIdLst>
   <p:notesMasterIdLst>
-    <p:notesMasterId r:id="rId7"/>
+    <p:notesMasterId r:id="rId16"/>
   </p:notesMasterIdLst>
   <p:handoutMasterIdLst>
-    <p:handoutMasterId r:id="rId8"/>
+    <p:handoutMasterId r:id="rId17"/>
   </p:handoutMasterIdLst>
   <p:sldIdLst>
     <p:sldId id="256" r:id="rId3"/>
     <p:sldId id="257" r:id="rId4"/>
     <p:sldId id="258" r:id="rId5"/>
     <p:sldId id="259" r:id="rId6"/>
+    <p:sldId id="260" r:id="rId7"/>
+    <p:sldId id="261" r:id="rId8"/>
+    <p:sldId id="262" r:id="rId9"/>
+    <p:sldId id="263" r:id="rId10"/>
+    <p:sldId id="264" r:id="rId11"/>
+    <p:sldId id="265" r:id="rId12"/>
+    <p:sldId id="266" r:id="rId13"/>
+    <p:sldId id="267" r:id="rId14"/>
+    <p:sldId id="268" r:id="rId15"/>
   </p:sldIdLst>
   <p:sldSz cx="12192000" cy="6858000"/>
   <p:notesSz cx="6858000" cy="9144000"/>
@@ -113,6 +122,11 @@
       </a:defRPr>
     </a:lvl9pPr>
   </p:defaultTextStyle>
+  <p:extLst>
+    <p:ext uri="{EFAFB233-063F-42B5-8137-9DF3F51BA10A}">
+      <p15:sldGuideLst xmlns:p15="http://schemas.microsoft.com/office/powerpoint/2012/main"/>
+    </p:ext>
+  </p:extLst>
 </p:presentation>
 </file>
 
@@ -221,7 +235,7 @@
           <a:p>
             <a:fld id="{804136C7-FB4F-4486-A3C2-378AD4BCA59E}" type="datetimeFigureOut">
               <a:rPr lang="tr-TR" smtClean="0"/>
-              <a:t>20.01.2026</a:t>
+              <a:t>21.01.2026</a:t>
             </a:fld>
             <a:endParaRPr lang="tr-TR"/>
           </a:p>
@@ -410,7 +424,7 @@
           <a:p>
             <a:fld id="{03F75F1C-96D1-4385-A770-21325CBD7C70}" type="datetimeFigureOut">
               <a:rPr lang="tr-TR" smtClean="0"/>
-              <a:t>20.01.2026</a:t>
+              <a:t>21.01.2026</a:t>
             </a:fld>
             <a:endParaRPr lang="tr-TR"/>
           </a:p>
@@ -807,6 +821,518 @@
 </p:notes>
 </file>
 
+<file path=ppt/notesSlides/notesSlide10.xml><?xml version="1.0" encoding="utf-8"?>
+<p:notes xmlns:a="http://schemas.openxmlformats.org/drawingml/2006/main" xmlns:r="http://schemas.openxmlformats.org/officeDocument/2006/relationships" xmlns:p="http://schemas.openxmlformats.org/presentationml/2006/main">
+  <p:cSld>
+    <p:spTree>
+      <p:nvGrpSpPr>
+        <p:cNvPr id="1" name=""/>
+        <p:cNvGrpSpPr/>
+        <p:nvPr/>
+      </p:nvGrpSpPr>
+      <p:grpSpPr>
+        <a:xfrm>
+          <a:off x="0" y="0"/>
+          <a:ext cx="0" cy="0"/>
+          <a:chOff x="0" y="0"/>
+          <a:chExt cx="0" cy="0"/>
+        </a:xfrm>
+      </p:grpSpPr>
+      <p:sp>
+        <p:nvSpPr>
+          <p:cNvPr id="2" name="Slide Image Placeholder 1"/>
+          <p:cNvSpPr>
+            <a:spLocks noGrp="1" noRot="1" noChangeAspect="1"/>
+          </p:cNvSpPr>
+          <p:nvPr>
+            <p:ph type="sldImg"/>
+          </p:nvPr>
+        </p:nvSpPr>
+        <p:spPr/>
+      </p:sp>
+      <p:sp>
+        <p:nvSpPr>
+          <p:cNvPr id="3" name="Notes Placeholder 2"/>
+          <p:cNvSpPr>
+            <a:spLocks noGrp="1"/>
+          </p:cNvSpPr>
+          <p:nvPr>
+            <p:ph type="body" idx="1"/>
+          </p:nvPr>
+        </p:nvSpPr>
+        <p:spPr/>
+        <p:txBody>
+          <a:bodyPr/>
+          <a:lstStyle/>
+          <a:p>
+            <a:endParaRPr lang="tr-TR"/>
+          </a:p>
+        </p:txBody>
+      </p:sp>
+      <p:sp>
+        <p:nvSpPr>
+          <p:cNvPr id="4" name="Header Placeholder 3"/>
+          <p:cNvSpPr>
+            <a:spLocks noGrp="1"/>
+          </p:cNvSpPr>
+          <p:nvPr>
+            <p:ph type="hdr" sz="quarter"/>
+            <p:custDataLst>
+              <p:tags r:id="rId1"/>
+            </p:custDataLst>
+          </p:nvPr>
+        </p:nvSpPr>
+        <p:spPr/>
+        <p:txBody>
+          <a:bodyPr/>
+          <a:lstStyle/>
+          <a:p>
+            <a:r>
+              <a:rPr lang="tr-TR"/>
+              <a:t>TASNİF DIŞI</a:t>
+            </a:r>
+          </a:p>
+        </p:txBody>
+      </p:sp>
+      <p:sp>
+        <p:nvSpPr>
+          <p:cNvPr id="5" name="Footer Placeholder 4"/>
+          <p:cNvSpPr>
+            <a:spLocks noGrp="1"/>
+          </p:cNvSpPr>
+          <p:nvPr>
+            <p:ph type="ftr" sz="quarter" idx="4"/>
+          </p:nvPr>
+        </p:nvSpPr>
+        <p:spPr/>
+        <p:txBody>
+          <a:bodyPr/>
+          <a:lstStyle/>
+          <a:p>
+            <a:endParaRPr lang="tr-TR"/>
+          </a:p>
+        </p:txBody>
+      </p:sp>
+      <p:sp>
+        <p:nvSpPr>
+          <p:cNvPr id="6" name="Slide Number Placeholder 5"/>
+          <p:cNvSpPr>
+            <a:spLocks noGrp="1"/>
+          </p:cNvSpPr>
+          <p:nvPr>
+            <p:ph type="sldNum" sz="quarter" idx="5"/>
+          </p:nvPr>
+        </p:nvSpPr>
+        <p:spPr/>
+        <p:txBody>
+          <a:bodyPr/>
+          <a:lstStyle/>
+          <a:p>
+            <a:fld id="{B0C8BBDD-C3B0-48D3-84B8-B335C26FBCD7}" type="slidenum">
+              <a:rPr lang="tr-TR" smtClean="0"/>
+              <a:t>10</a:t>
+            </a:fld>
+            <a:endParaRPr lang="tr-TR"/>
+          </a:p>
+        </p:txBody>
+      </p:sp>
+    </p:spTree>
+    <p:extLst>
+      <p:ext uri="{BB962C8B-B14F-4D97-AF65-F5344CB8AC3E}">
+        <p14:creationId xmlns:p14="http://schemas.microsoft.com/office/powerpoint/2010/main" val="2048345745"/>
+      </p:ext>
+    </p:extLst>
+  </p:cSld>
+  <p:clrMapOvr>
+    <a:masterClrMapping/>
+  </p:clrMapOvr>
+</p:notes>
+</file>
+
+<file path=ppt/notesSlides/notesSlide11.xml><?xml version="1.0" encoding="utf-8"?>
+<p:notes xmlns:a="http://schemas.openxmlformats.org/drawingml/2006/main" xmlns:r="http://schemas.openxmlformats.org/officeDocument/2006/relationships" xmlns:p="http://schemas.openxmlformats.org/presentationml/2006/main">
+  <p:cSld>
+    <p:spTree>
+      <p:nvGrpSpPr>
+        <p:cNvPr id="1" name=""/>
+        <p:cNvGrpSpPr/>
+        <p:nvPr/>
+      </p:nvGrpSpPr>
+      <p:grpSpPr>
+        <a:xfrm>
+          <a:off x="0" y="0"/>
+          <a:ext cx="0" cy="0"/>
+          <a:chOff x="0" y="0"/>
+          <a:chExt cx="0" cy="0"/>
+        </a:xfrm>
+      </p:grpSpPr>
+      <p:sp>
+        <p:nvSpPr>
+          <p:cNvPr id="2" name="Slide Image Placeholder 1"/>
+          <p:cNvSpPr>
+            <a:spLocks noGrp="1" noRot="1" noChangeAspect="1"/>
+          </p:cNvSpPr>
+          <p:nvPr>
+            <p:ph type="sldImg"/>
+          </p:nvPr>
+        </p:nvSpPr>
+        <p:spPr/>
+      </p:sp>
+      <p:sp>
+        <p:nvSpPr>
+          <p:cNvPr id="3" name="Notes Placeholder 2"/>
+          <p:cNvSpPr>
+            <a:spLocks noGrp="1"/>
+          </p:cNvSpPr>
+          <p:nvPr>
+            <p:ph type="body" idx="1"/>
+          </p:nvPr>
+        </p:nvSpPr>
+        <p:spPr/>
+        <p:txBody>
+          <a:bodyPr/>
+          <a:lstStyle/>
+          <a:p>
+            <a:endParaRPr lang="tr-TR"/>
+          </a:p>
+        </p:txBody>
+      </p:sp>
+      <p:sp>
+        <p:nvSpPr>
+          <p:cNvPr id="4" name="Header Placeholder 3"/>
+          <p:cNvSpPr>
+            <a:spLocks noGrp="1"/>
+          </p:cNvSpPr>
+          <p:nvPr>
+            <p:ph type="hdr" sz="quarter"/>
+            <p:custDataLst>
+              <p:tags r:id="rId1"/>
+            </p:custDataLst>
+          </p:nvPr>
+        </p:nvSpPr>
+        <p:spPr/>
+        <p:txBody>
+          <a:bodyPr/>
+          <a:lstStyle/>
+          <a:p>
+            <a:r>
+              <a:rPr lang="tr-TR"/>
+              <a:t>TASNİF DIŞI</a:t>
+            </a:r>
+          </a:p>
+        </p:txBody>
+      </p:sp>
+      <p:sp>
+        <p:nvSpPr>
+          <p:cNvPr id="5" name="Footer Placeholder 4"/>
+          <p:cNvSpPr>
+            <a:spLocks noGrp="1"/>
+          </p:cNvSpPr>
+          <p:nvPr>
+            <p:ph type="ftr" sz="quarter" idx="4"/>
+          </p:nvPr>
+        </p:nvSpPr>
+        <p:spPr/>
+        <p:txBody>
+          <a:bodyPr/>
+          <a:lstStyle/>
+          <a:p>
+            <a:endParaRPr lang="tr-TR"/>
+          </a:p>
+        </p:txBody>
+      </p:sp>
+      <p:sp>
+        <p:nvSpPr>
+          <p:cNvPr id="6" name="Slide Number Placeholder 5"/>
+          <p:cNvSpPr>
+            <a:spLocks noGrp="1"/>
+          </p:cNvSpPr>
+          <p:nvPr>
+            <p:ph type="sldNum" sz="quarter" idx="5"/>
+          </p:nvPr>
+        </p:nvSpPr>
+        <p:spPr/>
+        <p:txBody>
+          <a:bodyPr/>
+          <a:lstStyle/>
+          <a:p>
+            <a:fld id="{B0C8BBDD-C3B0-48D3-84B8-B335C26FBCD7}" type="slidenum">
+              <a:rPr lang="tr-TR" smtClean="0"/>
+              <a:t>11</a:t>
+            </a:fld>
+            <a:endParaRPr lang="tr-TR"/>
+          </a:p>
+        </p:txBody>
+      </p:sp>
+    </p:spTree>
+    <p:extLst>
+      <p:ext uri="{BB962C8B-B14F-4D97-AF65-F5344CB8AC3E}">
+        <p14:creationId xmlns:p14="http://schemas.microsoft.com/office/powerpoint/2010/main" val="3866334057"/>
+      </p:ext>
+    </p:extLst>
+  </p:cSld>
+  <p:clrMapOvr>
+    <a:masterClrMapping/>
+  </p:clrMapOvr>
+</p:notes>
+</file>
+
+<file path=ppt/notesSlides/notesSlide12.xml><?xml version="1.0" encoding="utf-8"?>
+<p:notes xmlns:a="http://schemas.openxmlformats.org/drawingml/2006/main" xmlns:r="http://schemas.openxmlformats.org/officeDocument/2006/relationships" xmlns:p="http://schemas.openxmlformats.org/presentationml/2006/main">
+  <p:cSld>
+    <p:spTree>
+      <p:nvGrpSpPr>
+        <p:cNvPr id="1" name=""/>
+        <p:cNvGrpSpPr/>
+        <p:nvPr/>
+      </p:nvGrpSpPr>
+      <p:grpSpPr>
+        <a:xfrm>
+          <a:off x="0" y="0"/>
+          <a:ext cx="0" cy="0"/>
+          <a:chOff x="0" y="0"/>
+          <a:chExt cx="0" cy="0"/>
+        </a:xfrm>
+      </p:grpSpPr>
+      <p:sp>
+        <p:nvSpPr>
+          <p:cNvPr id="2" name="Slide Image Placeholder 1"/>
+          <p:cNvSpPr>
+            <a:spLocks noGrp="1" noRot="1" noChangeAspect="1"/>
+          </p:cNvSpPr>
+          <p:nvPr>
+            <p:ph type="sldImg"/>
+          </p:nvPr>
+        </p:nvSpPr>
+        <p:spPr/>
+      </p:sp>
+      <p:sp>
+        <p:nvSpPr>
+          <p:cNvPr id="3" name="Notes Placeholder 2"/>
+          <p:cNvSpPr>
+            <a:spLocks noGrp="1"/>
+          </p:cNvSpPr>
+          <p:nvPr>
+            <p:ph type="body" idx="1"/>
+          </p:nvPr>
+        </p:nvSpPr>
+        <p:spPr/>
+        <p:txBody>
+          <a:bodyPr/>
+          <a:lstStyle/>
+          <a:p>
+            <a:endParaRPr lang="tr-TR"/>
+          </a:p>
+        </p:txBody>
+      </p:sp>
+      <p:sp>
+        <p:nvSpPr>
+          <p:cNvPr id="4" name="Header Placeholder 3"/>
+          <p:cNvSpPr>
+            <a:spLocks noGrp="1"/>
+          </p:cNvSpPr>
+          <p:nvPr>
+            <p:ph type="hdr" sz="quarter"/>
+            <p:custDataLst>
+              <p:tags r:id="rId1"/>
+            </p:custDataLst>
+          </p:nvPr>
+        </p:nvSpPr>
+        <p:spPr/>
+        <p:txBody>
+          <a:bodyPr/>
+          <a:lstStyle/>
+          <a:p>
+            <a:r>
+              <a:rPr lang="tr-TR"/>
+              <a:t>TASNİF DIŞI</a:t>
+            </a:r>
+          </a:p>
+        </p:txBody>
+      </p:sp>
+      <p:sp>
+        <p:nvSpPr>
+          <p:cNvPr id="5" name="Footer Placeholder 4"/>
+          <p:cNvSpPr>
+            <a:spLocks noGrp="1"/>
+          </p:cNvSpPr>
+          <p:nvPr>
+            <p:ph type="ftr" sz="quarter" idx="4"/>
+          </p:nvPr>
+        </p:nvSpPr>
+        <p:spPr/>
+        <p:txBody>
+          <a:bodyPr/>
+          <a:lstStyle/>
+          <a:p>
+            <a:endParaRPr lang="tr-TR"/>
+          </a:p>
+        </p:txBody>
+      </p:sp>
+      <p:sp>
+        <p:nvSpPr>
+          <p:cNvPr id="6" name="Slide Number Placeholder 5"/>
+          <p:cNvSpPr>
+            <a:spLocks noGrp="1"/>
+          </p:cNvSpPr>
+          <p:nvPr>
+            <p:ph type="sldNum" sz="quarter" idx="5"/>
+          </p:nvPr>
+        </p:nvSpPr>
+        <p:spPr/>
+        <p:txBody>
+          <a:bodyPr/>
+          <a:lstStyle/>
+          <a:p>
+            <a:fld id="{B0C8BBDD-C3B0-48D3-84B8-B335C26FBCD7}" type="slidenum">
+              <a:rPr lang="tr-TR" smtClean="0"/>
+              <a:t>12</a:t>
+            </a:fld>
+            <a:endParaRPr lang="tr-TR"/>
+          </a:p>
+        </p:txBody>
+      </p:sp>
+    </p:spTree>
+    <p:extLst>
+      <p:ext uri="{BB962C8B-B14F-4D97-AF65-F5344CB8AC3E}">
+        <p14:creationId xmlns:p14="http://schemas.microsoft.com/office/powerpoint/2010/main" val="562200285"/>
+      </p:ext>
+    </p:extLst>
+  </p:cSld>
+  <p:clrMapOvr>
+    <a:masterClrMapping/>
+  </p:clrMapOvr>
+</p:notes>
+</file>
+
+<file path=ppt/notesSlides/notesSlide13.xml><?xml version="1.0" encoding="utf-8"?>
+<p:notes xmlns:a="http://schemas.openxmlformats.org/drawingml/2006/main" xmlns:r="http://schemas.openxmlformats.org/officeDocument/2006/relationships" xmlns:p="http://schemas.openxmlformats.org/presentationml/2006/main">
+  <p:cSld>
+    <p:spTree>
+      <p:nvGrpSpPr>
+        <p:cNvPr id="1" name=""/>
+        <p:cNvGrpSpPr/>
+        <p:nvPr/>
+      </p:nvGrpSpPr>
+      <p:grpSpPr>
+        <a:xfrm>
+          <a:off x="0" y="0"/>
+          <a:ext cx="0" cy="0"/>
+          <a:chOff x="0" y="0"/>
+          <a:chExt cx="0" cy="0"/>
+        </a:xfrm>
+      </p:grpSpPr>
+      <p:sp>
+        <p:nvSpPr>
+          <p:cNvPr id="2" name="Slide Image Placeholder 1"/>
+          <p:cNvSpPr>
+            <a:spLocks noGrp="1" noRot="1" noChangeAspect="1"/>
+          </p:cNvSpPr>
+          <p:nvPr>
+            <p:ph type="sldImg"/>
+          </p:nvPr>
+        </p:nvSpPr>
+        <p:spPr/>
+      </p:sp>
+      <p:sp>
+        <p:nvSpPr>
+          <p:cNvPr id="3" name="Notes Placeholder 2"/>
+          <p:cNvSpPr>
+            <a:spLocks noGrp="1"/>
+          </p:cNvSpPr>
+          <p:nvPr>
+            <p:ph type="body" idx="1"/>
+          </p:nvPr>
+        </p:nvSpPr>
+        <p:spPr/>
+        <p:txBody>
+          <a:bodyPr/>
+          <a:lstStyle/>
+          <a:p>
+            <a:endParaRPr lang="tr-TR"/>
+          </a:p>
+        </p:txBody>
+      </p:sp>
+      <p:sp>
+        <p:nvSpPr>
+          <p:cNvPr id="4" name="Header Placeholder 3"/>
+          <p:cNvSpPr>
+            <a:spLocks noGrp="1"/>
+          </p:cNvSpPr>
+          <p:nvPr>
+            <p:ph type="hdr" sz="quarter"/>
+            <p:custDataLst>
+              <p:tags r:id="rId1"/>
+            </p:custDataLst>
+          </p:nvPr>
+        </p:nvSpPr>
+        <p:spPr/>
+        <p:txBody>
+          <a:bodyPr/>
+          <a:lstStyle/>
+          <a:p>
+            <a:r>
+              <a:rPr lang="tr-TR"/>
+              <a:t>TASNİF DIŞI</a:t>
+            </a:r>
+          </a:p>
+        </p:txBody>
+      </p:sp>
+      <p:sp>
+        <p:nvSpPr>
+          <p:cNvPr id="5" name="Footer Placeholder 4"/>
+          <p:cNvSpPr>
+            <a:spLocks noGrp="1"/>
+          </p:cNvSpPr>
+          <p:nvPr>
+            <p:ph type="ftr" sz="quarter" idx="4"/>
+          </p:nvPr>
+        </p:nvSpPr>
+        <p:spPr/>
+        <p:txBody>
+          <a:bodyPr/>
+          <a:lstStyle/>
+          <a:p>
+            <a:endParaRPr lang="tr-TR"/>
+          </a:p>
+        </p:txBody>
+      </p:sp>
+      <p:sp>
+        <p:nvSpPr>
+          <p:cNvPr id="6" name="Slide Number Placeholder 5"/>
+          <p:cNvSpPr>
+            <a:spLocks noGrp="1"/>
+          </p:cNvSpPr>
+          <p:nvPr>
+            <p:ph type="sldNum" sz="quarter" idx="5"/>
+          </p:nvPr>
+        </p:nvSpPr>
+        <p:spPr/>
+        <p:txBody>
+          <a:bodyPr/>
+          <a:lstStyle/>
+          <a:p>
+            <a:fld id="{B0C8BBDD-C3B0-48D3-84B8-B335C26FBCD7}" type="slidenum">
+              <a:rPr lang="tr-TR" smtClean="0"/>
+              <a:t>13</a:t>
+            </a:fld>
+            <a:endParaRPr lang="tr-TR"/>
+          </a:p>
+        </p:txBody>
+      </p:sp>
+    </p:spTree>
+    <p:extLst>
+      <p:ext uri="{BB962C8B-B14F-4D97-AF65-F5344CB8AC3E}">
+        <p14:creationId xmlns:p14="http://schemas.microsoft.com/office/powerpoint/2010/main" val="3720815415"/>
+      </p:ext>
+    </p:extLst>
+  </p:cSld>
+  <p:clrMapOvr>
+    <a:masterClrMapping/>
+  </p:clrMapOvr>
+</p:notes>
+</file>
+
 <file path=ppt/notesSlides/notesSlide2.xml><?xml version="1.0" encoding="utf-8"?>
 <p:notes xmlns:a="http://schemas.openxmlformats.org/drawingml/2006/main" xmlns:r="http://schemas.openxmlformats.org/officeDocument/2006/relationships" xmlns:p="http://schemas.openxmlformats.org/presentationml/2006/main">
   <p:cSld>
@@ -1182,6 +1708,646 @@
     <p:extLst>
       <p:ext uri="{BB962C8B-B14F-4D97-AF65-F5344CB8AC3E}">
         <p14:creationId xmlns:p14="http://schemas.microsoft.com/office/powerpoint/2010/main" val="1318031204"/>
+      </p:ext>
+    </p:extLst>
+  </p:cSld>
+  <p:clrMapOvr>
+    <a:masterClrMapping/>
+  </p:clrMapOvr>
+</p:notes>
+</file>
+
+<file path=ppt/notesSlides/notesSlide5.xml><?xml version="1.0" encoding="utf-8"?>
+<p:notes xmlns:a="http://schemas.openxmlformats.org/drawingml/2006/main" xmlns:r="http://schemas.openxmlformats.org/officeDocument/2006/relationships" xmlns:p="http://schemas.openxmlformats.org/presentationml/2006/main">
+  <p:cSld>
+    <p:spTree>
+      <p:nvGrpSpPr>
+        <p:cNvPr id="1" name=""/>
+        <p:cNvGrpSpPr/>
+        <p:nvPr/>
+      </p:nvGrpSpPr>
+      <p:grpSpPr>
+        <a:xfrm>
+          <a:off x="0" y="0"/>
+          <a:ext cx="0" cy="0"/>
+          <a:chOff x="0" y="0"/>
+          <a:chExt cx="0" cy="0"/>
+        </a:xfrm>
+      </p:grpSpPr>
+      <p:sp>
+        <p:nvSpPr>
+          <p:cNvPr id="2" name="Slide Image Placeholder 1"/>
+          <p:cNvSpPr>
+            <a:spLocks noGrp="1" noRot="1" noChangeAspect="1"/>
+          </p:cNvSpPr>
+          <p:nvPr>
+            <p:ph type="sldImg"/>
+          </p:nvPr>
+        </p:nvSpPr>
+        <p:spPr/>
+      </p:sp>
+      <p:sp>
+        <p:nvSpPr>
+          <p:cNvPr id="3" name="Notes Placeholder 2"/>
+          <p:cNvSpPr>
+            <a:spLocks noGrp="1"/>
+          </p:cNvSpPr>
+          <p:nvPr>
+            <p:ph type="body" idx="1"/>
+          </p:nvPr>
+        </p:nvSpPr>
+        <p:spPr/>
+        <p:txBody>
+          <a:bodyPr/>
+          <a:lstStyle/>
+          <a:p>
+            <a:endParaRPr lang="tr-TR"/>
+          </a:p>
+        </p:txBody>
+      </p:sp>
+      <p:sp>
+        <p:nvSpPr>
+          <p:cNvPr id="4" name="Header Placeholder 3"/>
+          <p:cNvSpPr>
+            <a:spLocks noGrp="1"/>
+          </p:cNvSpPr>
+          <p:nvPr>
+            <p:ph type="hdr" sz="quarter"/>
+            <p:custDataLst>
+              <p:tags r:id="rId1"/>
+            </p:custDataLst>
+          </p:nvPr>
+        </p:nvSpPr>
+        <p:spPr/>
+        <p:txBody>
+          <a:bodyPr/>
+          <a:lstStyle/>
+          <a:p>
+            <a:r>
+              <a:rPr lang="tr-TR"/>
+              <a:t>TASNİF DIŞI</a:t>
+            </a:r>
+          </a:p>
+        </p:txBody>
+      </p:sp>
+      <p:sp>
+        <p:nvSpPr>
+          <p:cNvPr id="5" name="Footer Placeholder 4"/>
+          <p:cNvSpPr>
+            <a:spLocks noGrp="1"/>
+          </p:cNvSpPr>
+          <p:nvPr>
+            <p:ph type="ftr" sz="quarter" idx="4"/>
+          </p:nvPr>
+        </p:nvSpPr>
+        <p:spPr/>
+        <p:txBody>
+          <a:bodyPr/>
+          <a:lstStyle/>
+          <a:p>
+            <a:endParaRPr lang="tr-TR"/>
+          </a:p>
+        </p:txBody>
+      </p:sp>
+      <p:sp>
+        <p:nvSpPr>
+          <p:cNvPr id="6" name="Slide Number Placeholder 5"/>
+          <p:cNvSpPr>
+            <a:spLocks noGrp="1"/>
+          </p:cNvSpPr>
+          <p:nvPr>
+            <p:ph type="sldNum" sz="quarter" idx="5"/>
+          </p:nvPr>
+        </p:nvSpPr>
+        <p:spPr/>
+        <p:txBody>
+          <a:bodyPr/>
+          <a:lstStyle/>
+          <a:p>
+            <a:fld id="{B0C8BBDD-C3B0-48D3-84B8-B335C26FBCD7}" type="slidenum">
+              <a:rPr lang="tr-TR" smtClean="0"/>
+              <a:t>5</a:t>
+            </a:fld>
+            <a:endParaRPr lang="tr-TR"/>
+          </a:p>
+        </p:txBody>
+      </p:sp>
+    </p:spTree>
+    <p:extLst>
+      <p:ext uri="{BB962C8B-B14F-4D97-AF65-F5344CB8AC3E}">
+        <p14:creationId xmlns:p14="http://schemas.microsoft.com/office/powerpoint/2010/main" val="909879416"/>
+      </p:ext>
+    </p:extLst>
+  </p:cSld>
+  <p:clrMapOvr>
+    <a:masterClrMapping/>
+  </p:clrMapOvr>
+</p:notes>
+</file>
+
+<file path=ppt/notesSlides/notesSlide6.xml><?xml version="1.0" encoding="utf-8"?>
+<p:notes xmlns:a="http://schemas.openxmlformats.org/drawingml/2006/main" xmlns:r="http://schemas.openxmlformats.org/officeDocument/2006/relationships" xmlns:p="http://schemas.openxmlformats.org/presentationml/2006/main">
+  <p:cSld>
+    <p:spTree>
+      <p:nvGrpSpPr>
+        <p:cNvPr id="1" name=""/>
+        <p:cNvGrpSpPr/>
+        <p:nvPr/>
+      </p:nvGrpSpPr>
+      <p:grpSpPr>
+        <a:xfrm>
+          <a:off x="0" y="0"/>
+          <a:ext cx="0" cy="0"/>
+          <a:chOff x="0" y="0"/>
+          <a:chExt cx="0" cy="0"/>
+        </a:xfrm>
+      </p:grpSpPr>
+      <p:sp>
+        <p:nvSpPr>
+          <p:cNvPr id="2" name="Slide Image Placeholder 1"/>
+          <p:cNvSpPr>
+            <a:spLocks noGrp="1" noRot="1" noChangeAspect="1"/>
+          </p:cNvSpPr>
+          <p:nvPr>
+            <p:ph type="sldImg"/>
+          </p:nvPr>
+        </p:nvSpPr>
+        <p:spPr/>
+      </p:sp>
+      <p:sp>
+        <p:nvSpPr>
+          <p:cNvPr id="3" name="Notes Placeholder 2"/>
+          <p:cNvSpPr>
+            <a:spLocks noGrp="1"/>
+          </p:cNvSpPr>
+          <p:nvPr>
+            <p:ph type="body" idx="1"/>
+          </p:nvPr>
+        </p:nvSpPr>
+        <p:spPr/>
+        <p:txBody>
+          <a:bodyPr/>
+          <a:lstStyle/>
+          <a:p>
+            <a:endParaRPr lang="tr-TR"/>
+          </a:p>
+        </p:txBody>
+      </p:sp>
+      <p:sp>
+        <p:nvSpPr>
+          <p:cNvPr id="4" name="Header Placeholder 3"/>
+          <p:cNvSpPr>
+            <a:spLocks noGrp="1"/>
+          </p:cNvSpPr>
+          <p:nvPr>
+            <p:ph type="hdr" sz="quarter"/>
+            <p:custDataLst>
+              <p:tags r:id="rId1"/>
+            </p:custDataLst>
+          </p:nvPr>
+        </p:nvSpPr>
+        <p:spPr/>
+        <p:txBody>
+          <a:bodyPr/>
+          <a:lstStyle/>
+          <a:p>
+            <a:r>
+              <a:rPr lang="tr-TR"/>
+              <a:t>TASNİF DIŞI</a:t>
+            </a:r>
+          </a:p>
+        </p:txBody>
+      </p:sp>
+      <p:sp>
+        <p:nvSpPr>
+          <p:cNvPr id="5" name="Footer Placeholder 4"/>
+          <p:cNvSpPr>
+            <a:spLocks noGrp="1"/>
+          </p:cNvSpPr>
+          <p:nvPr>
+            <p:ph type="ftr" sz="quarter" idx="4"/>
+          </p:nvPr>
+        </p:nvSpPr>
+        <p:spPr/>
+        <p:txBody>
+          <a:bodyPr/>
+          <a:lstStyle/>
+          <a:p>
+            <a:endParaRPr lang="tr-TR"/>
+          </a:p>
+        </p:txBody>
+      </p:sp>
+      <p:sp>
+        <p:nvSpPr>
+          <p:cNvPr id="6" name="Slide Number Placeholder 5"/>
+          <p:cNvSpPr>
+            <a:spLocks noGrp="1"/>
+          </p:cNvSpPr>
+          <p:nvPr>
+            <p:ph type="sldNum" sz="quarter" idx="5"/>
+          </p:nvPr>
+        </p:nvSpPr>
+        <p:spPr/>
+        <p:txBody>
+          <a:bodyPr/>
+          <a:lstStyle/>
+          <a:p>
+            <a:fld id="{B0C8BBDD-C3B0-48D3-84B8-B335C26FBCD7}" type="slidenum">
+              <a:rPr lang="tr-TR" smtClean="0"/>
+              <a:t>6</a:t>
+            </a:fld>
+            <a:endParaRPr lang="tr-TR"/>
+          </a:p>
+        </p:txBody>
+      </p:sp>
+    </p:spTree>
+    <p:extLst>
+      <p:ext uri="{BB962C8B-B14F-4D97-AF65-F5344CB8AC3E}">
+        <p14:creationId xmlns:p14="http://schemas.microsoft.com/office/powerpoint/2010/main" val="1569182570"/>
+      </p:ext>
+    </p:extLst>
+  </p:cSld>
+  <p:clrMapOvr>
+    <a:masterClrMapping/>
+  </p:clrMapOvr>
+</p:notes>
+</file>
+
+<file path=ppt/notesSlides/notesSlide7.xml><?xml version="1.0" encoding="utf-8"?>
+<p:notes xmlns:a="http://schemas.openxmlformats.org/drawingml/2006/main" xmlns:r="http://schemas.openxmlformats.org/officeDocument/2006/relationships" xmlns:p="http://schemas.openxmlformats.org/presentationml/2006/main">
+  <p:cSld>
+    <p:spTree>
+      <p:nvGrpSpPr>
+        <p:cNvPr id="1" name=""/>
+        <p:cNvGrpSpPr/>
+        <p:nvPr/>
+      </p:nvGrpSpPr>
+      <p:grpSpPr>
+        <a:xfrm>
+          <a:off x="0" y="0"/>
+          <a:ext cx="0" cy="0"/>
+          <a:chOff x="0" y="0"/>
+          <a:chExt cx="0" cy="0"/>
+        </a:xfrm>
+      </p:grpSpPr>
+      <p:sp>
+        <p:nvSpPr>
+          <p:cNvPr id="2" name="Slide Image Placeholder 1"/>
+          <p:cNvSpPr>
+            <a:spLocks noGrp="1" noRot="1" noChangeAspect="1"/>
+          </p:cNvSpPr>
+          <p:nvPr>
+            <p:ph type="sldImg"/>
+          </p:nvPr>
+        </p:nvSpPr>
+        <p:spPr/>
+      </p:sp>
+      <p:sp>
+        <p:nvSpPr>
+          <p:cNvPr id="3" name="Notes Placeholder 2"/>
+          <p:cNvSpPr>
+            <a:spLocks noGrp="1"/>
+          </p:cNvSpPr>
+          <p:nvPr>
+            <p:ph type="body" idx="1"/>
+          </p:nvPr>
+        </p:nvSpPr>
+        <p:spPr/>
+        <p:txBody>
+          <a:bodyPr/>
+          <a:lstStyle/>
+          <a:p>
+            <a:endParaRPr lang="tr-TR"/>
+          </a:p>
+        </p:txBody>
+      </p:sp>
+      <p:sp>
+        <p:nvSpPr>
+          <p:cNvPr id="4" name="Header Placeholder 3"/>
+          <p:cNvSpPr>
+            <a:spLocks noGrp="1"/>
+          </p:cNvSpPr>
+          <p:nvPr>
+            <p:ph type="hdr" sz="quarter"/>
+            <p:custDataLst>
+              <p:tags r:id="rId1"/>
+            </p:custDataLst>
+          </p:nvPr>
+        </p:nvSpPr>
+        <p:spPr/>
+        <p:txBody>
+          <a:bodyPr/>
+          <a:lstStyle/>
+          <a:p>
+            <a:r>
+              <a:rPr lang="tr-TR"/>
+              <a:t>TASNİF DIŞI</a:t>
+            </a:r>
+          </a:p>
+        </p:txBody>
+      </p:sp>
+      <p:sp>
+        <p:nvSpPr>
+          <p:cNvPr id="5" name="Footer Placeholder 4"/>
+          <p:cNvSpPr>
+            <a:spLocks noGrp="1"/>
+          </p:cNvSpPr>
+          <p:nvPr>
+            <p:ph type="ftr" sz="quarter" idx="4"/>
+          </p:nvPr>
+        </p:nvSpPr>
+        <p:spPr/>
+        <p:txBody>
+          <a:bodyPr/>
+          <a:lstStyle/>
+          <a:p>
+            <a:endParaRPr lang="tr-TR"/>
+          </a:p>
+        </p:txBody>
+      </p:sp>
+      <p:sp>
+        <p:nvSpPr>
+          <p:cNvPr id="6" name="Slide Number Placeholder 5"/>
+          <p:cNvSpPr>
+            <a:spLocks noGrp="1"/>
+          </p:cNvSpPr>
+          <p:nvPr>
+            <p:ph type="sldNum" sz="quarter" idx="5"/>
+          </p:nvPr>
+        </p:nvSpPr>
+        <p:spPr/>
+        <p:txBody>
+          <a:bodyPr/>
+          <a:lstStyle/>
+          <a:p>
+            <a:fld id="{B0C8BBDD-C3B0-48D3-84B8-B335C26FBCD7}" type="slidenum">
+              <a:rPr lang="tr-TR" smtClean="0"/>
+              <a:t>7</a:t>
+            </a:fld>
+            <a:endParaRPr lang="tr-TR"/>
+          </a:p>
+        </p:txBody>
+      </p:sp>
+    </p:spTree>
+    <p:extLst>
+      <p:ext uri="{BB962C8B-B14F-4D97-AF65-F5344CB8AC3E}">
+        <p14:creationId xmlns:p14="http://schemas.microsoft.com/office/powerpoint/2010/main" val="3551584099"/>
+      </p:ext>
+    </p:extLst>
+  </p:cSld>
+  <p:clrMapOvr>
+    <a:masterClrMapping/>
+  </p:clrMapOvr>
+</p:notes>
+</file>
+
+<file path=ppt/notesSlides/notesSlide8.xml><?xml version="1.0" encoding="utf-8"?>
+<p:notes xmlns:a="http://schemas.openxmlformats.org/drawingml/2006/main" xmlns:r="http://schemas.openxmlformats.org/officeDocument/2006/relationships" xmlns:p="http://schemas.openxmlformats.org/presentationml/2006/main">
+  <p:cSld>
+    <p:spTree>
+      <p:nvGrpSpPr>
+        <p:cNvPr id="1" name=""/>
+        <p:cNvGrpSpPr/>
+        <p:nvPr/>
+      </p:nvGrpSpPr>
+      <p:grpSpPr>
+        <a:xfrm>
+          <a:off x="0" y="0"/>
+          <a:ext cx="0" cy="0"/>
+          <a:chOff x="0" y="0"/>
+          <a:chExt cx="0" cy="0"/>
+        </a:xfrm>
+      </p:grpSpPr>
+      <p:sp>
+        <p:nvSpPr>
+          <p:cNvPr id="2" name="Slide Image Placeholder 1"/>
+          <p:cNvSpPr>
+            <a:spLocks noGrp="1" noRot="1" noChangeAspect="1"/>
+          </p:cNvSpPr>
+          <p:nvPr>
+            <p:ph type="sldImg"/>
+          </p:nvPr>
+        </p:nvSpPr>
+        <p:spPr/>
+      </p:sp>
+      <p:sp>
+        <p:nvSpPr>
+          <p:cNvPr id="3" name="Notes Placeholder 2"/>
+          <p:cNvSpPr>
+            <a:spLocks noGrp="1"/>
+          </p:cNvSpPr>
+          <p:nvPr>
+            <p:ph type="body" idx="1"/>
+          </p:nvPr>
+        </p:nvSpPr>
+        <p:spPr/>
+        <p:txBody>
+          <a:bodyPr/>
+          <a:lstStyle/>
+          <a:p>
+            <a:endParaRPr lang="tr-TR"/>
+          </a:p>
+        </p:txBody>
+      </p:sp>
+      <p:sp>
+        <p:nvSpPr>
+          <p:cNvPr id="4" name="Header Placeholder 3"/>
+          <p:cNvSpPr>
+            <a:spLocks noGrp="1"/>
+          </p:cNvSpPr>
+          <p:nvPr>
+            <p:ph type="hdr" sz="quarter"/>
+            <p:custDataLst>
+              <p:tags r:id="rId1"/>
+            </p:custDataLst>
+          </p:nvPr>
+        </p:nvSpPr>
+        <p:spPr/>
+        <p:txBody>
+          <a:bodyPr/>
+          <a:lstStyle/>
+          <a:p>
+            <a:r>
+              <a:rPr lang="tr-TR"/>
+              <a:t>TASNİF DIŞI</a:t>
+            </a:r>
+          </a:p>
+        </p:txBody>
+      </p:sp>
+      <p:sp>
+        <p:nvSpPr>
+          <p:cNvPr id="5" name="Footer Placeholder 4"/>
+          <p:cNvSpPr>
+            <a:spLocks noGrp="1"/>
+          </p:cNvSpPr>
+          <p:nvPr>
+            <p:ph type="ftr" sz="quarter" idx="4"/>
+          </p:nvPr>
+        </p:nvSpPr>
+        <p:spPr/>
+        <p:txBody>
+          <a:bodyPr/>
+          <a:lstStyle/>
+          <a:p>
+            <a:endParaRPr lang="tr-TR"/>
+          </a:p>
+        </p:txBody>
+      </p:sp>
+      <p:sp>
+        <p:nvSpPr>
+          <p:cNvPr id="6" name="Slide Number Placeholder 5"/>
+          <p:cNvSpPr>
+            <a:spLocks noGrp="1"/>
+          </p:cNvSpPr>
+          <p:nvPr>
+            <p:ph type="sldNum" sz="quarter" idx="5"/>
+          </p:nvPr>
+        </p:nvSpPr>
+        <p:spPr/>
+        <p:txBody>
+          <a:bodyPr/>
+          <a:lstStyle/>
+          <a:p>
+            <a:fld id="{B0C8BBDD-C3B0-48D3-84B8-B335C26FBCD7}" type="slidenum">
+              <a:rPr lang="tr-TR" smtClean="0"/>
+              <a:t>8</a:t>
+            </a:fld>
+            <a:endParaRPr lang="tr-TR"/>
+          </a:p>
+        </p:txBody>
+      </p:sp>
+    </p:spTree>
+    <p:extLst>
+      <p:ext uri="{BB962C8B-B14F-4D97-AF65-F5344CB8AC3E}">
+        <p14:creationId xmlns:p14="http://schemas.microsoft.com/office/powerpoint/2010/main" val="1603975523"/>
+      </p:ext>
+    </p:extLst>
+  </p:cSld>
+  <p:clrMapOvr>
+    <a:masterClrMapping/>
+  </p:clrMapOvr>
+</p:notes>
+</file>
+
+<file path=ppt/notesSlides/notesSlide9.xml><?xml version="1.0" encoding="utf-8"?>
+<p:notes xmlns:a="http://schemas.openxmlformats.org/drawingml/2006/main" xmlns:r="http://schemas.openxmlformats.org/officeDocument/2006/relationships" xmlns:p="http://schemas.openxmlformats.org/presentationml/2006/main">
+  <p:cSld>
+    <p:spTree>
+      <p:nvGrpSpPr>
+        <p:cNvPr id="1" name=""/>
+        <p:cNvGrpSpPr/>
+        <p:nvPr/>
+      </p:nvGrpSpPr>
+      <p:grpSpPr>
+        <a:xfrm>
+          <a:off x="0" y="0"/>
+          <a:ext cx="0" cy="0"/>
+          <a:chOff x="0" y="0"/>
+          <a:chExt cx="0" cy="0"/>
+        </a:xfrm>
+      </p:grpSpPr>
+      <p:sp>
+        <p:nvSpPr>
+          <p:cNvPr id="2" name="Slide Image Placeholder 1"/>
+          <p:cNvSpPr>
+            <a:spLocks noGrp="1" noRot="1" noChangeAspect="1"/>
+          </p:cNvSpPr>
+          <p:nvPr>
+            <p:ph type="sldImg"/>
+          </p:nvPr>
+        </p:nvSpPr>
+        <p:spPr/>
+      </p:sp>
+      <p:sp>
+        <p:nvSpPr>
+          <p:cNvPr id="3" name="Notes Placeholder 2"/>
+          <p:cNvSpPr>
+            <a:spLocks noGrp="1"/>
+          </p:cNvSpPr>
+          <p:nvPr>
+            <p:ph type="body" idx="1"/>
+          </p:nvPr>
+        </p:nvSpPr>
+        <p:spPr/>
+        <p:txBody>
+          <a:bodyPr/>
+          <a:lstStyle/>
+          <a:p>
+            <a:endParaRPr lang="tr-TR"/>
+          </a:p>
+        </p:txBody>
+      </p:sp>
+      <p:sp>
+        <p:nvSpPr>
+          <p:cNvPr id="4" name="Header Placeholder 3"/>
+          <p:cNvSpPr>
+            <a:spLocks noGrp="1"/>
+          </p:cNvSpPr>
+          <p:nvPr>
+            <p:ph type="hdr" sz="quarter"/>
+            <p:custDataLst>
+              <p:tags r:id="rId1"/>
+            </p:custDataLst>
+          </p:nvPr>
+        </p:nvSpPr>
+        <p:spPr/>
+        <p:txBody>
+          <a:bodyPr/>
+          <a:lstStyle/>
+          <a:p>
+            <a:r>
+              <a:rPr lang="tr-TR"/>
+              <a:t>TASNİF DIŞI</a:t>
+            </a:r>
+          </a:p>
+        </p:txBody>
+      </p:sp>
+      <p:sp>
+        <p:nvSpPr>
+          <p:cNvPr id="5" name="Footer Placeholder 4"/>
+          <p:cNvSpPr>
+            <a:spLocks noGrp="1"/>
+          </p:cNvSpPr>
+          <p:nvPr>
+            <p:ph type="ftr" sz="quarter" idx="4"/>
+          </p:nvPr>
+        </p:nvSpPr>
+        <p:spPr/>
+        <p:txBody>
+          <a:bodyPr/>
+          <a:lstStyle/>
+          <a:p>
+            <a:endParaRPr lang="tr-TR"/>
+          </a:p>
+        </p:txBody>
+      </p:sp>
+      <p:sp>
+        <p:nvSpPr>
+          <p:cNvPr id="6" name="Slide Number Placeholder 5"/>
+          <p:cNvSpPr>
+            <a:spLocks noGrp="1"/>
+          </p:cNvSpPr>
+          <p:nvPr>
+            <p:ph type="sldNum" sz="quarter" idx="5"/>
+          </p:nvPr>
+        </p:nvSpPr>
+        <p:spPr/>
+        <p:txBody>
+          <a:bodyPr/>
+          <a:lstStyle/>
+          <a:p>
+            <a:fld id="{B0C8BBDD-C3B0-48D3-84B8-B335C26FBCD7}" type="slidenum">
+              <a:rPr lang="tr-TR" smtClean="0"/>
+              <a:t>9</a:t>
+            </a:fld>
+            <a:endParaRPr lang="tr-TR"/>
+          </a:p>
+        </p:txBody>
+      </p:sp>
+    </p:spTree>
+    <p:extLst>
+      <p:ext uri="{BB962C8B-B14F-4D97-AF65-F5344CB8AC3E}">
+        <p14:creationId xmlns:p14="http://schemas.microsoft.com/office/powerpoint/2010/main" val="3652783704"/>
       </p:ext>
     </p:extLst>
   </p:cSld>
@@ -1340,7 +2506,7 @@
           <a:p>
             <a:fld id="{B86B93EA-B161-43A7-81D2-EA9395F93F46}" type="datetimeFigureOut">
               <a:rPr lang="tr-TR" smtClean="0"/>
-              <a:t>20.01.2026</a:t>
+              <a:t>21.01.2026</a:t>
             </a:fld>
             <a:endParaRPr lang="tr-TR"/>
           </a:p>
@@ -1540,7 +2706,7 @@
           <a:p>
             <a:fld id="{B86B93EA-B161-43A7-81D2-EA9395F93F46}" type="datetimeFigureOut">
               <a:rPr lang="tr-TR" smtClean="0"/>
-              <a:t>20.01.2026</a:t>
+              <a:t>21.01.2026</a:t>
             </a:fld>
             <a:endParaRPr lang="tr-TR"/>
           </a:p>
@@ -1750,7 +2916,7 @@
           <a:p>
             <a:fld id="{B86B93EA-B161-43A7-81D2-EA9395F93F46}" type="datetimeFigureOut">
               <a:rPr lang="tr-TR" smtClean="0"/>
-              <a:t>20.01.2026</a:t>
+              <a:t>21.01.2026</a:t>
             </a:fld>
             <a:endParaRPr lang="tr-TR"/>
           </a:p>
@@ -1950,7 +3116,7 @@
           <a:p>
             <a:fld id="{B86B93EA-B161-43A7-81D2-EA9395F93F46}" type="datetimeFigureOut">
               <a:rPr lang="tr-TR" smtClean="0"/>
-              <a:t>20.01.2026</a:t>
+              <a:t>21.01.2026</a:t>
             </a:fld>
             <a:endParaRPr lang="tr-TR"/>
           </a:p>
@@ -2226,7 +3392,7 @@
           <a:p>
             <a:fld id="{B86B93EA-B161-43A7-81D2-EA9395F93F46}" type="datetimeFigureOut">
               <a:rPr lang="tr-TR" smtClean="0"/>
-              <a:t>20.01.2026</a:t>
+              <a:t>21.01.2026</a:t>
             </a:fld>
             <a:endParaRPr lang="tr-TR"/>
           </a:p>
@@ -2494,7 +3660,7 @@
           <a:p>
             <a:fld id="{B86B93EA-B161-43A7-81D2-EA9395F93F46}" type="datetimeFigureOut">
               <a:rPr lang="tr-TR" smtClean="0"/>
-              <a:t>20.01.2026</a:t>
+              <a:t>21.01.2026</a:t>
             </a:fld>
             <a:endParaRPr lang="tr-TR"/>
           </a:p>
@@ -2909,7 +4075,7 @@
           <a:p>
             <a:fld id="{B86B93EA-B161-43A7-81D2-EA9395F93F46}" type="datetimeFigureOut">
               <a:rPr lang="tr-TR" smtClean="0"/>
-              <a:t>20.01.2026</a:t>
+              <a:t>21.01.2026</a:t>
             </a:fld>
             <a:endParaRPr lang="tr-TR"/>
           </a:p>
@@ -3051,7 +4217,7 @@
           <a:p>
             <a:fld id="{B86B93EA-B161-43A7-81D2-EA9395F93F46}" type="datetimeFigureOut">
               <a:rPr lang="tr-TR" smtClean="0"/>
-              <a:t>20.01.2026</a:t>
+              <a:t>21.01.2026</a:t>
             </a:fld>
             <a:endParaRPr lang="tr-TR"/>
           </a:p>
@@ -3164,7 +4330,7 @@
           <a:p>
             <a:fld id="{B86B93EA-B161-43A7-81D2-EA9395F93F46}" type="datetimeFigureOut">
               <a:rPr lang="tr-TR" smtClean="0"/>
-              <a:t>20.01.2026</a:t>
+              <a:t>21.01.2026</a:t>
             </a:fld>
             <a:endParaRPr lang="tr-TR"/>
           </a:p>
@@ -3477,7 +4643,7 @@
           <a:p>
             <a:fld id="{B86B93EA-B161-43A7-81D2-EA9395F93F46}" type="datetimeFigureOut">
               <a:rPr lang="tr-TR" smtClean="0"/>
-              <a:t>20.01.2026</a:t>
+              <a:t>21.01.2026</a:t>
             </a:fld>
             <a:endParaRPr lang="tr-TR"/>
           </a:p>
@@ -3766,7 +4932,7 @@
           <a:p>
             <a:fld id="{B86B93EA-B161-43A7-81D2-EA9395F93F46}" type="datetimeFigureOut">
               <a:rPr lang="tr-TR" smtClean="0"/>
-              <a:t>20.01.2026</a:t>
+              <a:t>21.01.2026</a:t>
             </a:fld>
             <a:endParaRPr lang="tr-TR"/>
           </a:p>
@@ -4009,7 +5175,7 @@
           <a:p>
             <a:fld id="{B86B93EA-B161-43A7-81D2-EA9395F93F46}" type="datetimeFigureOut">
               <a:rPr lang="tr-TR" smtClean="0"/>
-              <a:t>20.01.2026</a:t>
+              <a:t>21.01.2026</a:t>
             </a:fld>
             <a:endParaRPr lang="tr-TR"/>
           </a:p>
@@ -4489,6 +5655,687 @@
 </p:sld>
 </file>
 
+<file path=ppt/slides/slide10.xml><?xml version="1.0" encoding="utf-8"?>
+<p:sld xmlns:a="http://schemas.openxmlformats.org/drawingml/2006/main" xmlns:r="http://schemas.openxmlformats.org/officeDocument/2006/relationships" xmlns:p="http://schemas.openxmlformats.org/presentationml/2006/main">
+  <p:cSld>
+    <p:spTree>
+      <p:nvGrpSpPr>
+        <p:cNvPr id="1" name=""/>
+        <p:cNvGrpSpPr/>
+        <p:nvPr/>
+      </p:nvGrpSpPr>
+      <p:grpSpPr>
+        <a:xfrm>
+          <a:off x="0" y="0"/>
+          <a:ext cx="0" cy="0"/>
+          <a:chOff x="0" y="0"/>
+          <a:chExt cx="0" cy="0"/>
+        </a:xfrm>
+      </p:grpSpPr>
+      <p:sp>
+        <p:nvSpPr>
+          <p:cNvPr id="2" name="Title 1">
+            <a:extLst>
+              <a:ext uri="{FF2B5EF4-FFF2-40B4-BE49-F238E27FC236}">
+                <a16:creationId xmlns:a16="http://schemas.microsoft.com/office/drawing/2014/main" id="{35E2AE60-011F-4352-822F-2BD9EC90D389}"/>
+              </a:ext>
+            </a:extLst>
+          </p:cNvPr>
+          <p:cNvSpPr>
+            <a:spLocks noGrp="1"/>
+          </p:cNvSpPr>
+          <p:nvPr>
+            <p:ph type="title"/>
+          </p:nvPr>
+        </p:nvSpPr>
+        <p:spPr/>
+        <p:txBody>
+          <a:bodyPr/>
+          <a:lstStyle/>
+          <a:p>
+            <a:r>
+              <a:rPr lang="tr-TR" dirty="0"/>
+              <a:t>DAO </a:t>
+            </a:r>
+            <a:r>
+              <a:rPr lang="tr-TR" dirty="0" err="1"/>
+              <a:t>maps</a:t>
+            </a:r>
+            <a:endParaRPr lang="tr-TR" dirty="0"/>
+          </a:p>
+        </p:txBody>
+      </p:sp>
+      <p:sp>
+        <p:nvSpPr>
+          <p:cNvPr id="3" name="Content Placeholder 2">
+            <a:extLst>
+              <a:ext uri="{FF2B5EF4-FFF2-40B4-BE49-F238E27FC236}">
+                <a16:creationId xmlns:a16="http://schemas.microsoft.com/office/drawing/2014/main" id="{5CE2662C-CE6A-4D20-AB4A-136CBE1F5A9D}"/>
+              </a:ext>
+            </a:extLst>
+          </p:cNvPr>
+          <p:cNvSpPr>
+            <a:spLocks noGrp="1"/>
+          </p:cNvSpPr>
+          <p:nvPr>
+            <p:ph idx="1"/>
+          </p:nvPr>
+        </p:nvSpPr>
+        <p:spPr/>
+        <p:txBody>
+          <a:bodyPr/>
+          <a:lstStyle/>
+          <a:p>
+            <a:endParaRPr lang="tr-TR"/>
+          </a:p>
+        </p:txBody>
+      </p:sp>
+      <p:pic>
+        <p:nvPicPr>
+          <p:cNvPr id="4" name="Picture 3">
+            <a:extLst>
+              <a:ext uri="{FF2B5EF4-FFF2-40B4-BE49-F238E27FC236}">
+                <a16:creationId xmlns:a16="http://schemas.microsoft.com/office/drawing/2014/main" id="{FBA4A2CF-269B-4E25-8D32-3D9F9E8A35E5}"/>
+              </a:ext>
+            </a:extLst>
+          </p:cNvPr>
+          <p:cNvPicPr>
+            <a:picLocks noChangeAspect="1"/>
+          </p:cNvPicPr>
+          <p:nvPr/>
+        </p:nvPicPr>
+        <p:blipFill>
+          <a:blip r:embed="rId3"/>
+          <a:stretch>
+            <a:fillRect/>
+          </a:stretch>
+        </p:blipFill>
+        <p:spPr>
+          <a:xfrm>
+            <a:off x="4679977" y="615635"/>
+            <a:ext cx="5809028" cy="5753477"/>
+          </a:xfrm>
+          <a:prstGeom prst="rect">
+            <a:avLst/>
+          </a:prstGeom>
+        </p:spPr>
+      </p:pic>
+    </p:spTree>
+    <p:extLst>
+      <p:ext uri="{BB962C8B-B14F-4D97-AF65-F5344CB8AC3E}">
+        <p14:creationId xmlns:p14="http://schemas.microsoft.com/office/powerpoint/2010/main" val="3042818153"/>
+      </p:ext>
+    </p:extLst>
+  </p:cSld>
+  <p:clrMapOvr>
+    <a:masterClrMapping/>
+  </p:clrMapOvr>
+</p:sld>
+</file>
+
+<file path=ppt/slides/slide11.xml><?xml version="1.0" encoding="utf-8"?>
+<p:sld xmlns:a="http://schemas.openxmlformats.org/drawingml/2006/main" xmlns:r="http://schemas.openxmlformats.org/officeDocument/2006/relationships" xmlns:p="http://schemas.openxmlformats.org/presentationml/2006/main">
+  <p:cSld>
+    <p:spTree>
+      <p:nvGrpSpPr>
+        <p:cNvPr id="1" name=""/>
+        <p:cNvGrpSpPr/>
+        <p:nvPr/>
+      </p:nvGrpSpPr>
+      <p:grpSpPr>
+        <a:xfrm>
+          <a:off x="0" y="0"/>
+          <a:ext cx="0" cy="0"/>
+          <a:chOff x="0" y="0"/>
+          <a:chExt cx="0" cy="0"/>
+        </a:xfrm>
+      </p:grpSpPr>
+      <p:sp>
+        <p:nvSpPr>
+          <p:cNvPr id="2" name="Title 1">
+            <a:extLst>
+              <a:ext uri="{FF2B5EF4-FFF2-40B4-BE49-F238E27FC236}">
+                <a16:creationId xmlns:a16="http://schemas.microsoft.com/office/drawing/2014/main" id="{0C767491-8677-470F-AFE3-97D113884554}"/>
+              </a:ext>
+            </a:extLst>
+          </p:cNvPr>
+          <p:cNvSpPr>
+            <a:spLocks noGrp="1"/>
+          </p:cNvSpPr>
+          <p:nvPr>
+            <p:ph type="title"/>
+          </p:nvPr>
+        </p:nvSpPr>
+        <p:spPr/>
+        <p:txBody>
+          <a:bodyPr/>
+          <a:lstStyle/>
+          <a:p>
+            <a:r>
+              <a:rPr lang="en-US" dirty="0"/>
+              <a:t>MA-CBS</a:t>
+            </a:r>
+            <a:endParaRPr lang="tr-TR" dirty="0"/>
+          </a:p>
+        </p:txBody>
+      </p:sp>
+      <p:sp>
+        <p:nvSpPr>
+          <p:cNvPr id="3" name="Content Placeholder 2">
+            <a:extLst>
+              <a:ext uri="{FF2B5EF4-FFF2-40B4-BE49-F238E27FC236}">
+                <a16:creationId xmlns:a16="http://schemas.microsoft.com/office/drawing/2014/main" id="{0E2479E4-39A3-4E1B-99F0-A6B7033968D2}"/>
+              </a:ext>
+            </a:extLst>
+          </p:cNvPr>
+          <p:cNvSpPr>
+            <a:spLocks noGrp="1"/>
+          </p:cNvSpPr>
+          <p:nvPr>
+            <p:ph idx="1"/>
+          </p:nvPr>
+        </p:nvSpPr>
+        <p:spPr/>
+        <p:txBody>
+          <a:bodyPr/>
+          <a:lstStyle/>
+          <a:p>
+            <a:r>
+              <a:rPr lang="en-US" dirty="0"/>
+              <a:t>Idea: remedies poor behavior of CBS when a set of agents is strongly coupled by automatically merging those agent into a meta agent</a:t>
+            </a:r>
+          </a:p>
+          <a:p>
+            <a:r>
+              <a:rPr lang="en-US" dirty="0"/>
+              <a:t>Important Concepts with this:</a:t>
+            </a:r>
+          </a:p>
+          <a:p>
+            <a:pPr lvl="1"/>
+            <a:r>
+              <a:rPr lang="en-US" dirty="0"/>
+              <a:t>Merge policy</a:t>
+            </a:r>
+          </a:p>
+          <a:p>
+            <a:pPr lvl="1"/>
+            <a:r>
+              <a:rPr lang="en-US" dirty="0"/>
+              <a:t>Merging constraints</a:t>
+            </a:r>
+          </a:p>
+        </p:txBody>
+      </p:sp>
+    </p:spTree>
+    <p:extLst>
+      <p:ext uri="{BB962C8B-B14F-4D97-AF65-F5344CB8AC3E}">
+        <p14:creationId xmlns:p14="http://schemas.microsoft.com/office/powerpoint/2010/main" val="63228646"/>
+      </p:ext>
+    </p:extLst>
+  </p:cSld>
+  <p:clrMapOvr>
+    <a:masterClrMapping/>
+  </p:clrMapOvr>
+</p:sld>
+</file>
+
+<file path=ppt/slides/slide12.xml><?xml version="1.0" encoding="utf-8"?>
+<p:sld xmlns:a="http://schemas.openxmlformats.org/drawingml/2006/main" xmlns:r="http://schemas.openxmlformats.org/officeDocument/2006/relationships" xmlns:p="http://schemas.openxmlformats.org/presentationml/2006/main">
+  <p:cSld>
+    <p:spTree>
+      <p:nvGrpSpPr>
+        <p:cNvPr id="1" name=""/>
+        <p:cNvGrpSpPr/>
+        <p:nvPr/>
+      </p:nvGrpSpPr>
+      <p:grpSpPr>
+        <a:xfrm>
+          <a:off x="0" y="0"/>
+          <a:ext cx="0" cy="0"/>
+          <a:chOff x="0" y="0"/>
+          <a:chExt cx="0" cy="0"/>
+        </a:xfrm>
+      </p:grpSpPr>
+      <p:sp>
+        <p:nvSpPr>
+          <p:cNvPr id="2" name="Title 1">
+            <a:extLst>
+              <a:ext uri="{FF2B5EF4-FFF2-40B4-BE49-F238E27FC236}">
+                <a16:creationId xmlns:a16="http://schemas.microsoft.com/office/drawing/2014/main" id="{34CA8524-95F4-4051-B51C-462CE88A4FAF}"/>
+              </a:ext>
+            </a:extLst>
+          </p:cNvPr>
+          <p:cNvSpPr>
+            <a:spLocks noGrp="1"/>
+          </p:cNvSpPr>
+          <p:nvPr>
+            <p:ph type="title"/>
+          </p:nvPr>
+        </p:nvSpPr>
+        <p:spPr/>
+        <p:txBody>
+          <a:bodyPr/>
+          <a:lstStyle/>
+          <a:p>
+            <a:r>
+              <a:rPr lang="en-US" dirty="0"/>
+              <a:t>Merge policy</a:t>
+            </a:r>
+            <a:endParaRPr lang="tr-TR" dirty="0"/>
+          </a:p>
+        </p:txBody>
+      </p:sp>
+      <mc:AlternateContent xmlns:mc="http://schemas.openxmlformats.org/markup-compatibility/2006">
+        <mc:Choice xmlns:a14="http://schemas.microsoft.com/office/drawing/2010/main" Requires="a14">
+          <p:sp>
+            <p:nvSpPr>
+              <p:cNvPr id="3" name="Content Placeholder 2">
+                <a:extLst>
+                  <a:ext uri="{FF2B5EF4-FFF2-40B4-BE49-F238E27FC236}">
+                    <a16:creationId xmlns:a16="http://schemas.microsoft.com/office/drawing/2014/main" id="{6D9EC029-A22B-43BC-BC41-96F1F108D404}"/>
+                  </a:ext>
+                </a:extLst>
+              </p:cNvPr>
+              <p:cNvSpPr>
+                <a:spLocks noGrp="1"/>
+              </p:cNvSpPr>
+              <p:nvPr>
+                <p:ph idx="1"/>
+              </p:nvPr>
+            </p:nvSpPr>
+            <p:spPr/>
+            <p:txBody>
+              <a:bodyPr/>
+              <a:lstStyle/>
+              <a:p>
+                <a:r>
+                  <a:rPr lang="en-US" dirty="0"/>
+                  <a:t>B threshold</a:t>
+                </a:r>
+              </a:p>
+              <a:p>
+                <a:r>
+                  <a:rPr lang="en-US" dirty="0"/>
+                  <a:t>Conflict Matrix(CM)</a:t>
+                </a:r>
+              </a:p>
+              <a:p>
+                <a:r>
+                  <a:rPr lang="en-US" dirty="0">
+                    <a:ea typeface="Cambria Math" panose="02040503050406030204" pitchFamily="18" charset="0"/>
+                  </a:rPr>
+                  <a:t>Merge if </a:t>
+                </a:r>
+                <a14:m>
+                  <m:oMath xmlns:m="http://schemas.openxmlformats.org/officeDocument/2006/math">
+                    <m:r>
+                      <m:rPr>
+                        <m:sty m:val="p"/>
+                      </m:rPr>
+                      <a:rPr lang="el-GR" i="1" smtClean="0">
+                        <a:latin typeface="Cambria Math" panose="02040503050406030204" pitchFamily="18" charset="0"/>
+                        <a:ea typeface="Cambria Math" panose="02040503050406030204" pitchFamily="18" charset="0"/>
+                      </a:rPr>
+                      <m:t>Σ</m:t>
+                    </m:r>
+                    <m:r>
+                      <a:rPr lang="en-US" b="0" i="1" smtClean="0">
+                        <a:latin typeface="Cambria Math" panose="02040503050406030204" pitchFamily="18" charset="0"/>
+                        <a:ea typeface="Cambria Math" panose="02040503050406030204" pitchFamily="18" charset="0"/>
+                      </a:rPr>
+                      <m:t>𝐶𝑀</m:t>
+                    </m:r>
+                    <m:d>
+                      <m:dPr>
+                        <m:begChr m:val="["/>
+                        <m:endChr m:val="]"/>
+                        <m:ctrlPr>
+                          <a:rPr lang="en-US" b="0" i="1" smtClean="0">
+                            <a:latin typeface="Cambria Math" panose="02040503050406030204" pitchFamily="18" charset="0"/>
+                            <a:ea typeface="Cambria Math" panose="02040503050406030204" pitchFamily="18" charset="0"/>
+                          </a:rPr>
+                        </m:ctrlPr>
+                      </m:dPr>
+                      <m:e>
+                        <m:r>
+                          <a:rPr lang="en-US" b="0" i="1" smtClean="0">
+                            <a:latin typeface="Cambria Math" panose="02040503050406030204" pitchFamily="18" charset="0"/>
+                            <a:ea typeface="Cambria Math" panose="02040503050406030204" pitchFamily="18" charset="0"/>
+                          </a:rPr>
+                          <m:t>𝑥</m:t>
+                        </m:r>
+                        <m:r>
+                          <a:rPr lang="en-US" b="0" i="1" smtClean="0">
+                            <a:latin typeface="Cambria Math" panose="02040503050406030204" pitchFamily="18" charset="0"/>
+                            <a:ea typeface="Cambria Math" panose="02040503050406030204" pitchFamily="18" charset="0"/>
+                          </a:rPr>
+                          <m:t>,</m:t>
+                        </m:r>
+                        <m:r>
+                          <a:rPr lang="en-US" b="0" i="1" smtClean="0">
+                            <a:latin typeface="Cambria Math" panose="02040503050406030204" pitchFamily="18" charset="0"/>
+                            <a:ea typeface="Cambria Math" panose="02040503050406030204" pitchFamily="18" charset="0"/>
+                          </a:rPr>
+                          <m:t>𝑦</m:t>
+                        </m:r>
+                      </m:e>
+                    </m:d>
+                    <m:r>
+                      <a:rPr lang="en-US" b="0" i="1" smtClean="0">
+                        <a:latin typeface="Cambria Math" panose="02040503050406030204" pitchFamily="18" charset="0"/>
+                        <a:ea typeface="Cambria Math" panose="02040503050406030204" pitchFamily="18" charset="0"/>
+                      </a:rPr>
+                      <m:t>&gt;</m:t>
+                    </m:r>
+                    <m:r>
+                      <a:rPr lang="en-US" b="0" i="1" smtClean="0">
+                        <a:latin typeface="Cambria Math" panose="02040503050406030204" pitchFamily="18" charset="0"/>
+                        <a:ea typeface="Cambria Math" panose="02040503050406030204" pitchFamily="18" charset="0"/>
+                      </a:rPr>
+                      <m:t>𝐵</m:t>
+                    </m:r>
+                    <m:r>
+                      <a:rPr lang="en-US" b="0" i="1" smtClean="0">
+                        <a:latin typeface="Cambria Math" panose="02040503050406030204" pitchFamily="18" charset="0"/>
+                        <a:ea typeface="Cambria Math" panose="02040503050406030204" pitchFamily="18" charset="0"/>
+                      </a:rPr>
+                      <m:t> </m:t>
+                    </m:r>
+                    <m:r>
+                      <a:rPr lang="en-US" b="0" i="1" smtClean="0">
+                        <a:latin typeface="Cambria Math" panose="02040503050406030204" pitchFamily="18" charset="0"/>
+                        <a:ea typeface="Cambria Math" panose="02040503050406030204" pitchFamily="18" charset="0"/>
+                      </a:rPr>
+                      <m:t>𝑜𝑣𝑒𝑟𝑎𝑙𝑙</m:t>
+                    </m:r>
+                    <m:r>
+                      <a:rPr lang="en-US" b="0" i="1" smtClean="0">
+                        <a:latin typeface="Cambria Math" panose="02040503050406030204" pitchFamily="18" charset="0"/>
+                        <a:ea typeface="Cambria Math" panose="02040503050406030204" pitchFamily="18" charset="0"/>
+                      </a:rPr>
+                      <m:t> </m:t>
+                    </m:r>
+                    <m:r>
+                      <a:rPr lang="en-US" b="0" i="1" smtClean="0">
+                        <a:latin typeface="Cambria Math" panose="02040503050406030204" pitchFamily="18" charset="0"/>
+                        <a:ea typeface="Cambria Math" panose="02040503050406030204" pitchFamily="18" charset="0"/>
+                      </a:rPr>
+                      <m:t>𝑥</m:t>
+                    </m:r>
+                    <m:r>
+                      <a:rPr lang="en-US" b="0" i="1" smtClean="0">
+                        <a:latin typeface="Cambria Math" panose="02040503050406030204" pitchFamily="18" charset="0"/>
+                        <a:ea typeface="Cambria Math" panose="02040503050406030204" pitchFamily="18" charset="0"/>
+                      </a:rPr>
+                      <m:t> </m:t>
+                    </m:r>
+                    <m:r>
+                      <a:rPr lang="en-US" b="0" i="1" smtClean="0">
+                        <a:latin typeface="Cambria Math" panose="02040503050406030204" pitchFamily="18" charset="0"/>
+                        <a:ea typeface="Cambria Math" panose="02040503050406030204" pitchFamily="18" charset="0"/>
+                      </a:rPr>
+                      <m:t>𝜖</m:t>
+                    </m:r>
+                    <m:r>
+                      <a:rPr lang="en-US" b="0" i="1" smtClean="0">
+                        <a:latin typeface="Cambria Math" panose="02040503050406030204" pitchFamily="18" charset="0"/>
+                        <a:ea typeface="Cambria Math" panose="02040503050406030204" pitchFamily="18" charset="0"/>
+                      </a:rPr>
+                      <m:t> </m:t>
+                    </m:r>
+                    <m:sSub>
+                      <m:sSubPr>
+                        <m:ctrlPr>
+                          <a:rPr lang="en-US" b="0" i="1" smtClean="0">
+                            <a:latin typeface="Cambria Math" panose="02040503050406030204" pitchFamily="18" charset="0"/>
+                            <a:ea typeface="Cambria Math" panose="02040503050406030204" pitchFamily="18" charset="0"/>
+                          </a:rPr>
+                        </m:ctrlPr>
+                      </m:sSubPr>
+                      <m:e>
+                        <m:r>
+                          <a:rPr lang="en-US" b="0" i="1" smtClean="0">
+                            <a:latin typeface="Cambria Math" panose="02040503050406030204" pitchFamily="18" charset="0"/>
+                            <a:ea typeface="Cambria Math" panose="02040503050406030204" pitchFamily="18" charset="0"/>
+                          </a:rPr>
+                          <m:t>𝑎</m:t>
+                        </m:r>
+                      </m:e>
+                      <m:sub>
+                        <m:r>
+                          <a:rPr lang="en-US" b="0" i="1" smtClean="0">
+                            <a:latin typeface="Cambria Math" panose="02040503050406030204" pitchFamily="18" charset="0"/>
+                            <a:ea typeface="Cambria Math" panose="02040503050406030204" pitchFamily="18" charset="0"/>
+                          </a:rPr>
+                          <m:t>1</m:t>
+                        </m:r>
+                      </m:sub>
+                    </m:sSub>
+                    <m:r>
+                      <a:rPr lang="en-US" b="0" i="1" smtClean="0">
+                        <a:latin typeface="Cambria Math" panose="02040503050406030204" pitchFamily="18" charset="0"/>
+                        <a:ea typeface="Cambria Math" panose="02040503050406030204" pitchFamily="18" charset="0"/>
+                      </a:rPr>
+                      <m:t>𝑎𝑛𝑑</m:t>
+                    </m:r>
+                    <m:r>
+                      <a:rPr lang="en-US" b="0" i="1" smtClean="0">
+                        <a:latin typeface="Cambria Math" panose="02040503050406030204" pitchFamily="18" charset="0"/>
+                        <a:ea typeface="Cambria Math" panose="02040503050406030204" pitchFamily="18" charset="0"/>
+                      </a:rPr>
+                      <m:t> </m:t>
+                    </m:r>
+                    <m:r>
+                      <a:rPr lang="en-US" b="0" i="1" smtClean="0">
+                        <a:latin typeface="Cambria Math" panose="02040503050406030204" pitchFamily="18" charset="0"/>
+                        <a:ea typeface="Cambria Math" panose="02040503050406030204" pitchFamily="18" charset="0"/>
+                      </a:rPr>
+                      <m:t>𝑦</m:t>
+                    </m:r>
+                    <m:r>
+                      <a:rPr lang="en-US" b="0" i="1" smtClean="0">
+                        <a:latin typeface="Cambria Math" panose="02040503050406030204" pitchFamily="18" charset="0"/>
+                        <a:ea typeface="Cambria Math" panose="02040503050406030204" pitchFamily="18" charset="0"/>
+                      </a:rPr>
+                      <m:t> </m:t>
+                    </m:r>
+                    <m:r>
+                      <a:rPr lang="en-US" b="0" i="1" smtClean="0">
+                        <a:latin typeface="Cambria Math" panose="02040503050406030204" pitchFamily="18" charset="0"/>
+                        <a:ea typeface="Cambria Math" panose="02040503050406030204" pitchFamily="18" charset="0"/>
+                      </a:rPr>
+                      <m:t>𝜖</m:t>
+                    </m:r>
+                    <m:r>
+                      <a:rPr lang="en-US" b="0" i="1" smtClean="0">
+                        <a:latin typeface="Cambria Math" panose="02040503050406030204" pitchFamily="18" charset="0"/>
+                        <a:ea typeface="Cambria Math" panose="02040503050406030204" pitchFamily="18" charset="0"/>
+                      </a:rPr>
+                      <m:t> </m:t>
+                    </m:r>
+                    <m:sSub>
+                      <m:sSubPr>
+                        <m:ctrlPr>
+                          <a:rPr lang="en-US" b="0" i="1" smtClean="0">
+                            <a:latin typeface="Cambria Math" panose="02040503050406030204" pitchFamily="18" charset="0"/>
+                            <a:ea typeface="Cambria Math" panose="02040503050406030204" pitchFamily="18" charset="0"/>
+                          </a:rPr>
+                        </m:ctrlPr>
+                      </m:sSubPr>
+                      <m:e>
+                        <m:r>
+                          <a:rPr lang="en-US" b="0" i="1" smtClean="0">
+                            <a:latin typeface="Cambria Math" panose="02040503050406030204" pitchFamily="18" charset="0"/>
+                            <a:ea typeface="Cambria Math" panose="02040503050406030204" pitchFamily="18" charset="0"/>
+                          </a:rPr>
+                          <m:t>𝑎</m:t>
+                        </m:r>
+                      </m:e>
+                      <m:sub>
+                        <m:r>
+                          <a:rPr lang="en-US" b="0" i="1" smtClean="0">
+                            <a:latin typeface="Cambria Math" panose="02040503050406030204" pitchFamily="18" charset="0"/>
+                            <a:ea typeface="Cambria Math" panose="02040503050406030204" pitchFamily="18" charset="0"/>
+                          </a:rPr>
+                          <m:t>2</m:t>
+                        </m:r>
+                      </m:sub>
+                    </m:sSub>
+                  </m:oMath>
+                </a14:m>
+                <a:endParaRPr lang="en-US" dirty="0"/>
+              </a:p>
+              <a:p>
+                <a:r>
+                  <a:rPr lang="tr-TR" dirty="0" err="1"/>
+                  <a:t>Denote</a:t>
+                </a:r>
+                <a:r>
+                  <a:rPr lang="en-US" dirty="0"/>
+                  <a:t>d by MA-CBS(B)</a:t>
+                </a:r>
+              </a:p>
+            </p:txBody>
+          </p:sp>
+        </mc:Choice>
+        <mc:Fallback>
+          <p:sp>
+            <p:nvSpPr>
+              <p:cNvPr id="3" name="Content Placeholder 2">
+                <a:extLst>
+                  <a:ext uri="{FF2B5EF4-FFF2-40B4-BE49-F238E27FC236}">
+                    <a16:creationId xmlns:a16="http://schemas.microsoft.com/office/drawing/2014/main" id="{6D9EC029-A22B-43BC-BC41-96F1F108D404}"/>
+                  </a:ext>
+                </a:extLst>
+              </p:cNvPr>
+              <p:cNvSpPr>
+                <a:spLocks noGrp="1" noRot="1" noChangeAspect="1" noMove="1" noResize="1" noEditPoints="1" noAdjustHandles="1" noChangeArrowheads="1" noChangeShapeType="1" noTextEdit="1"/>
+              </p:cNvSpPr>
+              <p:nvPr>
+                <p:ph idx="1"/>
+              </p:nvPr>
+            </p:nvSpPr>
+            <p:spPr>
+              <a:blipFill>
+                <a:blip r:embed="rId3"/>
+                <a:stretch>
+                  <a:fillRect l="-1043" t="-2241"/>
+                </a:stretch>
+              </a:blipFill>
+            </p:spPr>
+            <p:txBody>
+              <a:bodyPr/>
+              <a:lstStyle/>
+              <a:p>
+                <a:r>
+                  <a:rPr lang="tr-TR">
+                    <a:noFill/>
+                  </a:rPr>
+                  <a:t> </a:t>
+                </a:r>
+              </a:p>
+            </p:txBody>
+          </p:sp>
+        </mc:Fallback>
+      </mc:AlternateContent>
+    </p:spTree>
+    <p:extLst>
+      <p:ext uri="{BB962C8B-B14F-4D97-AF65-F5344CB8AC3E}">
+        <p14:creationId xmlns:p14="http://schemas.microsoft.com/office/powerpoint/2010/main" val="3135887655"/>
+      </p:ext>
+    </p:extLst>
+  </p:cSld>
+  <p:clrMapOvr>
+    <a:masterClrMapping/>
+  </p:clrMapOvr>
+</p:sld>
+</file>
+
+<file path=ppt/slides/slide13.xml><?xml version="1.0" encoding="utf-8"?>
+<p:sld xmlns:a="http://schemas.openxmlformats.org/drawingml/2006/main" xmlns:r="http://schemas.openxmlformats.org/officeDocument/2006/relationships" xmlns:p="http://schemas.openxmlformats.org/presentationml/2006/main">
+  <p:cSld>
+    <p:spTree>
+      <p:nvGrpSpPr>
+        <p:cNvPr id="1" name=""/>
+        <p:cNvGrpSpPr/>
+        <p:nvPr/>
+      </p:nvGrpSpPr>
+      <p:grpSpPr>
+        <a:xfrm>
+          <a:off x="0" y="0"/>
+          <a:ext cx="0" cy="0"/>
+          <a:chOff x="0" y="0"/>
+          <a:chExt cx="0" cy="0"/>
+        </a:xfrm>
+      </p:grpSpPr>
+      <p:sp>
+        <p:nvSpPr>
+          <p:cNvPr id="2" name="Title 1">
+            <a:extLst>
+              <a:ext uri="{FF2B5EF4-FFF2-40B4-BE49-F238E27FC236}">
+                <a16:creationId xmlns:a16="http://schemas.microsoft.com/office/drawing/2014/main" id="{B990E191-CBE7-4113-8390-769B15972751}"/>
+              </a:ext>
+            </a:extLst>
+          </p:cNvPr>
+          <p:cNvSpPr>
+            <a:spLocks noGrp="1"/>
+          </p:cNvSpPr>
+          <p:nvPr>
+            <p:ph type="title"/>
+          </p:nvPr>
+        </p:nvSpPr>
+        <p:spPr/>
+        <p:txBody>
+          <a:bodyPr/>
+          <a:lstStyle/>
+          <a:p>
+            <a:r>
+              <a:rPr lang="en-US"/>
+              <a:t>Merging constraints</a:t>
+            </a:r>
+            <a:endParaRPr lang="tr-TR"/>
+          </a:p>
+        </p:txBody>
+      </p:sp>
+      <p:sp>
+        <p:nvSpPr>
+          <p:cNvPr id="3" name="Content Placeholder 2">
+            <a:extLst>
+              <a:ext uri="{FF2B5EF4-FFF2-40B4-BE49-F238E27FC236}">
+                <a16:creationId xmlns:a16="http://schemas.microsoft.com/office/drawing/2014/main" id="{BAF884FD-3A78-40BE-9AAC-4499B65FA7AF}"/>
+              </a:ext>
+            </a:extLst>
+          </p:cNvPr>
+          <p:cNvSpPr>
+            <a:spLocks noGrp="1"/>
+          </p:cNvSpPr>
+          <p:nvPr>
+            <p:ph idx="1"/>
+          </p:nvPr>
+        </p:nvSpPr>
+        <p:spPr/>
+        <p:txBody>
+          <a:bodyPr/>
+          <a:lstStyle/>
+          <a:p>
+            <a:endParaRPr lang="tr-TR"/>
+          </a:p>
+        </p:txBody>
+      </p:sp>
+    </p:spTree>
+    <p:extLst>
+      <p:ext uri="{BB962C8B-B14F-4D97-AF65-F5344CB8AC3E}">
+        <p14:creationId xmlns:p14="http://schemas.microsoft.com/office/powerpoint/2010/main" val="3185560302"/>
+      </p:ext>
+    </p:extLst>
+  </p:cSld>
+  <p:clrMapOvr>
+    <a:masterClrMapping/>
+  </p:clrMapOvr>
+</p:sld>
+</file>
+
 <file path=ppt/slides/slide2.xml><?xml version="1.0" encoding="utf-8"?>
 <p:sld xmlns:a="http://schemas.openxmlformats.org/drawingml/2006/main" xmlns:r="http://schemas.openxmlformats.org/officeDocument/2006/relationships" xmlns:p="http://schemas.openxmlformats.org/presentationml/2006/main">
   <p:cSld>
@@ -5353,641 +7200,6 @@
           </a:p>
         </p:txBody>
       </p:sp>
-      <p:sp>
-        <p:nvSpPr>
-          <p:cNvPr id="50" name="Freeform: Shape 49">
-            <a:extLst>
-              <a:ext uri="{FF2B5EF4-FFF2-40B4-BE49-F238E27FC236}">
-                <a16:creationId xmlns:a16="http://schemas.microsoft.com/office/drawing/2014/main" id="{38D75FAA-FB19-4058-BC53-0E5CABC93F03}"/>
-              </a:ext>
-            </a:extLst>
-          </p:cNvPr>
-          <p:cNvSpPr/>
-          <p:nvPr/>
-        </p:nvSpPr>
-        <p:spPr>
-          <a:xfrm>
-            <a:off x="6953061" y="2616451"/>
-            <a:ext cx="2301681" cy="1711319"/>
-          </a:xfrm>
-          <a:custGeom>
-            <a:avLst/>
-            <a:gdLst>
-              <a:gd name="connsiteX0" fmla="*/ 0 w 2301681"/>
-              <a:gd name="connsiteY0" fmla="*/ 0 h 1711319"/>
-              <a:gd name="connsiteX1" fmla="*/ 81482 w 2301681"/>
-              <a:gd name="connsiteY1" fmla="*/ 18107 h 1711319"/>
-              <a:gd name="connsiteX2" fmla="*/ 135802 w 2301681"/>
-              <a:gd name="connsiteY2" fmla="*/ 36214 h 1711319"/>
-              <a:gd name="connsiteX3" fmla="*/ 190123 w 2301681"/>
-              <a:gd name="connsiteY3" fmla="*/ 45268 h 1711319"/>
-              <a:gd name="connsiteX4" fmla="*/ 253497 w 2301681"/>
-              <a:gd name="connsiteY4" fmla="*/ 54321 h 1711319"/>
-              <a:gd name="connsiteX5" fmla="*/ 298765 w 2301681"/>
-              <a:gd name="connsiteY5" fmla="*/ 63375 h 1711319"/>
-              <a:gd name="connsiteX6" fmla="*/ 371192 w 2301681"/>
-              <a:gd name="connsiteY6" fmla="*/ 72428 h 1711319"/>
-              <a:gd name="connsiteX7" fmla="*/ 497941 w 2301681"/>
-              <a:gd name="connsiteY7" fmla="*/ 99589 h 1711319"/>
-              <a:gd name="connsiteX8" fmla="*/ 615636 w 2301681"/>
-              <a:gd name="connsiteY8" fmla="*/ 126749 h 1711319"/>
-              <a:gd name="connsiteX9" fmla="*/ 751438 w 2301681"/>
-              <a:gd name="connsiteY9" fmla="*/ 181070 h 1711319"/>
-              <a:gd name="connsiteX10" fmla="*/ 787652 w 2301681"/>
-              <a:gd name="connsiteY10" fmla="*/ 199177 h 1711319"/>
-              <a:gd name="connsiteX11" fmla="*/ 814812 w 2301681"/>
-              <a:gd name="connsiteY11" fmla="*/ 208230 h 1711319"/>
-              <a:gd name="connsiteX12" fmla="*/ 995882 w 2301681"/>
-              <a:gd name="connsiteY12" fmla="*/ 280658 h 1711319"/>
-              <a:gd name="connsiteX13" fmla="*/ 1023042 w 2301681"/>
-              <a:gd name="connsiteY13" fmla="*/ 298765 h 1711319"/>
-              <a:gd name="connsiteX14" fmla="*/ 1059256 w 2301681"/>
-              <a:gd name="connsiteY14" fmla="*/ 307818 h 1711319"/>
-              <a:gd name="connsiteX15" fmla="*/ 1158844 w 2301681"/>
-              <a:gd name="connsiteY15" fmla="*/ 353086 h 1711319"/>
-              <a:gd name="connsiteX16" fmla="*/ 1204111 w 2301681"/>
-              <a:gd name="connsiteY16" fmla="*/ 380246 h 1711319"/>
-              <a:gd name="connsiteX17" fmla="*/ 1249379 w 2301681"/>
-              <a:gd name="connsiteY17" fmla="*/ 398353 h 1711319"/>
-              <a:gd name="connsiteX18" fmla="*/ 1285592 w 2301681"/>
-              <a:gd name="connsiteY18" fmla="*/ 416460 h 1711319"/>
-              <a:gd name="connsiteX19" fmla="*/ 1358020 w 2301681"/>
-              <a:gd name="connsiteY19" fmla="*/ 443620 h 1711319"/>
-              <a:gd name="connsiteX20" fmla="*/ 1502876 w 2301681"/>
-              <a:gd name="connsiteY20" fmla="*/ 525101 h 1711319"/>
-              <a:gd name="connsiteX21" fmla="*/ 1584357 w 2301681"/>
-              <a:gd name="connsiteY21" fmla="*/ 597529 h 1711319"/>
-              <a:gd name="connsiteX22" fmla="*/ 1611517 w 2301681"/>
-              <a:gd name="connsiteY22" fmla="*/ 606583 h 1711319"/>
-              <a:gd name="connsiteX23" fmla="*/ 1738266 w 2301681"/>
-              <a:gd name="connsiteY23" fmla="*/ 697117 h 1711319"/>
-              <a:gd name="connsiteX24" fmla="*/ 1765426 w 2301681"/>
-              <a:gd name="connsiteY24" fmla="*/ 715224 h 1711319"/>
-              <a:gd name="connsiteX25" fmla="*/ 1828800 w 2301681"/>
-              <a:gd name="connsiteY25" fmla="*/ 760492 h 1711319"/>
-              <a:gd name="connsiteX26" fmla="*/ 1910282 w 2301681"/>
-              <a:gd name="connsiteY26" fmla="*/ 841973 h 1711319"/>
-              <a:gd name="connsiteX27" fmla="*/ 1964602 w 2301681"/>
-              <a:gd name="connsiteY27" fmla="*/ 959668 h 1711319"/>
-              <a:gd name="connsiteX28" fmla="*/ 1973656 w 2301681"/>
-              <a:gd name="connsiteY28" fmla="*/ 1050202 h 1711319"/>
-              <a:gd name="connsiteX29" fmla="*/ 1982709 w 2301681"/>
-              <a:gd name="connsiteY29" fmla="*/ 1077363 h 1711319"/>
-              <a:gd name="connsiteX30" fmla="*/ 2000816 w 2301681"/>
-              <a:gd name="connsiteY30" fmla="*/ 1149791 h 1711319"/>
-              <a:gd name="connsiteX31" fmla="*/ 2018923 w 2301681"/>
-              <a:gd name="connsiteY31" fmla="*/ 1213165 h 1711319"/>
-              <a:gd name="connsiteX32" fmla="*/ 2027977 w 2301681"/>
-              <a:gd name="connsiteY32" fmla="*/ 1267486 h 1711319"/>
-              <a:gd name="connsiteX33" fmla="*/ 2055137 w 2301681"/>
-              <a:gd name="connsiteY33" fmla="*/ 1394234 h 1711319"/>
-              <a:gd name="connsiteX34" fmla="*/ 2064190 w 2301681"/>
-              <a:gd name="connsiteY34" fmla="*/ 1493822 h 1711319"/>
-              <a:gd name="connsiteX35" fmla="*/ 2073244 w 2301681"/>
-              <a:gd name="connsiteY35" fmla="*/ 1629624 h 1711319"/>
-              <a:gd name="connsiteX36" fmla="*/ 2091351 w 2301681"/>
-              <a:gd name="connsiteY36" fmla="*/ 1683945 h 1711319"/>
-              <a:gd name="connsiteX37" fmla="*/ 2073244 w 2301681"/>
-              <a:gd name="connsiteY37" fmla="*/ 1711105 h 1711319"/>
-              <a:gd name="connsiteX38" fmla="*/ 2037030 w 2301681"/>
-              <a:gd name="connsiteY38" fmla="*/ 1692999 h 1711319"/>
-              <a:gd name="connsiteX39" fmla="*/ 2000816 w 2301681"/>
-              <a:gd name="connsiteY39" fmla="*/ 1683945 h 1711319"/>
-              <a:gd name="connsiteX40" fmla="*/ 1973656 w 2301681"/>
-              <a:gd name="connsiteY40" fmla="*/ 1665838 h 1711319"/>
-              <a:gd name="connsiteX41" fmla="*/ 1946495 w 2301681"/>
-              <a:gd name="connsiteY41" fmla="*/ 1656785 h 1711319"/>
-              <a:gd name="connsiteX42" fmla="*/ 1910282 w 2301681"/>
-              <a:gd name="connsiteY42" fmla="*/ 1629624 h 1711319"/>
-              <a:gd name="connsiteX43" fmla="*/ 1883121 w 2301681"/>
-              <a:gd name="connsiteY43" fmla="*/ 1611517 h 1711319"/>
-              <a:gd name="connsiteX44" fmla="*/ 1855961 w 2301681"/>
-              <a:gd name="connsiteY44" fmla="*/ 1584357 h 1711319"/>
-              <a:gd name="connsiteX45" fmla="*/ 1883121 w 2301681"/>
-              <a:gd name="connsiteY45" fmla="*/ 1593410 h 1711319"/>
-              <a:gd name="connsiteX46" fmla="*/ 1928389 w 2301681"/>
-              <a:gd name="connsiteY46" fmla="*/ 1620571 h 1711319"/>
-              <a:gd name="connsiteX47" fmla="*/ 2000816 w 2301681"/>
-              <a:gd name="connsiteY47" fmla="*/ 1656785 h 1711319"/>
-              <a:gd name="connsiteX48" fmla="*/ 2027977 w 2301681"/>
-              <a:gd name="connsiteY48" fmla="*/ 1674892 h 1711319"/>
-              <a:gd name="connsiteX49" fmla="*/ 2109458 w 2301681"/>
-              <a:gd name="connsiteY49" fmla="*/ 1702052 h 1711319"/>
-              <a:gd name="connsiteX50" fmla="*/ 2172832 w 2301681"/>
-              <a:gd name="connsiteY50" fmla="*/ 1692999 h 1711319"/>
-              <a:gd name="connsiteX51" fmla="*/ 2199992 w 2301681"/>
-              <a:gd name="connsiteY51" fmla="*/ 1638678 h 1711319"/>
-              <a:gd name="connsiteX52" fmla="*/ 2245260 w 2301681"/>
-              <a:gd name="connsiteY52" fmla="*/ 1584357 h 1711319"/>
-              <a:gd name="connsiteX53" fmla="*/ 2281474 w 2301681"/>
-              <a:gd name="connsiteY53" fmla="*/ 1511929 h 1711319"/>
-              <a:gd name="connsiteX54" fmla="*/ 2299581 w 2301681"/>
-              <a:gd name="connsiteY54" fmla="*/ 1466662 h 1711319"/>
-            </a:gdLst>
-            <a:ahLst/>
-            <a:cxnLst>
-              <a:cxn ang="0">
-                <a:pos x="connsiteX0" y="connsiteY0"/>
-              </a:cxn>
-              <a:cxn ang="0">
-                <a:pos x="connsiteX1" y="connsiteY1"/>
-              </a:cxn>
-              <a:cxn ang="0">
-                <a:pos x="connsiteX2" y="connsiteY2"/>
-              </a:cxn>
-              <a:cxn ang="0">
-                <a:pos x="connsiteX3" y="connsiteY3"/>
-              </a:cxn>
-              <a:cxn ang="0">
-                <a:pos x="connsiteX4" y="connsiteY4"/>
-              </a:cxn>
-              <a:cxn ang="0">
-                <a:pos x="connsiteX5" y="connsiteY5"/>
-              </a:cxn>
-              <a:cxn ang="0">
-                <a:pos x="connsiteX6" y="connsiteY6"/>
-              </a:cxn>
-              <a:cxn ang="0">
-                <a:pos x="connsiteX7" y="connsiteY7"/>
-              </a:cxn>
-              <a:cxn ang="0">
-                <a:pos x="connsiteX8" y="connsiteY8"/>
-              </a:cxn>
-              <a:cxn ang="0">
-                <a:pos x="connsiteX9" y="connsiteY9"/>
-              </a:cxn>
-              <a:cxn ang="0">
-                <a:pos x="connsiteX10" y="connsiteY10"/>
-              </a:cxn>
-              <a:cxn ang="0">
-                <a:pos x="connsiteX11" y="connsiteY11"/>
-              </a:cxn>
-              <a:cxn ang="0">
-                <a:pos x="connsiteX12" y="connsiteY12"/>
-              </a:cxn>
-              <a:cxn ang="0">
-                <a:pos x="connsiteX13" y="connsiteY13"/>
-              </a:cxn>
-              <a:cxn ang="0">
-                <a:pos x="connsiteX14" y="connsiteY14"/>
-              </a:cxn>
-              <a:cxn ang="0">
-                <a:pos x="connsiteX15" y="connsiteY15"/>
-              </a:cxn>
-              <a:cxn ang="0">
-                <a:pos x="connsiteX16" y="connsiteY16"/>
-              </a:cxn>
-              <a:cxn ang="0">
-                <a:pos x="connsiteX17" y="connsiteY17"/>
-              </a:cxn>
-              <a:cxn ang="0">
-                <a:pos x="connsiteX18" y="connsiteY18"/>
-              </a:cxn>
-              <a:cxn ang="0">
-                <a:pos x="connsiteX19" y="connsiteY19"/>
-              </a:cxn>
-              <a:cxn ang="0">
-                <a:pos x="connsiteX20" y="connsiteY20"/>
-              </a:cxn>
-              <a:cxn ang="0">
-                <a:pos x="connsiteX21" y="connsiteY21"/>
-              </a:cxn>
-              <a:cxn ang="0">
-                <a:pos x="connsiteX22" y="connsiteY22"/>
-              </a:cxn>
-              <a:cxn ang="0">
-                <a:pos x="connsiteX23" y="connsiteY23"/>
-              </a:cxn>
-              <a:cxn ang="0">
-                <a:pos x="connsiteX24" y="connsiteY24"/>
-              </a:cxn>
-              <a:cxn ang="0">
-                <a:pos x="connsiteX25" y="connsiteY25"/>
-              </a:cxn>
-              <a:cxn ang="0">
-                <a:pos x="connsiteX26" y="connsiteY26"/>
-              </a:cxn>
-              <a:cxn ang="0">
-                <a:pos x="connsiteX27" y="connsiteY27"/>
-              </a:cxn>
-              <a:cxn ang="0">
-                <a:pos x="connsiteX28" y="connsiteY28"/>
-              </a:cxn>
-              <a:cxn ang="0">
-                <a:pos x="connsiteX29" y="connsiteY29"/>
-              </a:cxn>
-              <a:cxn ang="0">
-                <a:pos x="connsiteX30" y="connsiteY30"/>
-              </a:cxn>
-              <a:cxn ang="0">
-                <a:pos x="connsiteX31" y="connsiteY31"/>
-              </a:cxn>
-              <a:cxn ang="0">
-                <a:pos x="connsiteX32" y="connsiteY32"/>
-              </a:cxn>
-              <a:cxn ang="0">
-                <a:pos x="connsiteX33" y="connsiteY33"/>
-              </a:cxn>
-              <a:cxn ang="0">
-                <a:pos x="connsiteX34" y="connsiteY34"/>
-              </a:cxn>
-              <a:cxn ang="0">
-                <a:pos x="connsiteX35" y="connsiteY35"/>
-              </a:cxn>
-              <a:cxn ang="0">
-                <a:pos x="connsiteX36" y="connsiteY36"/>
-              </a:cxn>
-              <a:cxn ang="0">
-                <a:pos x="connsiteX37" y="connsiteY37"/>
-              </a:cxn>
-              <a:cxn ang="0">
-                <a:pos x="connsiteX38" y="connsiteY38"/>
-              </a:cxn>
-              <a:cxn ang="0">
-                <a:pos x="connsiteX39" y="connsiteY39"/>
-              </a:cxn>
-              <a:cxn ang="0">
-                <a:pos x="connsiteX40" y="connsiteY40"/>
-              </a:cxn>
-              <a:cxn ang="0">
-                <a:pos x="connsiteX41" y="connsiteY41"/>
-              </a:cxn>
-              <a:cxn ang="0">
-                <a:pos x="connsiteX42" y="connsiteY42"/>
-              </a:cxn>
-              <a:cxn ang="0">
-                <a:pos x="connsiteX43" y="connsiteY43"/>
-              </a:cxn>
-              <a:cxn ang="0">
-                <a:pos x="connsiteX44" y="connsiteY44"/>
-              </a:cxn>
-              <a:cxn ang="0">
-                <a:pos x="connsiteX45" y="connsiteY45"/>
-              </a:cxn>
-              <a:cxn ang="0">
-                <a:pos x="connsiteX46" y="connsiteY46"/>
-              </a:cxn>
-              <a:cxn ang="0">
-                <a:pos x="connsiteX47" y="connsiteY47"/>
-              </a:cxn>
-              <a:cxn ang="0">
-                <a:pos x="connsiteX48" y="connsiteY48"/>
-              </a:cxn>
-              <a:cxn ang="0">
-                <a:pos x="connsiteX49" y="connsiteY49"/>
-              </a:cxn>
-              <a:cxn ang="0">
-                <a:pos x="connsiteX50" y="connsiteY50"/>
-              </a:cxn>
-              <a:cxn ang="0">
-                <a:pos x="connsiteX51" y="connsiteY51"/>
-              </a:cxn>
-              <a:cxn ang="0">
-                <a:pos x="connsiteX52" y="connsiteY52"/>
-              </a:cxn>
-              <a:cxn ang="0">
-                <a:pos x="connsiteX53" y="connsiteY53"/>
-              </a:cxn>
-              <a:cxn ang="0">
-                <a:pos x="connsiteX54" y="connsiteY54"/>
-              </a:cxn>
-            </a:cxnLst>
-            <a:rect l="l" t="t" r="r" b="b"/>
-            <a:pathLst>
-              <a:path w="2301681" h="1711319">
-                <a:moveTo>
-                  <a:pt x="0" y="0"/>
-                </a:moveTo>
-                <a:cubicBezTo>
-                  <a:pt x="27161" y="6036"/>
-                  <a:pt x="54598" y="10938"/>
-                  <a:pt x="81482" y="18107"/>
-                </a:cubicBezTo>
-                <a:cubicBezTo>
-                  <a:pt x="99924" y="23025"/>
-                  <a:pt x="117286" y="31585"/>
-                  <a:pt x="135802" y="36214"/>
-                </a:cubicBezTo>
-                <a:cubicBezTo>
-                  <a:pt x="153611" y="40666"/>
-                  <a:pt x="171980" y="42477"/>
-                  <a:pt x="190123" y="45268"/>
-                </a:cubicBezTo>
-                <a:cubicBezTo>
-                  <a:pt x="211214" y="48513"/>
-                  <a:pt x="232448" y="50813"/>
-                  <a:pt x="253497" y="54321"/>
-                </a:cubicBezTo>
-                <a:cubicBezTo>
-                  <a:pt x="268676" y="56851"/>
-                  <a:pt x="283556" y="61035"/>
-                  <a:pt x="298765" y="63375"/>
-                </a:cubicBezTo>
-                <a:cubicBezTo>
-                  <a:pt x="322812" y="67075"/>
-                  <a:pt x="347254" y="68076"/>
-                  <a:pt x="371192" y="72428"/>
-                </a:cubicBezTo>
-                <a:cubicBezTo>
-                  <a:pt x="413704" y="80157"/>
-                  <a:pt x="455907" y="89581"/>
-                  <a:pt x="497941" y="99589"/>
-                </a:cubicBezTo>
-                <a:cubicBezTo>
-                  <a:pt x="632971" y="131739"/>
-                  <a:pt x="494520" y="106564"/>
-                  <a:pt x="615636" y="126749"/>
-                </a:cubicBezTo>
-                <a:cubicBezTo>
-                  <a:pt x="660903" y="144856"/>
-                  <a:pt x="706504" y="162150"/>
-                  <a:pt x="751438" y="181070"/>
-                </a:cubicBezTo>
-                <a:cubicBezTo>
-                  <a:pt x="763877" y="186307"/>
-                  <a:pt x="775247" y="193861"/>
-                  <a:pt x="787652" y="199177"/>
-                </a:cubicBezTo>
-                <a:cubicBezTo>
-                  <a:pt x="796423" y="202936"/>
-                  <a:pt x="805925" y="204753"/>
-                  <a:pt x="814812" y="208230"/>
-                </a:cubicBezTo>
-                <a:cubicBezTo>
-                  <a:pt x="875349" y="231918"/>
-                  <a:pt x="936267" y="254738"/>
-                  <a:pt x="995882" y="280658"/>
-                </a:cubicBezTo>
-                <a:cubicBezTo>
-                  <a:pt x="1005860" y="284996"/>
-                  <a:pt x="1013041" y="294479"/>
-                  <a:pt x="1023042" y="298765"/>
-                </a:cubicBezTo>
-                <a:cubicBezTo>
-                  <a:pt x="1034479" y="303666"/>
-                  <a:pt x="1047703" y="303197"/>
-                  <a:pt x="1059256" y="307818"/>
-                </a:cubicBezTo>
-                <a:cubicBezTo>
-                  <a:pt x="1093112" y="321361"/>
-                  <a:pt x="1126229" y="336778"/>
-                  <a:pt x="1158844" y="353086"/>
-                </a:cubicBezTo>
-                <a:cubicBezTo>
-                  <a:pt x="1174583" y="360955"/>
-                  <a:pt x="1188372" y="372377"/>
-                  <a:pt x="1204111" y="380246"/>
-                </a:cubicBezTo>
-                <a:cubicBezTo>
-                  <a:pt x="1218647" y="387514"/>
-                  <a:pt x="1234528" y="391753"/>
-                  <a:pt x="1249379" y="398353"/>
-                </a:cubicBezTo>
-                <a:cubicBezTo>
-                  <a:pt x="1261712" y="403834"/>
-                  <a:pt x="1273134" y="411269"/>
-                  <a:pt x="1285592" y="416460"/>
-                </a:cubicBezTo>
-                <a:cubicBezTo>
-                  <a:pt x="1309393" y="426377"/>
-                  <a:pt x="1334958" y="432089"/>
-                  <a:pt x="1358020" y="443620"/>
-                </a:cubicBezTo>
-                <a:cubicBezTo>
-                  <a:pt x="1407571" y="468395"/>
-                  <a:pt x="1463703" y="485927"/>
-                  <a:pt x="1502876" y="525101"/>
-                </a:cubicBezTo>
-                <a:cubicBezTo>
-                  <a:pt x="1527418" y="549643"/>
-                  <a:pt x="1553271" y="579765"/>
-                  <a:pt x="1584357" y="597529"/>
-                </a:cubicBezTo>
-                <a:cubicBezTo>
-                  <a:pt x="1592643" y="602264"/>
-                  <a:pt x="1602464" y="603565"/>
-                  <a:pt x="1611517" y="606583"/>
-                </a:cubicBezTo>
-                <a:lnTo>
-                  <a:pt x="1738266" y="697117"/>
-                </a:lnTo>
-                <a:cubicBezTo>
-                  <a:pt x="1747155" y="703392"/>
-                  <a:pt x="1756512" y="708984"/>
-                  <a:pt x="1765426" y="715224"/>
-                </a:cubicBezTo>
-                <a:cubicBezTo>
-                  <a:pt x="1786693" y="730111"/>
-                  <a:pt x="1810443" y="742135"/>
-                  <a:pt x="1828800" y="760492"/>
-                </a:cubicBezTo>
-                <a:lnTo>
-                  <a:pt x="1910282" y="841973"/>
-                </a:lnTo>
-                <a:cubicBezTo>
-                  <a:pt x="1959817" y="941043"/>
-                  <a:pt x="1944880" y="900498"/>
-                  <a:pt x="1964602" y="959668"/>
-                </a:cubicBezTo>
-                <a:cubicBezTo>
-                  <a:pt x="1967620" y="989846"/>
-                  <a:pt x="1969044" y="1020226"/>
-                  <a:pt x="1973656" y="1050202"/>
-                </a:cubicBezTo>
-                <a:cubicBezTo>
-                  <a:pt x="1975107" y="1059634"/>
-                  <a:pt x="1980198" y="1068156"/>
-                  <a:pt x="1982709" y="1077363"/>
-                </a:cubicBezTo>
-                <a:cubicBezTo>
-                  <a:pt x="1989257" y="1101372"/>
-                  <a:pt x="1994268" y="1125782"/>
-                  <a:pt x="2000816" y="1149791"/>
-                </a:cubicBezTo>
-                <a:cubicBezTo>
-                  <a:pt x="2013764" y="1197264"/>
-                  <a:pt x="2007610" y="1156598"/>
-                  <a:pt x="2018923" y="1213165"/>
-                </a:cubicBezTo>
-                <a:cubicBezTo>
-                  <a:pt x="2022523" y="1231165"/>
-                  <a:pt x="2024693" y="1249425"/>
-                  <a:pt x="2027977" y="1267486"/>
-                </a:cubicBezTo>
-                <a:cubicBezTo>
-                  <a:pt x="2035235" y="1307406"/>
-                  <a:pt x="2046803" y="1356729"/>
-                  <a:pt x="2055137" y="1394234"/>
-                </a:cubicBezTo>
-                <a:cubicBezTo>
-                  <a:pt x="2058155" y="1427430"/>
-                  <a:pt x="2061633" y="1460587"/>
-                  <a:pt x="2064190" y="1493822"/>
-                </a:cubicBezTo>
-                <a:cubicBezTo>
-                  <a:pt x="2067670" y="1539056"/>
-                  <a:pt x="2066828" y="1584712"/>
-                  <a:pt x="2073244" y="1629624"/>
-                </a:cubicBezTo>
-                <a:cubicBezTo>
-                  <a:pt x="2075943" y="1648519"/>
-                  <a:pt x="2091351" y="1683945"/>
-                  <a:pt x="2091351" y="1683945"/>
-                </a:cubicBezTo>
-                <a:cubicBezTo>
-                  <a:pt x="2085315" y="1692998"/>
-                  <a:pt x="2083977" y="1709316"/>
-                  <a:pt x="2073244" y="1711105"/>
-                </a:cubicBezTo>
-                <a:cubicBezTo>
-                  <a:pt x="2059932" y="1713324"/>
-                  <a:pt x="2049667" y="1697738"/>
-                  <a:pt x="2037030" y="1692999"/>
-                </a:cubicBezTo>
-                <a:cubicBezTo>
-                  <a:pt x="2025379" y="1688630"/>
-                  <a:pt x="2012887" y="1686963"/>
-                  <a:pt x="2000816" y="1683945"/>
-                </a:cubicBezTo>
-                <a:cubicBezTo>
-                  <a:pt x="1991763" y="1677909"/>
-                  <a:pt x="1983388" y="1670704"/>
-                  <a:pt x="1973656" y="1665838"/>
-                </a:cubicBezTo>
-                <a:cubicBezTo>
-                  <a:pt x="1965120" y="1661570"/>
-                  <a:pt x="1954781" y="1661520"/>
-                  <a:pt x="1946495" y="1656785"/>
-                </a:cubicBezTo>
-                <a:cubicBezTo>
-                  <a:pt x="1933394" y="1649299"/>
-                  <a:pt x="1922560" y="1638394"/>
-                  <a:pt x="1910282" y="1629624"/>
-                </a:cubicBezTo>
-                <a:cubicBezTo>
-                  <a:pt x="1901428" y="1623299"/>
-                  <a:pt x="1891480" y="1618483"/>
-                  <a:pt x="1883121" y="1611517"/>
-                </a:cubicBezTo>
-                <a:cubicBezTo>
-                  <a:pt x="1873285" y="1603321"/>
-                  <a:pt x="1855961" y="1597160"/>
-                  <a:pt x="1855961" y="1584357"/>
-                </a:cubicBezTo>
-                <a:cubicBezTo>
-                  <a:pt x="1855961" y="1574814"/>
-                  <a:pt x="1874585" y="1589142"/>
-                  <a:pt x="1883121" y="1593410"/>
-                </a:cubicBezTo>
-                <a:cubicBezTo>
-                  <a:pt x="1898860" y="1601280"/>
-                  <a:pt x="1912895" y="1612228"/>
-                  <a:pt x="1928389" y="1620571"/>
-                </a:cubicBezTo>
-                <a:cubicBezTo>
-                  <a:pt x="1952155" y="1633368"/>
-                  <a:pt x="1978357" y="1641813"/>
-                  <a:pt x="2000816" y="1656785"/>
-                </a:cubicBezTo>
-                <a:cubicBezTo>
-                  <a:pt x="2009870" y="1662821"/>
-                  <a:pt x="2017933" y="1670707"/>
-                  <a:pt x="2027977" y="1674892"/>
-                </a:cubicBezTo>
-                <a:cubicBezTo>
-                  <a:pt x="2054404" y="1685903"/>
-                  <a:pt x="2109458" y="1702052"/>
-                  <a:pt x="2109458" y="1702052"/>
-                </a:cubicBezTo>
-                <a:cubicBezTo>
-                  <a:pt x="2130583" y="1699034"/>
-                  <a:pt x="2155350" y="1705236"/>
-                  <a:pt x="2172832" y="1692999"/>
-                </a:cubicBezTo>
-                <a:cubicBezTo>
-                  <a:pt x="2189417" y="1681390"/>
-                  <a:pt x="2188763" y="1655522"/>
-                  <a:pt x="2199992" y="1638678"/>
-                </a:cubicBezTo>
-                <a:cubicBezTo>
-                  <a:pt x="2257465" y="1552468"/>
-                  <a:pt x="2200829" y="1665813"/>
-                  <a:pt x="2245260" y="1584357"/>
-                </a:cubicBezTo>
-                <a:cubicBezTo>
-                  <a:pt x="2258185" y="1560661"/>
-                  <a:pt x="2270305" y="1536502"/>
-                  <a:pt x="2281474" y="1511929"/>
-                </a:cubicBezTo>
-                <a:cubicBezTo>
-                  <a:pt x="2337386" y="1388921"/>
-                  <a:pt x="2254632" y="1556554"/>
-                  <a:pt x="2299581" y="1466662"/>
-                </a:cubicBezTo>
-              </a:path>
-            </a:pathLst>
-          </a:custGeom>
-        </p:spPr>
-        <p:style>
-          <a:lnRef idx="3">
-            <a:schemeClr val="dk1"/>
-          </a:lnRef>
-          <a:fillRef idx="0">
-            <a:schemeClr val="dk1"/>
-          </a:fillRef>
-          <a:effectRef idx="2">
-            <a:schemeClr val="dk1"/>
-          </a:effectRef>
-          <a:fontRef idx="minor">
-            <a:schemeClr val="tx1"/>
-          </a:fontRef>
-        </p:style>
-        <p:txBody>
-          <a:bodyPr rtlCol="0" anchor="ctr"/>
-          <a:lstStyle/>
-          <a:p>
-            <a:pPr algn="ctr"/>
-            <a:endParaRPr lang="tr-TR"/>
-          </a:p>
-        </p:txBody>
-      </p:sp>
-      <p:sp>
-        <p:nvSpPr>
-          <p:cNvPr id="51" name="TextBox 50">
-            <a:extLst>
-              <a:ext uri="{FF2B5EF4-FFF2-40B4-BE49-F238E27FC236}">
-                <a16:creationId xmlns:a16="http://schemas.microsoft.com/office/drawing/2014/main" id="{BA20F4AA-68A6-4DED-BA87-80CD38F64E36}"/>
-              </a:ext>
-            </a:extLst>
-          </p:cNvPr>
-          <p:cNvSpPr txBox="1"/>
-          <p:nvPr/>
-        </p:nvSpPr>
-        <p:spPr>
-          <a:xfrm>
-            <a:off x="7288040" y="4404542"/>
-            <a:ext cx="3503691" cy="646331"/>
-          </a:xfrm>
-          <a:prstGeom prst="rect">
-            <a:avLst/>
-          </a:prstGeom>
-          <a:noFill/>
-        </p:spPr>
-        <p:txBody>
-          <a:bodyPr wrap="square" rtlCol="0">
-            <a:spAutoFit/>
-          </a:bodyPr>
-          <a:lstStyle/>
-          <a:p>
-            <a:pPr algn="ctr"/>
-            <a:r>
-              <a:rPr lang="en-US" dirty="0"/>
-              <a:t>Problem is state space grow exponential in the number of agent</a:t>
-            </a:r>
-            <a:endParaRPr lang="tr-TR" dirty="0"/>
-          </a:p>
-        </p:txBody>
-      </p:sp>
     </p:spTree>
     <p:extLst>
       <p:ext uri="{BB962C8B-B14F-4D97-AF65-F5344CB8AC3E}">
@@ -6039,35 +7251,182 @@
           <a:bodyPr/>
           <a:lstStyle/>
           <a:p>
-            <a:endParaRPr lang="tr-TR"/>
-          </a:p>
-        </p:txBody>
-      </p:sp>
-      <p:sp>
-        <p:nvSpPr>
-          <p:cNvPr id="3" name="Content Placeholder 2">
-            <a:extLst>
-              <a:ext uri="{FF2B5EF4-FFF2-40B4-BE49-F238E27FC236}">
-                <a16:creationId xmlns:a16="http://schemas.microsoft.com/office/drawing/2014/main" id="{5BC9A1D4-CB3D-43CF-9CA9-96F6F3157D16}"/>
-              </a:ext>
-            </a:extLst>
-          </p:cNvPr>
-          <p:cNvSpPr>
-            <a:spLocks noGrp="1"/>
-          </p:cNvSpPr>
-          <p:nvPr>
-            <p:ph idx="1"/>
-          </p:nvPr>
-        </p:nvSpPr>
-        <p:spPr/>
-        <p:txBody>
-          <a:bodyPr/>
-          <a:lstStyle/>
-          <a:p>
-            <a:endParaRPr lang="tr-TR"/>
-          </a:p>
-        </p:txBody>
-      </p:sp>
+            <a:r>
+              <a:rPr lang="en-US" dirty="0"/>
+              <a:t>A*</a:t>
+            </a:r>
+            <a:endParaRPr lang="tr-TR" dirty="0"/>
+          </a:p>
+        </p:txBody>
+      </p:sp>
+      <mc:AlternateContent xmlns:mc="http://schemas.openxmlformats.org/markup-compatibility/2006" xmlns:a14="http://schemas.microsoft.com/office/drawing/2010/main">
+        <mc:Choice Requires="a14">
+          <p:sp>
+            <p:nvSpPr>
+              <p:cNvPr id="3" name="Content Placeholder 2">
+                <a:extLst>
+                  <a:ext uri="{FF2B5EF4-FFF2-40B4-BE49-F238E27FC236}">
+                    <a16:creationId xmlns:a16="http://schemas.microsoft.com/office/drawing/2014/main" id="{5BC9A1D4-CB3D-43CF-9CA9-96F6F3157D16}"/>
+                  </a:ext>
+                </a:extLst>
+              </p:cNvPr>
+              <p:cNvSpPr>
+                <a:spLocks noGrp="1"/>
+              </p:cNvSpPr>
+              <p:nvPr>
+                <p:ph idx="1"/>
+              </p:nvPr>
+            </p:nvSpPr>
+            <p:spPr/>
+            <p:txBody>
+              <a:bodyPr/>
+              <a:lstStyle/>
+              <a:p>
+                <a:r>
+                  <a:rPr lang="en-US" sz="2700" dirty="0"/>
+                  <a:t>the problem is exponential growth of state space in the number of agent</a:t>
+                </a:r>
+              </a:p>
+              <a:p>
+                <a:pPr lvl="1"/>
+                <a:r>
+                  <a:rPr lang="en-US" sz="2000" dirty="0"/>
+                  <a:t>For 1 agent b, for 2 agent b</a:t>
+                </a:r>
+                <a:r>
+                  <a:rPr lang="tr-TR" sz="2000" dirty="0"/>
+                  <a:t>²</a:t>
+                </a:r>
+                <a:r>
+                  <a:rPr lang="en-US" sz="2000" dirty="0"/>
+                  <a:t>, branching factor = O(</a:t>
+                </a:r>
+                <a14:m>
+                  <m:oMath xmlns:m="http://schemas.openxmlformats.org/officeDocument/2006/math">
+                    <m:sSup>
+                      <m:sSupPr>
+                        <m:ctrlPr>
+                          <a:rPr lang="en-US" sz="2000" b="0" i="1" smtClean="0">
+                            <a:latin typeface="Cambria Math" panose="02040503050406030204" pitchFamily="18" charset="0"/>
+                          </a:rPr>
+                        </m:ctrlPr>
+                      </m:sSupPr>
+                      <m:e>
+                        <m:r>
+                          <a:rPr lang="en-US" sz="2000" b="0" i="1" smtClean="0">
+                            <a:latin typeface="Cambria Math" panose="02040503050406030204" pitchFamily="18" charset="0"/>
+                          </a:rPr>
+                          <m:t>𝑏</m:t>
+                        </m:r>
+                      </m:e>
+                      <m:sup>
+                        <m:r>
+                          <a:rPr lang="en-US" sz="2000" b="0" i="1" smtClean="0">
+                            <a:latin typeface="Cambria Math" panose="02040503050406030204" pitchFamily="18" charset="0"/>
+                          </a:rPr>
+                          <m:t>𝑘</m:t>
+                        </m:r>
+                      </m:sup>
+                    </m:sSup>
+                  </m:oMath>
+                </a14:m>
+                <a:r>
+                  <a:rPr lang="en-US" sz="2000" dirty="0"/>
+                  <a:t>)</a:t>
+                </a:r>
+              </a:p>
+              <a:p>
+                <a:pPr marL="457200" lvl="1" indent="0">
+                  <a:buNone/>
+                </a:pPr>
+                <a:endParaRPr lang="en-US" sz="2000" dirty="0"/>
+              </a:p>
+              <a:p>
+                <a:r>
+                  <a:rPr lang="en-US" sz="2700" dirty="0"/>
+                  <a:t>Independence Detection(ID) framework</a:t>
+                </a:r>
+              </a:p>
+              <a:p>
+                <a:pPr lvl="1"/>
+                <a:r>
+                  <a:rPr lang="en-US" sz="2000" dirty="0"/>
+                  <a:t>With ID, 2 agents state space may reduce to b</a:t>
+                </a:r>
+              </a:p>
+            </p:txBody>
+          </p:sp>
+        </mc:Choice>
+        <mc:Fallback xmlns="">
+          <p:sp>
+            <p:nvSpPr>
+              <p:cNvPr id="3" name="Content Placeholder 2">
+                <a:extLst>
+                  <a:ext uri="{FF2B5EF4-FFF2-40B4-BE49-F238E27FC236}">
+                    <a16:creationId xmlns:a16="http://schemas.microsoft.com/office/drawing/2014/main" id="{5BC9A1D4-CB3D-43CF-9CA9-96F6F3157D16}"/>
+                  </a:ext>
+                </a:extLst>
+              </p:cNvPr>
+              <p:cNvSpPr>
+                <a:spLocks noGrp="1" noRot="1" noChangeAspect="1" noMove="1" noResize="1" noEditPoints="1" noAdjustHandles="1" noChangeArrowheads="1" noChangeShapeType="1" noTextEdit="1"/>
+              </p:cNvSpPr>
+              <p:nvPr>
+                <p:ph idx="1"/>
+              </p:nvPr>
+            </p:nvSpPr>
+            <p:spPr>
+              <a:blipFill>
+                <a:blip r:embed="rId3"/>
+                <a:stretch>
+                  <a:fillRect l="-986" t="-2101" r="-696"/>
+                </a:stretch>
+              </a:blipFill>
+            </p:spPr>
+            <p:txBody>
+              <a:bodyPr/>
+              <a:lstStyle/>
+              <a:p>
+                <a:r>
+                  <a:rPr lang="tr-TR">
+                    <a:noFill/>
+                  </a:rPr>
+                  <a:t> </a:t>
+                </a:r>
+              </a:p>
+            </p:txBody>
+          </p:sp>
+        </mc:Fallback>
+      </mc:AlternateContent>
+      <p:pic>
+        <p:nvPicPr>
+          <p:cNvPr id="5" name="Picture 4">
+            <a:extLst>
+              <a:ext uri="{FF2B5EF4-FFF2-40B4-BE49-F238E27FC236}">
+                <a16:creationId xmlns:a16="http://schemas.microsoft.com/office/drawing/2014/main" id="{6FBE0F8B-4D76-4765-B274-11C427D853D7}"/>
+              </a:ext>
+            </a:extLst>
+          </p:cNvPr>
+          <p:cNvPicPr>
+            <a:picLocks noChangeAspect="1"/>
+          </p:cNvPicPr>
+          <p:nvPr/>
+        </p:nvPicPr>
+        <p:blipFill>
+          <a:blip r:embed="rId4"/>
+          <a:stretch>
+            <a:fillRect/>
+          </a:stretch>
+        </p:blipFill>
+        <p:spPr>
+          <a:xfrm>
+            <a:off x="7083744" y="3096285"/>
+            <a:ext cx="4270056" cy="2469992"/>
+          </a:xfrm>
+          <a:prstGeom prst="rect">
+            <a:avLst/>
+          </a:prstGeom>
+        </p:spPr>
+      </p:pic>
     </p:spTree>
     <p:extLst>
       <p:ext uri="{BB962C8B-B14F-4D97-AF65-F5344CB8AC3E}">
@@ -6081,7 +7440,897 @@
 </p:sld>
 </file>
 
+<file path=ppt/slides/slide5.xml><?xml version="1.0" encoding="utf-8"?>
+<p:sld xmlns:a="http://schemas.openxmlformats.org/drawingml/2006/main" xmlns:r="http://schemas.openxmlformats.org/officeDocument/2006/relationships" xmlns:p="http://schemas.openxmlformats.org/presentationml/2006/main">
+  <p:cSld>
+    <p:spTree>
+      <p:nvGrpSpPr>
+        <p:cNvPr id="1" name=""/>
+        <p:cNvGrpSpPr/>
+        <p:nvPr/>
+      </p:nvGrpSpPr>
+      <p:grpSpPr>
+        <a:xfrm>
+          <a:off x="0" y="0"/>
+          <a:ext cx="0" cy="0"/>
+          <a:chOff x="0" y="0"/>
+          <a:chExt cx="0" cy="0"/>
+        </a:xfrm>
+      </p:grpSpPr>
+      <p:sp>
+        <p:nvSpPr>
+          <p:cNvPr id="2" name="Title 1">
+            <a:extLst>
+              <a:ext uri="{FF2B5EF4-FFF2-40B4-BE49-F238E27FC236}">
+                <a16:creationId xmlns:a16="http://schemas.microsoft.com/office/drawing/2014/main" id="{C26B05A8-CB97-4C42-92D5-683B89154C8E}"/>
+              </a:ext>
+            </a:extLst>
+          </p:cNvPr>
+          <p:cNvSpPr>
+            <a:spLocks noGrp="1"/>
+          </p:cNvSpPr>
+          <p:nvPr>
+            <p:ph type="title"/>
+          </p:nvPr>
+        </p:nvSpPr>
+        <p:spPr/>
+        <p:txBody>
+          <a:bodyPr/>
+          <a:lstStyle/>
+          <a:p>
+            <a:r>
+              <a:rPr lang="en-US" dirty="0"/>
+              <a:t>CBS</a:t>
+            </a:r>
+            <a:endParaRPr lang="tr-TR" dirty="0"/>
+          </a:p>
+        </p:txBody>
+      </p:sp>
+      <p:sp>
+        <p:nvSpPr>
+          <p:cNvPr id="3" name="Content Placeholder 2">
+            <a:extLst>
+              <a:ext uri="{FF2B5EF4-FFF2-40B4-BE49-F238E27FC236}">
+                <a16:creationId xmlns:a16="http://schemas.microsoft.com/office/drawing/2014/main" id="{6DEFB3EA-E5EB-47F7-9580-C3C25B67E481}"/>
+              </a:ext>
+            </a:extLst>
+          </p:cNvPr>
+          <p:cNvSpPr>
+            <a:spLocks noGrp="1"/>
+          </p:cNvSpPr>
+          <p:nvPr>
+            <p:ph idx="1"/>
+          </p:nvPr>
+        </p:nvSpPr>
+        <p:spPr/>
+        <p:txBody>
+          <a:bodyPr/>
+          <a:lstStyle/>
+          <a:p>
+            <a:r>
+              <a:rPr lang="en-US" dirty="0"/>
+              <a:t>Motivation: reduce state space by not use joint agents</a:t>
+            </a:r>
+            <a:endParaRPr lang="tr-TR" dirty="0"/>
+          </a:p>
+        </p:txBody>
+      </p:sp>
+      <p:pic>
+        <p:nvPicPr>
+          <p:cNvPr id="4" name="Picture 3">
+            <a:extLst>
+              <a:ext uri="{FF2B5EF4-FFF2-40B4-BE49-F238E27FC236}">
+                <a16:creationId xmlns:a16="http://schemas.microsoft.com/office/drawing/2014/main" id="{FDAFED8A-AD5C-404E-97B8-182B7542A4F2}"/>
+              </a:ext>
+            </a:extLst>
+          </p:cNvPr>
+          <p:cNvPicPr>
+            <a:picLocks noChangeAspect="1"/>
+          </p:cNvPicPr>
+          <p:nvPr/>
+        </p:nvPicPr>
+        <p:blipFill>
+          <a:blip r:embed="rId3"/>
+          <a:stretch>
+            <a:fillRect/>
+          </a:stretch>
+        </p:blipFill>
+        <p:spPr>
+          <a:xfrm>
+            <a:off x="4354687" y="2713084"/>
+            <a:ext cx="3482626" cy="3399309"/>
+          </a:xfrm>
+          <a:prstGeom prst="rect">
+            <a:avLst/>
+          </a:prstGeom>
+        </p:spPr>
+      </p:pic>
+    </p:spTree>
+    <p:extLst>
+      <p:ext uri="{BB962C8B-B14F-4D97-AF65-F5344CB8AC3E}">
+        <p14:creationId xmlns:p14="http://schemas.microsoft.com/office/powerpoint/2010/main" val="1207240268"/>
+      </p:ext>
+    </p:extLst>
+  </p:cSld>
+  <p:clrMapOvr>
+    <a:masterClrMapping/>
+  </p:clrMapOvr>
+</p:sld>
+</file>
+
+<file path=ppt/slides/slide6.xml><?xml version="1.0" encoding="utf-8"?>
+<p:sld xmlns:a="http://schemas.openxmlformats.org/drawingml/2006/main" xmlns:r="http://schemas.openxmlformats.org/officeDocument/2006/relationships" xmlns:p="http://schemas.openxmlformats.org/presentationml/2006/main">
+  <p:cSld>
+    <p:spTree>
+      <p:nvGrpSpPr>
+        <p:cNvPr id="1" name=""/>
+        <p:cNvGrpSpPr/>
+        <p:nvPr/>
+      </p:nvGrpSpPr>
+      <p:grpSpPr>
+        <a:xfrm>
+          <a:off x="0" y="0"/>
+          <a:ext cx="0" cy="0"/>
+          <a:chOff x="0" y="0"/>
+          <a:chExt cx="0" cy="0"/>
+        </a:xfrm>
+      </p:grpSpPr>
+      <p:sp>
+        <p:nvSpPr>
+          <p:cNvPr id="2" name="Title 1">
+            <a:extLst>
+              <a:ext uri="{FF2B5EF4-FFF2-40B4-BE49-F238E27FC236}">
+                <a16:creationId xmlns:a16="http://schemas.microsoft.com/office/drawing/2014/main" id="{E77A7BCB-50EF-4CE5-AEBC-2A216CA771C1}"/>
+              </a:ext>
+            </a:extLst>
+          </p:cNvPr>
+          <p:cNvSpPr>
+            <a:spLocks noGrp="1"/>
+          </p:cNvSpPr>
+          <p:nvPr>
+            <p:ph type="title"/>
+          </p:nvPr>
+        </p:nvSpPr>
+        <p:spPr/>
+        <p:txBody>
+          <a:bodyPr/>
+          <a:lstStyle/>
+          <a:p>
+            <a:r>
+              <a:rPr lang="en-US" dirty="0"/>
+              <a:t>CBS</a:t>
+            </a:r>
+            <a:endParaRPr lang="tr-TR" dirty="0"/>
+          </a:p>
+        </p:txBody>
+      </p:sp>
+      <mc:AlternateContent xmlns:mc="http://schemas.openxmlformats.org/markup-compatibility/2006" xmlns:a14="http://schemas.microsoft.com/office/drawing/2010/main">
+        <mc:Choice Requires="a14">
+          <p:sp>
+            <p:nvSpPr>
+              <p:cNvPr id="3" name="Content Placeholder 2">
+                <a:extLst>
+                  <a:ext uri="{FF2B5EF4-FFF2-40B4-BE49-F238E27FC236}">
+                    <a16:creationId xmlns:a16="http://schemas.microsoft.com/office/drawing/2014/main" id="{4B62F609-A3A0-4B7F-8A37-B59C3843B0A8}"/>
+                  </a:ext>
+                </a:extLst>
+              </p:cNvPr>
+              <p:cNvSpPr>
+                <a:spLocks noGrp="1"/>
+              </p:cNvSpPr>
+              <p:nvPr>
+                <p:ph idx="1"/>
+              </p:nvPr>
+            </p:nvSpPr>
+            <p:spPr/>
+            <p:txBody>
+              <a:bodyPr/>
+              <a:lstStyle/>
+              <a:p>
+                <a:r>
+                  <a:rPr lang="en-US" dirty="0"/>
+                  <a:t>High-Level: Constraint tree </a:t>
+                </a:r>
+              </a:p>
+              <a:p>
+                <a:pPr lvl="1"/>
+                <a:r>
+                  <a:rPr lang="en-US" dirty="0"/>
+                  <a:t>Set of Constraint: {(</a:t>
+                </a:r>
+                <a14:m>
+                  <m:oMath xmlns:m="http://schemas.openxmlformats.org/officeDocument/2006/math">
+                    <m:sSub>
+                      <m:sSubPr>
+                        <m:ctrlPr>
+                          <a:rPr lang="en-US" b="0" i="1" smtClean="0">
+                            <a:latin typeface="Cambria Math" panose="02040503050406030204" pitchFamily="18" charset="0"/>
+                          </a:rPr>
+                        </m:ctrlPr>
+                      </m:sSubPr>
+                      <m:e>
+                        <m:r>
+                          <a:rPr lang="en-US" b="0" i="1" smtClean="0">
+                            <a:latin typeface="Cambria Math" panose="02040503050406030204" pitchFamily="18" charset="0"/>
+                          </a:rPr>
+                          <m:t>𝑎</m:t>
+                        </m:r>
+                      </m:e>
+                      <m:sub>
+                        <m:r>
+                          <a:rPr lang="en-US" b="0" i="1" smtClean="0">
+                            <a:latin typeface="Cambria Math" panose="02040503050406030204" pitchFamily="18" charset="0"/>
+                          </a:rPr>
+                          <m:t>𝑖</m:t>
+                        </m:r>
+                      </m:sub>
+                    </m:sSub>
+                    <m:r>
+                      <a:rPr lang="en-US" b="0" i="1" smtClean="0">
+                        <a:latin typeface="Cambria Math" panose="02040503050406030204" pitchFamily="18" charset="0"/>
+                      </a:rPr>
+                      <m:t>,</m:t>
+                    </m:r>
+                    <m:sSub>
+                      <m:sSubPr>
+                        <m:ctrlPr>
+                          <a:rPr lang="en-US" b="0" i="1" smtClean="0">
+                            <a:latin typeface="Cambria Math" panose="02040503050406030204" pitchFamily="18" charset="0"/>
+                          </a:rPr>
+                        </m:ctrlPr>
+                      </m:sSubPr>
+                      <m:e>
+                        <m:r>
+                          <a:rPr lang="en-US" b="0" i="1" smtClean="0">
+                            <a:latin typeface="Cambria Math" panose="02040503050406030204" pitchFamily="18" charset="0"/>
+                          </a:rPr>
+                          <m:t>𝑎</m:t>
+                        </m:r>
+                      </m:e>
+                      <m:sub>
+                        <m:r>
+                          <a:rPr lang="en-US" b="0" i="1" smtClean="0">
+                            <a:latin typeface="Cambria Math" panose="02040503050406030204" pitchFamily="18" charset="0"/>
+                          </a:rPr>
+                          <m:t>𝑗</m:t>
+                        </m:r>
+                      </m:sub>
+                    </m:sSub>
+                    <m:r>
+                      <a:rPr lang="en-US" b="0" i="1" smtClean="0">
+                        <a:latin typeface="Cambria Math" panose="02040503050406030204" pitchFamily="18" charset="0"/>
+                      </a:rPr>
+                      <m:t>,</m:t>
+                    </m:r>
+                    <m:r>
+                      <a:rPr lang="en-US" b="0" i="1" smtClean="0">
+                        <a:latin typeface="Cambria Math" panose="02040503050406030204" pitchFamily="18" charset="0"/>
+                      </a:rPr>
+                      <m:t>𝑣</m:t>
+                    </m:r>
+                    <m:r>
+                      <a:rPr lang="en-US" b="0" i="1" smtClean="0">
+                        <a:latin typeface="Cambria Math" panose="02040503050406030204" pitchFamily="18" charset="0"/>
+                      </a:rPr>
+                      <m:t>,</m:t>
+                    </m:r>
+                    <m:r>
+                      <a:rPr lang="en-US" b="0" i="1" smtClean="0">
+                        <a:latin typeface="Cambria Math" panose="02040503050406030204" pitchFamily="18" charset="0"/>
+                      </a:rPr>
+                      <m:t>𝑡</m:t>
+                    </m:r>
+                  </m:oMath>
+                </a14:m>
+                <a:r>
+                  <a:rPr lang="en-US" dirty="0"/>
+                  <a:t>), …}</a:t>
+                </a:r>
+              </a:p>
+              <a:p>
+                <a:pPr lvl="1"/>
+                <a:r>
+                  <a:rPr lang="en-US" dirty="0"/>
+                  <a:t>Solution</a:t>
+                </a:r>
+              </a:p>
+              <a:p>
+                <a:pPr lvl="1"/>
+                <a:r>
+                  <a:rPr lang="en-US" dirty="0"/>
+                  <a:t>Total Cost (f-value of node)</a:t>
+                </a:r>
+                <a:endParaRPr lang="tr-TR" dirty="0"/>
+              </a:p>
+            </p:txBody>
+          </p:sp>
+        </mc:Choice>
+        <mc:Fallback xmlns="">
+          <p:sp>
+            <p:nvSpPr>
+              <p:cNvPr id="3" name="Content Placeholder 2">
+                <a:extLst>
+                  <a:ext uri="{FF2B5EF4-FFF2-40B4-BE49-F238E27FC236}">
+                    <a16:creationId xmlns:a16="http://schemas.microsoft.com/office/drawing/2014/main" id="{4B62F609-A3A0-4B7F-8A37-B59C3843B0A8}"/>
+                  </a:ext>
+                </a:extLst>
+              </p:cNvPr>
+              <p:cNvSpPr>
+                <a:spLocks noGrp="1" noRot="1" noChangeAspect="1" noMove="1" noResize="1" noEditPoints="1" noAdjustHandles="1" noChangeArrowheads="1" noChangeShapeType="1" noTextEdit="1"/>
+              </p:cNvSpPr>
+              <p:nvPr>
+                <p:ph idx="1"/>
+              </p:nvPr>
+            </p:nvSpPr>
+            <p:spPr>
+              <a:blipFill>
+                <a:blip r:embed="rId3"/>
+                <a:stretch>
+                  <a:fillRect l="-1043" t="-2241"/>
+                </a:stretch>
+              </a:blipFill>
+            </p:spPr>
+            <p:txBody>
+              <a:bodyPr/>
+              <a:lstStyle/>
+              <a:p>
+                <a:r>
+                  <a:rPr lang="tr-TR">
+                    <a:noFill/>
+                  </a:rPr>
+                  <a:t> </a:t>
+                </a:r>
+              </a:p>
+            </p:txBody>
+          </p:sp>
+        </mc:Fallback>
+      </mc:AlternateContent>
+      <p:pic>
+        <p:nvPicPr>
+          <p:cNvPr id="4" name="Picture 3">
+            <a:extLst>
+              <a:ext uri="{FF2B5EF4-FFF2-40B4-BE49-F238E27FC236}">
+                <a16:creationId xmlns:a16="http://schemas.microsoft.com/office/drawing/2014/main" id="{2BD08DC4-CE0C-4545-8CAC-DAEA5982294C}"/>
+              </a:ext>
+            </a:extLst>
+          </p:cNvPr>
+          <p:cNvPicPr>
+            <a:picLocks noChangeAspect="1"/>
+          </p:cNvPicPr>
+          <p:nvPr/>
+        </p:nvPicPr>
+        <p:blipFill>
+          <a:blip r:embed="rId4"/>
+          <a:stretch>
+            <a:fillRect/>
+          </a:stretch>
+        </p:blipFill>
+        <p:spPr>
+          <a:xfrm>
+            <a:off x="6675422" y="3548283"/>
+            <a:ext cx="3626565" cy="2763617"/>
+          </a:xfrm>
+          <a:prstGeom prst="rect">
+            <a:avLst/>
+          </a:prstGeom>
+        </p:spPr>
+      </p:pic>
+      <p:pic>
+        <p:nvPicPr>
+          <p:cNvPr id="5" name="Picture 4">
+            <a:extLst>
+              <a:ext uri="{FF2B5EF4-FFF2-40B4-BE49-F238E27FC236}">
+                <a16:creationId xmlns:a16="http://schemas.microsoft.com/office/drawing/2014/main" id="{15BEA2F8-654E-4D72-9BB3-4584FCDAE2FC}"/>
+              </a:ext>
+            </a:extLst>
+          </p:cNvPr>
+          <p:cNvPicPr>
+            <a:picLocks noChangeAspect="1"/>
+          </p:cNvPicPr>
+          <p:nvPr/>
+        </p:nvPicPr>
+        <p:blipFill>
+          <a:blip r:embed="rId5"/>
+          <a:stretch>
+            <a:fillRect/>
+          </a:stretch>
+        </p:blipFill>
+        <p:spPr>
+          <a:xfrm>
+            <a:off x="1283430" y="3682854"/>
+            <a:ext cx="2555239" cy="2494109"/>
+          </a:xfrm>
+          <a:prstGeom prst="rect">
+            <a:avLst/>
+          </a:prstGeom>
+        </p:spPr>
+      </p:pic>
+    </p:spTree>
+    <p:extLst>
+      <p:ext uri="{BB962C8B-B14F-4D97-AF65-F5344CB8AC3E}">
+        <p14:creationId xmlns:p14="http://schemas.microsoft.com/office/powerpoint/2010/main" val="940990445"/>
+      </p:ext>
+    </p:extLst>
+  </p:cSld>
+  <p:clrMapOvr>
+    <a:masterClrMapping/>
+  </p:clrMapOvr>
+</p:sld>
+</file>
+
+<file path=ppt/slides/slide7.xml><?xml version="1.0" encoding="utf-8"?>
+<p:sld xmlns:a="http://schemas.openxmlformats.org/drawingml/2006/main" xmlns:r="http://schemas.openxmlformats.org/officeDocument/2006/relationships" xmlns:p="http://schemas.openxmlformats.org/presentationml/2006/main">
+  <p:cSld>
+    <p:spTree>
+      <p:nvGrpSpPr>
+        <p:cNvPr id="1" name=""/>
+        <p:cNvGrpSpPr/>
+        <p:nvPr/>
+      </p:nvGrpSpPr>
+      <p:grpSpPr>
+        <a:xfrm>
+          <a:off x="0" y="0"/>
+          <a:ext cx="0" cy="0"/>
+          <a:chOff x="0" y="0"/>
+          <a:chExt cx="0" cy="0"/>
+        </a:xfrm>
+      </p:grpSpPr>
+      <p:sp>
+        <p:nvSpPr>
+          <p:cNvPr id="2" name="Title 1">
+            <a:extLst>
+              <a:ext uri="{FF2B5EF4-FFF2-40B4-BE49-F238E27FC236}">
+                <a16:creationId xmlns:a16="http://schemas.microsoft.com/office/drawing/2014/main" id="{A83DED9F-D594-48E7-BBAD-290BE8B2D487}"/>
+              </a:ext>
+            </a:extLst>
+          </p:cNvPr>
+          <p:cNvSpPr>
+            <a:spLocks noGrp="1"/>
+          </p:cNvSpPr>
+          <p:nvPr>
+            <p:ph type="title"/>
+          </p:nvPr>
+        </p:nvSpPr>
+        <p:spPr/>
+        <p:txBody>
+          <a:bodyPr/>
+          <a:lstStyle/>
+          <a:p>
+            <a:r>
+              <a:rPr lang="en-US" dirty="0"/>
+              <a:t>CBS</a:t>
+            </a:r>
+            <a:endParaRPr lang="tr-TR" dirty="0"/>
+          </a:p>
+        </p:txBody>
+      </p:sp>
+      <p:sp>
+        <p:nvSpPr>
+          <p:cNvPr id="3" name="Content Placeholder 2">
+            <a:extLst>
+              <a:ext uri="{FF2B5EF4-FFF2-40B4-BE49-F238E27FC236}">
+                <a16:creationId xmlns:a16="http://schemas.microsoft.com/office/drawing/2014/main" id="{1C5E9715-7B23-4555-96A9-B6FA7963A73C}"/>
+              </a:ext>
+            </a:extLst>
+          </p:cNvPr>
+          <p:cNvSpPr>
+            <a:spLocks noGrp="1"/>
+          </p:cNvSpPr>
+          <p:nvPr>
+            <p:ph idx="1"/>
+          </p:nvPr>
+        </p:nvSpPr>
+        <p:spPr>
+          <a:xfrm>
+            <a:off x="838200" y="1825625"/>
+            <a:ext cx="10515600" cy="4351338"/>
+          </a:xfrm>
+        </p:spPr>
+        <p:txBody>
+          <a:bodyPr/>
+          <a:lstStyle/>
+          <a:p>
+            <a:r>
+              <a:rPr lang="en-US" dirty="0"/>
+              <a:t>Low-Level: any optimal single agent pathfinding algorithm which can satisfies all the constraint</a:t>
+            </a:r>
+            <a:endParaRPr lang="tr-TR" dirty="0"/>
+          </a:p>
+        </p:txBody>
+      </p:sp>
+      <p:pic>
+        <p:nvPicPr>
+          <p:cNvPr id="4" name="Picture 3">
+            <a:extLst>
+              <a:ext uri="{FF2B5EF4-FFF2-40B4-BE49-F238E27FC236}">
+                <a16:creationId xmlns:a16="http://schemas.microsoft.com/office/drawing/2014/main" id="{E7BA8906-E22E-4338-9FB7-0E36DEB25B72}"/>
+              </a:ext>
+            </a:extLst>
+          </p:cNvPr>
+          <p:cNvPicPr>
+            <a:picLocks noChangeAspect="1"/>
+          </p:cNvPicPr>
+          <p:nvPr/>
+        </p:nvPicPr>
+        <p:blipFill>
+          <a:blip r:embed="rId3"/>
+          <a:stretch>
+            <a:fillRect/>
+          </a:stretch>
+        </p:blipFill>
+        <p:spPr>
+          <a:xfrm>
+            <a:off x="6693529" y="3413346"/>
+            <a:ext cx="3626565" cy="2763617"/>
+          </a:xfrm>
+          <a:prstGeom prst="rect">
+            <a:avLst/>
+          </a:prstGeom>
+        </p:spPr>
+      </p:pic>
+      <p:pic>
+        <p:nvPicPr>
+          <p:cNvPr id="5" name="Picture 4">
+            <a:extLst>
+              <a:ext uri="{FF2B5EF4-FFF2-40B4-BE49-F238E27FC236}">
+                <a16:creationId xmlns:a16="http://schemas.microsoft.com/office/drawing/2014/main" id="{7EB7CB65-31D8-4F21-B9C1-2EE0F179A48A}"/>
+              </a:ext>
+            </a:extLst>
+          </p:cNvPr>
+          <p:cNvPicPr>
+            <a:picLocks noChangeAspect="1"/>
+          </p:cNvPicPr>
+          <p:nvPr/>
+        </p:nvPicPr>
+        <p:blipFill>
+          <a:blip r:embed="rId4"/>
+          <a:stretch>
+            <a:fillRect/>
+          </a:stretch>
+        </p:blipFill>
+        <p:spPr>
+          <a:xfrm>
+            <a:off x="1364912" y="3548283"/>
+            <a:ext cx="2555239" cy="2494109"/>
+          </a:xfrm>
+          <a:prstGeom prst="rect">
+            <a:avLst/>
+          </a:prstGeom>
+        </p:spPr>
+      </p:pic>
+    </p:spTree>
+    <p:extLst>
+      <p:ext uri="{BB962C8B-B14F-4D97-AF65-F5344CB8AC3E}">
+        <p14:creationId xmlns:p14="http://schemas.microsoft.com/office/powerpoint/2010/main" val="328330867"/>
+      </p:ext>
+    </p:extLst>
+  </p:cSld>
+  <p:clrMapOvr>
+    <a:masterClrMapping/>
+  </p:clrMapOvr>
+</p:sld>
+</file>
+
+<file path=ppt/slides/slide8.xml><?xml version="1.0" encoding="utf-8"?>
+<p:sld xmlns:a="http://schemas.openxmlformats.org/drawingml/2006/main" xmlns:r="http://schemas.openxmlformats.org/officeDocument/2006/relationships" xmlns:p="http://schemas.openxmlformats.org/presentationml/2006/main">
+  <p:cSld>
+    <p:spTree>
+      <p:nvGrpSpPr>
+        <p:cNvPr id="1" name=""/>
+        <p:cNvGrpSpPr/>
+        <p:nvPr/>
+      </p:nvGrpSpPr>
+      <p:grpSpPr>
+        <a:xfrm>
+          <a:off x="0" y="0"/>
+          <a:ext cx="0" cy="0"/>
+          <a:chOff x="0" y="0"/>
+          <a:chExt cx="0" cy="0"/>
+        </a:xfrm>
+      </p:grpSpPr>
+      <p:sp>
+        <p:nvSpPr>
+          <p:cNvPr id="2" name="Title 1">
+            <a:extLst>
+              <a:ext uri="{FF2B5EF4-FFF2-40B4-BE49-F238E27FC236}">
+                <a16:creationId xmlns:a16="http://schemas.microsoft.com/office/drawing/2014/main" id="{D5167F7C-DFF2-483C-8B9F-3BE3C716551A}"/>
+              </a:ext>
+            </a:extLst>
+          </p:cNvPr>
+          <p:cNvSpPr>
+            <a:spLocks noGrp="1"/>
+          </p:cNvSpPr>
+          <p:nvPr>
+            <p:ph type="title"/>
+          </p:nvPr>
+        </p:nvSpPr>
+        <p:spPr/>
+        <p:txBody>
+          <a:bodyPr/>
+          <a:lstStyle/>
+          <a:p>
+            <a:r>
+              <a:rPr lang="en-US" dirty="0"/>
+              <a:t>CBS</a:t>
+            </a:r>
+            <a:endParaRPr lang="tr-TR" dirty="0"/>
+          </a:p>
+        </p:txBody>
+      </p:sp>
+      <p:sp>
+        <p:nvSpPr>
+          <p:cNvPr id="3" name="Content Placeholder 2">
+            <a:extLst>
+              <a:ext uri="{FF2B5EF4-FFF2-40B4-BE49-F238E27FC236}">
+                <a16:creationId xmlns:a16="http://schemas.microsoft.com/office/drawing/2014/main" id="{A8616626-3EEB-41FD-A970-07EC85795DC4}"/>
+              </a:ext>
+            </a:extLst>
+          </p:cNvPr>
+          <p:cNvSpPr>
+            <a:spLocks noGrp="1"/>
+          </p:cNvSpPr>
+          <p:nvPr>
+            <p:ph idx="1"/>
+          </p:nvPr>
+        </p:nvSpPr>
+        <p:spPr/>
+        <p:txBody>
+          <a:bodyPr/>
+          <a:lstStyle/>
+          <a:p>
+            <a:endParaRPr lang="tr-TR"/>
+          </a:p>
+        </p:txBody>
+      </p:sp>
+      <p:pic>
+        <p:nvPicPr>
+          <p:cNvPr id="4" name="Picture 3">
+            <a:extLst>
+              <a:ext uri="{FF2B5EF4-FFF2-40B4-BE49-F238E27FC236}">
+                <a16:creationId xmlns:a16="http://schemas.microsoft.com/office/drawing/2014/main" id="{55AD5471-6367-4A53-BF4A-CFDAA73741FF}"/>
+              </a:ext>
+            </a:extLst>
+          </p:cNvPr>
+          <p:cNvPicPr>
+            <a:picLocks noChangeAspect="1"/>
+          </p:cNvPicPr>
+          <p:nvPr/>
+        </p:nvPicPr>
+        <p:blipFill>
+          <a:blip r:embed="rId3"/>
+          <a:stretch>
+            <a:fillRect/>
+          </a:stretch>
+        </p:blipFill>
+        <p:spPr>
+          <a:xfrm>
+            <a:off x="838200" y="1690688"/>
+            <a:ext cx="7943661" cy="4667101"/>
+          </a:xfrm>
+          <a:prstGeom prst="rect">
+            <a:avLst/>
+          </a:prstGeom>
+        </p:spPr>
+      </p:pic>
+    </p:spTree>
+    <p:extLst>
+      <p:ext uri="{BB962C8B-B14F-4D97-AF65-F5344CB8AC3E}">
+        <p14:creationId xmlns:p14="http://schemas.microsoft.com/office/powerpoint/2010/main" val="1345273416"/>
+      </p:ext>
+    </p:extLst>
+  </p:cSld>
+  <p:clrMapOvr>
+    <a:masterClrMapping/>
+  </p:clrMapOvr>
+</p:sld>
+</file>
+
+<file path=ppt/slides/slide9.xml><?xml version="1.0" encoding="utf-8"?>
+<p:sld xmlns:a="http://schemas.openxmlformats.org/drawingml/2006/main" xmlns:r="http://schemas.openxmlformats.org/officeDocument/2006/relationships" xmlns:p="http://schemas.openxmlformats.org/presentationml/2006/main">
+  <p:cSld>
+    <p:spTree>
+      <p:nvGrpSpPr>
+        <p:cNvPr id="1" name=""/>
+        <p:cNvGrpSpPr/>
+        <p:nvPr/>
+      </p:nvGrpSpPr>
+      <p:grpSpPr>
+        <a:xfrm>
+          <a:off x="0" y="0"/>
+          <a:ext cx="0" cy="0"/>
+          <a:chOff x="0" y="0"/>
+          <a:chExt cx="0" cy="0"/>
+        </a:xfrm>
+      </p:grpSpPr>
+      <p:pic>
+        <p:nvPicPr>
+          <p:cNvPr id="5" name="Picture 4">
+            <a:extLst>
+              <a:ext uri="{FF2B5EF4-FFF2-40B4-BE49-F238E27FC236}">
+                <a16:creationId xmlns:a16="http://schemas.microsoft.com/office/drawing/2014/main" id="{757100F0-5E17-4E28-803F-0E8C9C4EB101}"/>
+              </a:ext>
+            </a:extLst>
+          </p:cNvPr>
+          <p:cNvPicPr>
+            <a:picLocks noChangeAspect="1"/>
+          </p:cNvPicPr>
+          <p:nvPr/>
+        </p:nvPicPr>
+        <p:blipFill>
+          <a:blip r:embed="rId3"/>
+          <a:stretch>
+            <a:fillRect/>
+          </a:stretch>
+        </p:blipFill>
+        <p:spPr>
+          <a:xfrm>
+            <a:off x="5188347" y="2477771"/>
+            <a:ext cx="6165453" cy="4015104"/>
+          </a:xfrm>
+          <a:prstGeom prst="rect">
+            <a:avLst/>
+          </a:prstGeom>
+        </p:spPr>
+      </p:pic>
+      <p:sp>
+        <p:nvSpPr>
+          <p:cNvPr id="2" name="Title 1">
+            <a:extLst>
+              <a:ext uri="{FF2B5EF4-FFF2-40B4-BE49-F238E27FC236}">
+                <a16:creationId xmlns:a16="http://schemas.microsoft.com/office/drawing/2014/main" id="{89B09484-B546-4A48-A641-AE095CE085D8}"/>
+              </a:ext>
+            </a:extLst>
+          </p:cNvPr>
+          <p:cNvSpPr>
+            <a:spLocks noGrp="1"/>
+          </p:cNvSpPr>
+          <p:nvPr>
+            <p:ph type="title"/>
+          </p:nvPr>
+        </p:nvSpPr>
+        <p:spPr/>
+        <p:txBody>
+          <a:bodyPr/>
+          <a:lstStyle/>
+          <a:p>
+            <a:r>
+              <a:rPr lang="en-US" dirty="0"/>
+              <a:t>Comparison of A* and CBS</a:t>
+            </a:r>
+            <a:endParaRPr lang="tr-TR" dirty="0"/>
+          </a:p>
+        </p:txBody>
+      </p:sp>
+      <p:sp>
+        <p:nvSpPr>
+          <p:cNvPr id="3" name="Content Placeholder 2">
+            <a:extLst>
+              <a:ext uri="{FF2B5EF4-FFF2-40B4-BE49-F238E27FC236}">
+                <a16:creationId xmlns:a16="http://schemas.microsoft.com/office/drawing/2014/main" id="{F6858EBE-EF96-4AC4-A5D7-17D1FD4BF7FD}"/>
+              </a:ext>
+            </a:extLst>
+          </p:cNvPr>
+          <p:cNvSpPr>
+            <a:spLocks noGrp="1"/>
+          </p:cNvSpPr>
+          <p:nvPr>
+            <p:ph idx="1"/>
+          </p:nvPr>
+        </p:nvSpPr>
+        <p:spPr/>
+        <p:txBody>
+          <a:bodyPr/>
+          <a:lstStyle/>
+          <a:p>
+            <a:r>
+              <a:rPr lang="en-US" dirty="0"/>
+              <a:t>CBS will expand 8 + 4 · 4 + 6 · 5 = 54 low level nodes</a:t>
+            </a:r>
+          </a:p>
+          <a:p>
+            <a:r>
+              <a:rPr lang="en-US" dirty="0"/>
+              <a:t>A* will expand 5 + 3 = 8 low level nodes</a:t>
+            </a:r>
+            <a:endParaRPr lang="tr-TR" dirty="0"/>
+          </a:p>
+          <a:p>
+            <a:endParaRPr lang="tr-TR" dirty="0"/>
+          </a:p>
+        </p:txBody>
+      </p:sp>
+      <p:pic>
+        <p:nvPicPr>
+          <p:cNvPr id="4" name="Picture 3">
+            <a:extLst>
+              <a:ext uri="{FF2B5EF4-FFF2-40B4-BE49-F238E27FC236}">
+                <a16:creationId xmlns:a16="http://schemas.microsoft.com/office/drawing/2014/main" id="{065B89E3-2C95-46D1-9747-451896B2E750}"/>
+              </a:ext>
+            </a:extLst>
+          </p:cNvPr>
+          <p:cNvPicPr>
+            <a:picLocks noChangeAspect="1"/>
+          </p:cNvPicPr>
+          <p:nvPr/>
+        </p:nvPicPr>
+        <p:blipFill>
+          <a:blip r:embed="rId4"/>
+          <a:stretch>
+            <a:fillRect/>
+          </a:stretch>
+        </p:blipFill>
+        <p:spPr>
+          <a:xfrm>
+            <a:off x="659779" y="3429000"/>
+            <a:ext cx="4244190" cy="2969696"/>
+          </a:xfrm>
+          <a:prstGeom prst="rect">
+            <a:avLst/>
+          </a:prstGeom>
+        </p:spPr>
+      </p:pic>
+    </p:spTree>
+    <p:extLst>
+      <p:ext uri="{BB962C8B-B14F-4D97-AF65-F5344CB8AC3E}">
+        <p14:creationId xmlns:p14="http://schemas.microsoft.com/office/powerpoint/2010/main" val="331830905"/>
+      </p:ext>
+    </p:extLst>
+  </p:cSld>
+  <p:clrMapOvr>
+    <a:masterClrMapping/>
+  </p:clrMapOvr>
+</p:sld>
+</file>
+
 <file path=ppt/tags/tag1.xml><?xml version="1.0" encoding="utf-8"?>
+<p:tagLst xmlns:a="http://schemas.openxmlformats.org/drawingml/2006/main" xmlns:r="http://schemas.openxmlformats.org/officeDocument/2006/relationships" xmlns:p="http://schemas.openxmlformats.org/presentationml/2006/main">
+  <p:tag name="BJHEADERFOOTERLABEL" val="TRUE"/>
+  <p:tag name="BJHEADERFOOTERTEXTLABEL" val="TASNİF DIŞI"/>
+  <p:tag name="BJHEADERFOOTERTEXTMARKING" val="TASNİF DIŞI"/>
+</p:tagLst>
+</file>
+
+<file path=ppt/tags/tag10.xml><?xml version="1.0" encoding="utf-8"?>
+<p:tagLst xmlns:a="http://schemas.openxmlformats.org/drawingml/2006/main" xmlns:r="http://schemas.openxmlformats.org/officeDocument/2006/relationships" xmlns:p="http://schemas.openxmlformats.org/presentationml/2006/main">
+  <p:tag name="BJHEADERFOOTERLABEL" val="TRUE"/>
+  <p:tag name="BJHEADERFOOTERTEXTLABEL" val="TASNİF DIŞI"/>
+  <p:tag name="BJHEADERFOOTERTEXTMARKING" val="TASNİF DIŞI"/>
+</p:tagLst>
+</file>
+
+<file path=ppt/tags/tag11.xml><?xml version="1.0" encoding="utf-8"?>
+<p:tagLst xmlns:a="http://schemas.openxmlformats.org/drawingml/2006/main" xmlns:r="http://schemas.openxmlformats.org/officeDocument/2006/relationships" xmlns:p="http://schemas.openxmlformats.org/presentationml/2006/main">
+  <p:tag name="BJHEADERFOOTERLABEL" val="TRUE"/>
+  <p:tag name="BJHEADERFOOTERTEXTLABEL" val="TASNİF DIŞI"/>
+  <p:tag name="BJHEADERFOOTERTEXTMARKING" val="TASNİF DIŞI"/>
+</p:tagLst>
+</file>
+
+<file path=ppt/tags/tag12.xml><?xml version="1.0" encoding="utf-8"?>
+<p:tagLst xmlns:a="http://schemas.openxmlformats.org/drawingml/2006/main" xmlns:r="http://schemas.openxmlformats.org/officeDocument/2006/relationships" xmlns:p="http://schemas.openxmlformats.org/presentationml/2006/main">
+  <p:tag name="BJHEADERFOOTERLABEL" val="TRUE"/>
+  <p:tag name="BJHEADERFOOTERTEXTLABEL" val="TASNİF DIŞI"/>
+  <p:tag name="BJHEADERFOOTERTEXTMARKING" val="TASNİF DIŞI"/>
+</p:tagLst>
+</file>
+
+<file path=ppt/tags/tag13.xml><?xml version="1.0" encoding="utf-8"?>
+<p:tagLst xmlns:a="http://schemas.openxmlformats.org/drawingml/2006/main" xmlns:r="http://schemas.openxmlformats.org/officeDocument/2006/relationships" xmlns:p="http://schemas.openxmlformats.org/presentationml/2006/main">
+  <p:tag name="BJHEADERFOOTERLABEL" val="TRUE"/>
+  <p:tag name="BJHEADERFOOTERTEXTLABEL" val="TASNİF DIŞI"/>
+  <p:tag name="BJHEADERFOOTERTEXTMARKING" val="TASNİF DIŞI"/>
+</p:tagLst>
+</file>
+
+<file path=ppt/tags/tag14.xml><?xml version="1.0" encoding="utf-8"?>
+<p:tagLst xmlns:a="http://schemas.openxmlformats.org/drawingml/2006/main" xmlns:r="http://schemas.openxmlformats.org/officeDocument/2006/relationships" xmlns:p="http://schemas.openxmlformats.org/presentationml/2006/main">
+  <p:tag name="BJHEADERFOOTERLABEL" val="TRUE"/>
+  <p:tag name="BJHEADERFOOTERTEXTLABEL" val="TASNİF DIŞI"/>
+  <p:tag name="BJHEADERFOOTERTEXTMARKING" val="TASNİF DIŞI"/>
+</p:tagLst>
+</file>
+
+<file path=ppt/tags/tag15.xml><?xml version="1.0" encoding="utf-8"?>
 <p:tagLst xmlns:a="http://schemas.openxmlformats.org/drawingml/2006/main" xmlns:r="http://schemas.openxmlformats.org/officeDocument/2006/relationships" xmlns:p="http://schemas.openxmlformats.org/presentationml/2006/main">
   <p:tag name="BJHEADERFOOTERLABEL" val="TRUE"/>
   <p:tag name="BJHEADERFOOTERTEXTLABEL" val="TASNİF DIŞI"/>
@@ -6122,6 +8371,30 @@
 </file>
 
 <file path=ppt/tags/tag6.xml><?xml version="1.0" encoding="utf-8"?>
+<p:tagLst xmlns:a="http://schemas.openxmlformats.org/drawingml/2006/main" xmlns:r="http://schemas.openxmlformats.org/officeDocument/2006/relationships" xmlns:p="http://schemas.openxmlformats.org/presentationml/2006/main">
+  <p:tag name="BJHEADERFOOTERLABEL" val="TRUE"/>
+  <p:tag name="BJHEADERFOOTERTEXTLABEL" val="TASNİF DIŞI"/>
+  <p:tag name="BJHEADERFOOTERTEXTMARKING" val="TASNİF DIŞI"/>
+</p:tagLst>
+</file>
+
+<file path=ppt/tags/tag7.xml><?xml version="1.0" encoding="utf-8"?>
+<p:tagLst xmlns:a="http://schemas.openxmlformats.org/drawingml/2006/main" xmlns:r="http://schemas.openxmlformats.org/officeDocument/2006/relationships" xmlns:p="http://schemas.openxmlformats.org/presentationml/2006/main">
+  <p:tag name="BJHEADERFOOTERLABEL" val="TRUE"/>
+  <p:tag name="BJHEADERFOOTERTEXTLABEL" val="TASNİF DIŞI"/>
+  <p:tag name="BJHEADERFOOTERTEXTMARKING" val="TASNİF DIŞI"/>
+</p:tagLst>
+</file>
+
+<file path=ppt/tags/tag8.xml><?xml version="1.0" encoding="utf-8"?>
+<p:tagLst xmlns:a="http://schemas.openxmlformats.org/drawingml/2006/main" xmlns:r="http://schemas.openxmlformats.org/officeDocument/2006/relationships" xmlns:p="http://schemas.openxmlformats.org/presentationml/2006/main">
+  <p:tag name="BJHEADERFOOTERLABEL" val="TRUE"/>
+  <p:tag name="BJHEADERFOOTERTEXTLABEL" val="TASNİF DIŞI"/>
+  <p:tag name="BJHEADERFOOTERTEXTMARKING" val="TASNİF DIŞI"/>
+</p:tagLst>
+</file>
+
+<file path=ppt/tags/tag9.xml><?xml version="1.0" encoding="utf-8"?>
 <p:tagLst xmlns:a="http://schemas.openxmlformats.org/drawingml/2006/main" xmlns:r="http://schemas.openxmlformats.org/officeDocument/2006/relationships" xmlns:p="http://schemas.openxmlformats.org/presentationml/2006/main">
   <p:tag name="BJHEADERFOOTERLABEL" val="TRUE"/>
   <p:tag name="BJHEADERFOOTERTEXTLABEL" val="TASNİF DIŞI"/>
@@ -7021,7 +9294,7 @@
 </file>
 
 <file path=customXml/itemProps1.xml><?xml version="1.0" encoding="utf-8"?>
-<ds:datastoreItem xmlns:ds="http://schemas.openxmlformats.org/officeDocument/2006/customXml" ds:itemID="{0484E4DC-9B09-4D41-B284-E62E76FAEECC}">
+<ds:datastoreItem xmlns:ds="http://schemas.openxmlformats.org/officeDocument/2006/customXml" ds:itemID="{84C168F1-A0A0-4E78-B816-A5204FF08685}">
   <ds:schemaRefs>
     <ds:schemaRef ds:uri="http://www.w3.org/2001/XMLSchema"/>
     <ds:schemaRef ds:uri="http://www.boldonjames.com/2008/01/sie/internal/label"/>

--- a/dahahilipls.pptx
+++ b/dahahilipls.pptx
@@ -5,10 +5,10 @@
     <p:sldMasterId id="2147483648" r:id="rId2"/>
   </p:sldMasterIdLst>
   <p:notesMasterIdLst>
-    <p:notesMasterId r:id="rId16"/>
+    <p:notesMasterId r:id="rId21"/>
   </p:notesMasterIdLst>
   <p:handoutMasterIdLst>
-    <p:handoutMasterId r:id="rId17"/>
+    <p:handoutMasterId r:id="rId22"/>
   </p:handoutMasterIdLst>
   <p:sldIdLst>
     <p:sldId id="256" r:id="rId3"/>
@@ -17,13 +17,18 @@
     <p:sldId id="259" r:id="rId6"/>
     <p:sldId id="260" r:id="rId7"/>
     <p:sldId id="261" r:id="rId8"/>
-    <p:sldId id="262" r:id="rId9"/>
-    <p:sldId id="263" r:id="rId10"/>
-    <p:sldId id="264" r:id="rId11"/>
-    <p:sldId id="265" r:id="rId12"/>
-    <p:sldId id="266" r:id="rId13"/>
-    <p:sldId id="267" r:id="rId14"/>
-    <p:sldId id="268" r:id="rId15"/>
+    <p:sldId id="270" r:id="rId9"/>
+    <p:sldId id="271" r:id="rId10"/>
+    <p:sldId id="272" r:id="rId11"/>
+    <p:sldId id="262" r:id="rId12"/>
+    <p:sldId id="263" r:id="rId13"/>
+    <p:sldId id="274" r:id="rId14"/>
+    <p:sldId id="264" r:id="rId15"/>
+    <p:sldId id="273" r:id="rId16"/>
+    <p:sldId id="265" r:id="rId17"/>
+    <p:sldId id="266" r:id="rId18"/>
+    <p:sldId id="267" r:id="rId19"/>
+    <p:sldId id="268" r:id="rId20"/>
   </p:sldIdLst>
   <p:sldSz cx="12192000" cy="6858000"/>
   <p:notesSz cx="6858000" cy="9144000"/>
@@ -235,7 +240,7 @@
           <a:p>
             <a:fld id="{804136C7-FB4F-4486-A3C2-378AD4BCA59E}" type="datetimeFigureOut">
               <a:rPr lang="tr-TR" smtClean="0"/>
-              <a:t>21.01.2026</a:t>
+              <a:t>22.01.2026</a:t>
             </a:fld>
             <a:endParaRPr lang="tr-TR"/>
           </a:p>
@@ -424,7 +429,7 @@
           <a:p>
             <a:fld id="{03F75F1C-96D1-4385-A770-21325CBD7C70}" type="datetimeFigureOut">
               <a:rPr lang="tr-TR" smtClean="0"/>
-              <a:t>21.01.2026</a:t>
+              <a:t>22.01.2026</a:t>
             </a:fld>
             <a:endParaRPr lang="tr-TR"/>
           </a:p>
@@ -939,7 +944,7 @@
     </p:spTree>
     <p:extLst>
       <p:ext uri="{BB962C8B-B14F-4D97-AF65-F5344CB8AC3E}">
-        <p14:creationId xmlns:p14="http://schemas.microsoft.com/office/powerpoint/2010/main" val="2048345745"/>
+        <p14:creationId xmlns:p14="http://schemas.microsoft.com/office/powerpoint/2010/main" val="3551584099"/>
       </p:ext>
     </p:extLst>
   </p:cSld>
@@ -1067,7 +1072,7 @@
     </p:spTree>
     <p:extLst>
       <p:ext uri="{BB962C8B-B14F-4D97-AF65-F5344CB8AC3E}">
-        <p14:creationId xmlns:p14="http://schemas.microsoft.com/office/powerpoint/2010/main" val="3866334057"/>
+        <p14:creationId xmlns:p14="http://schemas.microsoft.com/office/powerpoint/2010/main" val="1603975523"/>
       </p:ext>
     </p:extLst>
   </p:cSld>
@@ -1195,7 +1200,7 @@
     </p:spTree>
     <p:extLst>
       <p:ext uri="{BB962C8B-B14F-4D97-AF65-F5344CB8AC3E}">
-        <p14:creationId xmlns:p14="http://schemas.microsoft.com/office/powerpoint/2010/main" val="562200285"/>
+        <p14:creationId xmlns:p14="http://schemas.microsoft.com/office/powerpoint/2010/main" val="2334987450"/>
       </p:ext>
     </p:extLst>
   </p:cSld>
@@ -1315,6 +1320,646 @@
             <a:fld id="{B0C8BBDD-C3B0-48D3-84B8-B335C26FBCD7}" type="slidenum">
               <a:rPr lang="tr-TR" smtClean="0"/>
               <a:t>13</a:t>
+            </a:fld>
+            <a:endParaRPr lang="tr-TR"/>
+          </a:p>
+        </p:txBody>
+      </p:sp>
+    </p:spTree>
+    <p:extLst>
+      <p:ext uri="{BB962C8B-B14F-4D97-AF65-F5344CB8AC3E}">
+        <p14:creationId xmlns:p14="http://schemas.microsoft.com/office/powerpoint/2010/main" val="3652783704"/>
+      </p:ext>
+    </p:extLst>
+  </p:cSld>
+  <p:clrMapOvr>
+    <a:masterClrMapping/>
+  </p:clrMapOvr>
+</p:notes>
+</file>
+
+<file path=ppt/notesSlides/notesSlide14.xml><?xml version="1.0" encoding="utf-8"?>
+<p:notes xmlns:a="http://schemas.openxmlformats.org/drawingml/2006/main" xmlns:r="http://schemas.openxmlformats.org/officeDocument/2006/relationships" xmlns:p="http://schemas.openxmlformats.org/presentationml/2006/main">
+  <p:cSld>
+    <p:spTree>
+      <p:nvGrpSpPr>
+        <p:cNvPr id="1" name=""/>
+        <p:cNvGrpSpPr/>
+        <p:nvPr/>
+      </p:nvGrpSpPr>
+      <p:grpSpPr>
+        <a:xfrm>
+          <a:off x="0" y="0"/>
+          <a:ext cx="0" cy="0"/>
+          <a:chOff x="0" y="0"/>
+          <a:chExt cx="0" cy="0"/>
+        </a:xfrm>
+      </p:grpSpPr>
+      <p:sp>
+        <p:nvSpPr>
+          <p:cNvPr id="2" name="Slide Image Placeholder 1"/>
+          <p:cNvSpPr>
+            <a:spLocks noGrp="1" noRot="1" noChangeAspect="1"/>
+          </p:cNvSpPr>
+          <p:nvPr>
+            <p:ph type="sldImg"/>
+          </p:nvPr>
+        </p:nvSpPr>
+        <p:spPr/>
+      </p:sp>
+      <p:sp>
+        <p:nvSpPr>
+          <p:cNvPr id="3" name="Notes Placeholder 2"/>
+          <p:cNvSpPr>
+            <a:spLocks noGrp="1"/>
+          </p:cNvSpPr>
+          <p:nvPr>
+            <p:ph type="body" idx="1"/>
+          </p:nvPr>
+        </p:nvSpPr>
+        <p:spPr/>
+        <p:txBody>
+          <a:bodyPr/>
+          <a:lstStyle/>
+          <a:p>
+            <a:endParaRPr lang="tr-TR"/>
+          </a:p>
+        </p:txBody>
+      </p:sp>
+      <p:sp>
+        <p:nvSpPr>
+          <p:cNvPr id="4" name="Header Placeholder 3"/>
+          <p:cNvSpPr>
+            <a:spLocks noGrp="1"/>
+          </p:cNvSpPr>
+          <p:nvPr>
+            <p:ph type="hdr" sz="quarter"/>
+            <p:custDataLst>
+              <p:tags r:id="rId1"/>
+            </p:custDataLst>
+          </p:nvPr>
+        </p:nvSpPr>
+        <p:spPr/>
+        <p:txBody>
+          <a:bodyPr/>
+          <a:lstStyle/>
+          <a:p>
+            <a:r>
+              <a:rPr lang="tr-TR"/>
+              <a:t>TASNİF DIŞI</a:t>
+            </a:r>
+          </a:p>
+        </p:txBody>
+      </p:sp>
+      <p:sp>
+        <p:nvSpPr>
+          <p:cNvPr id="5" name="Footer Placeholder 4"/>
+          <p:cNvSpPr>
+            <a:spLocks noGrp="1"/>
+          </p:cNvSpPr>
+          <p:nvPr>
+            <p:ph type="ftr" sz="quarter" idx="4"/>
+          </p:nvPr>
+        </p:nvSpPr>
+        <p:spPr/>
+        <p:txBody>
+          <a:bodyPr/>
+          <a:lstStyle/>
+          <a:p>
+            <a:endParaRPr lang="tr-TR"/>
+          </a:p>
+        </p:txBody>
+      </p:sp>
+      <p:sp>
+        <p:nvSpPr>
+          <p:cNvPr id="6" name="Slide Number Placeholder 5"/>
+          <p:cNvSpPr>
+            <a:spLocks noGrp="1"/>
+          </p:cNvSpPr>
+          <p:nvPr>
+            <p:ph type="sldNum" sz="quarter" idx="5"/>
+          </p:nvPr>
+        </p:nvSpPr>
+        <p:spPr/>
+        <p:txBody>
+          <a:bodyPr/>
+          <a:lstStyle/>
+          <a:p>
+            <a:fld id="{B0C8BBDD-C3B0-48D3-84B8-B335C26FBCD7}" type="slidenum">
+              <a:rPr lang="tr-TR" smtClean="0"/>
+              <a:t>14</a:t>
+            </a:fld>
+            <a:endParaRPr lang="tr-TR"/>
+          </a:p>
+        </p:txBody>
+      </p:sp>
+    </p:spTree>
+    <p:extLst>
+      <p:ext uri="{BB962C8B-B14F-4D97-AF65-F5344CB8AC3E}">
+        <p14:creationId xmlns:p14="http://schemas.microsoft.com/office/powerpoint/2010/main" val="1275393312"/>
+      </p:ext>
+    </p:extLst>
+  </p:cSld>
+  <p:clrMapOvr>
+    <a:masterClrMapping/>
+  </p:clrMapOvr>
+</p:notes>
+</file>
+
+<file path=ppt/notesSlides/notesSlide15.xml><?xml version="1.0" encoding="utf-8"?>
+<p:notes xmlns:a="http://schemas.openxmlformats.org/drawingml/2006/main" xmlns:r="http://schemas.openxmlformats.org/officeDocument/2006/relationships" xmlns:p="http://schemas.openxmlformats.org/presentationml/2006/main">
+  <p:cSld>
+    <p:spTree>
+      <p:nvGrpSpPr>
+        <p:cNvPr id="1" name=""/>
+        <p:cNvGrpSpPr/>
+        <p:nvPr/>
+      </p:nvGrpSpPr>
+      <p:grpSpPr>
+        <a:xfrm>
+          <a:off x="0" y="0"/>
+          <a:ext cx="0" cy="0"/>
+          <a:chOff x="0" y="0"/>
+          <a:chExt cx="0" cy="0"/>
+        </a:xfrm>
+      </p:grpSpPr>
+      <p:sp>
+        <p:nvSpPr>
+          <p:cNvPr id="2" name="Slide Image Placeholder 1"/>
+          <p:cNvSpPr>
+            <a:spLocks noGrp="1" noRot="1" noChangeAspect="1"/>
+          </p:cNvSpPr>
+          <p:nvPr>
+            <p:ph type="sldImg"/>
+          </p:nvPr>
+        </p:nvSpPr>
+        <p:spPr/>
+      </p:sp>
+      <p:sp>
+        <p:nvSpPr>
+          <p:cNvPr id="3" name="Notes Placeholder 2"/>
+          <p:cNvSpPr>
+            <a:spLocks noGrp="1"/>
+          </p:cNvSpPr>
+          <p:nvPr>
+            <p:ph type="body" idx="1"/>
+          </p:nvPr>
+        </p:nvSpPr>
+        <p:spPr/>
+        <p:txBody>
+          <a:bodyPr/>
+          <a:lstStyle/>
+          <a:p>
+            <a:endParaRPr lang="tr-TR"/>
+          </a:p>
+        </p:txBody>
+      </p:sp>
+      <p:sp>
+        <p:nvSpPr>
+          <p:cNvPr id="4" name="Header Placeholder 3"/>
+          <p:cNvSpPr>
+            <a:spLocks noGrp="1"/>
+          </p:cNvSpPr>
+          <p:nvPr>
+            <p:ph type="hdr" sz="quarter"/>
+            <p:custDataLst>
+              <p:tags r:id="rId1"/>
+            </p:custDataLst>
+          </p:nvPr>
+        </p:nvSpPr>
+        <p:spPr/>
+        <p:txBody>
+          <a:bodyPr/>
+          <a:lstStyle/>
+          <a:p>
+            <a:r>
+              <a:rPr lang="tr-TR"/>
+              <a:t>TASNİF DIŞI</a:t>
+            </a:r>
+          </a:p>
+        </p:txBody>
+      </p:sp>
+      <p:sp>
+        <p:nvSpPr>
+          <p:cNvPr id="5" name="Footer Placeholder 4"/>
+          <p:cNvSpPr>
+            <a:spLocks noGrp="1"/>
+          </p:cNvSpPr>
+          <p:nvPr>
+            <p:ph type="ftr" sz="quarter" idx="4"/>
+          </p:nvPr>
+        </p:nvSpPr>
+        <p:spPr/>
+        <p:txBody>
+          <a:bodyPr/>
+          <a:lstStyle/>
+          <a:p>
+            <a:endParaRPr lang="tr-TR"/>
+          </a:p>
+        </p:txBody>
+      </p:sp>
+      <p:sp>
+        <p:nvSpPr>
+          <p:cNvPr id="6" name="Slide Number Placeholder 5"/>
+          <p:cNvSpPr>
+            <a:spLocks noGrp="1"/>
+          </p:cNvSpPr>
+          <p:nvPr>
+            <p:ph type="sldNum" sz="quarter" idx="5"/>
+          </p:nvPr>
+        </p:nvSpPr>
+        <p:spPr/>
+        <p:txBody>
+          <a:bodyPr/>
+          <a:lstStyle/>
+          <a:p>
+            <a:fld id="{B0C8BBDD-C3B0-48D3-84B8-B335C26FBCD7}" type="slidenum">
+              <a:rPr lang="tr-TR" smtClean="0"/>
+              <a:t>15</a:t>
+            </a:fld>
+            <a:endParaRPr lang="tr-TR"/>
+          </a:p>
+        </p:txBody>
+      </p:sp>
+    </p:spTree>
+    <p:extLst>
+      <p:ext uri="{BB962C8B-B14F-4D97-AF65-F5344CB8AC3E}">
+        <p14:creationId xmlns:p14="http://schemas.microsoft.com/office/powerpoint/2010/main" val="2048345745"/>
+      </p:ext>
+    </p:extLst>
+  </p:cSld>
+  <p:clrMapOvr>
+    <a:masterClrMapping/>
+  </p:clrMapOvr>
+</p:notes>
+</file>
+
+<file path=ppt/notesSlides/notesSlide16.xml><?xml version="1.0" encoding="utf-8"?>
+<p:notes xmlns:a="http://schemas.openxmlformats.org/drawingml/2006/main" xmlns:r="http://schemas.openxmlformats.org/officeDocument/2006/relationships" xmlns:p="http://schemas.openxmlformats.org/presentationml/2006/main">
+  <p:cSld>
+    <p:spTree>
+      <p:nvGrpSpPr>
+        <p:cNvPr id="1" name=""/>
+        <p:cNvGrpSpPr/>
+        <p:nvPr/>
+      </p:nvGrpSpPr>
+      <p:grpSpPr>
+        <a:xfrm>
+          <a:off x="0" y="0"/>
+          <a:ext cx="0" cy="0"/>
+          <a:chOff x="0" y="0"/>
+          <a:chExt cx="0" cy="0"/>
+        </a:xfrm>
+      </p:grpSpPr>
+      <p:sp>
+        <p:nvSpPr>
+          <p:cNvPr id="2" name="Slide Image Placeholder 1"/>
+          <p:cNvSpPr>
+            <a:spLocks noGrp="1" noRot="1" noChangeAspect="1"/>
+          </p:cNvSpPr>
+          <p:nvPr>
+            <p:ph type="sldImg"/>
+          </p:nvPr>
+        </p:nvSpPr>
+        <p:spPr/>
+      </p:sp>
+      <p:sp>
+        <p:nvSpPr>
+          <p:cNvPr id="3" name="Notes Placeholder 2"/>
+          <p:cNvSpPr>
+            <a:spLocks noGrp="1"/>
+          </p:cNvSpPr>
+          <p:nvPr>
+            <p:ph type="body" idx="1"/>
+          </p:nvPr>
+        </p:nvSpPr>
+        <p:spPr/>
+        <p:txBody>
+          <a:bodyPr/>
+          <a:lstStyle/>
+          <a:p>
+            <a:endParaRPr lang="tr-TR"/>
+          </a:p>
+        </p:txBody>
+      </p:sp>
+      <p:sp>
+        <p:nvSpPr>
+          <p:cNvPr id="4" name="Header Placeholder 3"/>
+          <p:cNvSpPr>
+            <a:spLocks noGrp="1"/>
+          </p:cNvSpPr>
+          <p:nvPr>
+            <p:ph type="hdr" sz="quarter"/>
+            <p:custDataLst>
+              <p:tags r:id="rId1"/>
+            </p:custDataLst>
+          </p:nvPr>
+        </p:nvSpPr>
+        <p:spPr/>
+        <p:txBody>
+          <a:bodyPr/>
+          <a:lstStyle/>
+          <a:p>
+            <a:r>
+              <a:rPr lang="tr-TR"/>
+              <a:t>TASNİF DIŞI</a:t>
+            </a:r>
+          </a:p>
+        </p:txBody>
+      </p:sp>
+      <p:sp>
+        <p:nvSpPr>
+          <p:cNvPr id="5" name="Footer Placeholder 4"/>
+          <p:cNvSpPr>
+            <a:spLocks noGrp="1"/>
+          </p:cNvSpPr>
+          <p:nvPr>
+            <p:ph type="ftr" sz="quarter" idx="4"/>
+          </p:nvPr>
+        </p:nvSpPr>
+        <p:spPr/>
+        <p:txBody>
+          <a:bodyPr/>
+          <a:lstStyle/>
+          <a:p>
+            <a:endParaRPr lang="tr-TR"/>
+          </a:p>
+        </p:txBody>
+      </p:sp>
+      <p:sp>
+        <p:nvSpPr>
+          <p:cNvPr id="6" name="Slide Number Placeholder 5"/>
+          <p:cNvSpPr>
+            <a:spLocks noGrp="1"/>
+          </p:cNvSpPr>
+          <p:nvPr>
+            <p:ph type="sldNum" sz="quarter" idx="5"/>
+          </p:nvPr>
+        </p:nvSpPr>
+        <p:spPr/>
+        <p:txBody>
+          <a:bodyPr/>
+          <a:lstStyle/>
+          <a:p>
+            <a:fld id="{B0C8BBDD-C3B0-48D3-84B8-B335C26FBCD7}" type="slidenum">
+              <a:rPr lang="tr-TR" smtClean="0"/>
+              <a:t>16</a:t>
+            </a:fld>
+            <a:endParaRPr lang="tr-TR"/>
+          </a:p>
+        </p:txBody>
+      </p:sp>
+    </p:spTree>
+    <p:extLst>
+      <p:ext uri="{BB962C8B-B14F-4D97-AF65-F5344CB8AC3E}">
+        <p14:creationId xmlns:p14="http://schemas.microsoft.com/office/powerpoint/2010/main" val="3866334057"/>
+      </p:ext>
+    </p:extLst>
+  </p:cSld>
+  <p:clrMapOvr>
+    <a:masterClrMapping/>
+  </p:clrMapOvr>
+</p:notes>
+</file>
+
+<file path=ppt/notesSlides/notesSlide17.xml><?xml version="1.0" encoding="utf-8"?>
+<p:notes xmlns:a="http://schemas.openxmlformats.org/drawingml/2006/main" xmlns:r="http://schemas.openxmlformats.org/officeDocument/2006/relationships" xmlns:p="http://schemas.openxmlformats.org/presentationml/2006/main">
+  <p:cSld>
+    <p:spTree>
+      <p:nvGrpSpPr>
+        <p:cNvPr id="1" name=""/>
+        <p:cNvGrpSpPr/>
+        <p:nvPr/>
+      </p:nvGrpSpPr>
+      <p:grpSpPr>
+        <a:xfrm>
+          <a:off x="0" y="0"/>
+          <a:ext cx="0" cy="0"/>
+          <a:chOff x="0" y="0"/>
+          <a:chExt cx="0" cy="0"/>
+        </a:xfrm>
+      </p:grpSpPr>
+      <p:sp>
+        <p:nvSpPr>
+          <p:cNvPr id="2" name="Slide Image Placeholder 1"/>
+          <p:cNvSpPr>
+            <a:spLocks noGrp="1" noRot="1" noChangeAspect="1"/>
+          </p:cNvSpPr>
+          <p:nvPr>
+            <p:ph type="sldImg"/>
+          </p:nvPr>
+        </p:nvSpPr>
+        <p:spPr/>
+      </p:sp>
+      <p:sp>
+        <p:nvSpPr>
+          <p:cNvPr id="3" name="Notes Placeholder 2"/>
+          <p:cNvSpPr>
+            <a:spLocks noGrp="1"/>
+          </p:cNvSpPr>
+          <p:nvPr>
+            <p:ph type="body" idx="1"/>
+          </p:nvPr>
+        </p:nvSpPr>
+        <p:spPr/>
+        <p:txBody>
+          <a:bodyPr/>
+          <a:lstStyle/>
+          <a:p>
+            <a:endParaRPr lang="tr-TR"/>
+          </a:p>
+        </p:txBody>
+      </p:sp>
+      <p:sp>
+        <p:nvSpPr>
+          <p:cNvPr id="4" name="Header Placeholder 3"/>
+          <p:cNvSpPr>
+            <a:spLocks noGrp="1"/>
+          </p:cNvSpPr>
+          <p:nvPr>
+            <p:ph type="hdr" sz="quarter"/>
+            <p:custDataLst>
+              <p:tags r:id="rId1"/>
+            </p:custDataLst>
+          </p:nvPr>
+        </p:nvSpPr>
+        <p:spPr/>
+        <p:txBody>
+          <a:bodyPr/>
+          <a:lstStyle/>
+          <a:p>
+            <a:r>
+              <a:rPr lang="tr-TR"/>
+              <a:t>TASNİF DIŞI</a:t>
+            </a:r>
+          </a:p>
+        </p:txBody>
+      </p:sp>
+      <p:sp>
+        <p:nvSpPr>
+          <p:cNvPr id="5" name="Footer Placeholder 4"/>
+          <p:cNvSpPr>
+            <a:spLocks noGrp="1"/>
+          </p:cNvSpPr>
+          <p:nvPr>
+            <p:ph type="ftr" sz="quarter" idx="4"/>
+          </p:nvPr>
+        </p:nvSpPr>
+        <p:spPr/>
+        <p:txBody>
+          <a:bodyPr/>
+          <a:lstStyle/>
+          <a:p>
+            <a:endParaRPr lang="tr-TR"/>
+          </a:p>
+        </p:txBody>
+      </p:sp>
+      <p:sp>
+        <p:nvSpPr>
+          <p:cNvPr id="6" name="Slide Number Placeholder 5"/>
+          <p:cNvSpPr>
+            <a:spLocks noGrp="1"/>
+          </p:cNvSpPr>
+          <p:nvPr>
+            <p:ph type="sldNum" sz="quarter" idx="5"/>
+          </p:nvPr>
+        </p:nvSpPr>
+        <p:spPr/>
+        <p:txBody>
+          <a:bodyPr/>
+          <a:lstStyle/>
+          <a:p>
+            <a:fld id="{B0C8BBDD-C3B0-48D3-84B8-B335C26FBCD7}" type="slidenum">
+              <a:rPr lang="tr-TR" smtClean="0"/>
+              <a:t>17</a:t>
+            </a:fld>
+            <a:endParaRPr lang="tr-TR"/>
+          </a:p>
+        </p:txBody>
+      </p:sp>
+    </p:spTree>
+    <p:extLst>
+      <p:ext uri="{BB962C8B-B14F-4D97-AF65-F5344CB8AC3E}">
+        <p14:creationId xmlns:p14="http://schemas.microsoft.com/office/powerpoint/2010/main" val="562200285"/>
+      </p:ext>
+    </p:extLst>
+  </p:cSld>
+  <p:clrMapOvr>
+    <a:masterClrMapping/>
+  </p:clrMapOvr>
+</p:notes>
+</file>
+
+<file path=ppt/notesSlides/notesSlide18.xml><?xml version="1.0" encoding="utf-8"?>
+<p:notes xmlns:a="http://schemas.openxmlformats.org/drawingml/2006/main" xmlns:r="http://schemas.openxmlformats.org/officeDocument/2006/relationships" xmlns:p="http://schemas.openxmlformats.org/presentationml/2006/main">
+  <p:cSld>
+    <p:spTree>
+      <p:nvGrpSpPr>
+        <p:cNvPr id="1" name=""/>
+        <p:cNvGrpSpPr/>
+        <p:nvPr/>
+      </p:nvGrpSpPr>
+      <p:grpSpPr>
+        <a:xfrm>
+          <a:off x="0" y="0"/>
+          <a:ext cx="0" cy="0"/>
+          <a:chOff x="0" y="0"/>
+          <a:chExt cx="0" cy="0"/>
+        </a:xfrm>
+      </p:grpSpPr>
+      <p:sp>
+        <p:nvSpPr>
+          <p:cNvPr id="2" name="Slide Image Placeholder 1"/>
+          <p:cNvSpPr>
+            <a:spLocks noGrp="1" noRot="1" noChangeAspect="1"/>
+          </p:cNvSpPr>
+          <p:nvPr>
+            <p:ph type="sldImg"/>
+          </p:nvPr>
+        </p:nvSpPr>
+        <p:spPr/>
+      </p:sp>
+      <p:sp>
+        <p:nvSpPr>
+          <p:cNvPr id="3" name="Notes Placeholder 2"/>
+          <p:cNvSpPr>
+            <a:spLocks noGrp="1"/>
+          </p:cNvSpPr>
+          <p:nvPr>
+            <p:ph type="body" idx="1"/>
+          </p:nvPr>
+        </p:nvSpPr>
+        <p:spPr/>
+        <p:txBody>
+          <a:bodyPr/>
+          <a:lstStyle/>
+          <a:p>
+            <a:endParaRPr lang="tr-TR"/>
+          </a:p>
+        </p:txBody>
+      </p:sp>
+      <p:sp>
+        <p:nvSpPr>
+          <p:cNvPr id="4" name="Header Placeholder 3"/>
+          <p:cNvSpPr>
+            <a:spLocks noGrp="1"/>
+          </p:cNvSpPr>
+          <p:nvPr>
+            <p:ph type="hdr" sz="quarter"/>
+            <p:custDataLst>
+              <p:tags r:id="rId1"/>
+            </p:custDataLst>
+          </p:nvPr>
+        </p:nvSpPr>
+        <p:spPr/>
+        <p:txBody>
+          <a:bodyPr/>
+          <a:lstStyle/>
+          <a:p>
+            <a:r>
+              <a:rPr lang="tr-TR"/>
+              <a:t>TASNİF DIŞI</a:t>
+            </a:r>
+          </a:p>
+        </p:txBody>
+      </p:sp>
+      <p:sp>
+        <p:nvSpPr>
+          <p:cNvPr id="5" name="Footer Placeholder 4"/>
+          <p:cNvSpPr>
+            <a:spLocks noGrp="1"/>
+          </p:cNvSpPr>
+          <p:nvPr>
+            <p:ph type="ftr" sz="quarter" idx="4"/>
+          </p:nvPr>
+        </p:nvSpPr>
+        <p:spPr/>
+        <p:txBody>
+          <a:bodyPr/>
+          <a:lstStyle/>
+          <a:p>
+            <a:endParaRPr lang="tr-TR"/>
+          </a:p>
+        </p:txBody>
+      </p:sp>
+      <p:sp>
+        <p:nvSpPr>
+          <p:cNvPr id="6" name="Slide Number Placeholder 5"/>
+          <p:cNvSpPr>
+            <a:spLocks noGrp="1"/>
+          </p:cNvSpPr>
+          <p:nvPr>
+            <p:ph type="sldNum" sz="quarter" idx="5"/>
+          </p:nvPr>
+        </p:nvSpPr>
+        <p:spPr/>
+        <p:txBody>
+          <a:bodyPr/>
+          <a:lstStyle/>
+          <a:p>
+            <a:fld id="{B0C8BBDD-C3B0-48D3-84B8-B335C26FBCD7}" type="slidenum">
+              <a:rPr lang="tr-TR" smtClean="0"/>
+              <a:t>18</a:t>
             </a:fld>
             <a:endParaRPr lang="tr-TR"/>
           </a:p>
@@ -2091,7 +2736,7 @@
     </p:spTree>
     <p:extLst>
       <p:ext uri="{BB962C8B-B14F-4D97-AF65-F5344CB8AC3E}">
-        <p14:creationId xmlns:p14="http://schemas.microsoft.com/office/powerpoint/2010/main" val="3551584099"/>
+        <p14:creationId xmlns:p14="http://schemas.microsoft.com/office/powerpoint/2010/main" val="525669861"/>
       </p:ext>
     </p:extLst>
   </p:cSld>
@@ -2219,7 +2864,7 @@
     </p:spTree>
     <p:extLst>
       <p:ext uri="{BB962C8B-B14F-4D97-AF65-F5344CB8AC3E}">
-        <p14:creationId xmlns:p14="http://schemas.microsoft.com/office/powerpoint/2010/main" val="1603975523"/>
+        <p14:creationId xmlns:p14="http://schemas.microsoft.com/office/powerpoint/2010/main" val="2313114444"/>
       </p:ext>
     </p:extLst>
   </p:cSld>
@@ -2347,7 +2992,7 @@
     </p:spTree>
     <p:extLst>
       <p:ext uri="{BB962C8B-B14F-4D97-AF65-F5344CB8AC3E}">
-        <p14:creationId xmlns:p14="http://schemas.microsoft.com/office/powerpoint/2010/main" val="3652783704"/>
+        <p14:creationId xmlns:p14="http://schemas.microsoft.com/office/powerpoint/2010/main" val="4157457556"/>
       </p:ext>
     </p:extLst>
   </p:cSld>
@@ -2504,9 +3149,9 @@
           <a:bodyPr/>
           <a:lstStyle/>
           <a:p>
-            <a:fld id="{B86B93EA-B161-43A7-81D2-EA9395F93F46}" type="datetimeFigureOut">
+            <a:fld id="{4BB3D0F9-C69A-4DAD-9822-657E93D18B16}" type="datetime1">
               <a:rPr lang="tr-TR" smtClean="0"/>
-              <a:t>21.01.2026</a:t>
+              <a:t>22.01.2026</a:t>
             </a:fld>
             <a:endParaRPr lang="tr-TR"/>
           </a:p>
@@ -2704,9 +3349,9 @@
           <a:bodyPr/>
           <a:lstStyle/>
           <a:p>
-            <a:fld id="{B86B93EA-B161-43A7-81D2-EA9395F93F46}" type="datetimeFigureOut">
+            <a:fld id="{162B5E83-06BF-48D1-904C-45BD28A543C2}" type="datetime1">
               <a:rPr lang="tr-TR" smtClean="0"/>
-              <a:t>21.01.2026</a:t>
+              <a:t>22.01.2026</a:t>
             </a:fld>
             <a:endParaRPr lang="tr-TR"/>
           </a:p>
@@ -2914,9 +3559,9 @@
           <a:bodyPr/>
           <a:lstStyle/>
           <a:p>
-            <a:fld id="{B86B93EA-B161-43A7-81D2-EA9395F93F46}" type="datetimeFigureOut">
+            <a:fld id="{2CF74FCA-AEC8-4A10-A5F6-696D850CFB62}" type="datetime1">
               <a:rPr lang="tr-TR" smtClean="0"/>
-              <a:t>21.01.2026</a:t>
+              <a:t>22.01.2026</a:t>
             </a:fld>
             <a:endParaRPr lang="tr-TR"/>
           </a:p>
@@ -3114,9 +3759,9 @@
           <a:bodyPr/>
           <a:lstStyle/>
           <a:p>
-            <a:fld id="{B86B93EA-B161-43A7-81D2-EA9395F93F46}" type="datetimeFigureOut">
+            <a:fld id="{B86EC6C7-06AD-4535-B763-96EA61EE6375}" type="datetime1">
               <a:rPr lang="tr-TR" smtClean="0"/>
-              <a:t>21.01.2026</a:t>
+              <a:t>22.01.2026</a:t>
             </a:fld>
             <a:endParaRPr lang="tr-TR"/>
           </a:p>
@@ -3190,7 +3835,7 @@
 </file>
 
 <file path=ppt/slideLayouts/slideLayout3.xml><?xml version="1.0" encoding="utf-8"?>
-<p:sldLayout xmlns:a="http://schemas.openxmlformats.org/drawingml/2006/main" xmlns:r="http://schemas.openxmlformats.org/officeDocument/2006/relationships" xmlns:p="http://schemas.openxmlformats.org/presentationml/2006/main" type="secHead" preserve="1">
+<p:sldLayout xmlns:a="http://schemas.openxmlformats.org/drawingml/2006/main" xmlns:r="http://schemas.openxmlformats.org/officeDocument/2006/relationships" xmlns:p="http://schemas.openxmlformats.org/presentationml/2006/main" preserve="1" userDrawn="1">
   <p:cSld name="Section Header">
     <p:spTree>
       <p:nvGrpSpPr>
@@ -3206,44 +3851,6 @@
           <a:chExt cx="0" cy="0"/>
         </a:xfrm>
       </p:grpSpPr>
-      <p:sp>
-        <p:nvSpPr>
-          <p:cNvPr id="2" name="Title 1">
-            <a:extLst>
-              <a:ext uri="{FF2B5EF4-FFF2-40B4-BE49-F238E27FC236}">
-                <a16:creationId xmlns:a16="http://schemas.microsoft.com/office/drawing/2014/main" id="{0D888B46-1E1A-4984-8481-49660F6C02FE}"/>
-              </a:ext>
-            </a:extLst>
-          </p:cNvPr>
-          <p:cNvSpPr>
-            <a:spLocks noGrp="1"/>
-          </p:cNvSpPr>
-          <p:nvPr>
-            <p:ph type="title"/>
-          </p:nvPr>
-        </p:nvSpPr>
-        <p:spPr>
-          <a:xfrm>
-            <a:off x="831850" y="1709738"/>
-            <a:ext cx="10515600" cy="2852737"/>
-          </a:xfrm>
-        </p:spPr>
-        <p:txBody>
-          <a:bodyPr anchor="b"/>
-          <a:lstStyle>
-            <a:lvl1pPr>
-              <a:defRPr sz="6000"/>
-            </a:lvl1pPr>
-          </a:lstStyle>
-          <a:p>
-            <a:r>
-              <a:rPr lang="en-US"/>
-              <a:t>Click to edit Master title style</a:t>
-            </a:r>
-            <a:endParaRPr lang="tr-TR"/>
-          </a:p>
-        </p:txBody>
-      </p:sp>
       <p:sp>
         <p:nvSpPr>
           <p:cNvPr id="3" name="Text Placeholder 2">
@@ -3371,10 +3978,10 @@
       </p:sp>
       <p:sp>
         <p:nvSpPr>
-          <p:cNvPr id="4" name="Date Placeholder 3">
-            <a:extLst>
-              <a:ext uri="{FF2B5EF4-FFF2-40B4-BE49-F238E27FC236}">
-                <a16:creationId xmlns:a16="http://schemas.microsoft.com/office/drawing/2014/main" id="{DF58609F-9D4D-4EA2-8416-2976F9A9775F}"/>
+          <p:cNvPr id="7" name="Date Placeholder 6">
+            <a:extLst>
+              <a:ext uri="{FF2B5EF4-FFF2-40B4-BE49-F238E27FC236}">
+                <a16:creationId xmlns:a16="http://schemas.microsoft.com/office/drawing/2014/main" id="{FB6A8980-06E2-4119-8BC0-E5CEDB531F4A}"/>
               </a:ext>
             </a:extLst>
           </p:cNvPr>
@@ -3390,9 +3997,9 @@
           <a:bodyPr/>
           <a:lstStyle/>
           <a:p>
-            <a:fld id="{B86B93EA-B161-43A7-81D2-EA9395F93F46}" type="datetimeFigureOut">
+            <a:fld id="{D1FDD170-2B24-4EF2-839B-95523F088740}" type="datetime1">
               <a:rPr lang="tr-TR" smtClean="0"/>
-              <a:t>21.01.2026</a:t>
+              <a:t>22.01.2026</a:t>
             </a:fld>
             <a:endParaRPr lang="tr-TR"/>
           </a:p>
@@ -3400,10 +4007,10 @@
       </p:sp>
       <p:sp>
         <p:nvSpPr>
-          <p:cNvPr id="5" name="Footer Placeholder 4">
-            <a:extLst>
-              <a:ext uri="{FF2B5EF4-FFF2-40B4-BE49-F238E27FC236}">
-                <a16:creationId xmlns:a16="http://schemas.microsoft.com/office/drawing/2014/main" id="{88F91DD0-387B-4C6B-A823-0D55B2A3DE55}"/>
+          <p:cNvPr id="8" name="Footer Placeholder 7">
+            <a:extLst>
+              <a:ext uri="{FF2B5EF4-FFF2-40B4-BE49-F238E27FC236}">
+                <a16:creationId xmlns:a16="http://schemas.microsoft.com/office/drawing/2014/main" id="{2090046F-3832-4859-81DC-5C6C8EC63EDD}"/>
               </a:ext>
             </a:extLst>
           </p:cNvPr>
@@ -3425,10 +4032,10 @@
       </p:sp>
       <p:sp>
         <p:nvSpPr>
-          <p:cNvPr id="6" name="Slide Number Placeholder 5">
-            <a:extLst>
-              <a:ext uri="{FF2B5EF4-FFF2-40B4-BE49-F238E27FC236}">
-                <a16:creationId xmlns:a16="http://schemas.microsoft.com/office/drawing/2014/main" id="{A54AAA7D-DA98-4C49-B506-13DDFE649381}"/>
+          <p:cNvPr id="9" name="Slide Number Placeholder 8">
+            <a:extLst>
+              <a:ext uri="{FF2B5EF4-FFF2-40B4-BE49-F238E27FC236}">
+                <a16:creationId xmlns:a16="http://schemas.microsoft.com/office/drawing/2014/main" id="{7E1F030F-D7CE-4B31-A686-FB19207E0045}"/>
               </a:ext>
             </a:extLst>
           </p:cNvPr>
@@ -3448,6 +4055,35 @@
               <a:rPr lang="tr-TR" smtClean="0"/>
               <a:t>‹#›</a:t>
             </a:fld>
+            <a:endParaRPr lang="tr-TR"/>
+          </a:p>
+        </p:txBody>
+      </p:sp>
+      <p:sp>
+        <p:nvSpPr>
+          <p:cNvPr id="10" name="Title 9">
+            <a:extLst>
+              <a:ext uri="{FF2B5EF4-FFF2-40B4-BE49-F238E27FC236}">
+                <a16:creationId xmlns:a16="http://schemas.microsoft.com/office/drawing/2014/main" id="{40EDB7E5-F3EF-4AAA-857B-FF758348B17E}"/>
+              </a:ext>
+            </a:extLst>
+          </p:cNvPr>
+          <p:cNvSpPr>
+            <a:spLocks noGrp="1"/>
+          </p:cNvSpPr>
+          <p:nvPr>
+            <p:ph type="title"/>
+          </p:nvPr>
+        </p:nvSpPr>
+        <p:spPr/>
+        <p:txBody>
+          <a:bodyPr/>
+          <a:lstStyle/>
+          <a:p>
+            <a:r>
+              <a:rPr lang="en-US"/>
+              <a:t>Click to edit Master title style</a:t>
+            </a:r>
             <a:endParaRPr lang="tr-TR"/>
           </a:p>
         </p:txBody>
@@ -3658,9 +4294,9 @@
           <a:bodyPr/>
           <a:lstStyle/>
           <a:p>
-            <a:fld id="{B86B93EA-B161-43A7-81D2-EA9395F93F46}" type="datetimeFigureOut">
+            <a:fld id="{FE9EF3D2-F7D3-4F4A-96EA-9F225C6F3DBC}" type="datetime1">
               <a:rPr lang="tr-TR" smtClean="0"/>
-              <a:t>21.01.2026</a:t>
+              <a:t>22.01.2026</a:t>
             </a:fld>
             <a:endParaRPr lang="tr-TR"/>
           </a:p>
@@ -4073,9 +4709,9 @@
           <a:bodyPr/>
           <a:lstStyle/>
           <a:p>
-            <a:fld id="{B86B93EA-B161-43A7-81D2-EA9395F93F46}" type="datetimeFigureOut">
+            <a:fld id="{58DF2CEC-19D4-4CDA-BD34-0453D04BC91F}" type="datetime1">
               <a:rPr lang="tr-TR" smtClean="0"/>
-              <a:t>21.01.2026</a:t>
+              <a:t>22.01.2026</a:t>
             </a:fld>
             <a:endParaRPr lang="tr-TR"/>
           </a:p>
@@ -4215,9 +4851,9 @@
           <a:bodyPr/>
           <a:lstStyle/>
           <a:p>
-            <a:fld id="{B86B93EA-B161-43A7-81D2-EA9395F93F46}" type="datetimeFigureOut">
+            <a:fld id="{56D95682-C3D2-47D8-9ABB-ED9C7D68DF14}" type="datetime1">
               <a:rPr lang="tr-TR" smtClean="0"/>
-              <a:t>21.01.2026</a:t>
+              <a:t>22.01.2026</a:t>
             </a:fld>
             <a:endParaRPr lang="tr-TR"/>
           </a:p>
@@ -4328,9 +4964,9 @@
           <a:bodyPr/>
           <a:lstStyle/>
           <a:p>
-            <a:fld id="{B86B93EA-B161-43A7-81D2-EA9395F93F46}" type="datetimeFigureOut">
+            <a:fld id="{6CB6BDAB-0756-491D-9DEA-75AA95454EA5}" type="datetime1">
               <a:rPr lang="tr-TR" smtClean="0"/>
-              <a:t>21.01.2026</a:t>
+              <a:t>22.01.2026</a:t>
             </a:fld>
             <a:endParaRPr lang="tr-TR"/>
           </a:p>
@@ -4641,9 +5277,9 @@
           <a:bodyPr/>
           <a:lstStyle/>
           <a:p>
-            <a:fld id="{B86B93EA-B161-43A7-81D2-EA9395F93F46}" type="datetimeFigureOut">
+            <a:fld id="{399D6040-17A8-4314-BB6D-05727CFD3CBF}" type="datetime1">
               <a:rPr lang="tr-TR" smtClean="0"/>
-              <a:t>21.01.2026</a:t>
+              <a:t>22.01.2026</a:t>
             </a:fld>
             <a:endParaRPr lang="tr-TR"/>
           </a:p>
@@ -4930,9 +5566,9 @@
           <a:bodyPr/>
           <a:lstStyle/>
           <a:p>
-            <a:fld id="{B86B93EA-B161-43A7-81D2-EA9395F93F46}" type="datetimeFigureOut">
+            <a:fld id="{6B052022-39F4-48AA-B984-FE3C96790416}" type="datetime1">
               <a:rPr lang="tr-TR" smtClean="0"/>
-              <a:t>21.01.2026</a:t>
+              <a:t>22.01.2026</a:t>
             </a:fld>
             <a:endParaRPr lang="tr-TR"/>
           </a:p>
@@ -5173,9 +5809,9 @@
             </a:lvl1pPr>
           </a:lstStyle>
           <a:p>
-            <a:fld id="{B86B93EA-B161-43A7-81D2-EA9395F93F46}" type="datetimeFigureOut">
+            <a:fld id="{0666F17C-CD24-48C6-B336-87BD176625D7}" type="datetime1">
               <a:rPr lang="tr-TR" smtClean="0"/>
-              <a:t>21.01.2026</a:t>
+              <a:t>22.01.2026</a:t>
             </a:fld>
             <a:endParaRPr lang="tr-TR"/>
           </a:p>
@@ -5292,6 +5928,7 @@
     <p:sldLayoutId id="2147483658" r:id="rId10"/>
     <p:sldLayoutId id="2147483659" r:id="rId11"/>
   </p:sldLayoutIdLst>
+  <p:hf hdr="0" ftr="0" dt="0"/>
   <p:txStyles>
     <p:titleStyle>
       <a:lvl1pPr algn="l" defTabSz="914400" rtl="0" eaLnBrk="1" latinLnBrk="0" hangingPunct="1">
@@ -5642,6 +6279,35 @@
           </a:p>
         </p:txBody>
       </p:sp>
+      <p:sp>
+        <p:nvSpPr>
+          <p:cNvPr id="4" name="Slide Number Placeholder 3">
+            <a:extLst>
+              <a:ext uri="{FF2B5EF4-FFF2-40B4-BE49-F238E27FC236}">
+                <a16:creationId xmlns:a16="http://schemas.microsoft.com/office/drawing/2014/main" id="{5E4B10B1-9C92-4107-B279-7A1DDBD00F7D}"/>
+              </a:ext>
+            </a:extLst>
+          </p:cNvPr>
+          <p:cNvSpPr>
+            <a:spLocks noGrp="1"/>
+          </p:cNvSpPr>
+          <p:nvPr>
+            <p:ph type="sldNum" sz="quarter" idx="12"/>
+          </p:nvPr>
+        </p:nvSpPr>
+        <p:spPr/>
+        <p:txBody>
+          <a:bodyPr/>
+          <a:lstStyle/>
+          <a:p>
+            <a:fld id="{4B024B25-DFCA-4944-BA90-A17C573440F7}" type="slidenum">
+              <a:rPr lang="tr-TR" smtClean="0"/>
+              <a:t>1</a:t>
+            </a:fld>
+            <a:endParaRPr lang="tr-TR"/>
+          </a:p>
+        </p:txBody>
+      </p:sp>
     </p:spTree>
     <p:extLst>
       <p:ext uri="{BB962C8B-B14F-4D97-AF65-F5344CB8AC3E}">
@@ -5677,7 +6343,7 @@
           <p:cNvPr id="2" name="Title 1">
             <a:extLst>
               <a:ext uri="{FF2B5EF4-FFF2-40B4-BE49-F238E27FC236}">
-                <a16:creationId xmlns:a16="http://schemas.microsoft.com/office/drawing/2014/main" id="{35E2AE60-011F-4352-822F-2BD9EC90D389}"/>
+                <a16:creationId xmlns:a16="http://schemas.microsoft.com/office/drawing/2014/main" id="{A83DED9F-D594-48E7-BBAD-290BE8B2D487}"/>
               </a:ext>
             </a:extLst>
           </p:cNvPr>
@@ -5694,12 +6360,8 @@
           <a:lstStyle/>
           <a:p>
             <a:r>
-              <a:rPr lang="tr-TR" dirty="0"/>
-              <a:t>DAO </a:t>
-            </a:r>
-            <a:r>
-              <a:rPr lang="tr-TR" dirty="0" err="1"/>
-              <a:t>maps</a:t>
+              <a:rPr lang="en-US" dirty="0"/>
+              <a:t>CBS</a:t>
             </a:r>
             <a:endParaRPr lang="tr-TR" dirty="0"/>
           </a:p>
@@ -5710,7 +6372,7 @@
           <p:cNvPr id="3" name="Content Placeholder 2">
             <a:extLst>
               <a:ext uri="{FF2B5EF4-FFF2-40B4-BE49-F238E27FC236}">
-                <a16:creationId xmlns:a16="http://schemas.microsoft.com/office/drawing/2014/main" id="{5CE2662C-CE6A-4D20-AB4A-136CBE1F5A9D}"/>
+                <a16:creationId xmlns:a16="http://schemas.microsoft.com/office/drawing/2014/main" id="{1C5E9715-7B23-4555-96A9-B6FA7963A73C}"/>
               </a:ext>
             </a:extLst>
           </p:cNvPr>
@@ -5721,12 +6383,21 @@
             <p:ph idx="1"/>
           </p:nvPr>
         </p:nvSpPr>
-        <p:spPr/>
-        <p:txBody>
-          <a:bodyPr/>
-          <a:lstStyle/>
-          <a:p>
-            <a:endParaRPr lang="tr-TR"/>
+        <p:spPr>
+          <a:xfrm>
+            <a:off x="838200" y="1825625"/>
+            <a:ext cx="10515600" cy="4351338"/>
+          </a:xfrm>
+        </p:spPr>
+        <p:txBody>
+          <a:bodyPr/>
+          <a:lstStyle/>
+          <a:p>
+            <a:r>
+              <a:rPr lang="en-US" dirty="0"/>
+              <a:t>Low-Level: any optimal single agent pathfinding algorithm which can satisfies all the constraint such as A*</a:t>
+            </a:r>
+            <a:endParaRPr lang="tr-TR" dirty="0"/>
           </a:p>
         </p:txBody>
       </p:sp>
@@ -5735,7 +6406,7 @@
           <p:cNvPr id="4" name="Picture 3">
             <a:extLst>
               <a:ext uri="{FF2B5EF4-FFF2-40B4-BE49-F238E27FC236}">
-                <a16:creationId xmlns:a16="http://schemas.microsoft.com/office/drawing/2014/main" id="{FBA4A2CF-269B-4E25-8D32-3D9F9E8A35E5}"/>
+                <a16:creationId xmlns:a16="http://schemas.microsoft.com/office/drawing/2014/main" id="{E7BA8906-E22E-4338-9FB7-0E36DEB25B72}"/>
               </a:ext>
             </a:extLst>
           </p:cNvPr>
@@ -5752,18 +6423,232 @@
         </p:blipFill>
         <p:spPr>
           <a:xfrm>
-            <a:off x="4679977" y="615635"/>
-            <a:ext cx="5809028" cy="5753477"/>
+            <a:off x="6182989" y="2619484"/>
+            <a:ext cx="3626565" cy="2763617"/>
           </a:xfrm>
           <a:prstGeom prst="rect">
             <a:avLst/>
           </a:prstGeom>
         </p:spPr>
       </p:pic>
+      <p:pic>
+        <p:nvPicPr>
+          <p:cNvPr id="5" name="Picture 4">
+            <a:extLst>
+              <a:ext uri="{FF2B5EF4-FFF2-40B4-BE49-F238E27FC236}">
+                <a16:creationId xmlns:a16="http://schemas.microsoft.com/office/drawing/2014/main" id="{7EB7CB65-31D8-4F21-B9C1-2EE0F179A48A}"/>
+              </a:ext>
+            </a:extLst>
+          </p:cNvPr>
+          <p:cNvPicPr>
+            <a:picLocks noChangeAspect="1"/>
+          </p:cNvPicPr>
+          <p:nvPr/>
+        </p:nvPicPr>
+        <p:blipFill>
+          <a:blip r:embed="rId4"/>
+          <a:stretch>
+            <a:fillRect/>
+          </a:stretch>
+        </p:blipFill>
+        <p:spPr>
+          <a:xfrm>
+            <a:off x="1486832" y="2754239"/>
+            <a:ext cx="2555239" cy="2494109"/>
+          </a:xfrm>
+          <a:prstGeom prst="rect">
+            <a:avLst/>
+          </a:prstGeom>
+        </p:spPr>
+      </p:pic>
+      <mc:AlternateContent xmlns:mc="http://schemas.openxmlformats.org/markup-compatibility/2006" xmlns:a14="http://schemas.microsoft.com/office/drawing/2010/main">
+        <mc:Choice Requires="a14">
+          <p:sp>
+            <p:nvSpPr>
+              <p:cNvPr id="6" name="TextBox 5">
+                <a:extLst>
+                  <a:ext uri="{FF2B5EF4-FFF2-40B4-BE49-F238E27FC236}">
+                    <a16:creationId xmlns:a16="http://schemas.microsoft.com/office/drawing/2014/main" id="{259FE677-9AAC-41E7-9D26-F086CF4109E3}"/>
+                  </a:ext>
+                </a:extLst>
+              </p:cNvPr>
+              <p:cNvSpPr txBox="1"/>
+              <p:nvPr/>
+            </p:nvSpPr>
+            <p:spPr>
+              <a:xfrm>
+                <a:off x="2011680" y="5595366"/>
+                <a:ext cx="6619504" cy="369332"/>
+              </a:xfrm>
+              <a:prstGeom prst="rect">
+                <a:avLst/>
+              </a:prstGeom>
+              <a:noFill/>
+            </p:spPr>
+            <p:txBody>
+              <a:bodyPr wrap="none" rtlCol="0">
+                <a:spAutoFit/>
+              </a:bodyPr>
+              <a:lstStyle/>
+              <a:p>
+                <a:r>
+                  <a:rPr lang="en-US" dirty="0"/>
+                  <a:t>A* will expand </a:t>
+                </a:r>
+                <a14:m>
+                  <m:oMath xmlns:m="http://schemas.openxmlformats.org/officeDocument/2006/math">
+                    <m:sSup>
+                      <m:sSupPr>
+                        <m:ctrlPr>
+                          <a:rPr lang="en-US" b="0" i="1" smtClean="0">
+                            <a:latin typeface="Cambria Math" panose="02040503050406030204" pitchFamily="18" charset="0"/>
+                          </a:rPr>
+                        </m:ctrlPr>
+                      </m:sSupPr>
+                      <m:e>
+                        <m:r>
+                          <a:rPr lang="en-US" b="0" i="1" smtClean="0">
+                            <a:latin typeface="Cambria Math" panose="02040503050406030204" pitchFamily="18" charset="0"/>
+                          </a:rPr>
+                          <m:t>𝑚</m:t>
+                        </m:r>
+                      </m:e>
+                      <m:sup>
+                        <m:r>
+                          <a:rPr lang="en-US" b="0" i="1" smtClean="0">
+                            <a:latin typeface="Cambria Math" panose="02040503050406030204" pitchFamily="18" charset="0"/>
+                          </a:rPr>
+                          <m:t>2</m:t>
+                        </m:r>
+                      </m:sup>
+                    </m:sSup>
+                    <m:r>
+                      <a:rPr lang="en-US" b="0" i="1" smtClean="0">
+                        <a:latin typeface="Cambria Math" panose="02040503050406030204" pitchFamily="18" charset="0"/>
+                      </a:rPr>
+                      <m:t>+3 </m:t>
+                    </m:r>
+                    <m:r>
+                      <a:rPr lang="en-US" b="0" i="1" smtClean="0">
+                        <a:latin typeface="Cambria Math" panose="02040503050406030204" pitchFamily="18" charset="0"/>
+                      </a:rPr>
+                      <m:t>𝑛𝑜𝑑𝑒</m:t>
+                    </m:r>
+                  </m:oMath>
+                </a14:m>
+                <a:r>
+                  <a:rPr lang="en-US" dirty="0"/>
+                  <a:t> while CBS only </a:t>
+                </a:r>
+                <a14:m>
+                  <m:oMath xmlns:m="http://schemas.openxmlformats.org/officeDocument/2006/math">
+                    <m:r>
+                      <a:rPr lang="en-US" i="1" dirty="0" smtClean="0">
+                        <a:latin typeface="Cambria Math" panose="02040503050406030204" pitchFamily="18" charset="0"/>
+                      </a:rPr>
+                      <m:t>2</m:t>
+                    </m:r>
+                    <m:r>
+                      <a:rPr lang="en-US" i="1" dirty="0" smtClean="0">
+                        <a:latin typeface="Cambria Math" panose="02040503050406030204" pitchFamily="18" charset="0"/>
+                      </a:rPr>
+                      <m:t>𝑚</m:t>
+                    </m:r>
+                    <m:r>
+                      <a:rPr lang="en-US" i="1" dirty="0" smtClean="0">
+                        <a:latin typeface="Cambria Math" panose="02040503050406030204" pitchFamily="18" charset="0"/>
+                      </a:rPr>
+                      <m:t>+14</m:t>
+                    </m:r>
+                  </m:oMath>
+                </a14:m>
+                <a:r>
+                  <a:rPr lang="en-US" dirty="0"/>
+                  <a:t> low level node</a:t>
+                </a:r>
+                <a:endParaRPr lang="tr-TR" dirty="0"/>
+              </a:p>
+            </p:txBody>
+          </p:sp>
+        </mc:Choice>
+        <mc:Fallback xmlns="">
+          <p:sp>
+            <p:nvSpPr>
+              <p:cNvPr id="6" name="TextBox 5">
+                <a:extLst>
+                  <a:ext uri="{FF2B5EF4-FFF2-40B4-BE49-F238E27FC236}">
+                    <a16:creationId xmlns:a16="http://schemas.microsoft.com/office/drawing/2014/main" id="{259FE677-9AAC-41E7-9D26-F086CF4109E3}"/>
+                  </a:ext>
+                </a:extLst>
+              </p:cNvPr>
+              <p:cNvSpPr txBox="1">
+                <a:spLocks noRot="1" noChangeAspect="1" noMove="1" noResize="1" noEditPoints="1" noAdjustHandles="1" noChangeArrowheads="1" noChangeShapeType="1" noTextEdit="1"/>
+              </p:cNvSpPr>
+              <p:nvPr/>
+            </p:nvSpPr>
+            <p:spPr>
+              <a:xfrm>
+                <a:off x="2011680" y="5595366"/>
+                <a:ext cx="6619504" cy="369332"/>
+              </a:xfrm>
+              <a:prstGeom prst="rect">
+                <a:avLst/>
+              </a:prstGeom>
+              <a:blipFill>
+                <a:blip r:embed="rId5"/>
+                <a:stretch>
+                  <a:fillRect l="-737" t="-10000" b="-26667"/>
+                </a:stretch>
+              </a:blipFill>
+            </p:spPr>
+            <p:txBody>
+              <a:bodyPr/>
+              <a:lstStyle/>
+              <a:p>
+                <a:r>
+                  <a:rPr lang="tr-TR">
+                    <a:noFill/>
+                  </a:rPr>
+                  <a:t> </a:t>
+                </a:r>
+              </a:p>
+            </p:txBody>
+          </p:sp>
+        </mc:Fallback>
+      </mc:AlternateContent>
+      <p:sp>
+        <p:nvSpPr>
+          <p:cNvPr id="7" name="Slide Number Placeholder 6">
+            <a:extLst>
+              <a:ext uri="{FF2B5EF4-FFF2-40B4-BE49-F238E27FC236}">
+                <a16:creationId xmlns:a16="http://schemas.microsoft.com/office/drawing/2014/main" id="{50C72735-EAB7-4EB6-94E6-CF4B8C58E1C1}"/>
+              </a:ext>
+            </a:extLst>
+          </p:cNvPr>
+          <p:cNvSpPr>
+            <a:spLocks noGrp="1"/>
+          </p:cNvSpPr>
+          <p:nvPr>
+            <p:ph type="sldNum" sz="quarter" idx="12"/>
+          </p:nvPr>
+        </p:nvSpPr>
+        <p:spPr/>
+        <p:txBody>
+          <a:bodyPr/>
+          <a:lstStyle/>
+          <a:p>
+            <a:fld id="{4B024B25-DFCA-4944-BA90-A17C573440F7}" type="slidenum">
+              <a:rPr lang="tr-TR" smtClean="0"/>
+              <a:t>10</a:t>
+            </a:fld>
+            <a:endParaRPr lang="tr-TR"/>
+          </a:p>
+        </p:txBody>
+      </p:sp>
     </p:spTree>
     <p:extLst>
       <p:ext uri="{BB962C8B-B14F-4D97-AF65-F5344CB8AC3E}">
-        <p14:creationId xmlns:p14="http://schemas.microsoft.com/office/powerpoint/2010/main" val="3042818153"/>
+        <p14:creationId xmlns:p14="http://schemas.microsoft.com/office/powerpoint/2010/main" val="328330867"/>
       </p:ext>
     </p:extLst>
   </p:cSld>
@@ -5795,7 +6680,7 @@
           <p:cNvPr id="2" name="Title 1">
             <a:extLst>
               <a:ext uri="{FF2B5EF4-FFF2-40B4-BE49-F238E27FC236}">
-                <a16:creationId xmlns:a16="http://schemas.microsoft.com/office/drawing/2014/main" id="{0C767491-8677-470F-AFE3-97D113884554}"/>
+                <a16:creationId xmlns:a16="http://schemas.microsoft.com/office/drawing/2014/main" id="{D5167F7C-DFF2-483C-8B9F-3BE3C716551A}"/>
               </a:ext>
             </a:extLst>
           </p:cNvPr>
@@ -5813,7 +6698,7 @@
           <a:p>
             <a:r>
               <a:rPr lang="en-US" dirty="0"/>
-              <a:t>MA-CBS</a:t>
+              <a:t>CBS</a:t>
             </a:r>
             <a:endParaRPr lang="tr-TR" dirty="0"/>
           </a:p>
@@ -5824,7 +6709,7 @@
           <p:cNvPr id="3" name="Content Placeholder 2">
             <a:extLst>
               <a:ext uri="{FF2B5EF4-FFF2-40B4-BE49-F238E27FC236}">
-                <a16:creationId xmlns:a16="http://schemas.microsoft.com/office/drawing/2014/main" id="{0E2479E4-39A3-4E1B-99F0-A6B7033968D2}"/>
+                <a16:creationId xmlns:a16="http://schemas.microsoft.com/office/drawing/2014/main" id="{A8616626-3EEB-41FD-A970-07EC85795DC4}"/>
               </a:ext>
             </a:extLst>
           </p:cNvPr>
@@ -5840,37 +6725,73 @@
           <a:bodyPr/>
           <a:lstStyle/>
           <a:p>
-            <a:r>
-              <a:rPr lang="en-US" dirty="0"/>
-              <a:t>Idea: remedies poor behavior of CBS when a set of agents is strongly coupled by automatically merging those agent into a meta agent</a:t>
-            </a:r>
-          </a:p>
-          <a:p>
-            <a:r>
-              <a:rPr lang="en-US" dirty="0"/>
-              <a:t>Important Concepts with this:</a:t>
-            </a:r>
-          </a:p>
-          <a:p>
-            <a:pPr lvl="1"/>
-            <a:r>
-              <a:rPr lang="en-US" dirty="0"/>
-              <a:t>Merge policy</a:t>
-            </a:r>
-          </a:p>
-          <a:p>
-            <a:pPr lvl="1"/>
-            <a:r>
-              <a:rPr lang="en-US" dirty="0"/>
-              <a:t>Merging constraints</a:t>
-            </a:r>
+            <a:endParaRPr lang="tr-TR"/>
+          </a:p>
+        </p:txBody>
+      </p:sp>
+      <p:pic>
+        <p:nvPicPr>
+          <p:cNvPr id="4" name="Picture 3">
+            <a:extLst>
+              <a:ext uri="{FF2B5EF4-FFF2-40B4-BE49-F238E27FC236}">
+                <a16:creationId xmlns:a16="http://schemas.microsoft.com/office/drawing/2014/main" id="{55AD5471-6367-4A53-BF4A-CFDAA73741FF}"/>
+              </a:ext>
+            </a:extLst>
+          </p:cNvPr>
+          <p:cNvPicPr>
+            <a:picLocks noChangeAspect="1"/>
+          </p:cNvPicPr>
+          <p:nvPr/>
+        </p:nvPicPr>
+        <p:blipFill>
+          <a:blip r:embed="rId3"/>
+          <a:stretch>
+            <a:fillRect/>
+          </a:stretch>
+        </p:blipFill>
+        <p:spPr>
+          <a:xfrm>
+            <a:off x="838200" y="1690688"/>
+            <a:ext cx="7943661" cy="4667101"/>
+          </a:xfrm>
+          <a:prstGeom prst="rect">
+            <a:avLst/>
+          </a:prstGeom>
+        </p:spPr>
+      </p:pic>
+      <p:sp>
+        <p:nvSpPr>
+          <p:cNvPr id="5" name="Slide Number Placeholder 4">
+            <a:extLst>
+              <a:ext uri="{FF2B5EF4-FFF2-40B4-BE49-F238E27FC236}">
+                <a16:creationId xmlns:a16="http://schemas.microsoft.com/office/drawing/2014/main" id="{7E298690-A694-4986-B9BC-82D127C9E1DF}"/>
+              </a:ext>
+            </a:extLst>
+          </p:cNvPr>
+          <p:cNvSpPr>
+            <a:spLocks noGrp="1"/>
+          </p:cNvSpPr>
+          <p:nvPr>
+            <p:ph type="sldNum" sz="quarter" idx="12"/>
+          </p:nvPr>
+        </p:nvSpPr>
+        <p:spPr/>
+        <p:txBody>
+          <a:bodyPr/>
+          <a:lstStyle/>
+          <a:p>
+            <a:fld id="{4B024B25-DFCA-4944-BA90-A17C573440F7}" type="slidenum">
+              <a:rPr lang="tr-TR" smtClean="0"/>
+              <a:t>11</a:t>
+            </a:fld>
+            <a:endParaRPr lang="tr-TR"/>
           </a:p>
         </p:txBody>
       </p:sp>
     </p:spTree>
     <p:extLst>
       <p:ext uri="{BB962C8B-B14F-4D97-AF65-F5344CB8AC3E}">
-        <p14:creationId xmlns:p14="http://schemas.microsoft.com/office/powerpoint/2010/main" val="63228646"/>
+        <p14:creationId xmlns:p14="http://schemas.microsoft.com/office/powerpoint/2010/main" val="1345273416"/>
       </p:ext>
     </p:extLst>
   </p:cSld>
@@ -5902,7 +6823,7 @@
           <p:cNvPr id="2" name="Title 1">
             <a:extLst>
               <a:ext uri="{FF2B5EF4-FFF2-40B4-BE49-F238E27FC236}">
-                <a16:creationId xmlns:a16="http://schemas.microsoft.com/office/drawing/2014/main" id="{34CA8524-95F4-4051-B51C-462CE88A4FAF}"/>
+                <a16:creationId xmlns:a16="http://schemas.microsoft.com/office/drawing/2014/main" id="{D0F81B46-C94F-4C9E-BD56-E67F73765C03}"/>
               </a:ext>
             </a:extLst>
           </p:cNvPr>
@@ -5918,16 +6839,779 @@
           <a:bodyPr/>
           <a:lstStyle/>
           <a:p>
+            <a:r>
+              <a:rPr lang="en-US" dirty="0"/>
+              <a:t>Theorical Analysis of CBS</a:t>
+            </a:r>
+            <a:endParaRPr lang="tr-TR" dirty="0"/>
+          </a:p>
+        </p:txBody>
+      </p:sp>
+      <p:sp>
+        <p:nvSpPr>
+          <p:cNvPr id="3" name="Content Placeholder 2">
+            <a:extLst>
+              <a:ext uri="{FF2B5EF4-FFF2-40B4-BE49-F238E27FC236}">
+                <a16:creationId xmlns:a16="http://schemas.microsoft.com/office/drawing/2014/main" id="{438EEE31-3F0E-4603-B251-01EFAEE1A4CD}"/>
+              </a:ext>
+            </a:extLst>
+          </p:cNvPr>
+          <p:cNvSpPr>
+            <a:spLocks noGrp="1"/>
+          </p:cNvSpPr>
+          <p:nvPr>
+            <p:ph idx="1"/>
+          </p:nvPr>
+        </p:nvSpPr>
+        <p:spPr/>
+        <p:txBody>
+          <a:bodyPr/>
+          <a:lstStyle/>
+          <a:p>
+            <a:endParaRPr lang="tr-TR" dirty="0"/>
+          </a:p>
+        </p:txBody>
+      </p:sp>
+      <p:sp>
+        <p:nvSpPr>
+          <p:cNvPr id="4" name="Slide Number Placeholder 3">
+            <a:extLst>
+              <a:ext uri="{FF2B5EF4-FFF2-40B4-BE49-F238E27FC236}">
+                <a16:creationId xmlns:a16="http://schemas.microsoft.com/office/drawing/2014/main" id="{C402A8B3-0E43-4B0E-9D38-B221E8B85EDF}"/>
+              </a:ext>
+            </a:extLst>
+          </p:cNvPr>
+          <p:cNvSpPr>
+            <a:spLocks noGrp="1"/>
+          </p:cNvSpPr>
+          <p:nvPr>
+            <p:ph type="sldNum" sz="quarter" idx="12"/>
+          </p:nvPr>
+        </p:nvSpPr>
+        <p:spPr/>
+        <p:txBody>
+          <a:bodyPr/>
+          <a:lstStyle/>
+          <a:p>
+            <a:fld id="{4B024B25-DFCA-4944-BA90-A17C573440F7}" type="slidenum">
+              <a:rPr lang="tr-TR" smtClean="0"/>
+              <a:t>12</a:t>
+            </a:fld>
+            <a:endParaRPr lang="tr-TR"/>
+          </a:p>
+        </p:txBody>
+      </p:sp>
+    </p:spTree>
+    <p:extLst>
+      <p:ext uri="{BB962C8B-B14F-4D97-AF65-F5344CB8AC3E}">
+        <p14:creationId xmlns:p14="http://schemas.microsoft.com/office/powerpoint/2010/main" val="1555944432"/>
+      </p:ext>
+    </p:extLst>
+  </p:cSld>
+  <p:clrMapOvr>
+    <a:masterClrMapping/>
+  </p:clrMapOvr>
+</p:sld>
+</file>
+
+<file path=ppt/slides/slide13.xml><?xml version="1.0" encoding="utf-8"?>
+<p:sld xmlns:a="http://schemas.openxmlformats.org/drawingml/2006/main" xmlns:r="http://schemas.openxmlformats.org/officeDocument/2006/relationships" xmlns:p="http://schemas.openxmlformats.org/presentationml/2006/main">
+  <p:cSld>
+    <p:spTree>
+      <p:nvGrpSpPr>
+        <p:cNvPr id="1" name=""/>
+        <p:cNvGrpSpPr/>
+        <p:nvPr/>
+      </p:nvGrpSpPr>
+      <p:grpSpPr>
+        <a:xfrm>
+          <a:off x="0" y="0"/>
+          <a:ext cx="0" cy="0"/>
+          <a:chOff x="0" y="0"/>
+          <a:chExt cx="0" cy="0"/>
+        </a:xfrm>
+      </p:grpSpPr>
+      <p:pic>
+        <p:nvPicPr>
+          <p:cNvPr id="5" name="Picture 4">
+            <a:extLst>
+              <a:ext uri="{FF2B5EF4-FFF2-40B4-BE49-F238E27FC236}">
+                <a16:creationId xmlns:a16="http://schemas.microsoft.com/office/drawing/2014/main" id="{757100F0-5E17-4E28-803F-0E8C9C4EB101}"/>
+              </a:ext>
+            </a:extLst>
+          </p:cNvPr>
+          <p:cNvPicPr>
+            <a:picLocks noChangeAspect="1"/>
+          </p:cNvPicPr>
+          <p:nvPr/>
+        </p:nvPicPr>
+        <p:blipFill>
+          <a:blip r:embed="rId3"/>
+          <a:stretch>
+            <a:fillRect/>
+          </a:stretch>
+        </p:blipFill>
+        <p:spPr>
+          <a:xfrm>
+            <a:off x="5188347" y="2477771"/>
+            <a:ext cx="6165453" cy="4015104"/>
+          </a:xfrm>
+          <a:prstGeom prst="rect">
+            <a:avLst/>
+          </a:prstGeom>
+        </p:spPr>
+      </p:pic>
+      <p:sp>
+        <p:nvSpPr>
+          <p:cNvPr id="2" name="Title 1">
+            <a:extLst>
+              <a:ext uri="{FF2B5EF4-FFF2-40B4-BE49-F238E27FC236}">
+                <a16:creationId xmlns:a16="http://schemas.microsoft.com/office/drawing/2014/main" id="{89B09484-B546-4A48-A641-AE095CE085D8}"/>
+              </a:ext>
+            </a:extLst>
+          </p:cNvPr>
+          <p:cNvSpPr>
+            <a:spLocks noGrp="1"/>
+          </p:cNvSpPr>
+          <p:nvPr>
+            <p:ph type="title"/>
+          </p:nvPr>
+        </p:nvSpPr>
+        <p:spPr/>
+        <p:txBody>
+          <a:bodyPr/>
+          <a:lstStyle/>
+          <a:p>
+            <a:r>
+              <a:rPr lang="en-US" dirty="0"/>
+              <a:t>Comparison of A* and CBS</a:t>
+            </a:r>
+            <a:endParaRPr lang="tr-TR" dirty="0"/>
+          </a:p>
+        </p:txBody>
+      </p:sp>
+      <p:sp>
+        <p:nvSpPr>
+          <p:cNvPr id="3" name="Content Placeholder 2">
+            <a:extLst>
+              <a:ext uri="{FF2B5EF4-FFF2-40B4-BE49-F238E27FC236}">
+                <a16:creationId xmlns:a16="http://schemas.microsoft.com/office/drawing/2014/main" id="{F6858EBE-EF96-4AC4-A5D7-17D1FD4BF7FD}"/>
+              </a:ext>
+            </a:extLst>
+          </p:cNvPr>
+          <p:cNvSpPr>
+            <a:spLocks noGrp="1"/>
+          </p:cNvSpPr>
+          <p:nvPr>
+            <p:ph idx="1"/>
+          </p:nvPr>
+        </p:nvSpPr>
+        <p:spPr/>
+        <p:txBody>
+          <a:bodyPr/>
+          <a:lstStyle/>
+          <a:p>
+            <a:r>
+              <a:rPr lang="en-US" dirty="0"/>
+              <a:t>CBS will expand 8 + 4 · 4 + 6 · 5 = 54 low level nodes</a:t>
+            </a:r>
+          </a:p>
+          <a:p>
+            <a:r>
+              <a:rPr lang="en-US" dirty="0"/>
+              <a:t>A* will expand 5 + 3 = 8 nodes</a:t>
+            </a:r>
+            <a:endParaRPr lang="tr-TR" dirty="0"/>
+          </a:p>
+          <a:p>
+            <a:endParaRPr lang="tr-TR" dirty="0"/>
+          </a:p>
+        </p:txBody>
+      </p:sp>
+      <p:pic>
+        <p:nvPicPr>
+          <p:cNvPr id="4" name="Picture 3">
+            <a:extLst>
+              <a:ext uri="{FF2B5EF4-FFF2-40B4-BE49-F238E27FC236}">
+                <a16:creationId xmlns:a16="http://schemas.microsoft.com/office/drawing/2014/main" id="{065B89E3-2C95-46D1-9747-451896B2E750}"/>
+              </a:ext>
+            </a:extLst>
+          </p:cNvPr>
+          <p:cNvPicPr>
+            <a:picLocks noChangeAspect="1"/>
+          </p:cNvPicPr>
+          <p:nvPr/>
+        </p:nvPicPr>
+        <p:blipFill>
+          <a:blip r:embed="rId4"/>
+          <a:stretch>
+            <a:fillRect/>
+          </a:stretch>
+        </p:blipFill>
+        <p:spPr>
+          <a:xfrm>
+            <a:off x="659779" y="3429000"/>
+            <a:ext cx="4244190" cy="2969696"/>
+          </a:xfrm>
+          <a:prstGeom prst="rect">
+            <a:avLst/>
+          </a:prstGeom>
+        </p:spPr>
+      </p:pic>
+      <p:sp>
+        <p:nvSpPr>
+          <p:cNvPr id="6" name="Slide Number Placeholder 5">
+            <a:extLst>
+              <a:ext uri="{FF2B5EF4-FFF2-40B4-BE49-F238E27FC236}">
+                <a16:creationId xmlns:a16="http://schemas.microsoft.com/office/drawing/2014/main" id="{BDA30B9E-62AD-45FD-BE07-5048F739080B}"/>
+              </a:ext>
+            </a:extLst>
+          </p:cNvPr>
+          <p:cNvSpPr>
+            <a:spLocks noGrp="1"/>
+          </p:cNvSpPr>
+          <p:nvPr>
+            <p:ph type="sldNum" sz="quarter" idx="12"/>
+          </p:nvPr>
+        </p:nvSpPr>
+        <p:spPr/>
+        <p:txBody>
+          <a:bodyPr/>
+          <a:lstStyle/>
+          <a:p>
+            <a:fld id="{4B024B25-DFCA-4944-BA90-A17C573440F7}" type="slidenum">
+              <a:rPr lang="tr-TR" smtClean="0"/>
+              <a:t>13</a:t>
+            </a:fld>
+            <a:endParaRPr lang="tr-TR"/>
+          </a:p>
+        </p:txBody>
+      </p:sp>
+    </p:spTree>
+    <p:extLst>
+      <p:ext uri="{BB962C8B-B14F-4D97-AF65-F5344CB8AC3E}">
+        <p14:creationId xmlns:p14="http://schemas.microsoft.com/office/powerpoint/2010/main" val="331830905"/>
+      </p:ext>
+    </p:extLst>
+  </p:cSld>
+  <p:clrMapOvr>
+    <a:masterClrMapping/>
+  </p:clrMapOvr>
+</p:sld>
+</file>
+
+<file path=ppt/slides/slide14.xml><?xml version="1.0" encoding="utf-8"?>
+<p:sld xmlns:a="http://schemas.openxmlformats.org/drawingml/2006/main" xmlns:r="http://schemas.openxmlformats.org/officeDocument/2006/relationships" xmlns:p="http://schemas.openxmlformats.org/presentationml/2006/main">
+  <p:cSld>
+    <p:spTree>
+      <p:nvGrpSpPr>
+        <p:cNvPr id="1" name=""/>
+        <p:cNvGrpSpPr/>
+        <p:nvPr/>
+      </p:nvGrpSpPr>
+      <p:grpSpPr>
+        <a:xfrm>
+          <a:off x="0" y="0"/>
+          <a:ext cx="0" cy="0"/>
+          <a:chOff x="0" y="0"/>
+          <a:chExt cx="0" cy="0"/>
+        </a:xfrm>
+      </p:grpSpPr>
+      <p:sp>
+        <p:nvSpPr>
+          <p:cNvPr id="2" name="Title 1">
+            <a:extLst>
+              <a:ext uri="{FF2B5EF4-FFF2-40B4-BE49-F238E27FC236}">
+                <a16:creationId xmlns:a16="http://schemas.microsoft.com/office/drawing/2014/main" id="{FD61823E-C56F-41DB-B07A-BC9DC0F39708}"/>
+              </a:ext>
+            </a:extLst>
+          </p:cNvPr>
+          <p:cNvSpPr>
+            <a:spLocks noGrp="1"/>
+          </p:cNvSpPr>
+          <p:nvPr>
+            <p:ph type="title"/>
+          </p:nvPr>
+        </p:nvSpPr>
+        <p:spPr/>
+        <p:txBody>
+          <a:bodyPr/>
+          <a:lstStyle/>
+          <a:p>
+            <a:r>
+              <a:rPr lang="en-US" dirty="0"/>
+              <a:t>8x8 Grid</a:t>
+            </a:r>
+            <a:endParaRPr lang="tr-TR" dirty="0"/>
+          </a:p>
+        </p:txBody>
+      </p:sp>
+      <p:sp>
+        <p:nvSpPr>
+          <p:cNvPr id="3" name="Content Placeholder 2">
+            <a:extLst>
+              <a:ext uri="{FF2B5EF4-FFF2-40B4-BE49-F238E27FC236}">
+                <a16:creationId xmlns:a16="http://schemas.microsoft.com/office/drawing/2014/main" id="{DB249683-9EF3-4C21-8B07-4A9D6644FDD3}"/>
+              </a:ext>
+            </a:extLst>
+          </p:cNvPr>
+          <p:cNvSpPr>
+            <a:spLocks noGrp="1"/>
+          </p:cNvSpPr>
+          <p:nvPr>
+            <p:ph idx="1"/>
+          </p:nvPr>
+        </p:nvSpPr>
+        <p:spPr/>
+        <p:txBody>
+          <a:bodyPr/>
+          <a:lstStyle/>
+          <a:p>
+            <a:endParaRPr lang="tr-TR"/>
+          </a:p>
+        </p:txBody>
+      </p:sp>
+      <p:pic>
+        <p:nvPicPr>
+          <p:cNvPr id="4" name="Picture 3">
+            <a:extLst>
+              <a:ext uri="{FF2B5EF4-FFF2-40B4-BE49-F238E27FC236}">
+                <a16:creationId xmlns:a16="http://schemas.microsoft.com/office/drawing/2014/main" id="{6AC9BC14-FB3F-4B54-BE46-BD55BB0F91D5}"/>
+              </a:ext>
+            </a:extLst>
+          </p:cNvPr>
+          <p:cNvPicPr>
+            <a:picLocks noChangeAspect="1"/>
+          </p:cNvPicPr>
+          <p:nvPr/>
+        </p:nvPicPr>
+        <p:blipFill>
+          <a:blip r:embed="rId3"/>
+          <a:stretch>
+            <a:fillRect/>
+          </a:stretch>
+        </p:blipFill>
+        <p:spPr>
+          <a:xfrm>
+            <a:off x="6850454" y="585008"/>
+            <a:ext cx="4610743" cy="2629267"/>
+          </a:xfrm>
+          <a:prstGeom prst="rect">
+            <a:avLst/>
+          </a:prstGeom>
+        </p:spPr>
+      </p:pic>
+      <p:pic>
+        <p:nvPicPr>
+          <p:cNvPr id="6" name="Picture 5">
+            <a:extLst>
+              <a:ext uri="{FF2B5EF4-FFF2-40B4-BE49-F238E27FC236}">
+                <a16:creationId xmlns:a16="http://schemas.microsoft.com/office/drawing/2014/main" id="{C34A203A-3BE4-4066-A79F-0D5C5D20AC52}"/>
+              </a:ext>
+            </a:extLst>
+          </p:cNvPr>
+          <p:cNvPicPr>
+            <a:picLocks noChangeAspect="1"/>
+          </p:cNvPicPr>
+          <p:nvPr/>
+        </p:nvPicPr>
+        <p:blipFill>
+          <a:blip r:embed="rId4"/>
+          <a:stretch>
+            <a:fillRect/>
+          </a:stretch>
+        </p:blipFill>
+        <p:spPr>
+          <a:xfrm>
+            <a:off x="448761" y="3310304"/>
+            <a:ext cx="8707065" cy="2962688"/>
+          </a:xfrm>
+          <a:prstGeom prst="rect">
+            <a:avLst/>
+          </a:prstGeom>
+        </p:spPr>
+      </p:pic>
+      <p:sp>
+        <p:nvSpPr>
+          <p:cNvPr id="7" name="Slide Number Placeholder 6">
+            <a:extLst>
+              <a:ext uri="{FF2B5EF4-FFF2-40B4-BE49-F238E27FC236}">
+                <a16:creationId xmlns:a16="http://schemas.microsoft.com/office/drawing/2014/main" id="{85DD50E0-E043-4D69-8F26-70A4F725ACD6}"/>
+              </a:ext>
+            </a:extLst>
+          </p:cNvPr>
+          <p:cNvSpPr>
+            <a:spLocks noGrp="1"/>
+          </p:cNvSpPr>
+          <p:nvPr>
+            <p:ph type="sldNum" sz="quarter" idx="12"/>
+          </p:nvPr>
+        </p:nvSpPr>
+        <p:spPr/>
+        <p:txBody>
+          <a:bodyPr/>
+          <a:lstStyle/>
+          <a:p>
+            <a:fld id="{4B024B25-DFCA-4944-BA90-A17C573440F7}" type="slidenum">
+              <a:rPr lang="tr-TR" smtClean="0"/>
+              <a:t>14</a:t>
+            </a:fld>
+            <a:endParaRPr lang="tr-TR"/>
+          </a:p>
+        </p:txBody>
+      </p:sp>
+    </p:spTree>
+    <p:extLst>
+      <p:ext uri="{BB962C8B-B14F-4D97-AF65-F5344CB8AC3E}">
+        <p14:creationId xmlns:p14="http://schemas.microsoft.com/office/powerpoint/2010/main" val="2259787373"/>
+      </p:ext>
+    </p:extLst>
+  </p:cSld>
+  <p:clrMapOvr>
+    <a:masterClrMapping/>
+  </p:clrMapOvr>
+</p:sld>
+</file>
+
+<file path=ppt/slides/slide15.xml><?xml version="1.0" encoding="utf-8"?>
+<p:sld xmlns:a="http://schemas.openxmlformats.org/drawingml/2006/main" xmlns:r="http://schemas.openxmlformats.org/officeDocument/2006/relationships" xmlns:p="http://schemas.openxmlformats.org/presentationml/2006/main">
+  <p:cSld>
+    <p:spTree>
+      <p:nvGrpSpPr>
+        <p:cNvPr id="1" name=""/>
+        <p:cNvGrpSpPr/>
+        <p:nvPr/>
+      </p:nvGrpSpPr>
+      <p:grpSpPr>
+        <a:xfrm>
+          <a:off x="0" y="0"/>
+          <a:ext cx="0" cy="0"/>
+          <a:chOff x="0" y="0"/>
+          <a:chExt cx="0" cy="0"/>
+        </a:xfrm>
+      </p:grpSpPr>
+      <p:sp>
+        <p:nvSpPr>
+          <p:cNvPr id="2" name="Title 1">
+            <a:extLst>
+              <a:ext uri="{FF2B5EF4-FFF2-40B4-BE49-F238E27FC236}">
+                <a16:creationId xmlns:a16="http://schemas.microsoft.com/office/drawing/2014/main" id="{35E2AE60-011F-4352-822F-2BD9EC90D389}"/>
+              </a:ext>
+            </a:extLst>
+          </p:cNvPr>
+          <p:cNvSpPr>
+            <a:spLocks noGrp="1"/>
+          </p:cNvSpPr>
+          <p:nvPr>
+            <p:ph type="title"/>
+          </p:nvPr>
+        </p:nvSpPr>
+        <p:spPr/>
+        <p:txBody>
+          <a:bodyPr/>
+          <a:lstStyle/>
+          <a:p>
+            <a:r>
+              <a:rPr lang="tr-TR" dirty="0"/>
+              <a:t>DAO </a:t>
+            </a:r>
+            <a:r>
+              <a:rPr lang="en-US" dirty="0"/>
+              <a:t>M</a:t>
+            </a:r>
+            <a:r>
+              <a:rPr lang="tr-TR" dirty="0"/>
+              <a:t>a</a:t>
+            </a:r>
+            <a:r>
+              <a:rPr lang="en-US" dirty="0" err="1"/>
+              <a:t>ps</a:t>
+            </a:r>
+            <a:endParaRPr lang="tr-TR" dirty="0"/>
+          </a:p>
+        </p:txBody>
+      </p:sp>
+      <p:sp>
+        <p:nvSpPr>
+          <p:cNvPr id="3" name="Content Placeholder 2">
+            <a:extLst>
+              <a:ext uri="{FF2B5EF4-FFF2-40B4-BE49-F238E27FC236}">
+                <a16:creationId xmlns:a16="http://schemas.microsoft.com/office/drawing/2014/main" id="{5CE2662C-CE6A-4D20-AB4A-136CBE1F5A9D}"/>
+              </a:ext>
+            </a:extLst>
+          </p:cNvPr>
+          <p:cNvSpPr>
+            <a:spLocks noGrp="1"/>
+          </p:cNvSpPr>
+          <p:nvPr>
+            <p:ph idx="1"/>
+          </p:nvPr>
+        </p:nvSpPr>
+        <p:spPr/>
+        <p:txBody>
+          <a:bodyPr/>
+          <a:lstStyle/>
+          <a:p>
+            <a:endParaRPr lang="tr-TR"/>
+          </a:p>
+        </p:txBody>
+      </p:sp>
+      <p:pic>
+        <p:nvPicPr>
+          <p:cNvPr id="4" name="Picture 3">
+            <a:extLst>
+              <a:ext uri="{FF2B5EF4-FFF2-40B4-BE49-F238E27FC236}">
+                <a16:creationId xmlns:a16="http://schemas.microsoft.com/office/drawing/2014/main" id="{FBA4A2CF-269B-4E25-8D32-3D9F9E8A35E5}"/>
+              </a:ext>
+            </a:extLst>
+          </p:cNvPr>
+          <p:cNvPicPr>
+            <a:picLocks noChangeAspect="1"/>
+          </p:cNvPicPr>
+          <p:nvPr/>
+        </p:nvPicPr>
+        <p:blipFill>
+          <a:blip r:embed="rId3"/>
+          <a:stretch>
+            <a:fillRect/>
+          </a:stretch>
+        </p:blipFill>
+        <p:spPr>
+          <a:xfrm>
+            <a:off x="4679977" y="615635"/>
+            <a:ext cx="5809028" cy="5753477"/>
+          </a:xfrm>
+          <a:prstGeom prst="rect">
+            <a:avLst/>
+          </a:prstGeom>
+        </p:spPr>
+      </p:pic>
+      <p:sp>
+        <p:nvSpPr>
+          <p:cNvPr id="5" name="Slide Number Placeholder 4">
+            <a:extLst>
+              <a:ext uri="{FF2B5EF4-FFF2-40B4-BE49-F238E27FC236}">
+                <a16:creationId xmlns:a16="http://schemas.microsoft.com/office/drawing/2014/main" id="{4AC47E1E-ABA9-4577-9E2E-474CBFFE349C}"/>
+              </a:ext>
+            </a:extLst>
+          </p:cNvPr>
+          <p:cNvSpPr>
+            <a:spLocks noGrp="1"/>
+          </p:cNvSpPr>
+          <p:nvPr>
+            <p:ph type="sldNum" sz="quarter" idx="12"/>
+          </p:nvPr>
+        </p:nvSpPr>
+        <p:spPr/>
+        <p:txBody>
+          <a:bodyPr/>
+          <a:lstStyle/>
+          <a:p>
+            <a:fld id="{4B024B25-DFCA-4944-BA90-A17C573440F7}" type="slidenum">
+              <a:rPr lang="tr-TR" smtClean="0"/>
+              <a:t>15</a:t>
+            </a:fld>
+            <a:endParaRPr lang="tr-TR"/>
+          </a:p>
+        </p:txBody>
+      </p:sp>
+    </p:spTree>
+    <p:extLst>
+      <p:ext uri="{BB962C8B-B14F-4D97-AF65-F5344CB8AC3E}">
+        <p14:creationId xmlns:p14="http://schemas.microsoft.com/office/powerpoint/2010/main" val="3042818153"/>
+      </p:ext>
+    </p:extLst>
+  </p:cSld>
+  <p:clrMapOvr>
+    <a:masterClrMapping/>
+  </p:clrMapOvr>
+</p:sld>
+</file>
+
+<file path=ppt/slides/slide16.xml><?xml version="1.0" encoding="utf-8"?>
+<p:sld xmlns:a="http://schemas.openxmlformats.org/drawingml/2006/main" xmlns:r="http://schemas.openxmlformats.org/officeDocument/2006/relationships" xmlns:p="http://schemas.openxmlformats.org/presentationml/2006/main">
+  <p:cSld>
+    <p:spTree>
+      <p:nvGrpSpPr>
+        <p:cNvPr id="1" name=""/>
+        <p:cNvGrpSpPr/>
+        <p:nvPr/>
+      </p:nvGrpSpPr>
+      <p:grpSpPr>
+        <a:xfrm>
+          <a:off x="0" y="0"/>
+          <a:ext cx="0" cy="0"/>
+          <a:chOff x="0" y="0"/>
+          <a:chExt cx="0" cy="0"/>
+        </a:xfrm>
+      </p:grpSpPr>
+      <p:sp>
+        <p:nvSpPr>
+          <p:cNvPr id="2" name="Title 1">
+            <a:extLst>
+              <a:ext uri="{FF2B5EF4-FFF2-40B4-BE49-F238E27FC236}">
+                <a16:creationId xmlns:a16="http://schemas.microsoft.com/office/drawing/2014/main" id="{0C767491-8677-470F-AFE3-97D113884554}"/>
+              </a:ext>
+            </a:extLst>
+          </p:cNvPr>
+          <p:cNvSpPr>
+            <a:spLocks noGrp="1"/>
+          </p:cNvSpPr>
+          <p:nvPr>
+            <p:ph type="title"/>
+          </p:nvPr>
+        </p:nvSpPr>
+        <p:spPr/>
+        <p:txBody>
+          <a:bodyPr/>
+          <a:lstStyle/>
+          <a:p>
+            <a:r>
+              <a:rPr lang="en-US" dirty="0"/>
+              <a:t>MA-CBS</a:t>
+            </a:r>
+            <a:endParaRPr lang="tr-TR" dirty="0"/>
+          </a:p>
+        </p:txBody>
+      </p:sp>
+      <p:sp>
+        <p:nvSpPr>
+          <p:cNvPr id="3" name="Content Placeholder 2">
+            <a:extLst>
+              <a:ext uri="{FF2B5EF4-FFF2-40B4-BE49-F238E27FC236}">
+                <a16:creationId xmlns:a16="http://schemas.microsoft.com/office/drawing/2014/main" id="{0E2479E4-39A3-4E1B-99F0-A6B7033968D2}"/>
+              </a:ext>
+            </a:extLst>
+          </p:cNvPr>
+          <p:cNvSpPr>
+            <a:spLocks noGrp="1"/>
+          </p:cNvSpPr>
+          <p:nvPr>
+            <p:ph idx="1"/>
+          </p:nvPr>
+        </p:nvSpPr>
+        <p:spPr/>
+        <p:txBody>
+          <a:bodyPr/>
+          <a:lstStyle/>
+          <a:p>
+            <a:r>
+              <a:rPr lang="en-US" dirty="0"/>
+              <a:t>Idea: remedies poor behavior of CBS when a set of agents is strongly coupled by automatically merging those agent into a meta agent</a:t>
+            </a:r>
+          </a:p>
+          <a:p>
+            <a:r>
+              <a:rPr lang="en-US" dirty="0"/>
+              <a:t>Important Concepts with this:</a:t>
+            </a:r>
+          </a:p>
+          <a:p>
+            <a:pPr lvl="1"/>
             <a:r>
               <a:rPr lang="en-US" dirty="0"/>
               <a:t>Merge policy</a:t>
             </a:r>
+          </a:p>
+          <a:p>
+            <a:pPr lvl="1"/>
+            <a:r>
+              <a:rPr lang="en-US" dirty="0"/>
+              <a:t>Merging constraints</a:t>
+            </a:r>
+          </a:p>
+        </p:txBody>
+      </p:sp>
+      <p:sp>
+        <p:nvSpPr>
+          <p:cNvPr id="4" name="Slide Number Placeholder 3">
+            <a:extLst>
+              <a:ext uri="{FF2B5EF4-FFF2-40B4-BE49-F238E27FC236}">
+                <a16:creationId xmlns:a16="http://schemas.microsoft.com/office/drawing/2014/main" id="{F445A021-F867-4958-AFB7-029E498DDBED}"/>
+              </a:ext>
+            </a:extLst>
+          </p:cNvPr>
+          <p:cNvSpPr>
+            <a:spLocks noGrp="1"/>
+          </p:cNvSpPr>
+          <p:nvPr>
+            <p:ph type="sldNum" sz="quarter" idx="12"/>
+          </p:nvPr>
+        </p:nvSpPr>
+        <p:spPr/>
+        <p:txBody>
+          <a:bodyPr/>
+          <a:lstStyle/>
+          <a:p>
+            <a:fld id="{4B024B25-DFCA-4944-BA90-A17C573440F7}" type="slidenum">
+              <a:rPr lang="tr-TR" smtClean="0"/>
+              <a:t>16</a:t>
+            </a:fld>
+            <a:endParaRPr lang="tr-TR"/>
+          </a:p>
+        </p:txBody>
+      </p:sp>
+    </p:spTree>
+    <p:extLst>
+      <p:ext uri="{BB962C8B-B14F-4D97-AF65-F5344CB8AC3E}">
+        <p14:creationId xmlns:p14="http://schemas.microsoft.com/office/powerpoint/2010/main" val="63228646"/>
+      </p:ext>
+    </p:extLst>
+  </p:cSld>
+  <p:clrMapOvr>
+    <a:masterClrMapping/>
+  </p:clrMapOvr>
+</p:sld>
+</file>
+
+<file path=ppt/slides/slide17.xml><?xml version="1.0" encoding="utf-8"?>
+<p:sld xmlns:a="http://schemas.openxmlformats.org/drawingml/2006/main" xmlns:r="http://schemas.openxmlformats.org/officeDocument/2006/relationships" xmlns:p="http://schemas.openxmlformats.org/presentationml/2006/main">
+  <p:cSld>
+    <p:spTree>
+      <p:nvGrpSpPr>
+        <p:cNvPr id="1" name=""/>
+        <p:cNvGrpSpPr/>
+        <p:nvPr/>
+      </p:nvGrpSpPr>
+      <p:grpSpPr>
+        <a:xfrm>
+          <a:off x="0" y="0"/>
+          <a:ext cx="0" cy="0"/>
+          <a:chOff x="0" y="0"/>
+          <a:chExt cx="0" cy="0"/>
+        </a:xfrm>
+      </p:grpSpPr>
+      <p:sp>
+        <p:nvSpPr>
+          <p:cNvPr id="2" name="Title 1">
+            <a:extLst>
+              <a:ext uri="{FF2B5EF4-FFF2-40B4-BE49-F238E27FC236}">
+                <a16:creationId xmlns:a16="http://schemas.microsoft.com/office/drawing/2014/main" id="{34CA8524-95F4-4051-B51C-462CE88A4FAF}"/>
+              </a:ext>
+            </a:extLst>
+          </p:cNvPr>
+          <p:cNvSpPr>
+            <a:spLocks noGrp="1"/>
+          </p:cNvSpPr>
+          <p:nvPr>
+            <p:ph type="title"/>
+          </p:nvPr>
+        </p:nvSpPr>
+        <p:spPr/>
+        <p:txBody>
+          <a:bodyPr/>
+          <a:lstStyle/>
+          <a:p>
+            <a:r>
+              <a:rPr lang="en-US" dirty="0"/>
+              <a:t>Merge policy</a:t>
+            </a:r>
             <a:endParaRPr lang="tr-TR" dirty="0"/>
           </a:p>
         </p:txBody>
       </p:sp>
-      <mc:AlternateContent xmlns:mc="http://schemas.openxmlformats.org/markup-compatibility/2006">
-        <mc:Choice xmlns:a14="http://schemas.microsoft.com/office/drawing/2010/main" Requires="a14">
+      <mc:AlternateContent xmlns:mc="http://schemas.openxmlformats.org/markup-compatibility/2006" xmlns:a14="http://schemas.microsoft.com/office/drawing/2010/main">
+        <mc:Choice Requires="a14">
           <p:sp>
             <p:nvSpPr>
               <p:cNvPr id="3" name="Content Placeholder 2">
@@ -6199,7 +7883,7 @@
             </p:txBody>
           </p:sp>
         </mc:Choice>
-        <mc:Fallback>
+        <mc:Fallback xmlns="">
           <p:sp>
             <p:nvSpPr>
               <p:cNvPr id="3" name="Content Placeholder 2">
@@ -6239,6 +7923,35 @@
           </p:sp>
         </mc:Fallback>
       </mc:AlternateContent>
+      <p:sp>
+        <p:nvSpPr>
+          <p:cNvPr id="4" name="Slide Number Placeholder 3">
+            <a:extLst>
+              <a:ext uri="{FF2B5EF4-FFF2-40B4-BE49-F238E27FC236}">
+                <a16:creationId xmlns:a16="http://schemas.microsoft.com/office/drawing/2014/main" id="{63C17B42-8A6C-4686-86A7-41E48BE5AFA8}"/>
+              </a:ext>
+            </a:extLst>
+          </p:cNvPr>
+          <p:cNvSpPr>
+            <a:spLocks noGrp="1"/>
+          </p:cNvSpPr>
+          <p:nvPr>
+            <p:ph type="sldNum" sz="quarter" idx="12"/>
+          </p:nvPr>
+        </p:nvSpPr>
+        <p:spPr/>
+        <p:txBody>
+          <a:bodyPr/>
+          <a:lstStyle/>
+          <a:p>
+            <a:fld id="{4B024B25-DFCA-4944-BA90-A17C573440F7}" type="slidenum">
+              <a:rPr lang="tr-TR" smtClean="0"/>
+              <a:t>17</a:t>
+            </a:fld>
+            <a:endParaRPr lang="tr-TR"/>
+          </a:p>
+        </p:txBody>
+      </p:sp>
     </p:spTree>
     <p:extLst>
       <p:ext uri="{BB962C8B-B14F-4D97-AF65-F5344CB8AC3E}">
@@ -6252,7 +7965,7 @@
 </p:sld>
 </file>
 
-<file path=ppt/slides/slide13.xml><?xml version="1.0" encoding="utf-8"?>
+<file path=ppt/slides/slide18.xml><?xml version="1.0" encoding="utf-8"?>
 <p:sld xmlns:a="http://schemas.openxmlformats.org/drawingml/2006/main" xmlns:r="http://schemas.openxmlformats.org/officeDocument/2006/relationships" xmlns:p="http://schemas.openxmlformats.org/presentationml/2006/main">
   <p:cSld>
     <p:spTree>
@@ -6319,6 +8032,59 @@
           <a:bodyPr/>
           <a:lstStyle/>
           <a:p>
+            <a:r>
+              <a:rPr lang="en-US" dirty="0"/>
+              <a:t>Internal Constraints</a:t>
+            </a:r>
+          </a:p>
+          <a:p>
+            <a:pPr lvl="1"/>
+            <a:r>
+              <a:rPr lang="en-US" dirty="0"/>
+              <a:t>Should not be considered since the conflict solved in low level</a:t>
+            </a:r>
+          </a:p>
+          <a:p>
+            <a:r>
+              <a:rPr lang="en-US" dirty="0"/>
+              <a:t>External Constraints</a:t>
+            </a:r>
+          </a:p>
+          <a:p>
+            <a:pPr lvl="1"/>
+            <a:r>
+              <a:rPr lang="en-US" dirty="0"/>
+              <a:t>Must be include all the external conflict for apply only to original agent</a:t>
+            </a:r>
+            <a:endParaRPr lang="tr-TR" dirty="0"/>
+          </a:p>
+        </p:txBody>
+      </p:sp>
+      <p:sp>
+        <p:nvSpPr>
+          <p:cNvPr id="4" name="Slide Number Placeholder 3">
+            <a:extLst>
+              <a:ext uri="{FF2B5EF4-FFF2-40B4-BE49-F238E27FC236}">
+                <a16:creationId xmlns:a16="http://schemas.microsoft.com/office/drawing/2014/main" id="{23858FE0-8EAE-41E4-8413-6FBA9497D3C0}"/>
+              </a:ext>
+            </a:extLst>
+          </p:cNvPr>
+          <p:cNvSpPr>
+            <a:spLocks noGrp="1"/>
+          </p:cNvSpPr>
+          <p:nvPr>
+            <p:ph type="sldNum" sz="quarter" idx="12"/>
+          </p:nvPr>
+        </p:nvSpPr>
+        <p:spPr/>
+        <p:txBody>
+          <a:bodyPr/>
+          <a:lstStyle/>
+          <a:p>
+            <a:fld id="{4B024B25-DFCA-4944-BA90-A17C573440F7}" type="slidenum">
+              <a:rPr lang="tr-TR" smtClean="0"/>
+              <a:t>18</a:t>
+            </a:fld>
             <a:endParaRPr lang="tr-TR"/>
           </a:p>
         </p:txBody>
@@ -6399,6 +8165,35 @@
           <a:bodyPr/>
           <a:lstStyle/>
           <a:p>
+            <a:endParaRPr lang="tr-TR"/>
+          </a:p>
+        </p:txBody>
+      </p:sp>
+      <p:sp>
+        <p:nvSpPr>
+          <p:cNvPr id="4" name="Slide Number Placeholder 3">
+            <a:extLst>
+              <a:ext uri="{FF2B5EF4-FFF2-40B4-BE49-F238E27FC236}">
+                <a16:creationId xmlns:a16="http://schemas.microsoft.com/office/drawing/2014/main" id="{D300C1ED-E168-4022-B4DB-6C6974A4D5E6}"/>
+              </a:ext>
+            </a:extLst>
+          </p:cNvPr>
+          <p:cNvSpPr>
+            <a:spLocks noGrp="1"/>
+          </p:cNvSpPr>
+          <p:nvPr>
+            <p:ph type="sldNum" sz="quarter" idx="12"/>
+          </p:nvPr>
+        </p:nvSpPr>
+        <p:spPr/>
+        <p:txBody>
+          <a:bodyPr/>
+          <a:lstStyle/>
+          <a:p>
+            <a:fld id="{4B024B25-DFCA-4944-BA90-A17C573440F7}" type="slidenum">
+              <a:rPr lang="tr-TR" smtClean="0"/>
+              <a:t>2</a:t>
+            </a:fld>
             <a:endParaRPr lang="tr-TR"/>
           </a:p>
         </p:txBody>
@@ -7197,6 +8992,35 @@
               <a:t>In</a:t>
             </a:r>
             <a:endParaRPr lang="tr-TR" dirty="0"/>
+          </a:p>
+        </p:txBody>
+      </p:sp>
+      <p:sp>
+        <p:nvSpPr>
+          <p:cNvPr id="3" name="Slide Number Placeholder 2">
+            <a:extLst>
+              <a:ext uri="{FF2B5EF4-FFF2-40B4-BE49-F238E27FC236}">
+                <a16:creationId xmlns:a16="http://schemas.microsoft.com/office/drawing/2014/main" id="{0BC817C9-85A2-412D-93D1-6141041C5052}"/>
+              </a:ext>
+            </a:extLst>
+          </p:cNvPr>
+          <p:cNvSpPr>
+            <a:spLocks noGrp="1"/>
+          </p:cNvSpPr>
+          <p:nvPr>
+            <p:ph type="sldNum" sz="quarter" idx="12"/>
+          </p:nvPr>
+        </p:nvSpPr>
+        <p:spPr/>
+        <p:txBody>
+          <a:bodyPr/>
+          <a:lstStyle/>
+          <a:p>
+            <a:fld id="{4B024B25-DFCA-4944-BA90-A17C573440F7}" type="slidenum">
+              <a:rPr lang="tr-TR" smtClean="0"/>
+              <a:t>3</a:t>
+            </a:fld>
+            <a:endParaRPr lang="tr-TR"/>
           </a:p>
         </p:txBody>
       </p:sp>
@@ -7427,6 +9251,35 @@
           </a:prstGeom>
         </p:spPr>
       </p:pic>
+      <p:sp>
+        <p:nvSpPr>
+          <p:cNvPr id="4" name="Slide Number Placeholder 3">
+            <a:extLst>
+              <a:ext uri="{FF2B5EF4-FFF2-40B4-BE49-F238E27FC236}">
+                <a16:creationId xmlns:a16="http://schemas.microsoft.com/office/drawing/2014/main" id="{9D8FD2E1-3F40-497C-91CB-38DAE1EED9FF}"/>
+              </a:ext>
+            </a:extLst>
+          </p:cNvPr>
+          <p:cNvSpPr>
+            <a:spLocks noGrp="1"/>
+          </p:cNvSpPr>
+          <p:nvPr>
+            <p:ph type="sldNum" sz="quarter" idx="12"/>
+          </p:nvPr>
+        </p:nvSpPr>
+        <p:spPr/>
+        <p:txBody>
+          <a:bodyPr/>
+          <a:lstStyle/>
+          <a:p>
+            <a:fld id="{4B024B25-DFCA-4944-BA90-A17C573440F7}" type="slidenum">
+              <a:rPr lang="tr-TR" smtClean="0"/>
+              <a:t>4</a:t>
+            </a:fld>
+            <a:endParaRPr lang="tr-TR"/>
+          </a:p>
+        </p:txBody>
+      </p:sp>
     </p:spTree>
     <p:extLst>
       <p:ext uri="{BB962C8B-B14F-4D97-AF65-F5344CB8AC3E}">
@@ -7545,6 +9398,35 @@
           </a:prstGeom>
         </p:spPr>
       </p:pic>
+      <p:sp>
+        <p:nvSpPr>
+          <p:cNvPr id="5" name="Slide Number Placeholder 4">
+            <a:extLst>
+              <a:ext uri="{FF2B5EF4-FFF2-40B4-BE49-F238E27FC236}">
+                <a16:creationId xmlns:a16="http://schemas.microsoft.com/office/drawing/2014/main" id="{8B21D768-7B5E-4240-9974-B40D9A07D610}"/>
+              </a:ext>
+            </a:extLst>
+          </p:cNvPr>
+          <p:cNvSpPr>
+            <a:spLocks noGrp="1"/>
+          </p:cNvSpPr>
+          <p:nvPr>
+            <p:ph type="sldNum" sz="quarter" idx="12"/>
+          </p:nvPr>
+        </p:nvSpPr>
+        <p:spPr/>
+        <p:txBody>
+          <a:bodyPr/>
+          <a:lstStyle/>
+          <a:p>
+            <a:fld id="{4B024B25-DFCA-4944-BA90-A17C573440F7}" type="slidenum">
+              <a:rPr lang="tr-TR" smtClean="0"/>
+              <a:t>5</a:t>
+            </a:fld>
+            <a:endParaRPr lang="tr-TR"/>
+          </a:p>
+        </p:txBody>
+      </p:sp>
     </p:spTree>
     <p:extLst>
       <p:ext uri="{BB962C8B-B14F-4D97-AF65-F5344CB8AC3E}">
@@ -7629,14 +9511,28 @@
               <a:p>
                 <a:r>
                   <a:rPr lang="en-US" dirty="0"/>
-                  <a:t>High-Level: Constraint tree </a:t>
+                  <a:t>High-Level</a:t>
                 </a:r>
               </a:p>
               <a:p>
                 <a:pPr lvl="1"/>
                 <a:r>
                   <a:rPr lang="en-US" dirty="0"/>
-                  <a:t>Set of Constraint: {(</a:t>
+                  <a:t>Conflicts is found and constraints add to constraint tree</a:t>
+                </a:r>
+              </a:p>
+              <a:p>
+                <a:pPr lvl="1"/>
+                <a:r>
+                  <a:rPr lang="en-US" dirty="0"/>
+                  <a:t>Constraint tree </a:t>
+                </a:r>
+              </a:p>
+              <a:p>
+                <a:pPr lvl="2"/>
+                <a:r>
+                  <a:rPr lang="en-US" dirty="0"/>
+                  <a:t>Set of Constraints: {(</a:t>
                 </a:r>
                 <a14:m>
                   <m:oMath xmlns:m="http://schemas.openxmlformats.org/officeDocument/2006/math">
@@ -7662,37 +9558,6 @@
                             <a:latin typeface="Cambria Math" panose="02040503050406030204" pitchFamily="18" charset="0"/>
                           </a:rPr>
                           <m:t>𝑖</m:t>
-                        </m:r>
-                      </m:sub>
-                    </m:sSub>
-                    <m:r>
-                      <a:rPr lang="en-US" b="0" i="1" smtClean="0">
-                        <a:latin typeface="Cambria Math" panose="02040503050406030204" pitchFamily="18" charset="0"/>
-                      </a:rPr>
-                      <m:t>,</m:t>
-                    </m:r>
-                    <m:sSub>
-                      <m:sSubPr>
-                        <m:ctrlPr>
-                          <a:rPr lang="en-US" b="0" i="1" smtClean="0">
-                            <a:latin typeface="Cambria Math" panose="02040503050406030204" pitchFamily="18" charset="0"/>
-                          </a:rPr>
-                        </m:ctrlPr>
-                      </m:sSubPr>
-                      <m:e>
-                        <m:r>
-                          <a:rPr lang="en-US" b="0" i="1" smtClean="0">
-                            <a:latin typeface="Cambria Math" panose="02040503050406030204" pitchFamily="18" charset="0"/>
-                          </a:rPr>
-                          <m:t>𝑎</m:t>
-                        </m:r>
-                      </m:e>
-                      <m:sub>
-                        <m:r>
-                          <a:rPr lang="en-US" b="0" i="1" smtClean="0">
-                            <a:latin typeface="Cambria Math" panose="02040503050406030204" pitchFamily="18" charset="0"/>
-                          </a:rPr>
-                          <m:t>𝑗</m:t>
                         </m:r>
                       </m:sub>
                     </m:sSub>
@@ -7728,14 +9593,14 @@
                 </a:r>
               </a:p>
               <a:p>
-                <a:pPr lvl="1"/>
+                <a:pPr lvl="2"/>
                 <a:r>
                   <a:rPr lang="en-US" dirty="0"/>
-                  <a:t>Solution</a:t>
+                  <a:t>A solution</a:t>
                 </a:r>
               </a:p>
               <a:p>
-                <a:pPr lvl="1"/>
+                <a:pPr lvl="2"/>
                 <a:r>
                   <a:rPr lang="en-US" dirty="0"/>
                   <a:t>Total Cost (f-value of node)</a:t>
@@ -7787,10 +9652,10 @@
       </mc:AlternateContent>
       <p:pic>
         <p:nvPicPr>
-          <p:cNvPr id="4" name="Picture 3">
-            <a:extLst>
-              <a:ext uri="{FF2B5EF4-FFF2-40B4-BE49-F238E27FC236}">
-                <a16:creationId xmlns:a16="http://schemas.microsoft.com/office/drawing/2014/main" id="{2BD08DC4-CE0C-4545-8CAC-DAEA5982294C}"/>
+          <p:cNvPr id="6" name="Picture 5">
+            <a:extLst>
+              <a:ext uri="{FF2B5EF4-FFF2-40B4-BE49-F238E27FC236}">
+                <a16:creationId xmlns:a16="http://schemas.microsoft.com/office/drawing/2014/main" id="{FB8DF72B-438A-4F17-8202-6B992E31CD2E}"/>
               </a:ext>
             </a:extLst>
           </p:cNvPr>
@@ -7807,44 +9672,43 @@
         </p:blipFill>
         <p:spPr>
           <a:xfrm>
-            <a:off x="6675422" y="3548283"/>
-            <a:ext cx="3626565" cy="2763617"/>
+            <a:off x="6469226" y="2896240"/>
+            <a:ext cx="2210108" cy="1105054"/>
           </a:xfrm>
           <a:prstGeom prst="rect">
             <a:avLst/>
           </a:prstGeom>
         </p:spPr>
       </p:pic>
-      <p:pic>
-        <p:nvPicPr>
-          <p:cNvPr id="5" name="Picture 4">
-            <a:extLst>
-              <a:ext uri="{FF2B5EF4-FFF2-40B4-BE49-F238E27FC236}">
-                <a16:creationId xmlns:a16="http://schemas.microsoft.com/office/drawing/2014/main" id="{15BEA2F8-654E-4D72-9BB3-4584FCDAE2FC}"/>
-              </a:ext>
-            </a:extLst>
-          </p:cNvPr>
-          <p:cNvPicPr>
-            <a:picLocks noChangeAspect="1"/>
-          </p:cNvPicPr>
-          <p:nvPr/>
-        </p:nvPicPr>
-        <p:blipFill>
-          <a:blip r:embed="rId5"/>
-          <a:stretch>
-            <a:fillRect/>
-          </a:stretch>
-        </p:blipFill>
-        <p:spPr>
-          <a:xfrm>
-            <a:off x="1283430" y="3682854"/>
-            <a:ext cx="2555239" cy="2494109"/>
-          </a:xfrm>
-          <a:prstGeom prst="rect">
-            <a:avLst/>
-          </a:prstGeom>
-        </p:spPr>
-      </p:pic>
+      <p:sp>
+        <p:nvSpPr>
+          <p:cNvPr id="4" name="Slide Number Placeholder 3">
+            <a:extLst>
+              <a:ext uri="{FF2B5EF4-FFF2-40B4-BE49-F238E27FC236}">
+                <a16:creationId xmlns:a16="http://schemas.microsoft.com/office/drawing/2014/main" id="{381E24EA-E8FC-4B0A-8D39-75482669EFA3}"/>
+              </a:ext>
+            </a:extLst>
+          </p:cNvPr>
+          <p:cNvSpPr>
+            <a:spLocks noGrp="1"/>
+          </p:cNvSpPr>
+          <p:nvPr>
+            <p:ph type="sldNum" sz="quarter" idx="12"/>
+          </p:nvPr>
+        </p:nvSpPr>
+        <p:spPr/>
+        <p:txBody>
+          <a:bodyPr/>
+          <a:lstStyle/>
+          <a:p>
+            <a:fld id="{4B024B25-DFCA-4944-BA90-A17C573440F7}" type="slidenum">
+              <a:rPr lang="tr-TR" smtClean="0"/>
+              <a:t>6</a:t>
+            </a:fld>
+            <a:endParaRPr lang="tr-TR"/>
+          </a:p>
+        </p:txBody>
+      </p:sp>
     </p:spTree>
     <p:extLst>
       <p:ext uri="{BB962C8B-B14F-4D97-AF65-F5344CB8AC3E}">
@@ -7875,75 +9739,12 @@
           <a:chExt cx="0" cy="0"/>
         </a:xfrm>
       </p:grpSpPr>
-      <p:sp>
-        <p:nvSpPr>
-          <p:cNvPr id="2" name="Title 1">
-            <a:extLst>
-              <a:ext uri="{FF2B5EF4-FFF2-40B4-BE49-F238E27FC236}">
-                <a16:creationId xmlns:a16="http://schemas.microsoft.com/office/drawing/2014/main" id="{A83DED9F-D594-48E7-BBAD-290BE8B2D487}"/>
-              </a:ext>
-            </a:extLst>
-          </p:cNvPr>
-          <p:cNvSpPr>
-            <a:spLocks noGrp="1"/>
-          </p:cNvSpPr>
-          <p:nvPr>
-            <p:ph type="title"/>
-          </p:nvPr>
-        </p:nvSpPr>
-        <p:spPr/>
-        <p:txBody>
-          <a:bodyPr/>
-          <a:lstStyle/>
-          <a:p>
-            <a:r>
-              <a:rPr lang="en-US" dirty="0"/>
-              <a:t>CBS</a:t>
-            </a:r>
-            <a:endParaRPr lang="tr-TR" dirty="0"/>
-          </a:p>
-        </p:txBody>
-      </p:sp>
-      <p:sp>
-        <p:nvSpPr>
-          <p:cNvPr id="3" name="Content Placeholder 2">
-            <a:extLst>
-              <a:ext uri="{FF2B5EF4-FFF2-40B4-BE49-F238E27FC236}">
-                <a16:creationId xmlns:a16="http://schemas.microsoft.com/office/drawing/2014/main" id="{1C5E9715-7B23-4555-96A9-B6FA7963A73C}"/>
-              </a:ext>
-            </a:extLst>
-          </p:cNvPr>
-          <p:cNvSpPr>
-            <a:spLocks noGrp="1"/>
-          </p:cNvSpPr>
-          <p:nvPr>
-            <p:ph idx="1"/>
-          </p:nvPr>
-        </p:nvSpPr>
-        <p:spPr>
-          <a:xfrm>
-            <a:off x="838200" y="1825625"/>
-            <a:ext cx="10515600" cy="4351338"/>
-          </a:xfrm>
-        </p:spPr>
-        <p:txBody>
-          <a:bodyPr/>
-          <a:lstStyle/>
-          <a:p>
-            <a:r>
-              <a:rPr lang="en-US" dirty="0"/>
-              <a:t>Low-Level: any optimal single agent pathfinding algorithm which can satisfies all the constraint</a:t>
-            </a:r>
-            <a:endParaRPr lang="tr-TR" dirty="0"/>
-          </a:p>
-        </p:txBody>
-      </p:sp>
       <p:pic>
         <p:nvPicPr>
-          <p:cNvPr id="4" name="Picture 3">
-            <a:extLst>
-              <a:ext uri="{FF2B5EF4-FFF2-40B4-BE49-F238E27FC236}">
-                <a16:creationId xmlns:a16="http://schemas.microsoft.com/office/drawing/2014/main" id="{E7BA8906-E22E-4338-9FB7-0E36DEB25B72}"/>
+          <p:cNvPr id="8" name="Picture 7">
+            <a:extLst>
+              <a:ext uri="{FF2B5EF4-FFF2-40B4-BE49-F238E27FC236}">
+                <a16:creationId xmlns:a16="http://schemas.microsoft.com/office/drawing/2014/main" id="{8864A82A-251B-45E9-AC53-F2F9D7693ADE}"/>
               </a:ext>
             </a:extLst>
           </p:cNvPr>
@@ -7952,28 +9753,56 @@
           </p:cNvPicPr>
           <p:nvPr/>
         </p:nvPicPr>
-        <p:blipFill>
+        <p:blipFill rotWithShape="1">
           <a:blip r:embed="rId3"/>
-          <a:stretch>
-            <a:fillRect/>
-          </a:stretch>
+          <a:srcRect r="59753" b="2452"/>
+          <a:stretch/>
         </p:blipFill>
         <p:spPr>
           <a:xfrm>
-            <a:off x="6693529" y="3413346"/>
-            <a:ext cx="3626565" cy="2763617"/>
+            <a:off x="6495559" y="1627654"/>
+            <a:ext cx="3197081" cy="4552655"/>
           </a:xfrm>
           <a:prstGeom prst="rect">
             <a:avLst/>
           </a:prstGeom>
         </p:spPr>
       </p:pic>
+      <p:sp>
+        <p:nvSpPr>
+          <p:cNvPr id="2" name="Title 1">
+            <a:extLst>
+              <a:ext uri="{FF2B5EF4-FFF2-40B4-BE49-F238E27FC236}">
+                <a16:creationId xmlns:a16="http://schemas.microsoft.com/office/drawing/2014/main" id="{E77A7BCB-50EF-4CE5-AEBC-2A216CA771C1}"/>
+              </a:ext>
+            </a:extLst>
+          </p:cNvPr>
+          <p:cNvSpPr>
+            <a:spLocks noGrp="1"/>
+          </p:cNvSpPr>
+          <p:nvPr>
+            <p:ph type="title"/>
+          </p:nvPr>
+        </p:nvSpPr>
+        <p:spPr/>
+        <p:txBody>
+          <a:bodyPr/>
+          <a:lstStyle/>
+          <a:p>
+            <a:r>
+              <a:rPr lang="en-US" dirty="0"/>
+              <a:t>CBS</a:t>
+            </a:r>
+            <a:endParaRPr lang="tr-TR" dirty="0"/>
+          </a:p>
+        </p:txBody>
+      </p:sp>
       <p:pic>
         <p:nvPicPr>
           <p:cNvPr id="5" name="Picture 4">
             <a:extLst>
               <a:ext uri="{FF2B5EF4-FFF2-40B4-BE49-F238E27FC236}">
-                <a16:creationId xmlns:a16="http://schemas.microsoft.com/office/drawing/2014/main" id="{7EB7CB65-31D8-4F21-B9C1-2EE0F179A48A}"/>
+                <a16:creationId xmlns:a16="http://schemas.microsoft.com/office/drawing/2014/main" id="{15BEA2F8-654E-4D72-9BB3-4584FCDAE2FC}"/>
               </a:ext>
             </a:extLst>
           </p:cNvPr>
@@ -7990,7 +9819,7 @@
         </p:blipFill>
         <p:spPr>
           <a:xfrm>
-            <a:off x="1364912" y="3548283"/>
+            <a:off x="1771110" y="1027906"/>
             <a:ext cx="2555239" cy="2494109"/>
           </a:xfrm>
           <a:prstGeom prst="rect">
@@ -7998,10 +9827,140 @@
           </a:prstGeom>
         </p:spPr>
       </p:pic>
+      <p:grpSp>
+        <p:nvGrpSpPr>
+          <p:cNvPr id="10" name="Group 9">
+            <a:extLst>
+              <a:ext uri="{FF2B5EF4-FFF2-40B4-BE49-F238E27FC236}">
+                <a16:creationId xmlns:a16="http://schemas.microsoft.com/office/drawing/2014/main" id="{67CF94B8-4C9E-4566-BC1F-1374C9757FB5}"/>
+              </a:ext>
+            </a:extLst>
+          </p:cNvPr>
+          <p:cNvGrpSpPr/>
+          <p:nvPr/>
+        </p:nvGrpSpPr>
+        <p:grpSpPr>
+          <a:xfrm>
+            <a:off x="1304026" y="3614812"/>
+            <a:ext cx="3626565" cy="2763617"/>
+            <a:chOff x="1304026" y="3614812"/>
+            <a:chExt cx="3626565" cy="2763617"/>
+          </a:xfrm>
+        </p:grpSpPr>
+        <p:pic>
+          <p:nvPicPr>
+            <p:cNvPr id="4" name="Picture 3">
+              <a:extLst>
+                <a:ext uri="{FF2B5EF4-FFF2-40B4-BE49-F238E27FC236}">
+                  <a16:creationId xmlns:a16="http://schemas.microsoft.com/office/drawing/2014/main" id="{2BD08DC4-CE0C-4545-8CAC-DAEA5982294C}"/>
+                </a:ext>
+              </a:extLst>
+            </p:cNvPr>
+            <p:cNvPicPr>
+              <a:picLocks noChangeAspect="1"/>
+            </p:cNvPicPr>
+            <p:nvPr/>
+          </p:nvPicPr>
+          <p:blipFill>
+            <a:blip r:embed="rId5"/>
+            <a:stretch>
+              <a:fillRect/>
+            </a:stretch>
+          </p:blipFill>
+          <p:spPr>
+            <a:xfrm>
+              <a:off x="1304026" y="3614812"/>
+              <a:ext cx="3626565" cy="2763617"/>
+            </a:xfrm>
+            <a:prstGeom prst="rect">
+              <a:avLst/>
+            </a:prstGeom>
+          </p:spPr>
+        </p:pic>
+        <p:sp>
+          <p:nvSpPr>
+            <p:cNvPr id="9" name="Rectangle 8">
+              <a:extLst>
+                <a:ext uri="{FF2B5EF4-FFF2-40B4-BE49-F238E27FC236}">
+                  <a16:creationId xmlns:a16="http://schemas.microsoft.com/office/drawing/2014/main" id="{311F5E6D-4E19-4964-A2D4-089C387F47BF}"/>
+                </a:ext>
+              </a:extLst>
+            </p:cNvPr>
+            <p:cNvSpPr/>
+            <p:nvPr/>
+          </p:nvSpPr>
+          <p:spPr>
+            <a:xfrm>
+              <a:off x="3223260" y="4184796"/>
+              <a:ext cx="137160" cy="440544"/>
+            </a:xfrm>
+            <a:prstGeom prst="rect">
+              <a:avLst/>
+            </a:prstGeom>
+            <a:noFill/>
+            <a:ln>
+              <a:solidFill>
+                <a:srgbClr val="FF0000"/>
+              </a:solidFill>
+            </a:ln>
+          </p:spPr>
+          <p:style>
+            <a:lnRef idx="2">
+              <a:schemeClr val="accent2"/>
+            </a:lnRef>
+            <a:fillRef idx="1">
+              <a:schemeClr val="lt1"/>
+            </a:fillRef>
+            <a:effectRef idx="0">
+              <a:schemeClr val="accent2"/>
+            </a:effectRef>
+            <a:fontRef idx="minor">
+              <a:schemeClr val="dk1"/>
+            </a:fontRef>
+          </p:style>
+          <p:txBody>
+            <a:bodyPr rtlCol="0" anchor="ctr"/>
+            <a:lstStyle/>
+            <a:p>
+              <a:pPr algn="ctr"/>
+              <a:endParaRPr lang="tr-TR"/>
+            </a:p>
+          </p:txBody>
+        </p:sp>
+      </p:grpSp>
+      <p:sp>
+        <p:nvSpPr>
+          <p:cNvPr id="3" name="Slide Number Placeholder 2">
+            <a:extLst>
+              <a:ext uri="{FF2B5EF4-FFF2-40B4-BE49-F238E27FC236}">
+                <a16:creationId xmlns:a16="http://schemas.microsoft.com/office/drawing/2014/main" id="{873FA5CB-AA5D-406F-B75C-895157A8B106}"/>
+              </a:ext>
+            </a:extLst>
+          </p:cNvPr>
+          <p:cNvSpPr>
+            <a:spLocks noGrp="1"/>
+          </p:cNvSpPr>
+          <p:nvPr>
+            <p:ph type="sldNum" sz="quarter" idx="12"/>
+          </p:nvPr>
+        </p:nvSpPr>
+        <p:spPr/>
+        <p:txBody>
+          <a:bodyPr/>
+          <a:lstStyle/>
+          <a:p>
+            <a:fld id="{4B024B25-DFCA-4944-BA90-A17C573440F7}" type="slidenum">
+              <a:rPr lang="tr-TR" smtClean="0"/>
+              <a:t>7</a:t>
+            </a:fld>
+            <a:endParaRPr lang="tr-TR"/>
+          </a:p>
+        </p:txBody>
+      </p:sp>
     </p:spTree>
     <p:extLst>
       <p:ext uri="{BB962C8B-B14F-4D97-AF65-F5344CB8AC3E}">
-        <p14:creationId xmlns:p14="http://schemas.microsoft.com/office/powerpoint/2010/main" val="328330867"/>
+        <p14:creationId xmlns:p14="http://schemas.microsoft.com/office/powerpoint/2010/main" val="1744656099"/>
       </p:ext>
     </p:extLst>
   </p:cSld>
@@ -8033,7 +9992,7 @@
           <p:cNvPr id="2" name="Title 1">
             <a:extLst>
               <a:ext uri="{FF2B5EF4-FFF2-40B4-BE49-F238E27FC236}">
-                <a16:creationId xmlns:a16="http://schemas.microsoft.com/office/drawing/2014/main" id="{D5167F7C-DFF2-483C-8B9F-3BE3C716551A}"/>
+                <a16:creationId xmlns:a16="http://schemas.microsoft.com/office/drawing/2014/main" id="{AE481565-0B36-4111-9545-5986DA5C00EE}"/>
               </a:ext>
             </a:extLst>
           </p:cNvPr>
@@ -8062,7 +10021,7 @@
           <p:cNvPr id="3" name="Content Placeholder 2">
             <a:extLst>
               <a:ext uri="{FF2B5EF4-FFF2-40B4-BE49-F238E27FC236}">
-                <a16:creationId xmlns:a16="http://schemas.microsoft.com/office/drawing/2014/main" id="{A8616626-3EEB-41FD-A970-07EC85795DC4}"/>
+                <a16:creationId xmlns:a16="http://schemas.microsoft.com/office/drawing/2014/main" id="{C99B65E4-8F56-4466-A6EC-1F9242F94DF2}"/>
               </a:ext>
             </a:extLst>
           </p:cNvPr>
@@ -8078,16 +10037,62 @@
           <a:bodyPr/>
           <a:lstStyle/>
           <a:p>
-            <a:endParaRPr lang="tr-TR"/>
+            <a:r>
+              <a:rPr lang="en-US" dirty="0"/>
+              <a:t>Conflict of k &gt; 2 agent:</a:t>
+            </a:r>
+          </a:p>
+          <a:p>
+            <a:pPr lvl="1"/>
+            <a:endParaRPr lang="en-US" dirty="0"/>
+          </a:p>
+          <a:p>
+            <a:pPr lvl="1"/>
+            <a:r>
+              <a:rPr lang="tr-TR" dirty="0"/>
+              <a:t>k-</a:t>
+            </a:r>
+            <a:r>
+              <a:rPr lang="tr-TR" dirty="0" err="1"/>
+              <a:t>way</a:t>
+            </a:r>
+            <a:r>
+              <a:rPr lang="tr-TR" dirty="0"/>
+              <a:t> </a:t>
+            </a:r>
+            <a:r>
+              <a:rPr lang="tr-TR" dirty="0" err="1"/>
+              <a:t>branching</a:t>
+            </a:r>
+            <a:endParaRPr lang="en-US" dirty="0"/>
+          </a:p>
+          <a:p>
+            <a:pPr lvl="1"/>
+            <a:endParaRPr lang="en-US" dirty="0"/>
+          </a:p>
+          <a:p>
+            <a:pPr lvl="1"/>
+            <a:endParaRPr lang="en-US" dirty="0"/>
+          </a:p>
+          <a:p>
+            <a:pPr lvl="1"/>
+            <a:endParaRPr lang="en-US" dirty="0"/>
+          </a:p>
+          <a:p>
+            <a:pPr lvl="1"/>
+            <a:r>
+              <a:rPr lang="en-US" dirty="0"/>
+              <a:t>Binary CT</a:t>
+            </a:r>
           </a:p>
         </p:txBody>
       </p:sp>
       <p:pic>
         <p:nvPicPr>
-          <p:cNvPr id="4" name="Picture 3">
-            <a:extLst>
-              <a:ext uri="{FF2B5EF4-FFF2-40B4-BE49-F238E27FC236}">
-                <a16:creationId xmlns:a16="http://schemas.microsoft.com/office/drawing/2014/main" id="{55AD5471-6367-4A53-BF4A-CFDAA73741FF}"/>
+          <p:cNvPr id="6" name="Picture 5">
+            <a:extLst>
+              <a:ext uri="{FF2B5EF4-FFF2-40B4-BE49-F238E27FC236}">
+                <a16:creationId xmlns:a16="http://schemas.microsoft.com/office/drawing/2014/main" id="{F90BA9B8-6138-43CA-B083-7C7EF83F04C7}"/>
               </a:ext>
             </a:extLst>
           </p:cNvPr>
@@ -8104,18 +10109,77 @@
         </p:blipFill>
         <p:spPr>
           <a:xfrm>
-            <a:off x="838200" y="1690688"/>
-            <a:ext cx="7943661" cy="4667101"/>
+            <a:off x="4011202" y="2382307"/>
+            <a:ext cx="3774778" cy="1046693"/>
           </a:xfrm>
           <a:prstGeom prst="rect">
             <a:avLst/>
           </a:prstGeom>
         </p:spPr>
       </p:pic>
+      <p:pic>
+        <p:nvPicPr>
+          <p:cNvPr id="7" name="Picture 6">
+            <a:extLst>
+              <a:ext uri="{FF2B5EF4-FFF2-40B4-BE49-F238E27FC236}">
+                <a16:creationId xmlns:a16="http://schemas.microsoft.com/office/drawing/2014/main" id="{C1E57310-7B9C-4657-8BFA-1CEC4F4B0BB8}"/>
+              </a:ext>
+            </a:extLst>
+          </p:cNvPr>
+          <p:cNvPicPr>
+            <a:picLocks noChangeAspect="1"/>
+          </p:cNvPicPr>
+          <p:nvPr/>
+        </p:nvPicPr>
+        <p:blipFill>
+          <a:blip r:embed="rId4"/>
+          <a:stretch>
+            <a:fillRect/>
+          </a:stretch>
+        </p:blipFill>
+        <p:spPr>
+          <a:xfrm>
+            <a:off x="3947828" y="3985682"/>
+            <a:ext cx="3838152" cy="1418891"/>
+          </a:xfrm>
+          <a:prstGeom prst="rect">
+            <a:avLst/>
+          </a:prstGeom>
+        </p:spPr>
+      </p:pic>
+      <p:sp>
+        <p:nvSpPr>
+          <p:cNvPr id="8" name="Slide Number Placeholder 7">
+            <a:extLst>
+              <a:ext uri="{FF2B5EF4-FFF2-40B4-BE49-F238E27FC236}">
+                <a16:creationId xmlns:a16="http://schemas.microsoft.com/office/drawing/2014/main" id="{494584BF-098F-49E0-8292-148A5231BEE4}"/>
+              </a:ext>
+            </a:extLst>
+          </p:cNvPr>
+          <p:cNvSpPr>
+            <a:spLocks noGrp="1"/>
+          </p:cNvSpPr>
+          <p:nvPr>
+            <p:ph type="sldNum" sz="quarter" idx="12"/>
+          </p:nvPr>
+        </p:nvSpPr>
+        <p:spPr/>
+        <p:txBody>
+          <a:bodyPr/>
+          <a:lstStyle/>
+          <a:p>
+            <a:fld id="{4B024B25-DFCA-4944-BA90-A17C573440F7}" type="slidenum">
+              <a:rPr lang="tr-TR" smtClean="0"/>
+              <a:t>8</a:t>
+            </a:fld>
+            <a:endParaRPr lang="tr-TR"/>
+          </a:p>
+        </p:txBody>
+      </p:sp>
     </p:spTree>
     <p:extLst>
       <p:ext uri="{BB962C8B-B14F-4D97-AF65-F5344CB8AC3E}">
-        <p14:creationId xmlns:p14="http://schemas.microsoft.com/office/powerpoint/2010/main" val="1345273416"/>
+        <p14:creationId xmlns:p14="http://schemas.microsoft.com/office/powerpoint/2010/main" val="1782670633"/>
       </p:ext>
     </p:extLst>
   </p:cSld>
@@ -8142,137 +10206,516 @@
           <a:chExt cx="0" cy="0"/>
         </a:xfrm>
       </p:grpSpPr>
-      <p:pic>
-        <p:nvPicPr>
-          <p:cNvPr id="5" name="Picture 4">
-            <a:extLst>
-              <a:ext uri="{FF2B5EF4-FFF2-40B4-BE49-F238E27FC236}">
-                <a16:creationId xmlns:a16="http://schemas.microsoft.com/office/drawing/2014/main" id="{757100F0-5E17-4E28-803F-0E8C9C4EB101}"/>
-              </a:ext>
-            </a:extLst>
-          </p:cNvPr>
-          <p:cNvPicPr>
-            <a:picLocks noChangeAspect="1"/>
-          </p:cNvPicPr>
+      <p:sp>
+        <p:nvSpPr>
+          <p:cNvPr id="2" name="Title 1">
+            <a:extLst>
+              <a:ext uri="{FF2B5EF4-FFF2-40B4-BE49-F238E27FC236}">
+                <a16:creationId xmlns:a16="http://schemas.microsoft.com/office/drawing/2014/main" id="{9AAFC9F0-A61F-45D3-A9A1-EEBCCC05DC35}"/>
+              </a:ext>
+            </a:extLst>
+          </p:cNvPr>
+          <p:cNvSpPr>
+            <a:spLocks noGrp="1"/>
+          </p:cNvSpPr>
+          <p:nvPr>
+            <p:ph type="title"/>
+          </p:nvPr>
+        </p:nvSpPr>
+        <p:spPr/>
+        <p:txBody>
+          <a:bodyPr/>
+          <a:lstStyle/>
+          <a:p>
+            <a:r>
+              <a:rPr lang="en-US" dirty="0"/>
+              <a:t>CBS</a:t>
+            </a:r>
+            <a:endParaRPr lang="tr-TR" dirty="0"/>
+          </a:p>
+        </p:txBody>
+      </p:sp>
+      <mc:AlternateContent xmlns:mc="http://schemas.openxmlformats.org/markup-compatibility/2006" xmlns:a14="http://schemas.microsoft.com/office/drawing/2010/main">
+        <mc:Choice Requires="a14">
+          <p:sp>
+            <p:nvSpPr>
+              <p:cNvPr id="3" name="Content Placeholder 2">
+                <a:extLst>
+                  <a:ext uri="{FF2B5EF4-FFF2-40B4-BE49-F238E27FC236}">
+                    <a16:creationId xmlns:a16="http://schemas.microsoft.com/office/drawing/2014/main" id="{D54AD1DD-94E1-4010-805C-B6DD763D30CF}"/>
+                  </a:ext>
+                </a:extLst>
+              </p:cNvPr>
+              <p:cNvSpPr>
+                <a:spLocks noGrp="1"/>
+              </p:cNvSpPr>
+              <p:nvPr>
+                <p:ph idx="1"/>
+              </p:nvPr>
+            </p:nvSpPr>
+            <p:spPr/>
+            <p:txBody>
+              <a:bodyPr/>
+              <a:lstStyle/>
+              <a:p>
+                <a:r>
+                  <a:rPr lang="en-US" dirty="0"/>
+                  <a:t>Edge conflict:</a:t>
+                </a:r>
+              </a:p>
+              <a:p>
+                <a14:m>
+                  <m:oMath xmlns:m="http://schemas.openxmlformats.org/officeDocument/2006/math">
+                    <m:r>
+                      <a:rPr lang="en-US" sz="2000" i="1">
+                        <a:latin typeface="Cambria Math" panose="02040503050406030204" pitchFamily="18" charset="0"/>
+                      </a:rPr>
+                      <m:t>(</m:t>
+                    </m:r>
+                    <m:sSub>
+                      <m:sSubPr>
+                        <m:ctrlPr>
+                          <a:rPr lang="en-US" sz="2000" b="0" i="1" smtClean="0">
+                            <a:latin typeface="Cambria Math" panose="02040503050406030204" pitchFamily="18" charset="0"/>
+                          </a:rPr>
+                        </m:ctrlPr>
+                      </m:sSubPr>
+                      <m:e>
+                        <m:r>
+                          <a:rPr lang="en-US" sz="2000" b="0" i="1" smtClean="0">
+                            <a:latin typeface="Cambria Math" panose="02040503050406030204" pitchFamily="18" charset="0"/>
+                          </a:rPr>
+                          <m:t>𝑎</m:t>
+                        </m:r>
+                      </m:e>
+                      <m:sub>
+                        <m:r>
+                          <a:rPr lang="en-US" sz="2000" b="0" i="1" smtClean="0">
+                            <a:latin typeface="Cambria Math" panose="02040503050406030204" pitchFamily="18" charset="0"/>
+                          </a:rPr>
+                          <m:t>𝑖</m:t>
+                        </m:r>
+                      </m:sub>
+                    </m:sSub>
+                    <m:r>
+                      <a:rPr lang="en-US" sz="2000" i="1">
+                        <a:latin typeface="Cambria Math" panose="02040503050406030204" pitchFamily="18" charset="0"/>
+                      </a:rPr>
+                      <m:t>,</m:t>
+                    </m:r>
+                    <m:sSub>
+                      <m:sSubPr>
+                        <m:ctrlPr>
+                          <a:rPr lang="en-US" sz="2000" i="1">
+                            <a:latin typeface="Cambria Math" panose="02040503050406030204" pitchFamily="18" charset="0"/>
+                          </a:rPr>
+                        </m:ctrlPr>
+                      </m:sSubPr>
+                      <m:e>
+                        <m:r>
+                          <a:rPr lang="en-US" sz="2000" i="1">
+                            <a:latin typeface="Cambria Math" panose="02040503050406030204" pitchFamily="18" charset="0"/>
+                          </a:rPr>
+                          <m:t>𝑣</m:t>
+                        </m:r>
+                      </m:e>
+                      <m:sub>
+                        <m:r>
+                          <a:rPr lang="en-US" sz="2000" b="0" i="1" smtClean="0">
+                            <a:latin typeface="Cambria Math" panose="02040503050406030204" pitchFamily="18" charset="0"/>
+                          </a:rPr>
+                          <m:t>1</m:t>
+                        </m:r>
+                      </m:sub>
+                    </m:sSub>
+                    <m:r>
+                      <a:rPr lang="en-US" sz="2000" i="1">
+                        <a:latin typeface="Cambria Math" panose="02040503050406030204" pitchFamily="18" charset="0"/>
+                      </a:rPr>
+                      <m:t>, </m:t>
+                    </m:r>
+                    <m:sSub>
+                      <m:sSubPr>
+                        <m:ctrlPr>
+                          <a:rPr lang="en-US" sz="2000" i="1">
+                            <a:latin typeface="Cambria Math" panose="02040503050406030204" pitchFamily="18" charset="0"/>
+                          </a:rPr>
+                        </m:ctrlPr>
+                      </m:sSubPr>
+                      <m:e>
+                        <m:r>
+                          <a:rPr lang="en-US" sz="2000" i="1">
+                            <a:latin typeface="Cambria Math" panose="02040503050406030204" pitchFamily="18" charset="0"/>
+                          </a:rPr>
+                          <m:t>𝑣</m:t>
+                        </m:r>
+                      </m:e>
+                      <m:sub>
+                        <m:r>
+                          <a:rPr lang="en-US" sz="2000" i="1">
+                            <a:latin typeface="Cambria Math" panose="02040503050406030204" pitchFamily="18" charset="0"/>
+                          </a:rPr>
+                          <m:t>2</m:t>
+                        </m:r>
+                      </m:sub>
+                    </m:sSub>
+                    <m:r>
+                      <a:rPr lang="en-US" sz="2000" i="1">
+                        <a:latin typeface="Cambria Math" panose="02040503050406030204" pitchFamily="18" charset="0"/>
+                      </a:rPr>
+                      <m:t>,</m:t>
+                    </m:r>
+                    <m:r>
+                      <a:rPr lang="en-US" sz="2000" b="0" i="1" smtClean="0">
+                        <a:latin typeface="Cambria Math" panose="02040503050406030204" pitchFamily="18" charset="0"/>
+                      </a:rPr>
+                      <m:t>𝑡</m:t>
+                    </m:r>
+                    <m:r>
+                      <a:rPr lang="en-US" sz="2000" i="1">
+                        <a:latin typeface="Cambria Math" panose="02040503050406030204" pitchFamily="18" charset="0"/>
+                      </a:rPr>
+                      <m:t>)</m:t>
+                    </m:r>
+                  </m:oMath>
+                </a14:m>
+                <a:endParaRPr lang="en-US" sz="2000" dirty="0"/>
+              </a:p>
+              <a:p>
+                <a:endParaRPr lang="en-US" dirty="0"/>
+              </a:p>
+              <a:p>
+                <a:endParaRPr lang="en-US" dirty="0"/>
+              </a:p>
+              <a:p>
+                <a:pPr marL="3200400" lvl="7" indent="0">
+                  <a:buNone/>
+                </a:pPr>
+                <a:r>
+                  <a:rPr lang="en-US" dirty="0"/>
+                  <a:t>			 </a:t>
+                </a:r>
+                <a:endParaRPr lang="tr-TR" dirty="0"/>
+              </a:p>
+            </p:txBody>
+          </p:sp>
+        </mc:Choice>
+        <mc:Fallback xmlns="">
+          <p:sp>
+            <p:nvSpPr>
+              <p:cNvPr id="3" name="Content Placeholder 2">
+                <a:extLst>
+                  <a:ext uri="{FF2B5EF4-FFF2-40B4-BE49-F238E27FC236}">
+                    <a16:creationId xmlns:a16="http://schemas.microsoft.com/office/drawing/2014/main" id="{D54AD1DD-94E1-4010-805C-B6DD763D30CF}"/>
+                  </a:ext>
+                </a:extLst>
+              </p:cNvPr>
+              <p:cNvSpPr>
+                <a:spLocks noGrp="1" noRot="1" noChangeAspect="1" noMove="1" noResize="1" noEditPoints="1" noAdjustHandles="1" noChangeArrowheads="1" noChangeShapeType="1" noTextEdit="1"/>
+              </p:cNvSpPr>
+              <p:nvPr>
+                <p:ph idx="1"/>
+              </p:nvPr>
+            </p:nvSpPr>
+            <p:spPr>
+              <a:blipFill>
+                <a:blip r:embed="rId3"/>
+                <a:stretch>
+                  <a:fillRect l="-1043" t="-2241"/>
+                </a:stretch>
+              </a:blipFill>
+            </p:spPr>
+            <p:txBody>
+              <a:bodyPr/>
+              <a:lstStyle/>
+              <a:p>
+                <a:r>
+                  <a:rPr lang="tr-TR">
+                    <a:noFill/>
+                  </a:rPr>
+                  <a:t> </a:t>
+                </a:r>
+              </a:p>
+            </p:txBody>
+          </p:sp>
+        </mc:Fallback>
+      </mc:AlternateContent>
+      <p:grpSp>
+        <p:nvGrpSpPr>
+          <p:cNvPr id="6" name="Group 5">
+            <a:extLst>
+              <a:ext uri="{FF2B5EF4-FFF2-40B4-BE49-F238E27FC236}">
+                <a16:creationId xmlns:a16="http://schemas.microsoft.com/office/drawing/2014/main" id="{9B88EE3C-8C96-49B1-ACF2-31E5FEA9783C}"/>
+              </a:ext>
+            </a:extLst>
+          </p:cNvPr>
+          <p:cNvGrpSpPr/>
           <p:nvPr/>
-        </p:nvPicPr>
-        <p:blipFill>
-          <a:blip r:embed="rId3"/>
-          <a:stretch>
-            <a:fillRect/>
-          </a:stretch>
-        </p:blipFill>
-        <p:spPr>
+        </p:nvGrpSpPr>
+        <p:grpSpPr>
           <a:xfrm>
-            <a:off x="5188347" y="2477771"/>
-            <a:ext cx="6165453" cy="4015104"/>
+            <a:off x="3273519" y="1632427"/>
+            <a:ext cx="3561621" cy="1635184"/>
+            <a:chOff x="3403059" y="2539207"/>
+            <a:chExt cx="3561621" cy="1635184"/>
           </a:xfrm>
-          <a:prstGeom prst="rect">
-            <a:avLst/>
-          </a:prstGeom>
-        </p:spPr>
-      </p:pic>
-      <p:sp>
-        <p:nvSpPr>
-          <p:cNvPr id="2" name="Title 1">
-            <a:extLst>
-              <a:ext uri="{FF2B5EF4-FFF2-40B4-BE49-F238E27FC236}">
-                <a16:creationId xmlns:a16="http://schemas.microsoft.com/office/drawing/2014/main" id="{89B09484-B546-4A48-A641-AE095CE085D8}"/>
-              </a:ext>
-            </a:extLst>
-          </p:cNvPr>
-          <p:cNvSpPr>
-            <a:spLocks noGrp="1"/>
-          </p:cNvSpPr>
-          <p:nvPr>
-            <p:ph type="title"/>
-          </p:nvPr>
-        </p:nvSpPr>
-        <p:spPr/>
-        <p:txBody>
-          <a:bodyPr/>
-          <a:lstStyle/>
-          <a:p>
-            <a:r>
-              <a:rPr lang="en-US" dirty="0"/>
-              <a:t>Comparison of A* and CBS</a:t>
-            </a:r>
-            <a:endParaRPr lang="tr-TR" dirty="0"/>
-          </a:p>
-        </p:txBody>
-      </p:sp>
-      <p:sp>
-        <p:nvSpPr>
-          <p:cNvPr id="3" name="Content Placeholder 2">
-            <a:extLst>
-              <a:ext uri="{FF2B5EF4-FFF2-40B4-BE49-F238E27FC236}">
-                <a16:creationId xmlns:a16="http://schemas.microsoft.com/office/drawing/2014/main" id="{F6858EBE-EF96-4AC4-A5D7-17D1FD4BF7FD}"/>
-              </a:ext>
-            </a:extLst>
-          </p:cNvPr>
-          <p:cNvSpPr>
-            <a:spLocks noGrp="1"/>
-          </p:cNvSpPr>
-          <p:nvPr>
-            <p:ph idx="1"/>
-          </p:nvPr>
-        </p:nvSpPr>
-        <p:spPr/>
-        <p:txBody>
-          <a:bodyPr/>
-          <a:lstStyle/>
-          <a:p>
-            <a:r>
-              <a:rPr lang="en-US" dirty="0"/>
-              <a:t>CBS will expand 8 + 4 · 4 + 6 · 5 = 54 low level nodes</a:t>
-            </a:r>
-          </a:p>
-          <a:p>
-            <a:r>
-              <a:rPr lang="en-US" dirty="0"/>
-              <a:t>A* will expand 5 + 3 = 8 low level nodes</a:t>
-            </a:r>
-            <a:endParaRPr lang="tr-TR" dirty="0"/>
-          </a:p>
-          <a:p>
-            <a:endParaRPr lang="tr-TR" dirty="0"/>
-          </a:p>
-        </p:txBody>
-      </p:sp>
-      <p:pic>
-        <p:nvPicPr>
-          <p:cNvPr id="4" name="Picture 3">
-            <a:extLst>
-              <a:ext uri="{FF2B5EF4-FFF2-40B4-BE49-F238E27FC236}">
-                <a16:creationId xmlns:a16="http://schemas.microsoft.com/office/drawing/2014/main" id="{065B89E3-2C95-46D1-9747-451896B2E750}"/>
-              </a:ext>
-            </a:extLst>
-          </p:cNvPr>
-          <p:cNvPicPr>
-            <a:picLocks noChangeAspect="1"/>
-          </p:cNvPicPr>
-          <p:nvPr/>
-        </p:nvPicPr>
-        <p:blipFill>
-          <a:blip r:embed="rId4"/>
-          <a:stretch>
-            <a:fillRect/>
-          </a:stretch>
-        </p:blipFill>
-        <p:spPr>
-          <a:xfrm>
-            <a:off x="659779" y="3429000"/>
-            <a:ext cx="4244190" cy="2969696"/>
-          </a:xfrm>
-          <a:prstGeom prst="rect">
-            <a:avLst/>
-          </a:prstGeom>
-        </p:spPr>
-      </p:pic>
+        </p:grpSpPr>
+        <p:pic>
+          <p:nvPicPr>
+            <p:cNvPr id="4" name="Picture 3">
+              <a:extLst>
+                <a:ext uri="{FF2B5EF4-FFF2-40B4-BE49-F238E27FC236}">
+                  <a16:creationId xmlns:a16="http://schemas.microsoft.com/office/drawing/2014/main" id="{2B170F7F-4B23-4BA6-A753-3D0BF8D59A91}"/>
+                </a:ext>
+              </a:extLst>
+            </p:cNvPr>
+            <p:cNvPicPr>
+              <a:picLocks noChangeAspect="1"/>
+            </p:cNvPicPr>
+            <p:nvPr/>
+          </p:nvPicPr>
+          <p:blipFill>
+            <a:blip r:embed="rId4"/>
+            <a:stretch>
+              <a:fillRect/>
+            </a:stretch>
+          </p:blipFill>
+          <p:spPr>
+            <a:xfrm>
+              <a:off x="3403059" y="2539207"/>
+              <a:ext cx="3561621" cy="1116330"/>
+            </a:xfrm>
+            <a:prstGeom prst="rect">
+              <a:avLst/>
+            </a:prstGeom>
+          </p:spPr>
+        </p:pic>
+        <mc:AlternateContent xmlns:mc="http://schemas.openxmlformats.org/markup-compatibility/2006" xmlns:a14="http://schemas.microsoft.com/office/drawing/2010/main">
+          <mc:Choice Requires="a14">
+            <p:sp>
+              <p:nvSpPr>
+                <p:cNvPr id="5" name="TextBox 4">
+                  <a:extLst>
+                    <a:ext uri="{FF2B5EF4-FFF2-40B4-BE49-F238E27FC236}">
+                      <a16:creationId xmlns:a16="http://schemas.microsoft.com/office/drawing/2014/main" id="{18D351A8-3462-48CE-90A5-44F023917A6D}"/>
+                    </a:ext>
+                  </a:extLst>
+                </p:cNvPr>
+                <p:cNvSpPr txBox="1"/>
+                <p:nvPr/>
+              </p:nvSpPr>
+              <p:spPr>
+                <a:xfrm>
+                  <a:off x="4450081" y="3528060"/>
+                  <a:ext cx="1577340" cy="646331"/>
+                </a:xfrm>
+                <a:prstGeom prst="rect">
+                  <a:avLst/>
+                </a:prstGeom>
+                <a:noFill/>
+              </p:spPr>
+              <p:txBody>
+                <a:bodyPr wrap="square" rtlCol="0">
+                  <a:spAutoFit/>
+                </a:bodyPr>
+                <a:lstStyle/>
+                <a:p>
+                  <a:pPr/>
+                  <a14:m>
+                    <m:oMathPara xmlns:m="http://schemas.openxmlformats.org/officeDocument/2006/math">
+                      <m:oMathParaPr>
+                        <m:jc m:val="centerGroup"/>
+                      </m:oMathParaPr>
+                      <m:oMath xmlns:m="http://schemas.openxmlformats.org/officeDocument/2006/math">
+                        <m:r>
+                          <a:rPr lang="en-US" i="1">
+                            <a:latin typeface="Cambria Math" panose="02040503050406030204" pitchFamily="18" charset="0"/>
+                          </a:rPr>
+                          <m:t>(</m:t>
+                        </m:r>
+                        <m:sSub>
+                          <m:sSubPr>
+                            <m:ctrlPr>
+                              <a:rPr lang="en-US" i="1">
+                                <a:latin typeface="Cambria Math" panose="02040503050406030204" pitchFamily="18" charset="0"/>
+                              </a:rPr>
+                            </m:ctrlPr>
+                          </m:sSubPr>
+                          <m:e>
+                            <m:r>
+                              <a:rPr lang="en-US" i="1">
+                                <a:latin typeface="Cambria Math" panose="02040503050406030204" pitchFamily="18" charset="0"/>
+                              </a:rPr>
+                              <m:t>𝑎</m:t>
+                            </m:r>
+                          </m:e>
+                          <m:sub>
+                            <m:r>
+                              <a:rPr lang="en-US" i="1">
+                                <a:latin typeface="Cambria Math" panose="02040503050406030204" pitchFamily="18" charset="0"/>
+                              </a:rPr>
+                              <m:t>1</m:t>
+                            </m:r>
+                          </m:sub>
+                        </m:sSub>
+                        <m:r>
+                          <a:rPr lang="en-US" i="1">
+                            <a:latin typeface="Cambria Math" panose="02040503050406030204" pitchFamily="18" charset="0"/>
+                          </a:rPr>
+                          <m:t>,</m:t>
+                        </m:r>
+                        <m:sSub>
+                          <m:sSubPr>
+                            <m:ctrlPr>
+                              <a:rPr lang="en-US" i="1">
+                                <a:latin typeface="Cambria Math" panose="02040503050406030204" pitchFamily="18" charset="0"/>
+                              </a:rPr>
+                            </m:ctrlPr>
+                          </m:sSubPr>
+                          <m:e>
+                            <m:r>
+                              <a:rPr lang="en-US" i="1">
+                                <a:latin typeface="Cambria Math" panose="02040503050406030204" pitchFamily="18" charset="0"/>
+                              </a:rPr>
+                              <m:t>𝑣</m:t>
+                            </m:r>
+                          </m:e>
+                          <m:sub>
+                            <m:r>
+                              <a:rPr lang="en-US" i="1">
+                                <a:latin typeface="Cambria Math" panose="02040503050406030204" pitchFamily="18" charset="0"/>
+                              </a:rPr>
+                              <m:t>1</m:t>
+                            </m:r>
+                          </m:sub>
+                        </m:sSub>
+                        <m:r>
+                          <a:rPr lang="en-US" i="1">
+                            <a:latin typeface="Cambria Math" panose="02040503050406030204" pitchFamily="18" charset="0"/>
+                          </a:rPr>
+                          <m:t>, </m:t>
+                        </m:r>
+                        <m:sSub>
+                          <m:sSubPr>
+                            <m:ctrlPr>
+                              <a:rPr lang="en-US" i="1">
+                                <a:latin typeface="Cambria Math" panose="02040503050406030204" pitchFamily="18" charset="0"/>
+                              </a:rPr>
+                            </m:ctrlPr>
+                          </m:sSubPr>
+                          <m:e>
+                            <m:r>
+                              <a:rPr lang="en-US" i="1">
+                                <a:latin typeface="Cambria Math" panose="02040503050406030204" pitchFamily="18" charset="0"/>
+                              </a:rPr>
+                              <m:t>𝑣</m:t>
+                            </m:r>
+                          </m:e>
+                          <m:sub>
+                            <m:r>
+                              <a:rPr lang="en-US" i="1">
+                                <a:latin typeface="Cambria Math" panose="02040503050406030204" pitchFamily="18" charset="0"/>
+                              </a:rPr>
+                              <m:t>2</m:t>
+                            </m:r>
+                          </m:sub>
+                        </m:sSub>
+                        <m:r>
+                          <a:rPr lang="en-US" i="1">
+                            <a:latin typeface="Cambria Math" panose="02040503050406030204" pitchFamily="18" charset="0"/>
+                          </a:rPr>
+                          <m:t>,0)</m:t>
+                        </m:r>
+                      </m:oMath>
+                    </m:oMathPara>
+                  </a14:m>
+                  <a:endParaRPr lang="en-US" dirty="0"/>
+                </a:p>
+                <a:p>
+                  <a:endParaRPr lang="tr-TR" dirty="0"/>
+                </a:p>
+              </p:txBody>
+            </p:sp>
+          </mc:Choice>
+          <mc:Fallback xmlns="">
+            <p:sp>
+              <p:nvSpPr>
+                <p:cNvPr id="5" name="TextBox 4">
+                  <a:extLst>
+                    <a:ext uri="{FF2B5EF4-FFF2-40B4-BE49-F238E27FC236}">
+                      <a16:creationId xmlns:a16="http://schemas.microsoft.com/office/drawing/2014/main" id="{18D351A8-3462-48CE-90A5-44F023917A6D}"/>
+                    </a:ext>
+                  </a:extLst>
+                </p:cNvPr>
+                <p:cNvSpPr txBox="1">
+                  <a:spLocks noRot="1" noChangeAspect="1" noMove="1" noResize="1" noEditPoints="1" noAdjustHandles="1" noChangeArrowheads="1" noChangeShapeType="1" noTextEdit="1"/>
+                </p:cNvSpPr>
+                <p:nvPr/>
+              </p:nvSpPr>
+              <p:spPr>
+                <a:xfrm>
+                  <a:off x="4450081" y="3528060"/>
+                  <a:ext cx="1577340" cy="646331"/>
+                </a:xfrm>
+                <a:prstGeom prst="rect">
+                  <a:avLst/>
+                </a:prstGeom>
+                <a:blipFill>
+                  <a:blip r:embed="rId5"/>
+                  <a:stretch>
+                    <a:fillRect/>
+                  </a:stretch>
+                </a:blipFill>
+              </p:spPr>
+              <p:txBody>
+                <a:bodyPr/>
+                <a:lstStyle/>
+                <a:p>
+                  <a:r>
+                    <a:rPr lang="tr-TR">
+                      <a:noFill/>
+                    </a:rPr>
+                    <a:t> </a:t>
+                  </a:r>
+                </a:p>
+              </p:txBody>
+            </p:sp>
+          </mc:Fallback>
+        </mc:AlternateContent>
+      </p:grpSp>
+      <p:sp>
+        <p:nvSpPr>
+          <p:cNvPr id="7" name="Slide Number Placeholder 6">
+            <a:extLst>
+              <a:ext uri="{FF2B5EF4-FFF2-40B4-BE49-F238E27FC236}">
+                <a16:creationId xmlns:a16="http://schemas.microsoft.com/office/drawing/2014/main" id="{826C51A9-6596-44FC-BAFC-03CF101E11C0}"/>
+              </a:ext>
+            </a:extLst>
+          </p:cNvPr>
+          <p:cNvSpPr>
+            <a:spLocks noGrp="1"/>
+          </p:cNvSpPr>
+          <p:nvPr>
+            <p:ph type="sldNum" sz="quarter" idx="12"/>
+          </p:nvPr>
+        </p:nvSpPr>
+        <p:spPr/>
+        <p:txBody>
+          <a:bodyPr/>
+          <a:lstStyle/>
+          <a:p>
+            <a:fld id="{4B024B25-DFCA-4944-BA90-A17C573440F7}" type="slidenum">
+              <a:rPr lang="tr-TR" smtClean="0"/>
+              <a:t>9</a:t>
+            </a:fld>
+            <a:endParaRPr lang="tr-TR"/>
+          </a:p>
+        </p:txBody>
+      </p:sp>
     </p:spTree>
     <p:extLst>
       <p:ext uri="{BB962C8B-B14F-4D97-AF65-F5344CB8AC3E}">
-        <p14:creationId xmlns:p14="http://schemas.microsoft.com/office/powerpoint/2010/main" val="331830905"/>
+        <p14:creationId xmlns:p14="http://schemas.microsoft.com/office/powerpoint/2010/main" val="1177107809"/>
       </p:ext>
     </p:extLst>
   </p:cSld>
@@ -8338,7 +10781,47 @@
 </p:tagLst>
 </file>
 
+<file path=ppt/tags/tag16.xml><?xml version="1.0" encoding="utf-8"?>
+<p:tagLst xmlns:a="http://schemas.openxmlformats.org/drawingml/2006/main" xmlns:r="http://schemas.openxmlformats.org/officeDocument/2006/relationships" xmlns:p="http://schemas.openxmlformats.org/presentationml/2006/main">
+  <p:tag name="BJHEADERFOOTERLABEL" val="TRUE"/>
+  <p:tag name="BJHEADERFOOTERTEXTLABEL" val="TASNİF DIŞI"/>
+  <p:tag name="BJHEADERFOOTERTEXTMARKING" val="TASNİF DIŞI"/>
+</p:tagLst>
+</file>
+
+<file path=ppt/tags/tag17.xml><?xml version="1.0" encoding="utf-8"?>
+<p:tagLst xmlns:a="http://schemas.openxmlformats.org/drawingml/2006/main" xmlns:r="http://schemas.openxmlformats.org/officeDocument/2006/relationships" xmlns:p="http://schemas.openxmlformats.org/presentationml/2006/main">
+  <p:tag name="BJHEADERFOOTERLABEL" val="TRUE"/>
+  <p:tag name="BJHEADERFOOTERTEXTLABEL" val="TASNİF DIŞI"/>
+  <p:tag name="BJHEADERFOOTERTEXTMARKING" val="TASNİF DIŞI"/>
+</p:tagLst>
+</file>
+
+<file path=ppt/tags/tag18.xml><?xml version="1.0" encoding="utf-8"?>
+<p:tagLst xmlns:a="http://schemas.openxmlformats.org/drawingml/2006/main" xmlns:r="http://schemas.openxmlformats.org/officeDocument/2006/relationships" xmlns:p="http://schemas.openxmlformats.org/presentationml/2006/main">
+  <p:tag name="BJHEADERFOOTERLABEL" val="TRUE"/>
+  <p:tag name="BJHEADERFOOTERTEXTLABEL" val="TASNİF DIŞI"/>
+  <p:tag name="BJHEADERFOOTERTEXTMARKING" val="TASNİF DIŞI"/>
+</p:tagLst>
+</file>
+
+<file path=ppt/tags/tag19.xml><?xml version="1.0" encoding="utf-8"?>
+<p:tagLst xmlns:a="http://schemas.openxmlformats.org/drawingml/2006/main" xmlns:r="http://schemas.openxmlformats.org/officeDocument/2006/relationships" xmlns:p="http://schemas.openxmlformats.org/presentationml/2006/main">
+  <p:tag name="BJHEADERFOOTERLABEL" val="TRUE"/>
+  <p:tag name="BJHEADERFOOTERTEXTLABEL" val="TASNİF DIŞI"/>
+  <p:tag name="BJHEADERFOOTERTEXTMARKING" val="TASNİF DIŞI"/>
+</p:tagLst>
+</file>
+
 <file path=ppt/tags/tag2.xml><?xml version="1.0" encoding="utf-8"?>
+<p:tagLst xmlns:a="http://schemas.openxmlformats.org/drawingml/2006/main" xmlns:r="http://schemas.openxmlformats.org/officeDocument/2006/relationships" xmlns:p="http://schemas.openxmlformats.org/presentationml/2006/main">
+  <p:tag name="BJHEADERFOOTERLABEL" val="TRUE"/>
+  <p:tag name="BJHEADERFOOTERTEXTLABEL" val="TASNİF DIŞI"/>
+  <p:tag name="BJHEADERFOOTERTEXTMARKING" val="TASNİF DIŞI"/>
+</p:tagLst>
+</file>
+
+<file path=ppt/tags/tag20.xml><?xml version="1.0" encoding="utf-8"?>
 <p:tagLst xmlns:a="http://schemas.openxmlformats.org/drawingml/2006/main" xmlns:r="http://schemas.openxmlformats.org/officeDocument/2006/relationships" xmlns:p="http://schemas.openxmlformats.org/presentationml/2006/main">
   <p:tag name="BJHEADERFOOTERLABEL" val="TRUE"/>
   <p:tag name="BJHEADERFOOTERTEXTLABEL" val="TASNİF DIŞI"/>
@@ -9294,7 +11777,7 @@
 </file>
 
 <file path=customXml/itemProps1.xml><?xml version="1.0" encoding="utf-8"?>
-<ds:datastoreItem xmlns:ds="http://schemas.openxmlformats.org/officeDocument/2006/customXml" ds:itemID="{84C168F1-A0A0-4E78-B816-A5204FF08685}">
+<ds:datastoreItem xmlns:ds="http://schemas.openxmlformats.org/officeDocument/2006/customXml" ds:itemID="{8ECEB6A6-8396-49EF-8ECF-64D3737F07E3}">
   <ds:schemaRefs>
     <ds:schemaRef ds:uri="http://www.w3.org/2001/XMLSchema"/>
     <ds:schemaRef ds:uri="http://www.boldonjames.com/2008/01/sie/internal/label"/>

--- a/dahahilipls.pptx
+++ b/dahahilipls.pptx
@@ -5,10 +5,10 @@
     <p:sldMasterId id="2147483648" r:id="rId2"/>
   </p:sldMasterIdLst>
   <p:notesMasterIdLst>
-    <p:notesMasterId r:id="rId21"/>
+    <p:notesMasterId r:id="rId27"/>
   </p:notesMasterIdLst>
   <p:handoutMasterIdLst>
-    <p:handoutMasterId r:id="rId22"/>
+    <p:handoutMasterId r:id="rId28"/>
   </p:handoutMasterIdLst>
   <p:sldIdLst>
     <p:sldId id="256" r:id="rId3"/>
@@ -29,6 +29,12 @@
     <p:sldId id="266" r:id="rId18"/>
     <p:sldId id="267" r:id="rId19"/>
     <p:sldId id="268" r:id="rId20"/>
+    <p:sldId id="280" r:id="rId21"/>
+    <p:sldId id="275" r:id="rId22"/>
+    <p:sldId id="277" r:id="rId23"/>
+    <p:sldId id="276" r:id="rId24"/>
+    <p:sldId id="279" r:id="rId25"/>
+    <p:sldId id="278" r:id="rId26"/>
   </p:sldIdLst>
   <p:sldSz cx="12192000" cy="6858000"/>
   <p:notesSz cx="6858000" cy="9144000"/>
@@ -240,7 +246,7 @@
           <a:p>
             <a:fld id="{804136C7-FB4F-4486-A3C2-378AD4BCA59E}" type="datetimeFigureOut">
               <a:rPr lang="tr-TR" smtClean="0"/>
-              <a:t>22.01.2026</a:t>
+              <a:t>26.01.2026</a:t>
             </a:fld>
             <a:endParaRPr lang="tr-TR"/>
           </a:p>
@@ -429,7 +435,7 @@
           <a:p>
             <a:fld id="{03F75F1C-96D1-4385-A770-21325CBD7C70}" type="datetimeFigureOut">
               <a:rPr lang="tr-TR" smtClean="0"/>
-              <a:t>22.01.2026</a:t>
+              <a:t>26.01.2026</a:t>
             </a:fld>
             <a:endParaRPr lang="tr-TR"/>
           </a:p>
@@ -1978,6 +1984,134 @@
 </p:notes>
 </file>
 
+<file path=ppt/notesSlides/notesSlide19.xml><?xml version="1.0" encoding="utf-8"?>
+<p:notes xmlns:a="http://schemas.openxmlformats.org/drawingml/2006/main" xmlns:r="http://schemas.openxmlformats.org/officeDocument/2006/relationships" xmlns:p="http://schemas.openxmlformats.org/presentationml/2006/main">
+  <p:cSld>
+    <p:spTree>
+      <p:nvGrpSpPr>
+        <p:cNvPr id="1" name=""/>
+        <p:cNvGrpSpPr/>
+        <p:nvPr/>
+      </p:nvGrpSpPr>
+      <p:grpSpPr>
+        <a:xfrm>
+          <a:off x="0" y="0"/>
+          <a:ext cx="0" cy="0"/>
+          <a:chOff x="0" y="0"/>
+          <a:chExt cx="0" cy="0"/>
+        </a:xfrm>
+      </p:grpSpPr>
+      <p:sp>
+        <p:nvSpPr>
+          <p:cNvPr id="2" name="Slide Image Placeholder 1"/>
+          <p:cNvSpPr>
+            <a:spLocks noGrp="1" noRot="1" noChangeAspect="1"/>
+          </p:cNvSpPr>
+          <p:nvPr>
+            <p:ph type="sldImg"/>
+          </p:nvPr>
+        </p:nvSpPr>
+        <p:spPr/>
+      </p:sp>
+      <p:sp>
+        <p:nvSpPr>
+          <p:cNvPr id="3" name="Notes Placeholder 2"/>
+          <p:cNvSpPr>
+            <a:spLocks noGrp="1"/>
+          </p:cNvSpPr>
+          <p:nvPr>
+            <p:ph type="body" idx="1"/>
+          </p:nvPr>
+        </p:nvSpPr>
+        <p:spPr/>
+        <p:txBody>
+          <a:bodyPr/>
+          <a:lstStyle/>
+          <a:p>
+            <a:endParaRPr lang="tr-TR"/>
+          </a:p>
+        </p:txBody>
+      </p:sp>
+      <p:sp>
+        <p:nvSpPr>
+          <p:cNvPr id="4" name="Header Placeholder 3"/>
+          <p:cNvSpPr>
+            <a:spLocks noGrp="1"/>
+          </p:cNvSpPr>
+          <p:nvPr>
+            <p:ph type="hdr" sz="quarter"/>
+            <p:custDataLst>
+              <p:tags r:id="rId1"/>
+            </p:custDataLst>
+          </p:nvPr>
+        </p:nvSpPr>
+        <p:spPr/>
+        <p:txBody>
+          <a:bodyPr/>
+          <a:lstStyle/>
+          <a:p>
+            <a:r>
+              <a:rPr lang="tr-TR"/>
+              <a:t>TASNİF DIŞI</a:t>
+            </a:r>
+          </a:p>
+        </p:txBody>
+      </p:sp>
+      <p:sp>
+        <p:nvSpPr>
+          <p:cNvPr id="5" name="Footer Placeholder 4"/>
+          <p:cNvSpPr>
+            <a:spLocks noGrp="1"/>
+          </p:cNvSpPr>
+          <p:nvPr>
+            <p:ph type="ftr" sz="quarter" idx="4"/>
+          </p:nvPr>
+        </p:nvSpPr>
+        <p:spPr/>
+        <p:txBody>
+          <a:bodyPr/>
+          <a:lstStyle/>
+          <a:p>
+            <a:endParaRPr lang="tr-TR"/>
+          </a:p>
+        </p:txBody>
+      </p:sp>
+      <p:sp>
+        <p:nvSpPr>
+          <p:cNvPr id="6" name="Slide Number Placeholder 5"/>
+          <p:cNvSpPr>
+            <a:spLocks noGrp="1"/>
+          </p:cNvSpPr>
+          <p:nvPr>
+            <p:ph type="sldNum" sz="quarter" idx="5"/>
+          </p:nvPr>
+        </p:nvSpPr>
+        <p:spPr/>
+        <p:txBody>
+          <a:bodyPr/>
+          <a:lstStyle/>
+          <a:p>
+            <a:fld id="{B0C8BBDD-C3B0-48D3-84B8-B335C26FBCD7}" type="slidenum">
+              <a:rPr lang="tr-TR" smtClean="0"/>
+              <a:t>19</a:t>
+            </a:fld>
+            <a:endParaRPr lang="tr-TR"/>
+          </a:p>
+        </p:txBody>
+      </p:sp>
+    </p:spTree>
+    <p:extLst>
+      <p:ext uri="{BB962C8B-B14F-4D97-AF65-F5344CB8AC3E}">
+        <p14:creationId xmlns:p14="http://schemas.microsoft.com/office/powerpoint/2010/main" val="1694914794"/>
+      </p:ext>
+    </p:extLst>
+  </p:cSld>
+  <p:clrMapOvr>
+    <a:masterClrMapping/>
+  </p:clrMapOvr>
+</p:notes>
+</file>
+
 <file path=ppt/notesSlides/notesSlide2.xml><?xml version="1.0" encoding="utf-8"?>
 <p:notes xmlns:a="http://schemas.openxmlformats.org/drawingml/2006/main" xmlns:r="http://schemas.openxmlformats.org/officeDocument/2006/relationships" xmlns:p="http://schemas.openxmlformats.org/presentationml/2006/main">
   <p:cSld>
@@ -2097,6 +2231,646 @@
     <p:extLst>
       <p:ext uri="{BB962C8B-B14F-4D97-AF65-F5344CB8AC3E}">
         <p14:creationId xmlns:p14="http://schemas.microsoft.com/office/powerpoint/2010/main" val="4254018601"/>
+      </p:ext>
+    </p:extLst>
+  </p:cSld>
+  <p:clrMapOvr>
+    <a:masterClrMapping/>
+  </p:clrMapOvr>
+</p:notes>
+</file>
+
+<file path=ppt/notesSlides/notesSlide20.xml><?xml version="1.0" encoding="utf-8"?>
+<p:notes xmlns:a="http://schemas.openxmlformats.org/drawingml/2006/main" xmlns:r="http://schemas.openxmlformats.org/officeDocument/2006/relationships" xmlns:p="http://schemas.openxmlformats.org/presentationml/2006/main">
+  <p:cSld>
+    <p:spTree>
+      <p:nvGrpSpPr>
+        <p:cNvPr id="1" name=""/>
+        <p:cNvGrpSpPr/>
+        <p:nvPr/>
+      </p:nvGrpSpPr>
+      <p:grpSpPr>
+        <a:xfrm>
+          <a:off x="0" y="0"/>
+          <a:ext cx="0" cy="0"/>
+          <a:chOff x="0" y="0"/>
+          <a:chExt cx="0" cy="0"/>
+        </a:xfrm>
+      </p:grpSpPr>
+      <p:sp>
+        <p:nvSpPr>
+          <p:cNvPr id="2" name="Slide Image Placeholder 1"/>
+          <p:cNvSpPr>
+            <a:spLocks noGrp="1" noRot="1" noChangeAspect="1"/>
+          </p:cNvSpPr>
+          <p:nvPr>
+            <p:ph type="sldImg"/>
+          </p:nvPr>
+        </p:nvSpPr>
+        <p:spPr/>
+      </p:sp>
+      <p:sp>
+        <p:nvSpPr>
+          <p:cNvPr id="3" name="Notes Placeholder 2"/>
+          <p:cNvSpPr>
+            <a:spLocks noGrp="1"/>
+          </p:cNvSpPr>
+          <p:nvPr>
+            <p:ph type="body" idx="1"/>
+          </p:nvPr>
+        </p:nvSpPr>
+        <p:spPr/>
+        <p:txBody>
+          <a:bodyPr/>
+          <a:lstStyle/>
+          <a:p>
+            <a:endParaRPr lang="tr-TR"/>
+          </a:p>
+        </p:txBody>
+      </p:sp>
+      <p:sp>
+        <p:nvSpPr>
+          <p:cNvPr id="4" name="Header Placeholder 3"/>
+          <p:cNvSpPr>
+            <a:spLocks noGrp="1"/>
+          </p:cNvSpPr>
+          <p:nvPr>
+            <p:ph type="hdr" sz="quarter"/>
+            <p:custDataLst>
+              <p:tags r:id="rId1"/>
+            </p:custDataLst>
+          </p:nvPr>
+        </p:nvSpPr>
+        <p:spPr/>
+        <p:txBody>
+          <a:bodyPr/>
+          <a:lstStyle/>
+          <a:p>
+            <a:r>
+              <a:rPr lang="tr-TR"/>
+              <a:t>TASNİF DIŞI</a:t>
+            </a:r>
+          </a:p>
+        </p:txBody>
+      </p:sp>
+      <p:sp>
+        <p:nvSpPr>
+          <p:cNvPr id="5" name="Footer Placeholder 4"/>
+          <p:cNvSpPr>
+            <a:spLocks noGrp="1"/>
+          </p:cNvSpPr>
+          <p:nvPr>
+            <p:ph type="ftr" sz="quarter" idx="4"/>
+          </p:nvPr>
+        </p:nvSpPr>
+        <p:spPr/>
+        <p:txBody>
+          <a:bodyPr/>
+          <a:lstStyle/>
+          <a:p>
+            <a:endParaRPr lang="tr-TR"/>
+          </a:p>
+        </p:txBody>
+      </p:sp>
+      <p:sp>
+        <p:nvSpPr>
+          <p:cNvPr id="6" name="Slide Number Placeholder 5"/>
+          <p:cNvSpPr>
+            <a:spLocks noGrp="1"/>
+          </p:cNvSpPr>
+          <p:nvPr>
+            <p:ph type="sldNum" sz="quarter" idx="5"/>
+          </p:nvPr>
+        </p:nvSpPr>
+        <p:spPr/>
+        <p:txBody>
+          <a:bodyPr/>
+          <a:lstStyle/>
+          <a:p>
+            <a:fld id="{B0C8BBDD-C3B0-48D3-84B8-B335C26FBCD7}" type="slidenum">
+              <a:rPr lang="tr-TR" smtClean="0"/>
+              <a:t>20</a:t>
+            </a:fld>
+            <a:endParaRPr lang="tr-TR"/>
+          </a:p>
+        </p:txBody>
+      </p:sp>
+    </p:spTree>
+    <p:extLst>
+      <p:ext uri="{BB962C8B-B14F-4D97-AF65-F5344CB8AC3E}">
+        <p14:creationId xmlns:p14="http://schemas.microsoft.com/office/powerpoint/2010/main" val="1036198225"/>
+      </p:ext>
+    </p:extLst>
+  </p:cSld>
+  <p:clrMapOvr>
+    <a:masterClrMapping/>
+  </p:clrMapOvr>
+</p:notes>
+</file>
+
+<file path=ppt/notesSlides/notesSlide21.xml><?xml version="1.0" encoding="utf-8"?>
+<p:notes xmlns:a="http://schemas.openxmlformats.org/drawingml/2006/main" xmlns:r="http://schemas.openxmlformats.org/officeDocument/2006/relationships" xmlns:p="http://schemas.openxmlformats.org/presentationml/2006/main">
+  <p:cSld>
+    <p:spTree>
+      <p:nvGrpSpPr>
+        <p:cNvPr id="1" name=""/>
+        <p:cNvGrpSpPr/>
+        <p:nvPr/>
+      </p:nvGrpSpPr>
+      <p:grpSpPr>
+        <a:xfrm>
+          <a:off x="0" y="0"/>
+          <a:ext cx="0" cy="0"/>
+          <a:chOff x="0" y="0"/>
+          <a:chExt cx="0" cy="0"/>
+        </a:xfrm>
+      </p:grpSpPr>
+      <p:sp>
+        <p:nvSpPr>
+          <p:cNvPr id="2" name="Slide Image Placeholder 1"/>
+          <p:cNvSpPr>
+            <a:spLocks noGrp="1" noRot="1" noChangeAspect="1"/>
+          </p:cNvSpPr>
+          <p:nvPr>
+            <p:ph type="sldImg"/>
+          </p:nvPr>
+        </p:nvSpPr>
+        <p:spPr/>
+      </p:sp>
+      <p:sp>
+        <p:nvSpPr>
+          <p:cNvPr id="3" name="Notes Placeholder 2"/>
+          <p:cNvSpPr>
+            <a:spLocks noGrp="1"/>
+          </p:cNvSpPr>
+          <p:nvPr>
+            <p:ph type="body" idx="1"/>
+          </p:nvPr>
+        </p:nvSpPr>
+        <p:spPr/>
+        <p:txBody>
+          <a:bodyPr/>
+          <a:lstStyle/>
+          <a:p>
+            <a:endParaRPr lang="tr-TR"/>
+          </a:p>
+        </p:txBody>
+      </p:sp>
+      <p:sp>
+        <p:nvSpPr>
+          <p:cNvPr id="4" name="Header Placeholder 3"/>
+          <p:cNvSpPr>
+            <a:spLocks noGrp="1"/>
+          </p:cNvSpPr>
+          <p:nvPr>
+            <p:ph type="hdr" sz="quarter"/>
+            <p:custDataLst>
+              <p:tags r:id="rId1"/>
+            </p:custDataLst>
+          </p:nvPr>
+        </p:nvSpPr>
+        <p:spPr/>
+        <p:txBody>
+          <a:bodyPr/>
+          <a:lstStyle/>
+          <a:p>
+            <a:r>
+              <a:rPr lang="tr-TR"/>
+              <a:t>TASNİF DIŞI</a:t>
+            </a:r>
+          </a:p>
+        </p:txBody>
+      </p:sp>
+      <p:sp>
+        <p:nvSpPr>
+          <p:cNvPr id="5" name="Footer Placeholder 4"/>
+          <p:cNvSpPr>
+            <a:spLocks noGrp="1"/>
+          </p:cNvSpPr>
+          <p:nvPr>
+            <p:ph type="ftr" sz="quarter" idx="4"/>
+          </p:nvPr>
+        </p:nvSpPr>
+        <p:spPr/>
+        <p:txBody>
+          <a:bodyPr/>
+          <a:lstStyle/>
+          <a:p>
+            <a:endParaRPr lang="tr-TR"/>
+          </a:p>
+        </p:txBody>
+      </p:sp>
+      <p:sp>
+        <p:nvSpPr>
+          <p:cNvPr id="6" name="Slide Number Placeholder 5"/>
+          <p:cNvSpPr>
+            <a:spLocks noGrp="1"/>
+          </p:cNvSpPr>
+          <p:nvPr>
+            <p:ph type="sldNum" sz="quarter" idx="5"/>
+          </p:nvPr>
+        </p:nvSpPr>
+        <p:spPr/>
+        <p:txBody>
+          <a:bodyPr/>
+          <a:lstStyle/>
+          <a:p>
+            <a:fld id="{B0C8BBDD-C3B0-48D3-84B8-B335C26FBCD7}" type="slidenum">
+              <a:rPr lang="tr-TR" smtClean="0"/>
+              <a:t>21</a:t>
+            </a:fld>
+            <a:endParaRPr lang="tr-TR"/>
+          </a:p>
+        </p:txBody>
+      </p:sp>
+    </p:spTree>
+    <p:extLst>
+      <p:ext uri="{BB962C8B-B14F-4D97-AF65-F5344CB8AC3E}">
+        <p14:creationId xmlns:p14="http://schemas.microsoft.com/office/powerpoint/2010/main" val="3004222576"/>
+      </p:ext>
+    </p:extLst>
+  </p:cSld>
+  <p:clrMapOvr>
+    <a:masterClrMapping/>
+  </p:clrMapOvr>
+</p:notes>
+</file>
+
+<file path=ppt/notesSlides/notesSlide22.xml><?xml version="1.0" encoding="utf-8"?>
+<p:notes xmlns:a="http://schemas.openxmlformats.org/drawingml/2006/main" xmlns:r="http://schemas.openxmlformats.org/officeDocument/2006/relationships" xmlns:p="http://schemas.openxmlformats.org/presentationml/2006/main">
+  <p:cSld>
+    <p:spTree>
+      <p:nvGrpSpPr>
+        <p:cNvPr id="1" name=""/>
+        <p:cNvGrpSpPr/>
+        <p:nvPr/>
+      </p:nvGrpSpPr>
+      <p:grpSpPr>
+        <a:xfrm>
+          <a:off x="0" y="0"/>
+          <a:ext cx="0" cy="0"/>
+          <a:chOff x="0" y="0"/>
+          <a:chExt cx="0" cy="0"/>
+        </a:xfrm>
+      </p:grpSpPr>
+      <p:sp>
+        <p:nvSpPr>
+          <p:cNvPr id="2" name="Slide Image Placeholder 1"/>
+          <p:cNvSpPr>
+            <a:spLocks noGrp="1" noRot="1" noChangeAspect="1"/>
+          </p:cNvSpPr>
+          <p:nvPr>
+            <p:ph type="sldImg"/>
+          </p:nvPr>
+        </p:nvSpPr>
+        <p:spPr/>
+      </p:sp>
+      <p:sp>
+        <p:nvSpPr>
+          <p:cNvPr id="3" name="Notes Placeholder 2"/>
+          <p:cNvSpPr>
+            <a:spLocks noGrp="1"/>
+          </p:cNvSpPr>
+          <p:nvPr>
+            <p:ph type="body" idx="1"/>
+          </p:nvPr>
+        </p:nvSpPr>
+        <p:spPr/>
+        <p:txBody>
+          <a:bodyPr/>
+          <a:lstStyle/>
+          <a:p>
+            <a:endParaRPr lang="tr-TR"/>
+          </a:p>
+        </p:txBody>
+      </p:sp>
+      <p:sp>
+        <p:nvSpPr>
+          <p:cNvPr id="4" name="Header Placeholder 3"/>
+          <p:cNvSpPr>
+            <a:spLocks noGrp="1"/>
+          </p:cNvSpPr>
+          <p:nvPr>
+            <p:ph type="hdr" sz="quarter"/>
+            <p:custDataLst>
+              <p:tags r:id="rId1"/>
+            </p:custDataLst>
+          </p:nvPr>
+        </p:nvSpPr>
+        <p:spPr/>
+        <p:txBody>
+          <a:bodyPr/>
+          <a:lstStyle/>
+          <a:p>
+            <a:r>
+              <a:rPr lang="tr-TR"/>
+              <a:t>TASNİF DIŞI</a:t>
+            </a:r>
+          </a:p>
+        </p:txBody>
+      </p:sp>
+      <p:sp>
+        <p:nvSpPr>
+          <p:cNvPr id="5" name="Footer Placeholder 4"/>
+          <p:cNvSpPr>
+            <a:spLocks noGrp="1"/>
+          </p:cNvSpPr>
+          <p:nvPr>
+            <p:ph type="ftr" sz="quarter" idx="4"/>
+          </p:nvPr>
+        </p:nvSpPr>
+        <p:spPr/>
+        <p:txBody>
+          <a:bodyPr/>
+          <a:lstStyle/>
+          <a:p>
+            <a:endParaRPr lang="tr-TR"/>
+          </a:p>
+        </p:txBody>
+      </p:sp>
+      <p:sp>
+        <p:nvSpPr>
+          <p:cNvPr id="6" name="Slide Number Placeholder 5"/>
+          <p:cNvSpPr>
+            <a:spLocks noGrp="1"/>
+          </p:cNvSpPr>
+          <p:nvPr>
+            <p:ph type="sldNum" sz="quarter" idx="5"/>
+          </p:nvPr>
+        </p:nvSpPr>
+        <p:spPr/>
+        <p:txBody>
+          <a:bodyPr/>
+          <a:lstStyle/>
+          <a:p>
+            <a:fld id="{B0C8BBDD-C3B0-48D3-84B8-B335C26FBCD7}" type="slidenum">
+              <a:rPr lang="tr-TR" smtClean="0"/>
+              <a:t>22</a:t>
+            </a:fld>
+            <a:endParaRPr lang="tr-TR"/>
+          </a:p>
+        </p:txBody>
+      </p:sp>
+    </p:spTree>
+    <p:extLst>
+      <p:ext uri="{BB962C8B-B14F-4D97-AF65-F5344CB8AC3E}">
+        <p14:creationId xmlns:p14="http://schemas.microsoft.com/office/powerpoint/2010/main" val="2263818804"/>
+      </p:ext>
+    </p:extLst>
+  </p:cSld>
+  <p:clrMapOvr>
+    <a:masterClrMapping/>
+  </p:clrMapOvr>
+</p:notes>
+</file>
+
+<file path=ppt/notesSlides/notesSlide23.xml><?xml version="1.0" encoding="utf-8"?>
+<p:notes xmlns:a="http://schemas.openxmlformats.org/drawingml/2006/main" xmlns:r="http://schemas.openxmlformats.org/officeDocument/2006/relationships" xmlns:p="http://schemas.openxmlformats.org/presentationml/2006/main">
+  <p:cSld>
+    <p:spTree>
+      <p:nvGrpSpPr>
+        <p:cNvPr id="1" name=""/>
+        <p:cNvGrpSpPr/>
+        <p:nvPr/>
+      </p:nvGrpSpPr>
+      <p:grpSpPr>
+        <a:xfrm>
+          <a:off x="0" y="0"/>
+          <a:ext cx="0" cy="0"/>
+          <a:chOff x="0" y="0"/>
+          <a:chExt cx="0" cy="0"/>
+        </a:xfrm>
+      </p:grpSpPr>
+      <p:sp>
+        <p:nvSpPr>
+          <p:cNvPr id="2" name="Slide Image Placeholder 1"/>
+          <p:cNvSpPr>
+            <a:spLocks noGrp="1" noRot="1" noChangeAspect="1"/>
+          </p:cNvSpPr>
+          <p:nvPr>
+            <p:ph type="sldImg"/>
+          </p:nvPr>
+        </p:nvSpPr>
+        <p:spPr/>
+      </p:sp>
+      <p:sp>
+        <p:nvSpPr>
+          <p:cNvPr id="3" name="Notes Placeholder 2"/>
+          <p:cNvSpPr>
+            <a:spLocks noGrp="1"/>
+          </p:cNvSpPr>
+          <p:nvPr>
+            <p:ph type="body" idx="1"/>
+          </p:nvPr>
+        </p:nvSpPr>
+        <p:spPr/>
+        <p:txBody>
+          <a:bodyPr/>
+          <a:lstStyle/>
+          <a:p>
+            <a:endParaRPr lang="tr-TR"/>
+          </a:p>
+        </p:txBody>
+      </p:sp>
+      <p:sp>
+        <p:nvSpPr>
+          <p:cNvPr id="4" name="Header Placeholder 3"/>
+          <p:cNvSpPr>
+            <a:spLocks noGrp="1"/>
+          </p:cNvSpPr>
+          <p:nvPr>
+            <p:ph type="hdr" sz="quarter"/>
+            <p:custDataLst>
+              <p:tags r:id="rId1"/>
+            </p:custDataLst>
+          </p:nvPr>
+        </p:nvSpPr>
+        <p:spPr/>
+        <p:txBody>
+          <a:bodyPr/>
+          <a:lstStyle/>
+          <a:p>
+            <a:r>
+              <a:rPr lang="tr-TR"/>
+              <a:t>TASNİF DIŞI</a:t>
+            </a:r>
+          </a:p>
+        </p:txBody>
+      </p:sp>
+      <p:sp>
+        <p:nvSpPr>
+          <p:cNvPr id="5" name="Footer Placeholder 4"/>
+          <p:cNvSpPr>
+            <a:spLocks noGrp="1"/>
+          </p:cNvSpPr>
+          <p:nvPr>
+            <p:ph type="ftr" sz="quarter" idx="4"/>
+          </p:nvPr>
+        </p:nvSpPr>
+        <p:spPr/>
+        <p:txBody>
+          <a:bodyPr/>
+          <a:lstStyle/>
+          <a:p>
+            <a:endParaRPr lang="tr-TR"/>
+          </a:p>
+        </p:txBody>
+      </p:sp>
+      <p:sp>
+        <p:nvSpPr>
+          <p:cNvPr id="6" name="Slide Number Placeholder 5"/>
+          <p:cNvSpPr>
+            <a:spLocks noGrp="1"/>
+          </p:cNvSpPr>
+          <p:nvPr>
+            <p:ph type="sldNum" sz="quarter" idx="5"/>
+          </p:nvPr>
+        </p:nvSpPr>
+        <p:spPr/>
+        <p:txBody>
+          <a:bodyPr/>
+          <a:lstStyle/>
+          <a:p>
+            <a:fld id="{B0C8BBDD-C3B0-48D3-84B8-B335C26FBCD7}" type="slidenum">
+              <a:rPr lang="tr-TR" smtClean="0"/>
+              <a:t>23</a:t>
+            </a:fld>
+            <a:endParaRPr lang="tr-TR"/>
+          </a:p>
+        </p:txBody>
+      </p:sp>
+    </p:spTree>
+    <p:extLst>
+      <p:ext uri="{BB962C8B-B14F-4D97-AF65-F5344CB8AC3E}">
+        <p14:creationId xmlns:p14="http://schemas.microsoft.com/office/powerpoint/2010/main" val="3447122955"/>
+      </p:ext>
+    </p:extLst>
+  </p:cSld>
+  <p:clrMapOvr>
+    <a:masterClrMapping/>
+  </p:clrMapOvr>
+</p:notes>
+</file>
+
+<file path=ppt/notesSlides/notesSlide24.xml><?xml version="1.0" encoding="utf-8"?>
+<p:notes xmlns:a="http://schemas.openxmlformats.org/drawingml/2006/main" xmlns:r="http://schemas.openxmlformats.org/officeDocument/2006/relationships" xmlns:p="http://schemas.openxmlformats.org/presentationml/2006/main">
+  <p:cSld>
+    <p:spTree>
+      <p:nvGrpSpPr>
+        <p:cNvPr id="1" name=""/>
+        <p:cNvGrpSpPr/>
+        <p:nvPr/>
+      </p:nvGrpSpPr>
+      <p:grpSpPr>
+        <a:xfrm>
+          <a:off x="0" y="0"/>
+          <a:ext cx="0" cy="0"/>
+          <a:chOff x="0" y="0"/>
+          <a:chExt cx="0" cy="0"/>
+        </a:xfrm>
+      </p:grpSpPr>
+      <p:sp>
+        <p:nvSpPr>
+          <p:cNvPr id="2" name="Slide Image Placeholder 1"/>
+          <p:cNvSpPr>
+            <a:spLocks noGrp="1" noRot="1" noChangeAspect="1"/>
+          </p:cNvSpPr>
+          <p:nvPr>
+            <p:ph type="sldImg"/>
+          </p:nvPr>
+        </p:nvSpPr>
+        <p:spPr/>
+      </p:sp>
+      <p:sp>
+        <p:nvSpPr>
+          <p:cNvPr id="3" name="Notes Placeholder 2"/>
+          <p:cNvSpPr>
+            <a:spLocks noGrp="1"/>
+          </p:cNvSpPr>
+          <p:nvPr>
+            <p:ph type="body" idx="1"/>
+          </p:nvPr>
+        </p:nvSpPr>
+        <p:spPr/>
+        <p:txBody>
+          <a:bodyPr/>
+          <a:lstStyle/>
+          <a:p>
+            <a:endParaRPr lang="tr-TR"/>
+          </a:p>
+        </p:txBody>
+      </p:sp>
+      <p:sp>
+        <p:nvSpPr>
+          <p:cNvPr id="4" name="Header Placeholder 3"/>
+          <p:cNvSpPr>
+            <a:spLocks noGrp="1"/>
+          </p:cNvSpPr>
+          <p:nvPr>
+            <p:ph type="hdr" sz="quarter"/>
+            <p:custDataLst>
+              <p:tags r:id="rId1"/>
+            </p:custDataLst>
+          </p:nvPr>
+        </p:nvSpPr>
+        <p:spPr/>
+        <p:txBody>
+          <a:bodyPr/>
+          <a:lstStyle/>
+          <a:p>
+            <a:r>
+              <a:rPr lang="tr-TR"/>
+              <a:t>TASNİF DIŞI</a:t>
+            </a:r>
+          </a:p>
+        </p:txBody>
+      </p:sp>
+      <p:sp>
+        <p:nvSpPr>
+          <p:cNvPr id="5" name="Footer Placeholder 4"/>
+          <p:cNvSpPr>
+            <a:spLocks noGrp="1"/>
+          </p:cNvSpPr>
+          <p:nvPr>
+            <p:ph type="ftr" sz="quarter" idx="4"/>
+          </p:nvPr>
+        </p:nvSpPr>
+        <p:spPr/>
+        <p:txBody>
+          <a:bodyPr/>
+          <a:lstStyle/>
+          <a:p>
+            <a:endParaRPr lang="tr-TR"/>
+          </a:p>
+        </p:txBody>
+      </p:sp>
+      <p:sp>
+        <p:nvSpPr>
+          <p:cNvPr id="6" name="Slide Number Placeholder 5"/>
+          <p:cNvSpPr>
+            <a:spLocks noGrp="1"/>
+          </p:cNvSpPr>
+          <p:nvPr>
+            <p:ph type="sldNum" sz="quarter" idx="5"/>
+          </p:nvPr>
+        </p:nvSpPr>
+        <p:spPr/>
+        <p:txBody>
+          <a:bodyPr/>
+          <a:lstStyle/>
+          <a:p>
+            <a:fld id="{B0C8BBDD-C3B0-48D3-84B8-B335C26FBCD7}" type="slidenum">
+              <a:rPr lang="tr-TR" smtClean="0"/>
+              <a:t>24</a:t>
+            </a:fld>
+            <a:endParaRPr lang="tr-TR"/>
+          </a:p>
+        </p:txBody>
+      </p:sp>
+    </p:spTree>
+    <p:extLst>
+      <p:ext uri="{BB962C8B-B14F-4D97-AF65-F5344CB8AC3E}">
+        <p14:creationId xmlns:p14="http://schemas.microsoft.com/office/powerpoint/2010/main" val="3566391295"/>
       </p:ext>
     </p:extLst>
   </p:cSld>
@@ -3151,7 +3925,7 @@
           <a:p>
             <a:fld id="{4BB3D0F9-C69A-4DAD-9822-657E93D18B16}" type="datetime1">
               <a:rPr lang="tr-TR" smtClean="0"/>
-              <a:t>22.01.2026</a:t>
+              <a:t>26.01.2026</a:t>
             </a:fld>
             <a:endParaRPr lang="tr-TR"/>
           </a:p>
@@ -3351,7 +4125,7 @@
           <a:p>
             <a:fld id="{162B5E83-06BF-48D1-904C-45BD28A543C2}" type="datetime1">
               <a:rPr lang="tr-TR" smtClean="0"/>
-              <a:t>22.01.2026</a:t>
+              <a:t>26.01.2026</a:t>
             </a:fld>
             <a:endParaRPr lang="tr-TR"/>
           </a:p>
@@ -3561,7 +4335,7 @@
           <a:p>
             <a:fld id="{2CF74FCA-AEC8-4A10-A5F6-696D850CFB62}" type="datetime1">
               <a:rPr lang="tr-TR" smtClean="0"/>
-              <a:t>22.01.2026</a:t>
+              <a:t>26.01.2026</a:t>
             </a:fld>
             <a:endParaRPr lang="tr-TR"/>
           </a:p>
@@ -3761,7 +4535,7 @@
           <a:p>
             <a:fld id="{B86EC6C7-06AD-4535-B763-96EA61EE6375}" type="datetime1">
               <a:rPr lang="tr-TR" smtClean="0"/>
-              <a:t>22.01.2026</a:t>
+              <a:t>26.01.2026</a:t>
             </a:fld>
             <a:endParaRPr lang="tr-TR"/>
           </a:p>
@@ -3999,7 +4773,7 @@
           <a:p>
             <a:fld id="{D1FDD170-2B24-4EF2-839B-95523F088740}" type="datetime1">
               <a:rPr lang="tr-TR" smtClean="0"/>
-              <a:t>22.01.2026</a:t>
+              <a:t>26.01.2026</a:t>
             </a:fld>
             <a:endParaRPr lang="tr-TR"/>
           </a:p>
@@ -4296,7 +5070,7 @@
           <a:p>
             <a:fld id="{FE9EF3D2-F7D3-4F4A-96EA-9F225C6F3DBC}" type="datetime1">
               <a:rPr lang="tr-TR" smtClean="0"/>
-              <a:t>22.01.2026</a:t>
+              <a:t>26.01.2026</a:t>
             </a:fld>
             <a:endParaRPr lang="tr-TR"/>
           </a:p>
@@ -4711,7 +5485,7 @@
           <a:p>
             <a:fld id="{58DF2CEC-19D4-4CDA-BD34-0453D04BC91F}" type="datetime1">
               <a:rPr lang="tr-TR" smtClean="0"/>
-              <a:t>22.01.2026</a:t>
+              <a:t>26.01.2026</a:t>
             </a:fld>
             <a:endParaRPr lang="tr-TR"/>
           </a:p>
@@ -4853,7 +5627,7 @@
           <a:p>
             <a:fld id="{56D95682-C3D2-47D8-9ABB-ED9C7D68DF14}" type="datetime1">
               <a:rPr lang="tr-TR" smtClean="0"/>
-              <a:t>22.01.2026</a:t>
+              <a:t>26.01.2026</a:t>
             </a:fld>
             <a:endParaRPr lang="tr-TR"/>
           </a:p>
@@ -4966,7 +5740,7 @@
           <a:p>
             <a:fld id="{6CB6BDAB-0756-491D-9DEA-75AA95454EA5}" type="datetime1">
               <a:rPr lang="tr-TR" smtClean="0"/>
-              <a:t>22.01.2026</a:t>
+              <a:t>26.01.2026</a:t>
             </a:fld>
             <a:endParaRPr lang="tr-TR"/>
           </a:p>
@@ -5279,7 +6053,7 @@
           <a:p>
             <a:fld id="{399D6040-17A8-4314-BB6D-05727CFD3CBF}" type="datetime1">
               <a:rPr lang="tr-TR" smtClean="0"/>
-              <a:t>22.01.2026</a:t>
+              <a:t>26.01.2026</a:t>
             </a:fld>
             <a:endParaRPr lang="tr-TR"/>
           </a:p>
@@ -5568,7 +6342,7 @@
           <a:p>
             <a:fld id="{6B052022-39F4-48AA-B984-FE3C96790416}" type="datetime1">
               <a:rPr lang="tr-TR" smtClean="0"/>
-              <a:t>22.01.2026</a:t>
+              <a:t>26.01.2026</a:t>
             </a:fld>
             <a:endParaRPr lang="tr-TR"/>
           </a:p>
@@ -5811,7 +6585,7 @@
           <a:p>
             <a:fld id="{0666F17C-CD24-48C6-B336-87BD176625D7}" type="datetime1">
               <a:rPr lang="tr-TR" smtClean="0"/>
-              <a:t>22.01.2026</a:t>
+              <a:t>26.01.2026</a:t>
             </a:fld>
             <a:endParaRPr lang="tr-TR"/>
           </a:p>
@@ -6245,12 +7019,23 @@
             <p:ph type="ctrTitle"/>
           </p:nvPr>
         </p:nvSpPr>
-        <p:spPr/>
-        <p:txBody>
-          <a:bodyPr/>
-          <a:lstStyle/>
-          <a:p>
-            <a:endParaRPr lang="tr-TR"/>
+        <p:spPr>
+          <a:xfrm>
+            <a:off x="1524000" y="1122363"/>
+            <a:ext cx="9144000" cy="2387600"/>
+          </a:xfrm>
+        </p:spPr>
+        <p:txBody>
+          <a:bodyPr>
+            <a:normAutofit fontScale="90000"/>
+          </a:bodyPr>
+          <a:lstStyle/>
+          <a:p>
+            <a:r>
+              <a:rPr lang="en-US" dirty="0"/>
+              <a:t>Conflict-based search for optimal multi-agent pathfinding</a:t>
+            </a:r>
+            <a:endParaRPr lang="tr-TR" dirty="0"/>
           </a:p>
         </p:txBody>
       </p:sp>
@@ -6272,10 +7057,123 @@
         </p:nvSpPr>
         <p:spPr/>
         <p:txBody>
-          <a:bodyPr/>
-          <a:lstStyle/>
-          <a:p>
-            <a:endParaRPr lang="tr-TR"/>
+          <a:bodyPr>
+            <a:normAutofit/>
+          </a:bodyPr>
+          <a:lstStyle/>
+          <a:p>
+            <a:endParaRPr lang="en-US" dirty="0"/>
+          </a:p>
+          <a:p>
+            <a:r>
+              <a:rPr lang="en-US" sz="1800" dirty="0">
+                <a:solidFill>
+                  <a:schemeClr val="tx1">
+                    <a:lumMod val="65000"/>
+                    <a:lumOff val="35000"/>
+                  </a:schemeClr>
+                </a:solidFill>
+              </a:rPr>
+              <a:t>Demir Doruk Dilek</a:t>
+            </a:r>
+            <a:endParaRPr lang="en-US" dirty="0">
+              <a:solidFill>
+                <a:schemeClr val="tx1">
+                  <a:lumMod val="65000"/>
+                  <a:lumOff val="35000"/>
+                </a:schemeClr>
+              </a:solidFill>
+            </a:endParaRPr>
+          </a:p>
+          <a:p>
+            <a:endParaRPr lang="en-US" dirty="0"/>
+          </a:p>
+          <a:p>
+            <a:r>
+              <a:rPr lang="en-US" sz="1800" dirty="0" err="1">
+                <a:solidFill>
+                  <a:schemeClr val="tx1">
+                    <a:lumMod val="50000"/>
+                    <a:lumOff val="50000"/>
+                  </a:schemeClr>
+                </a:solidFill>
+              </a:rPr>
+              <a:t>Guni</a:t>
+            </a:r>
+            <a:r>
+              <a:rPr lang="en-US" sz="1800" dirty="0">
+                <a:solidFill>
+                  <a:schemeClr val="tx1">
+                    <a:lumMod val="50000"/>
+                    <a:lumOff val="50000"/>
+                  </a:schemeClr>
+                </a:solidFill>
+              </a:rPr>
+              <a:t> Sharon, Roni </a:t>
+            </a:r>
+            <a:r>
+              <a:rPr lang="en-US" sz="1800" dirty="0" err="1">
+                <a:solidFill>
+                  <a:schemeClr val="tx1">
+                    <a:lumMod val="50000"/>
+                    <a:lumOff val="50000"/>
+                  </a:schemeClr>
+                </a:solidFill>
+              </a:rPr>
+              <a:t>Sterm</a:t>
+            </a:r>
+            <a:r>
+              <a:rPr lang="en-US" sz="1800" dirty="0">
+                <a:solidFill>
+                  <a:schemeClr val="tx1">
+                    <a:lumMod val="50000"/>
+                    <a:lumOff val="50000"/>
+                  </a:schemeClr>
+                </a:solidFill>
+              </a:rPr>
+              <a:t>, Ariel </a:t>
+            </a:r>
+            <a:r>
+              <a:rPr lang="en-US" sz="1800" dirty="0" err="1">
+                <a:solidFill>
+                  <a:schemeClr val="tx1">
+                    <a:lumMod val="50000"/>
+                    <a:lumOff val="50000"/>
+                  </a:schemeClr>
+                </a:solidFill>
+              </a:rPr>
+              <a:t>Feiner</a:t>
+            </a:r>
+            <a:r>
+              <a:rPr lang="en-US" sz="1800" dirty="0">
+                <a:solidFill>
+                  <a:schemeClr val="tx1">
+                    <a:lumMod val="50000"/>
+                    <a:lumOff val="50000"/>
+                  </a:schemeClr>
+                </a:solidFill>
+              </a:rPr>
+              <a:t>, Nathen </a:t>
+            </a:r>
+            <a:r>
+              <a:rPr lang="en-US" sz="1800" dirty="0" err="1">
+                <a:solidFill>
+                  <a:schemeClr val="tx1">
+                    <a:lumMod val="50000"/>
+                    <a:lumOff val="50000"/>
+                  </a:schemeClr>
+                </a:solidFill>
+              </a:rPr>
+              <a:t>Sturtevent</a:t>
+            </a:r>
+            <a:endParaRPr lang="tr-TR" sz="1800" dirty="0">
+              <a:solidFill>
+                <a:schemeClr val="tx1">
+                  <a:lumMod val="50000"/>
+                  <a:lumOff val="50000"/>
+                </a:schemeClr>
+              </a:solidFill>
+            </a:endParaRPr>
           </a:p>
         </p:txBody>
       </p:sp>
@@ -6308,6 +7206,53 @@
           </a:p>
         </p:txBody>
       </p:sp>
+      <p:pic>
+        <p:nvPicPr>
+          <p:cNvPr id="1026" name="Picture 2" descr="Dosya:Tai logo.png - Vikipedi">
+            <a:extLst>
+              <a:ext uri="{FF2B5EF4-FFF2-40B4-BE49-F238E27FC236}">
+                <a16:creationId xmlns:a16="http://schemas.microsoft.com/office/drawing/2014/main" id="{1FEEC096-1084-4AA8-8679-C0AFA75F9DC1}"/>
+              </a:ext>
+            </a:extLst>
+          </p:cNvPr>
+          <p:cNvPicPr>
+            <a:picLocks noChangeAspect="1" noChangeArrowheads="1"/>
+          </p:cNvPicPr>
+          <p:nvPr/>
+        </p:nvPicPr>
+        <p:blipFill>
+          <a:blip r:embed="rId3">
+            <a:extLst>
+              <a:ext uri="{28A0092B-C50C-407E-A947-70E740481C1C}">
+                <a14:useLocalDpi xmlns:a14="http://schemas.microsoft.com/office/drawing/2010/main" val="0"/>
+              </a:ext>
+            </a:extLst>
+          </a:blip>
+          <a:srcRect/>
+          <a:stretch>
+            <a:fillRect/>
+          </a:stretch>
+        </p:blipFill>
+        <p:spPr bwMode="auto">
+          <a:xfrm>
+            <a:off x="9000970" y="9783"/>
+            <a:ext cx="3191030" cy="1655762"/>
+          </a:xfrm>
+          <a:prstGeom prst="rect">
+            <a:avLst/>
+          </a:prstGeom>
+          <a:noFill/>
+          <a:extLst>
+            <a:ext uri="{909E8E84-426E-40DD-AFC4-6F175D3DCCD1}">
+              <a14:hiddenFill xmlns:a14="http://schemas.microsoft.com/office/drawing/2010/main">
+                <a:solidFill>
+                  <a:srgbClr val="FFFFFF"/>
+                </a:solidFill>
+              </a14:hiddenFill>
+            </a:ext>
+          </a:extLst>
+        </p:spPr>
+      </p:pic>
     </p:spTree>
     <p:extLst>
       <p:ext uri="{BB962C8B-B14F-4D97-AF65-F5344CB8AC3E}">
@@ -6847,31 +7792,333 @@
           </a:p>
         </p:txBody>
       </p:sp>
-      <p:sp>
-        <p:nvSpPr>
-          <p:cNvPr id="3" name="Content Placeholder 2">
-            <a:extLst>
-              <a:ext uri="{FF2B5EF4-FFF2-40B4-BE49-F238E27FC236}">
-                <a16:creationId xmlns:a16="http://schemas.microsoft.com/office/drawing/2014/main" id="{438EEE31-3F0E-4603-B251-01EFAEE1A4CD}"/>
-              </a:ext>
-            </a:extLst>
-          </p:cNvPr>
-          <p:cNvSpPr>
-            <a:spLocks noGrp="1"/>
-          </p:cNvSpPr>
-          <p:nvPr>
-            <p:ph idx="1"/>
-          </p:nvPr>
-        </p:nvSpPr>
-        <p:spPr/>
-        <p:txBody>
-          <a:bodyPr/>
-          <a:lstStyle/>
-          <a:p>
-            <a:endParaRPr lang="tr-TR" dirty="0"/>
-          </a:p>
-        </p:txBody>
-      </p:sp>
+      <mc:AlternateContent xmlns:mc="http://schemas.openxmlformats.org/markup-compatibility/2006">
+        <mc:Choice xmlns:a14="http://schemas.microsoft.com/office/drawing/2010/main" Requires="a14">
+          <p:sp>
+            <p:nvSpPr>
+              <p:cNvPr id="3" name="Content Placeholder 2">
+                <a:extLst>
+                  <a:ext uri="{FF2B5EF4-FFF2-40B4-BE49-F238E27FC236}">
+                    <a16:creationId xmlns:a16="http://schemas.microsoft.com/office/drawing/2014/main" id="{438EEE31-3F0E-4603-B251-01EFAEE1A4CD}"/>
+                  </a:ext>
+                </a:extLst>
+              </p:cNvPr>
+              <p:cNvSpPr>
+                <a:spLocks noGrp="1"/>
+              </p:cNvSpPr>
+              <p:nvPr>
+                <p:ph idx="1"/>
+              </p:nvPr>
+            </p:nvSpPr>
+            <p:spPr/>
+            <p:txBody>
+              <a:bodyPr>
+                <a:normAutofit/>
+              </a:bodyPr>
+              <a:lstStyle/>
+              <a:p>
+                <a:r>
+                  <a:rPr lang="en-US" sz="2400" dirty="0"/>
+                  <a:t>A* must expand X = </a:t>
+                </a:r>
+                <a14:m>
+                  <m:oMath xmlns:m="http://schemas.openxmlformats.org/officeDocument/2006/math">
+                    <m:r>
+                      <a:rPr lang="en-US" sz="2400" b="0" i="0" smtClean="0">
+                        <a:latin typeface="Cambria Math" panose="02040503050406030204" pitchFamily="18" charset="0"/>
+                        <a:ea typeface="Cambria Math" panose="02040503050406030204" pitchFamily="18" charset="0"/>
+                      </a:rPr>
+                      <m:t>|</m:t>
+                    </m:r>
+                    <m:r>
+                      <a:rPr lang="en-US" sz="2400" i="1">
+                        <a:latin typeface="Cambria Math" panose="02040503050406030204" pitchFamily="18" charset="0"/>
+                        <a:ea typeface="Cambria Math" panose="02040503050406030204" pitchFamily="18" charset="0"/>
+                      </a:rPr>
+                      <m:t>𝜒</m:t>
+                    </m:r>
+                    <m:r>
+                      <a:rPr lang="en-US" sz="2400" b="0" i="1" smtClean="0">
+                        <a:latin typeface="Cambria Math" panose="02040503050406030204" pitchFamily="18" charset="0"/>
+                        <a:ea typeface="Cambria Math" panose="02040503050406030204" pitchFamily="18" charset="0"/>
+                      </a:rPr>
+                      <m:t>|</m:t>
+                    </m:r>
+                  </m:oMath>
+                </a14:m>
+                <a:r>
+                  <a:rPr lang="en-US" sz="2400" dirty="0"/>
+                  <a:t> which </a:t>
+                </a:r>
+                <a14:m>
+                  <m:oMath xmlns:m="http://schemas.openxmlformats.org/officeDocument/2006/math">
+                    <m:r>
+                      <a:rPr lang="en-US" sz="2400" i="1">
+                        <a:latin typeface="Cambria Math" panose="02040503050406030204" pitchFamily="18" charset="0"/>
+                        <a:ea typeface="Cambria Math" panose="02040503050406030204" pitchFamily="18" charset="0"/>
+                      </a:rPr>
+                      <m:t>𝜒</m:t>
+                    </m:r>
+                  </m:oMath>
+                </a14:m>
+                <a:r>
+                  <a:rPr lang="en-US" sz="2400" dirty="0"/>
+                  <a:t> is set of nodes with f </a:t>
+                </a:r>
+                <a14:m>
+                  <m:oMath xmlns:m="http://schemas.openxmlformats.org/officeDocument/2006/math">
+                    <m:r>
+                      <a:rPr lang="en-US" sz="2400" i="1" dirty="0" smtClean="0">
+                        <a:latin typeface="Cambria Math" panose="02040503050406030204" pitchFamily="18" charset="0"/>
+                      </a:rPr>
+                      <m:t>≤</m:t>
+                    </m:r>
+                  </m:oMath>
+                </a14:m>
+                <a:r>
+                  <a:rPr lang="en-US" sz="2400" dirty="0"/>
+                  <a:t> </a:t>
+                </a:r>
+                <a14:m>
+                  <m:oMath xmlns:m="http://schemas.openxmlformats.org/officeDocument/2006/math">
+                    <m:sSup>
+                      <m:sSupPr>
+                        <m:ctrlPr>
+                          <a:rPr lang="en-US" sz="2400" b="0" i="1" smtClean="0">
+                            <a:latin typeface="Cambria Math" panose="02040503050406030204" pitchFamily="18" charset="0"/>
+                          </a:rPr>
+                        </m:ctrlPr>
+                      </m:sSupPr>
+                      <m:e>
+                        <m:r>
+                          <a:rPr lang="en-US" sz="2400" b="0" i="1" smtClean="0">
+                            <a:latin typeface="Cambria Math" panose="02040503050406030204" pitchFamily="18" charset="0"/>
+                          </a:rPr>
+                          <m:t>𝐶</m:t>
+                        </m:r>
+                      </m:e>
+                      <m:sup>
+                        <m:r>
+                          <a:rPr lang="en-US" sz="2400" b="0" i="1" smtClean="0">
+                            <a:latin typeface="Cambria Math" panose="02040503050406030204" pitchFamily="18" charset="0"/>
+                          </a:rPr>
+                          <m:t>∗</m:t>
+                        </m:r>
+                      </m:sup>
+                    </m:sSup>
+                  </m:oMath>
+                </a14:m>
+                <a:endParaRPr lang="en-US" sz="2400" dirty="0"/>
+              </a:p>
+              <a:p>
+                <a:r>
+                  <a:rPr lang="en-US" sz="2400" dirty="0"/>
+                  <a:t>CBS must expand </a:t>
+                </a:r>
+                <a14:m>
+                  <m:oMath xmlns:m="http://schemas.openxmlformats.org/officeDocument/2006/math">
+                    <m:acc>
+                      <m:accPr>
+                        <m:chr m:val="̅"/>
+                        <m:ctrlPr>
+                          <a:rPr lang="en-US" sz="2400" i="1">
+                            <a:latin typeface="Cambria Math" panose="02040503050406030204" pitchFamily="18" charset="0"/>
+                          </a:rPr>
+                        </m:ctrlPr>
+                      </m:accPr>
+                      <m:e>
+                        <m:r>
+                          <a:rPr lang="en-US" sz="2400" i="1">
+                            <a:latin typeface="Cambria Math" panose="02040503050406030204" pitchFamily="18" charset="0"/>
+                          </a:rPr>
+                          <m:t>𝑌</m:t>
+                        </m:r>
+                      </m:e>
+                    </m:acc>
+                  </m:oMath>
+                </a14:m>
+                <a:r>
+                  <a:rPr lang="en-US" sz="2400" dirty="0"/>
+                  <a:t> = O(</a:t>
+                </a:r>
+                <a14:m>
+                  <m:oMath xmlns:m="http://schemas.openxmlformats.org/officeDocument/2006/math">
+                    <m:sSup>
+                      <m:sSupPr>
+                        <m:ctrlPr>
+                          <a:rPr lang="en-US" sz="2400" b="0" i="1" smtClean="0">
+                            <a:latin typeface="Cambria Math" panose="02040503050406030204" pitchFamily="18" charset="0"/>
+                          </a:rPr>
+                        </m:ctrlPr>
+                      </m:sSupPr>
+                      <m:e>
+                        <m:r>
+                          <a:rPr lang="en-US" sz="2400" b="0" i="1" smtClean="0">
+                            <a:latin typeface="Cambria Math" panose="02040503050406030204" pitchFamily="18" charset="0"/>
+                          </a:rPr>
+                          <m:t>2</m:t>
+                        </m:r>
+                      </m:e>
+                      <m:sup>
+                        <m:d>
+                          <m:dPr>
+                            <m:begChr m:val="|"/>
+                            <m:endChr m:val="|"/>
+                            <m:ctrlPr>
+                              <a:rPr lang="en-US" sz="2400" b="0" i="1" smtClean="0">
+                                <a:latin typeface="Cambria Math" panose="02040503050406030204" pitchFamily="18" charset="0"/>
+                              </a:rPr>
+                            </m:ctrlPr>
+                          </m:dPr>
+                          <m:e>
+                            <m:r>
+                              <a:rPr lang="en-US" sz="2400" b="0" i="1" smtClean="0">
+                                <a:latin typeface="Cambria Math" panose="02040503050406030204" pitchFamily="18" charset="0"/>
+                              </a:rPr>
+                              <m:t>𝑉</m:t>
+                            </m:r>
+                          </m:e>
+                        </m:d>
+                        <m:r>
+                          <a:rPr lang="en-US" sz="2400" b="0" i="1" smtClean="0">
+                            <a:latin typeface="Cambria Math" panose="02040503050406030204" pitchFamily="18" charset="0"/>
+                          </a:rPr>
+                          <m:t>𝑥</m:t>
+                        </m:r>
+                        <m:sSup>
+                          <m:sSupPr>
+                            <m:ctrlPr>
+                              <a:rPr lang="en-US" sz="2400" b="0" i="1" smtClean="0">
+                                <a:latin typeface="Cambria Math" panose="02040503050406030204" pitchFamily="18" charset="0"/>
+                              </a:rPr>
+                            </m:ctrlPr>
+                          </m:sSupPr>
+                          <m:e>
+                            <m:r>
+                              <a:rPr lang="en-US" sz="2400" b="0" i="1" smtClean="0">
+                                <a:latin typeface="Cambria Math" panose="02040503050406030204" pitchFamily="18" charset="0"/>
+                              </a:rPr>
+                              <m:t>𝐶</m:t>
+                            </m:r>
+                          </m:e>
+                          <m:sup>
+                            <m:r>
+                              <a:rPr lang="en-US" sz="2400" b="0" i="1" smtClean="0">
+                                <a:latin typeface="Cambria Math" panose="02040503050406030204" pitchFamily="18" charset="0"/>
+                              </a:rPr>
+                              <m:t>∗</m:t>
+                            </m:r>
+                          </m:sup>
+                        </m:sSup>
+                      </m:sup>
+                    </m:sSup>
+                    <m:r>
+                      <a:rPr lang="en-US" sz="2400" b="0" i="1" smtClean="0">
+                        <a:latin typeface="Cambria Math" panose="02040503050406030204" pitchFamily="18" charset="0"/>
+                      </a:rPr>
+                      <m:t>𝑥</m:t>
+                    </m:r>
+                    <m:d>
+                      <m:dPr>
+                        <m:begChr m:val="|"/>
+                        <m:endChr m:val="|"/>
+                        <m:ctrlPr>
+                          <a:rPr lang="en-US" sz="2400" i="1">
+                            <a:latin typeface="Cambria Math" panose="02040503050406030204" pitchFamily="18" charset="0"/>
+                          </a:rPr>
+                        </m:ctrlPr>
+                      </m:dPr>
+                      <m:e>
+                        <m:r>
+                          <a:rPr lang="en-US" sz="2400" i="1">
+                            <a:latin typeface="Cambria Math" panose="02040503050406030204" pitchFamily="18" charset="0"/>
+                          </a:rPr>
+                          <m:t>𝑉</m:t>
+                        </m:r>
+                      </m:e>
+                    </m:d>
+                    <m:r>
+                      <a:rPr lang="en-US" sz="2400" i="1">
+                        <a:latin typeface="Cambria Math" panose="02040503050406030204" pitchFamily="18" charset="0"/>
+                      </a:rPr>
+                      <m:t>𝑥</m:t>
+                    </m:r>
+                    <m:sSup>
+                      <m:sSupPr>
+                        <m:ctrlPr>
+                          <a:rPr lang="en-US" sz="2400" i="1">
+                            <a:latin typeface="Cambria Math" panose="02040503050406030204" pitchFamily="18" charset="0"/>
+                          </a:rPr>
+                        </m:ctrlPr>
+                      </m:sSupPr>
+                      <m:e>
+                        <m:r>
+                          <a:rPr lang="en-US" sz="2400" i="1">
+                            <a:latin typeface="Cambria Math" panose="02040503050406030204" pitchFamily="18" charset="0"/>
+                          </a:rPr>
+                          <m:t>𝐶</m:t>
+                        </m:r>
+                      </m:e>
+                      <m:sup>
+                        <m:r>
+                          <a:rPr lang="en-US" sz="2400" i="1">
+                            <a:latin typeface="Cambria Math" panose="02040503050406030204" pitchFamily="18" charset="0"/>
+                          </a:rPr>
+                          <m:t>∗</m:t>
+                        </m:r>
+                      </m:sup>
+                    </m:sSup>
+                  </m:oMath>
+                </a14:m>
+                <a:r>
+                  <a:rPr lang="en-US" sz="2400" dirty="0"/>
+                  <a:t>) low level nodes</a:t>
+                </a:r>
+                <a:endParaRPr lang="tr-TR" sz="2400" dirty="0"/>
+              </a:p>
+            </p:txBody>
+          </p:sp>
+        </mc:Choice>
+        <mc:Fallback>
+          <p:sp>
+            <p:nvSpPr>
+              <p:cNvPr id="3" name="Content Placeholder 2">
+                <a:extLst>
+                  <a:ext uri="{FF2B5EF4-FFF2-40B4-BE49-F238E27FC236}">
+                    <a16:creationId xmlns:a16="http://schemas.microsoft.com/office/drawing/2014/main" id="{438EEE31-3F0E-4603-B251-01EFAEE1A4CD}"/>
+                  </a:ext>
+                </a:extLst>
+              </p:cNvPr>
+              <p:cNvSpPr>
+                <a:spLocks noGrp="1" noRot="1" noChangeAspect="1" noMove="1" noResize="1" noEditPoints="1" noAdjustHandles="1" noChangeArrowheads="1" noChangeShapeType="1" noTextEdit="1"/>
+              </p:cNvSpPr>
+              <p:nvPr>
+                <p:ph idx="1"/>
+              </p:nvPr>
+            </p:nvSpPr>
+            <p:spPr>
+              <a:blipFill>
+                <a:blip r:embed="rId3"/>
+                <a:stretch>
+                  <a:fillRect l="-812" t="-1961"/>
+                </a:stretch>
+              </a:blipFill>
+            </p:spPr>
+            <p:txBody>
+              <a:bodyPr/>
+              <a:lstStyle/>
+              <a:p>
+                <a:r>
+                  <a:rPr lang="tr-TR">
+                    <a:noFill/>
+                  </a:rPr>
+                  <a:t> </a:t>
+                </a:r>
+              </a:p>
+            </p:txBody>
+          </p:sp>
+        </mc:Fallback>
+      </mc:AlternateContent>
       <p:sp>
         <p:nvSpPr>
           <p:cNvPr id="4" name="Slide Number Placeholder 3">
@@ -6898,6 +8145,56 @@
               <a:t>12</a:t>
             </a:fld>
             <a:endParaRPr lang="tr-TR"/>
+          </a:p>
+        </p:txBody>
+      </p:sp>
+      <p:sp>
+        <p:nvSpPr>
+          <p:cNvPr id="5" name="TextBox 4">
+            <a:extLst>
+              <a:ext uri="{FF2B5EF4-FFF2-40B4-BE49-F238E27FC236}">
+                <a16:creationId xmlns:a16="http://schemas.microsoft.com/office/drawing/2014/main" id="{3AF2EEB2-15D0-4D44-B3D8-19D6FF8091B2}"/>
+              </a:ext>
+            </a:extLst>
+          </p:cNvPr>
+          <p:cNvSpPr txBox="1"/>
+          <p:nvPr/>
+        </p:nvSpPr>
+        <p:spPr>
+          <a:xfrm>
+            <a:off x="742384" y="6287726"/>
+            <a:ext cx="4581054" cy="369332"/>
+          </a:xfrm>
+          <a:prstGeom prst="rect">
+            <a:avLst/>
+          </a:prstGeom>
+          <a:noFill/>
+        </p:spPr>
+        <p:txBody>
+          <a:bodyPr wrap="square" rtlCol="0">
+            <a:spAutoFit/>
+          </a:bodyPr>
+          <a:lstStyle/>
+          <a:p>
+            <a:r>
+              <a:rPr lang="en-US" dirty="0">
+                <a:solidFill>
+                  <a:schemeClr val="tx1">
+                    <a:lumMod val="65000"/>
+                    <a:lumOff val="35000"/>
+                  </a:schemeClr>
+                </a:solidFill>
+              </a:rPr>
+              <a:t>C* is cost of optimal solution</a:t>
+            </a:r>
+            <a:endParaRPr lang="tr-TR" dirty="0">
+              <a:solidFill>
+                <a:schemeClr val="tx1">
+                  <a:lumMod val="65000"/>
+                  <a:lumOff val="35000"/>
+                </a:schemeClr>
+              </a:solidFill>
+            </a:endParaRPr>
           </a:p>
         </p:txBody>
       </p:sp>
@@ -7167,7 +8464,7 @@
           <a:bodyPr/>
           <a:lstStyle/>
           <a:p>
-            <a:endParaRPr lang="tr-TR"/>
+            <a:endParaRPr lang="tr-TR" dirty="0"/>
           </a:p>
         </p:txBody>
       </p:sp>
@@ -8004,10 +9301,10 @@
           <a:lstStyle/>
           <a:p>
             <a:r>
-              <a:rPr lang="en-US"/>
+              <a:rPr lang="en-US" dirty="0"/>
               <a:t>Merging constraints</a:t>
             </a:r>
-            <a:endParaRPr lang="tr-TR"/>
+            <a:endParaRPr lang="tr-TR" dirty="0"/>
           </a:p>
         </p:txBody>
       </p:sp>
@@ -8093,6 +9390,144 @@
     <p:extLst>
       <p:ext uri="{BB962C8B-B14F-4D97-AF65-F5344CB8AC3E}">
         <p14:creationId xmlns:p14="http://schemas.microsoft.com/office/powerpoint/2010/main" val="3185560302"/>
+      </p:ext>
+    </p:extLst>
+  </p:cSld>
+  <p:clrMapOvr>
+    <a:masterClrMapping/>
+  </p:clrMapOvr>
+</p:sld>
+</file>
+
+<file path=ppt/slides/slide19.xml><?xml version="1.0" encoding="utf-8"?>
+<p:sld xmlns:a="http://schemas.openxmlformats.org/drawingml/2006/main" xmlns:r="http://schemas.openxmlformats.org/officeDocument/2006/relationships" xmlns:p="http://schemas.openxmlformats.org/presentationml/2006/main">
+  <p:cSld>
+    <p:spTree>
+      <p:nvGrpSpPr>
+        <p:cNvPr id="1" name=""/>
+        <p:cNvGrpSpPr/>
+        <p:nvPr/>
+      </p:nvGrpSpPr>
+      <p:grpSpPr>
+        <a:xfrm>
+          <a:off x="0" y="0"/>
+          <a:ext cx="0" cy="0"/>
+          <a:chOff x="0" y="0"/>
+          <a:chExt cx="0" cy="0"/>
+        </a:xfrm>
+      </p:grpSpPr>
+      <p:sp>
+        <p:nvSpPr>
+          <p:cNvPr id="2" name="Title 1">
+            <a:extLst>
+              <a:ext uri="{FF2B5EF4-FFF2-40B4-BE49-F238E27FC236}">
+                <a16:creationId xmlns:a16="http://schemas.microsoft.com/office/drawing/2014/main" id="{3D61F1D9-AAA0-4AC1-9F61-F5EDF147DCFD}"/>
+              </a:ext>
+            </a:extLst>
+          </p:cNvPr>
+          <p:cNvSpPr>
+            <a:spLocks noGrp="1"/>
+          </p:cNvSpPr>
+          <p:nvPr>
+            <p:ph type="title"/>
+          </p:nvPr>
+        </p:nvSpPr>
+        <p:spPr/>
+        <p:txBody>
+          <a:bodyPr/>
+          <a:lstStyle/>
+          <a:p>
+            <a:r>
+              <a:rPr lang="en-US" dirty="0"/>
+              <a:t>Low Level of MA-CBS</a:t>
+            </a:r>
+            <a:endParaRPr lang="tr-TR" dirty="0"/>
+          </a:p>
+        </p:txBody>
+      </p:sp>
+      <p:sp>
+        <p:nvSpPr>
+          <p:cNvPr id="3" name="Content Placeholder 2">
+            <a:extLst>
+              <a:ext uri="{FF2B5EF4-FFF2-40B4-BE49-F238E27FC236}">
+                <a16:creationId xmlns:a16="http://schemas.microsoft.com/office/drawing/2014/main" id="{5642925B-5BE5-4D14-BFEF-3A9CB37E6246}"/>
+              </a:ext>
+            </a:extLst>
+          </p:cNvPr>
+          <p:cNvSpPr>
+            <a:spLocks noGrp="1"/>
+          </p:cNvSpPr>
+          <p:nvPr>
+            <p:ph idx="1"/>
+          </p:nvPr>
+        </p:nvSpPr>
+        <p:spPr/>
+        <p:txBody>
+          <a:bodyPr/>
+          <a:lstStyle/>
+          <a:p>
+            <a:r>
+              <a:rPr lang="en-US" dirty="0"/>
+              <a:t>Completeness</a:t>
+            </a:r>
+          </a:p>
+          <a:p>
+            <a:r>
+              <a:rPr lang="en-US" dirty="0"/>
+              <a:t>Constraint handling</a:t>
+            </a:r>
+          </a:p>
+          <a:p>
+            <a:r>
+              <a:rPr lang="en-US" dirty="0"/>
+              <a:t>Optimality</a:t>
+            </a:r>
+          </a:p>
+          <a:p>
+            <a:endParaRPr lang="en-US" dirty="0"/>
+          </a:p>
+          <a:p>
+            <a:r>
+              <a:rPr lang="en-US" sz="2400" dirty="0"/>
+              <a:t>EPEA*, M*, MA-CBS with lower merging bound can be used as low level solver</a:t>
+            </a:r>
+            <a:endParaRPr lang="tr-TR" sz="2400" dirty="0"/>
+          </a:p>
+        </p:txBody>
+      </p:sp>
+      <p:sp>
+        <p:nvSpPr>
+          <p:cNvPr id="4" name="Slide Number Placeholder 3">
+            <a:extLst>
+              <a:ext uri="{FF2B5EF4-FFF2-40B4-BE49-F238E27FC236}">
+                <a16:creationId xmlns:a16="http://schemas.microsoft.com/office/drawing/2014/main" id="{0384B011-154C-4554-B353-D7D2440E7C85}"/>
+              </a:ext>
+            </a:extLst>
+          </p:cNvPr>
+          <p:cNvSpPr>
+            <a:spLocks noGrp="1"/>
+          </p:cNvSpPr>
+          <p:nvPr>
+            <p:ph type="sldNum" sz="quarter" idx="12"/>
+          </p:nvPr>
+        </p:nvSpPr>
+        <p:spPr/>
+        <p:txBody>
+          <a:bodyPr/>
+          <a:lstStyle/>
+          <a:p>
+            <a:fld id="{4B024B25-DFCA-4944-BA90-A17C573440F7}" type="slidenum">
+              <a:rPr lang="tr-TR" smtClean="0"/>
+              <a:t>19</a:t>
+            </a:fld>
+            <a:endParaRPr lang="tr-TR"/>
+          </a:p>
+        </p:txBody>
+      </p:sp>
+    </p:spTree>
+    <p:extLst>
+      <p:ext uri="{BB962C8B-B14F-4D97-AF65-F5344CB8AC3E}">
+        <p14:creationId xmlns:p14="http://schemas.microsoft.com/office/powerpoint/2010/main" val="3788060357"/>
       </p:ext>
     </p:extLst>
   </p:cSld>
@@ -8140,7 +9575,11 @@
           <a:bodyPr/>
           <a:lstStyle/>
           <a:p>
-            <a:endParaRPr lang="tr-TR"/>
+            <a:r>
+              <a:rPr lang="en-US" dirty="0"/>
+              <a:t>Index</a:t>
+            </a:r>
+            <a:endParaRPr lang="tr-TR" dirty="0"/>
           </a:p>
         </p:txBody>
       </p:sp>
@@ -8162,10 +9601,115 @@
         </p:nvSpPr>
         <p:spPr/>
         <p:txBody>
-          <a:bodyPr/>
-          <a:lstStyle/>
-          <a:p>
-            <a:endParaRPr lang="tr-TR"/>
+          <a:bodyPr>
+            <a:normAutofit fontScale="92500" lnSpcReduction="20000"/>
+          </a:bodyPr>
+          <a:lstStyle/>
+          <a:p>
+            <a:r>
+              <a:rPr lang="en-US" dirty="0"/>
+              <a:t>A*</a:t>
+            </a:r>
+          </a:p>
+          <a:p>
+            <a:r>
+              <a:rPr lang="en-US" dirty="0"/>
+              <a:t>CBS</a:t>
+            </a:r>
+          </a:p>
+          <a:p>
+            <a:pPr lvl="1"/>
+            <a:r>
+              <a:rPr lang="en-US" dirty="0"/>
+              <a:t>High-level</a:t>
+            </a:r>
+          </a:p>
+          <a:p>
+            <a:pPr lvl="1"/>
+            <a:r>
+              <a:rPr lang="en-US" dirty="0"/>
+              <a:t>Low-level</a:t>
+            </a:r>
+          </a:p>
+          <a:p>
+            <a:pPr lvl="1"/>
+            <a:r>
+              <a:rPr lang="en-US" dirty="0"/>
+              <a:t>Comparison of A* and CBS</a:t>
+            </a:r>
+          </a:p>
+          <a:p>
+            <a:pPr lvl="1"/>
+            <a:r>
+              <a:rPr lang="en-US" dirty="0"/>
+              <a:t>Theorical Analysis of CBS</a:t>
+            </a:r>
+          </a:p>
+          <a:p>
+            <a:pPr lvl="1"/>
+            <a:r>
+              <a:rPr lang="en-US" dirty="0"/>
+              <a:t>Tests</a:t>
+            </a:r>
+          </a:p>
+          <a:p>
+            <a:r>
+              <a:rPr lang="en-US" dirty="0"/>
+              <a:t>MA-CBS</a:t>
+            </a:r>
+          </a:p>
+          <a:p>
+            <a:pPr lvl="1"/>
+            <a:r>
+              <a:rPr lang="en-US" dirty="0"/>
+              <a:t>Merge policy</a:t>
+            </a:r>
+          </a:p>
+          <a:p>
+            <a:pPr lvl="1"/>
+            <a:r>
+              <a:rPr lang="en-US" dirty="0"/>
+              <a:t>Merging constraints</a:t>
+            </a:r>
+          </a:p>
+          <a:p>
+            <a:pPr lvl="1"/>
+            <a:r>
+              <a:rPr lang="en-US" dirty="0"/>
+              <a:t>Low-level</a:t>
+            </a:r>
+          </a:p>
+          <a:p>
+            <a:pPr lvl="1"/>
+            <a:r>
+              <a:rPr lang="en-US" dirty="0"/>
+              <a:t>Tests</a:t>
+            </a:r>
+          </a:p>
+          <a:p>
+            <a:r>
+              <a:rPr lang="en-US" dirty="0"/>
+              <a:t>References</a:t>
+            </a:r>
+          </a:p>
+          <a:p>
+            <a:pPr lvl="1"/>
+            <a:endParaRPr lang="en-US" dirty="0"/>
+          </a:p>
+          <a:p>
+            <a:pPr lvl="1"/>
+            <a:endParaRPr lang="en-US" dirty="0"/>
+          </a:p>
+          <a:p>
+            <a:pPr lvl="1"/>
+            <a:endParaRPr lang="en-US" dirty="0"/>
+          </a:p>
+          <a:p>
+            <a:pPr lvl="1"/>
+            <a:endParaRPr lang="en-US" dirty="0"/>
+          </a:p>
+          <a:p>
+            <a:endParaRPr lang="tr-TR" dirty="0"/>
           </a:p>
         </p:txBody>
       </p:sp>
@@ -8202,6 +9746,1079 @@
     <p:extLst>
       <p:ext uri="{BB962C8B-B14F-4D97-AF65-F5344CB8AC3E}">
         <p14:creationId xmlns:p14="http://schemas.microsoft.com/office/powerpoint/2010/main" val="990298044"/>
+      </p:ext>
+    </p:extLst>
+  </p:cSld>
+  <p:clrMapOvr>
+    <a:masterClrMapping/>
+  </p:clrMapOvr>
+</p:sld>
+</file>
+
+<file path=ppt/slides/slide20.xml><?xml version="1.0" encoding="utf-8"?>
+<p:sld xmlns:a="http://schemas.openxmlformats.org/drawingml/2006/main" xmlns:r="http://schemas.openxmlformats.org/officeDocument/2006/relationships" xmlns:p="http://schemas.openxmlformats.org/presentationml/2006/main">
+  <p:cSld>
+    <p:spTree>
+      <p:nvGrpSpPr>
+        <p:cNvPr id="1" name=""/>
+        <p:cNvGrpSpPr/>
+        <p:nvPr/>
+      </p:nvGrpSpPr>
+      <p:grpSpPr>
+        <a:xfrm>
+          <a:off x="0" y="0"/>
+          <a:ext cx="0" cy="0"/>
+          <a:chOff x="0" y="0"/>
+          <a:chExt cx="0" cy="0"/>
+        </a:xfrm>
+      </p:grpSpPr>
+      <p:sp>
+        <p:nvSpPr>
+          <p:cNvPr id="2" name="Title 1">
+            <a:extLst>
+              <a:ext uri="{FF2B5EF4-FFF2-40B4-BE49-F238E27FC236}">
+                <a16:creationId xmlns:a16="http://schemas.microsoft.com/office/drawing/2014/main" id="{BE9757A8-FD19-4528-9F59-66E5CE8A9B6B}"/>
+              </a:ext>
+            </a:extLst>
+          </p:cNvPr>
+          <p:cNvSpPr>
+            <a:spLocks noGrp="1"/>
+          </p:cNvSpPr>
+          <p:nvPr>
+            <p:ph type="title"/>
+          </p:nvPr>
+        </p:nvSpPr>
+        <p:spPr/>
+        <p:txBody>
+          <a:bodyPr>
+            <a:normAutofit/>
+          </a:bodyPr>
+          <a:lstStyle/>
+          <a:p>
+            <a:r>
+              <a:rPr lang="en-US" sz="4200" dirty="0"/>
+              <a:t>Run-time on DAO maps with EPEA* as low level</a:t>
+            </a:r>
+            <a:endParaRPr lang="tr-TR" sz="4200" dirty="0"/>
+          </a:p>
+        </p:txBody>
+      </p:sp>
+      <p:sp>
+        <p:nvSpPr>
+          <p:cNvPr id="4" name="Slide Number Placeholder 3">
+            <a:extLst>
+              <a:ext uri="{FF2B5EF4-FFF2-40B4-BE49-F238E27FC236}">
+                <a16:creationId xmlns:a16="http://schemas.microsoft.com/office/drawing/2014/main" id="{3A36FD73-17F8-46B0-ADBF-211A8FDB699F}"/>
+              </a:ext>
+            </a:extLst>
+          </p:cNvPr>
+          <p:cNvSpPr>
+            <a:spLocks noGrp="1"/>
+          </p:cNvSpPr>
+          <p:nvPr>
+            <p:ph type="sldNum" sz="quarter" idx="12"/>
+          </p:nvPr>
+        </p:nvSpPr>
+        <p:spPr/>
+        <p:txBody>
+          <a:bodyPr/>
+          <a:lstStyle/>
+          <a:p>
+            <a:fld id="{4B024B25-DFCA-4944-BA90-A17C573440F7}" type="slidenum">
+              <a:rPr lang="tr-TR" smtClean="0"/>
+              <a:t>20</a:t>
+            </a:fld>
+            <a:endParaRPr lang="tr-TR"/>
+          </a:p>
+        </p:txBody>
+      </p:sp>
+      <p:pic>
+        <p:nvPicPr>
+          <p:cNvPr id="6" name="Picture 5">
+            <a:extLst>
+              <a:ext uri="{FF2B5EF4-FFF2-40B4-BE49-F238E27FC236}">
+                <a16:creationId xmlns:a16="http://schemas.microsoft.com/office/drawing/2014/main" id="{F1D6384B-7E30-44CC-BB4E-D37A52E381BA}"/>
+              </a:ext>
+            </a:extLst>
+          </p:cNvPr>
+          <p:cNvPicPr>
+            <a:picLocks noChangeAspect="1"/>
+          </p:cNvPicPr>
+          <p:nvPr/>
+        </p:nvPicPr>
+        <p:blipFill rotWithShape="1">
+          <a:blip r:embed="rId3"/>
+          <a:srcRect t="3861"/>
+          <a:stretch/>
+        </p:blipFill>
+        <p:spPr>
+          <a:xfrm>
+            <a:off x="2015904" y="1690688"/>
+            <a:ext cx="7832917" cy="4198069"/>
+          </a:xfrm>
+          <a:prstGeom prst="rect">
+            <a:avLst/>
+          </a:prstGeom>
+        </p:spPr>
+      </p:pic>
+    </p:spTree>
+    <p:extLst>
+      <p:ext uri="{BB962C8B-B14F-4D97-AF65-F5344CB8AC3E}">
+        <p14:creationId xmlns:p14="http://schemas.microsoft.com/office/powerpoint/2010/main" val="2912495014"/>
+      </p:ext>
+    </p:extLst>
+  </p:cSld>
+  <p:clrMapOvr>
+    <a:masterClrMapping/>
+  </p:clrMapOvr>
+</p:sld>
+</file>
+
+<file path=ppt/slides/slide21.xml><?xml version="1.0" encoding="utf-8"?>
+<p:sld xmlns:a="http://schemas.openxmlformats.org/drawingml/2006/main" xmlns:r="http://schemas.openxmlformats.org/officeDocument/2006/relationships" xmlns:p="http://schemas.openxmlformats.org/presentationml/2006/main">
+  <p:cSld>
+    <p:spTree>
+      <p:nvGrpSpPr>
+        <p:cNvPr id="1" name=""/>
+        <p:cNvGrpSpPr/>
+        <p:nvPr/>
+      </p:nvGrpSpPr>
+      <p:grpSpPr>
+        <a:xfrm>
+          <a:off x="0" y="0"/>
+          <a:ext cx="0" cy="0"/>
+          <a:chOff x="0" y="0"/>
+          <a:chExt cx="0" cy="0"/>
+        </a:xfrm>
+      </p:grpSpPr>
+      <p:sp>
+        <p:nvSpPr>
+          <p:cNvPr id="2" name="Title 1">
+            <a:extLst>
+              <a:ext uri="{FF2B5EF4-FFF2-40B4-BE49-F238E27FC236}">
+                <a16:creationId xmlns:a16="http://schemas.microsoft.com/office/drawing/2014/main" id="{BE9757A8-FD19-4528-9F59-66E5CE8A9B6B}"/>
+              </a:ext>
+            </a:extLst>
+          </p:cNvPr>
+          <p:cNvSpPr>
+            <a:spLocks noGrp="1"/>
+          </p:cNvSpPr>
+          <p:nvPr>
+            <p:ph type="title"/>
+          </p:nvPr>
+        </p:nvSpPr>
+        <p:spPr/>
+        <p:txBody>
+          <a:bodyPr>
+            <a:normAutofit/>
+          </a:bodyPr>
+          <a:lstStyle/>
+          <a:p>
+            <a:r>
+              <a:rPr lang="en-US" sz="4200" dirty="0"/>
+              <a:t>Run-time on DAO maps with EPEA* as low level</a:t>
+            </a:r>
+            <a:endParaRPr lang="tr-TR" sz="4200" dirty="0"/>
+          </a:p>
+        </p:txBody>
+      </p:sp>
+      <p:sp>
+        <p:nvSpPr>
+          <p:cNvPr id="4" name="Slide Number Placeholder 3">
+            <a:extLst>
+              <a:ext uri="{FF2B5EF4-FFF2-40B4-BE49-F238E27FC236}">
+                <a16:creationId xmlns:a16="http://schemas.microsoft.com/office/drawing/2014/main" id="{3A36FD73-17F8-46B0-ADBF-211A8FDB699F}"/>
+              </a:ext>
+            </a:extLst>
+          </p:cNvPr>
+          <p:cNvSpPr>
+            <a:spLocks noGrp="1"/>
+          </p:cNvSpPr>
+          <p:nvPr>
+            <p:ph type="sldNum" sz="quarter" idx="12"/>
+          </p:nvPr>
+        </p:nvSpPr>
+        <p:spPr/>
+        <p:txBody>
+          <a:bodyPr/>
+          <a:lstStyle/>
+          <a:p>
+            <a:fld id="{4B024B25-DFCA-4944-BA90-A17C573440F7}" type="slidenum">
+              <a:rPr lang="tr-TR" smtClean="0"/>
+              <a:t>21</a:t>
+            </a:fld>
+            <a:endParaRPr lang="tr-TR"/>
+          </a:p>
+        </p:txBody>
+      </p:sp>
+      <p:pic>
+        <p:nvPicPr>
+          <p:cNvPr id="6" name="Picture 5">
+            <a:extLst>
+              <a:ext uri="{FF2B5EF4-FFF2-40B4-BE49-F238E27FC236}">
+                <a16:creationId xmlns:a16="http://schemas.microsoft.com/office/drawing/2014/main" id="{F1D6384B-7E30-44CC-BB4E-D37A52E381BA}"/>
+              </a:ext>
+            </a:extLst>
+          </p:cNvPr>
+          <p:cNvPicPr>
+            <a:picLocks noChangeAspect="1"/>
+          </p:cNvPicPr>
+          <p:nvPr/>
+        </p:nvPicPr>
+        <p:blipFill>
+          <a:blip r:embed="rId3">
+            <a:extLst>
+              <a:ext uri="{28A0092B-C50C-407E-A947-70E740481C1C}">
+                <a14:useLocalDpi xmlns:a14="http://schemas.microsoft.com/office/drawing/2010/main" val="0"/>
+              </a:ext>
+            </a:extLst>
+          </a:blip>
+          <a:stretch>
+            <a:fillRect/>
+          </a:stretch>
+        </p:blipFill>
+        <p:spPr>
+          <a:xfrm>
+            <a:off x="2025310" y="1690688"/>
+            <a:ext cx="7814104" cy="4198069"/>
+          </a:xfrm>
+          <a:prstGeom prst="rect">
+            <a:avLst/>
+          </a:prstGeom>
+        </p:spPr>
+      </p:pic>
+    </p:spTree>
+    <p:extLst>
+      <p:ext uri="{BB962C8B-B14F-4D97-AF65-F5344CB8AC3E}">
+        <p14:creationId xmlns:p14="http://schemas.microsoft.com/office/powerpoint/2010/main" val="49202409"/>
+      </p:ext>
+    </p:extLst>
+  </p:cSld>
+  <p:clrMapOvr>
+    <a:masterClrMapping/>
+  </p:clrMapOvr>
+</p:sld>
+</file>
+
+<file path=ppt/slides/slide22.xml><?xml version="1.0" encoding="utf-8"?>
+<p:sld xmlns:a="http://schemas.openxmlformats.org/drawingml/2006/main" xmlns:r="http://schemas.openxmlformats.org/officeDocument/2006/relationships" xmlns:p="http://schemas.openxmlformats.org/presentationml/2006/main">
+  <p:cSld>
+    <p:spTree>
+      <p:nvGrpSpPr>
+        <p:cNvPr id="1" name=""/>
+        <p:cNvGrpSpPr/>
+        <p:nvPr/>
+      </p:nvGrpSpPr>
+      <p:grpSpPr>
+        <a:xfrm>
+          <a:off x="0" y="0"/>
+          <a:ext cx="0" cy="0"/>
+          <a:chOff x="0" y="0"/>
+          <a:chExt cx="0" cy="0"/>
+        </a:xfrm>
+      </p:grpSpPr>
+      <p:sp>
+        <p:nvSpPr>
+          <p:cNvPr id="2" name="Title 1">
+            <a:extLst>
+              <a:ext uri="{FF2B5EF4-FFF2-40B4-BE49-F238E27FC236}">
+                <a16:creationId xmlns:a16="http://schemas.microsoft.com/office/drawing/2014/main" id="{5AF41912-F2D8-4C4E-A7F6-7E7333FF6326}"/>
+              </a:ext>
+            </a:extLst>
+          </p:cNvPr>
+          <p:cNvSpPr>
+            <a:spLocks noGrp="1"/>
+          </p:cNvSpPr>
+          <p:nvPr>
+            <p:ph type="title"/>
+          </p:nvPr>
+        </p:nvSpPr>
+        <p:spPr/>
+        <p:txBody>
+          <a:bodyPr/>
+          <a:lstStyle/>
+          <a:p>
+            <a:r>
+              <a:rPr lang="en-US" dirty="0"/>
+              <a:t>DAO maps</a:t>
+            </a:r>
+            <a:endParaRPr lang="tr-TR" dirty="0"/>
+          </a:p>
+        </p:txBody>
+      </p:sp>
+      <p:sp>
+        <p:nvSpPr>
+          <p:cNvPr id="3" name="Content Placeholder 2">
+            <a:extLst>
+              <a:ext uri="{FF2B5EF4-FFF2-40B4-BE49-F238E27FC236}">
+                <a16:creationId xmlns:a16="http://schemas.microsoft.com/office/drawing/2014/main" id="{BD6753AA-8F12-4714-AA45-0C078F34345D}"/>
+              </a:ext>
+            </a:extLst>
+          </p:cNvPr>
+          <p:cNvSpPr>
+            <a:spLocks noGrp="1"/>
+          </p:cNvSpPr>
+          <p:nvPr>
+            <p:ph idx="1"/>
+          </p:nvPr>
+        </p:nvSpPr>
+        <p:spPr/>
+        <p:txBody>
+          <a:bodyPr/>
+          <a:lstStyle/>
+          <a:p>
+            <a:endParaRPr lang="tr-TR"/>
+          </a:p>
+        </p:txBody>
+      </p:sp>
+      <p:sp>
+        <p:nvSpPr>
+          <p:cNvPr id="4" name="Slide Number Placeholder 3">
+            <a:extLst>
+              <a:ext uri="{FF2B5EF4-FFF2-40B4-BE49-F238E27FC236}">
+                <a16:creationId xmlns:a16="http://schemas.microsoft.com/office/drawing/2014/main" id="{9AC2A073-F623-4695-897F-AAE8325740FE}"/>
+              </a:ext>
+            </a:extLst>
+          </p:cNvPr>
+          <p:cNvSpPr>
+            <a:spLocks noGrp="1"/>
+          </p:cNvSpPr>
+          <p:nvPr>
+            <p:ph type="sldNum" sz="quarter" idx="12"/>
+          </p:nvPr>
+        </p:nvSpPr>
+        <p:spPr/>
+        <p:txBody>
+          <a:bodyPr/>
+          <a:lstStyle/>
+          <a:p>
+            <a:fld id="{4B024B25-DFCA-4944-BA90-A17C573440F7}" type="slidenum">
+              <a:rPr lang="tr-TR" smtClean="0"/>
+              <a:t>22</a:t>
+            </a:fld>
+            <a:endParaRPr lang="tr-TR"/>
+          </a:p>
+        </p:txBody>
+      </p:sp>
+      <p:pic>
+        <p:nvPicPr>
+          <p:cNvPr id="5" name="Picture 4">
+            <a:extLst>
+              <a:ext uri="{FF2B5EF4-FFF2-40B4-BE49-F238E27FC236}">
+                <a16:creationId xmlns:a16="http://schemas.microsoft.com/office/drawing/2014/main" id="{8B864AF7-E4D3-4AC7-80E7-4C77E4404402}"/>
+              </a:ext>
+            </a:extLst>
+          </p:cNvPr>
+          <p:cNvPicPr>
+            <a:picLocks noChangeAspect="1"/>
+          </p:cNvPicPr>
+          <p:nvPr/>
+        </p:nvPicPr>
+        <p:blipFill>
+          <a:blip r:embed="rId3"/>
+          <a:stretch>
+            <a:fillRect/>
+          </a:stretch>
+        </p:blipFill>
+        <p:spPr>
+          <a:xfrm>
+            <a:off x="3403150" y="1775746"/>
+            <a:ext cx="4582006" cy="4833075"/>
+          </a:xfrm>
+          <a:prstGeom prst="rect">
+            <a:avLst/>
+          </a:prstGeom>
+        </p:spPr>
+      </p:pic>
+    </p:spTree>
+    <p:extLst>
+      <p:ext uri="{BB962C8B-B14F-4D97-AF65-F5344CB8AC3E}">
+        <p14:creationId xmlns:p14="http://schemas.microsoft.com/office/powerpoint/2010/main" val="3685251472"/>
+      </p:ext>
+    </p:extLst>
+  </p:cSld>
+  <p:clrMapOvr>
+    <a:masterClrMapping/>
+  </p:clrMapOvr>
+</p:sld>
+</file>
+
+<file path=ppt/slides/slide23.xml><?xml version="1.0" encoding="utf-8"?>
+<p:sld xmlns:a="http://schemas.openxmlformats.org/drawingml/2006/main" xmlns:r="http://schemas.openxmlformats.org/officeDocument/2006/relationships" xmlns:p="http://schemas.openxmlformats.org/presentationml/2006/main">
+  <p:cSld>
+    <p:spTree>
+      <p:nvGrpSpPr>
+        <p:cNvPr id="1" name=""/>
+        <p:cNvGrpSpPr/>
+        <p:nvPr/>
+      </p:nvGrpSpPr>
+      <p:grpSpPr>
+        <a:xfrm>
+          <a:off x="0" y="0"/>
+          <a:ext cx="0" cy="0"/>
+          <a:chOff x="0" y="0"/>
+          <a:chExt cx="0" cy="0"/>
+        </a:xfrm>
+      </p:grpSpPr>
+      <p:sp>
+        <p:nvSpPr>
+          <p:cNvPr id="2" name="Title 1">
+            <a:extLst>
+              <a:ext uri="{FF2B5EF4-FFF2-40B4-BE49-F238E27FC236}">
+                <a16:creationId xmlns:a16="http://schemas.microsoft.com/office/drawing/2014/main" id="{D94B3CF2-065E-4DB2-AA87-E739164F6B2F}"/>
+              </a:ext>
+            </a:extLst>
+          </p:cNvPr>
+          <p:cNvSpPr>
+            <a:spLocks noGrp="1"/>
+          </p:cNvSpPr>
+          <p:nvPr>
+            <p:ph type="title"/>
+          </p:nvPr>
+        </p:nvSpPr>
+        <p:spPr/>
+        <p:txBody>
+          <a:bodyPr/>
+          <a:lstStyle/>
+          <a:p>
+            <a:r>
+              <a:rPr lang="en-US" dirty="0"/>
+              <a:t>References</a:t>
+            </a:r>
+            <a:endParaRPr lang="tr-TR" dirty="0"/>
+          </a:p>
+        </p:txBody>
+      </p:sp>
+      <p:sp>
+        <p:nvSpPr>
+          <p:cNvPr id="3" name="Content Placeholder 2">
+            <a:extLst>
+              <a:ext uri="{FF2B5EF4-FFF2-40B4-BE49-F238E27FC236}">
+                <a16:creationId xmlns:a16="http://schemas.microsoft.com/office/drawing/2014/main" id="{F778F9F1-36A2-4BDE-8A96-3CDE692DE8B1}"/>
+              </a:ext>
+            </a:extLst>
+          </p:cNvPr>
+          <p:cNvSpPr>
+            <a:spLocks noGrp="1"/>
+          </p:cNvSpPr>
+          <p:nvPr>
+            <p:ph idx="1"/>
+          </p:nvPr>
+        </p:nvSpPr>
+        <p:spPr/>
+        <p:txBody>
+          <a:bodyPr>
+            <a:normAutofit/>
+          </a:bodyPr>
+          <a:lstStyle/>
+          <a:p>
+            <a:r>
+              <a:rPr lang="en-US" sz="1800" dirty="0" err="1"/>
+              <a:t>Jingjin</a:t>
+            </a:r>
+            <a:r>
+              <a:rPr lang="en-US" sz="1800" dirty="0"/>
+              <a:t> Yu, Daniela Rus, Pebble motion on graphs with rotations: efficient feasibility tests and planning algorithms, in: Eleventh Workshop on the Algorithmic Foundations of Robotics, 2014</a:t>
+            </a:r>
+          </a:p>
+          <a:p>
+            <a:r>
+              <a:rPr lang="en-US" sz="1800" dirty="0"/>
+              <a:t>Trevor S. </a:t>
+            </a:r>
+            <a:r>
+              <a:rPr lang="en-US" sz="1800" dirty="0" err="1"/>
+              <a:t>Standley</a:t>
+            </a:r>
+            <a:r>
+              <a:rPr lang="en-US" sz="1800" dirty="0"/>
+              <a:t>, Finding optimal solutions to cooperative pathfinding problems, in: AAAI, 2010</a:t>
+            </a:r>
+          </a:p>
+          <a:p>
+            <a:r>
+              <a:rPr lang="en-US" sz="1800" dirty="0"/>
+              <a:t>Nathan R. Sturtevant, Benchmarks for grid-based pathfinding, </a:t>
+            </a:r>
+            <a:r>
+              <a:rPr lang="en-US" sz="1800" dirty="0" err="1"/>
+              <a:t>Comput</a:t>
+            </a:r>
+            <a:r>
+              <a:rPr lang="en-US" sz="1800" dirty="0"/>
+              <a:t>. </a:t>
+            </a:r>
+            <a:r>
+              <a:rPr lang="en-US" sz="1800" dirty="0" err="1"/>
+              <a:t>Intell</a:t>
+            </a:r>
+            <a:r>
+              <a:rPr lang="en-US" sz="1800" dirty="0"/>
+              <a:t>. AI Games 4 (2) (2012) 144–148.</a:t>
+            </a:r>
+          </a:p>
+          <a:p>
+            <a:r>
+              <a:rPr lang="en-US" sz="1800" dirty="0"/>
+              <a:t>Rina </a:t>
+            </a:r>
+            <a:r>
+              <a:rPr lang="en-US" sz="1800" dirty="0" err="1"/>
+              <a:t>Dechter</a:t>
+            </a:r>
+            <a:r>
+              <a:rPr lang="en-US" sz="1800" dirty="0"/>
+              <a:t>, Judea Pearl, Generalized best-first search strategies and the optimality of A*, J. ACM 32 (3) (1985) 505–536.</a:t>
+            </a:r>
+          </a:p>
+          <a:p>
+            <a:r>
+              <a:rPr lang="tr-TR" sz="1800" dirty="0" err="1"/>
+              <a:t>Guni</a:t>
+            </a:r>
+            <a:r>
+              <a:rPr lang="tr-TR" sz="1800" dirty="0"/>
+              <a:t> </a:t>
+            </a:r>
+            <a:r>
+              <a:rPr lang="tr-TR" sz="1800" dirty="0" err="1"/>
+              <a:t>Sharon</a:t>
+            </a:r>
+            <a:r>
+              <a:rPr lang="tr-TR" sz="1800" dirty="0"/>
+              <a:t>, </a:t>
+            </a:r>
+            <a:r>
+              <a:rPr lang="tr-TR" sz="1800" dirty="0" err="1"/>
+              <a:t>Roni</a:t>
+            </a:r>
+            <a:r>
+              <a:rPr lang="tr-TR" sz="1800" dirty="0"/>
+              <a:t> </a:t>
+            </a:r>
+            <a:r>
+              <a:rPr lang="tr-TR" sz="1800" dirty="0" err="1"/>
+              <a:t>Stern</a:t>
+            </a:r>
+            <a:r>
+              <a:rPr lang="tr-TR" sz="1800" dirty="0"/>
+              <a:t>, Meir </a:t>
+            </a:r>
+            <a:r>
+              <a:rPr lang="tr-TR" sz="1800" dirty="0" err="1"/>
+              <a:t>Goldenberg</a:t>
+            </a:r>
+            <a:r>
+              <a:rPr lang="tr-TR" sz="1800" dirty="0"/>
+              <a:t>, </a:t>
+            </a:r>
+            <a:r>
+              <a:rPr lang="tr-TR" sz="1800" dirty="0" err="1"/>
+              <a:t>Ariel</a:t>
+            </a:r>
+            <a:r>
+              <a:rPr lang="tr-TR" sz="1800" dirty="0"/>
+              <a:t> </a:t>
+            </a:r>
+            <a:r>
+              <a:rPr lang="tr-TR" sz="1800" dirty="0" err="1"/>
+              <a:t>Felner</a:t>
+            </a:r>
+            <a:r>
+              <a:rPr lang="tr-TR" sz="1800" dirty="0"/>
+              <a:t>, </a:t>
+            </a:r>
+            <a:r>
+              <a:rPr lang="tr-TR" sz="1800" dirty="0" err="1"/>
+              <a:t>The</a:t>
+            </a:r>
+            <a:r>
+              <a:rPr lang="tr-TR" sz="1800" dirty="0"/>
+              <a:t> </a:t>
+            </a:r>
+            <a:r>
+              <a:rPr lang="tr-TR" sz="1800" dirty="0" err="1"/>
+              <a:t>increasing</a:t>
+            </a:r>
+            <a:r>
+              <a:rPr lang="tr-TR" sz="1800" dirty="0"/>
+              <a:t> </a:t>
+            </a:r>
+            <a:r>
+              <a:rPr lang="tr-TR" sz="1800" dirty="0" err="1"/>
+              <a:t>cost</a:t>
+            </a:r>
+            <a:r>
+              <a:rPr lang="tr-TR" sz="1800" dirty="0"/>
+              <a:t> </a:t>
+            </a:r>
+            <a:r>
+              <a:rPr lang="tr-TR" sz="1800" dirty="0" err="1"/>
+              <a:t>tree</a:t>
+            </a:r>
+            <a:r>
+              <a:rPr lang="tr-TR" sz="1800" dirty="0"/>
+              <a:t> </a:t>
+            </a:r>
+            <a:r>
+              <a:rPr lang="tr-TR" sz="1800" dirty="0" err="1"/>
+              <a:t>search</a:t>
+            </a:r>
+            <a:r>
+              <a:rPr lang="tr-TR" sz="1800" dirty="0"/>
+              <a:t> </a:t>
+            </a:r>
+            <a:r>
+              <a:rPr lang="tr-TR" sz="1800" dirty="0" err="1"/>
+              <a:t>for</a:t>
+            </a:r>
+            <a:r>
+              <a:rPr lang="tr-TR" sz="1800" dirty="0"/>
+              <a:t> optimal </a:t>
+            </a:r>
+            <a:r>
+              <a:rPr lang="tr-TR" sz="1800" dirty="0" err="1"/>
+              <a:t>multi-agent</a:t>
+            </a:r>
+            <a:r>
+              <a:rPr lang="tr-TR" sz="1800" dirty="0"/>
+              <a:t> </a:t>
+            </a:r>
+            <a:r>
+              <a:rPr lang="tr-TR" sz="1800" dirty="0" err="1"/>
+              <a:t>pathfinding</a:t>
+            </a:r>
+            <a:r>
+              <a:rPr lang="tr-TR" sz="1800" dirty="0"/>
+              <a:t>, in: IJCAI, 2011, </a:t>
+            </a:r>
+            <a:r>
+              <a:rPr lang="tr-TR" sz="1800" dirty="0" err="1"/>
+              <a:t>pp</a:t>
+            </a:r>
+            <a:r>
+              <a:rPr lang="tr-TR" sz="1800" dirty="0"/>
+              <a:t>. 662–667.</a:t>
+            </a:r>
+            <a:endParaRPr lang="en-US" sz="1800" dirty="0"/>
+          </a:p>
+          <a:p>
+            <a:r>
+              <a:rPr lang="tr-TR" sz="1800" dirty="0" err="1"/>
+              <a:t>Guni</a:t>
+            </a:r>
+            <a:r>
+              <a:rPr lang="tr-TR" sz="1800" dirty="0"/>
+              <a:t> </a:t>
+            </a:r>
+            <a:r>
+              <a:rPr lang="tr-TR" sz="1800" dirty="0" err="1"/>
+              <a:t>Sharon</a:t>
+            </a:r>
+            <a:r>
+              <a:rPr lang="tr-TR" sz="1800" dirty="0"/>
+              <a:t>, </a:t>
+            </a:r>
+            <a:r>
+              <a:rPr lang="tr-TR" sz="1800" dirty="0" err="1"/>
+              <a:t>Roni</a:t>
+            </a:r>
+            <a:r>
+              <a:rPr lang="tr-TR" sz="1800" dirty="0"/>
+              <a:t> </a:t>
+            </a:r>
+            <a:r>
+              <a:rPr lang="tr-TR" sz="1800" dirty="0" err="1"/>
+              <a:t>Stern</a:t>
+            </a:r>
+            <a:r>
+              <a:rPr lang="tr-TR" sz="1800" dirty="0"/>
+              <a:t>, Meir </a:t>
+            </a:r>
+            <a:r>
+              <a:rPr lang="tr-TR" sz="1800" dirty="0" err="1"/>
+              <a:t>Goldenberg</a:t>
+            </a:r>
+            <a:r>
+              <a:rPr lang="tr-TR" sz="1800" dirty="0"/>
+              <a:t>, </a:t>
+            </a:r>
+            <a:r>
+              <a:rPr lang="tr-TR" sz="1800" dirty="0" err="1"/>
+              <a:t>Ariel</a:t>
+            </a:r>
+            <a:r>
+              <a:rPr lang="tr-TR" sz="1800" dirty="0"/>
+              <a:t> </a:t>
+            </a:r>
+            <a:r>
+              <a:rPr lang="tr-TR" sz="1800" dirty="0" err="1"/>
+              <a:t>Felner</a:t>
+            </a:r>
+            <a:r>
+              <a:rPr lang="tr-TR" sz="1800" dirty="0"/>
+              <a:t>, </a:t>
+            </a:r>
+            <a:r>
+              <a:rPr lang="tr-TR" sz="1800" dirty="0" err="1"/>
+              <a:t>The</a:t>
+            </a:r>
+            <a:r>
+              <a:rPr lang="tr-TR" sz="1800" dirty="0"/>
+              <a:t> </a:t>
+            </a:r>
+            <a:r>
+              <a:rPr lang="tr-TR" sz="1800" dirty="0" err="1"/>
+              <a:t>increasing</a:t>
+            </a:r>
+            <a:r>
+              <a:rPr lang="tr-TR" sz="1800" dirty="0"/>
+              <a:t> </a:t>
+            </a:r>
+            <a:r>
+              <a:rPr lang="tr-TR" sz="1800" dirty="0" err="1"/>
+              <a:t>cost</a:t>
+            </a:r>
+            <a:r>
+              <a:rPr lang="tr-TR" sz="1800" dirty="0"/>
+              <a:t> </a:t>
+            </a:r>
+            <a:r>
+              <a:rPr lang="tr-TR" sz="1800" dirty="0" err="1"/>
+              <a:t>tree</a:t>
+            </a:r>
+            <a:r>
+              <a:rPr lang="tr-TR" sz="1800" dirty="0"/>
+              <a:t> </a:t>
+            </a:r>
+            <a:r>
+              <a:rPr lang="tr-TR" sz="1800" dirty="0" err="1"/>
+              <a:t>search</a:t>
+            </a:r>
+            <a:r>
+              <a:rPr lang="tr-TR" sz="1800" dirty="0"/>
+              <a:t> </a:t>
+            </a:r>
+            <a:r>
+              <a:rPr lang="tr-TR" sz="1800" dirty="0" err="1"/>
+              <a:t>for</a:t>
+            </a:r>
+            <a:r>
+              <a:rPr lang="tr-TR" sz="1800" dirty="0"/>
+              <a:t> optimal </a:t>
+            </a:r>
+            <a:r>
+              <a:rPr lang="tr-TR" sz="1800" dirty="0" err="1"/>
+              <a:t>multi-agent</a:t>
+            </a:r>
+            <a:r>
+              <a:rPr lang="tr-TR" sz="1800" dirty="0"/>
+              <a:t> </a:t>
+            </a:r>
+            <a:r>
+              <a:rPr lang="tr-TR" sz="1800" dirty="0" err="1"/>
+              <a:t>pathfinding</a:t>
+            </a:r>
+            <a:r>
+              <a:rPr lang="tr-TR" sz="1800" dirty="0"/>
+              <a:t>, </a:t>
+            </a:r>
+            <a:r>
+              <a:rPr lang="tr-TR" sz="1800" dirty="0" err="1"/>
+              <a:t>Artif</a:t>
+            </a:r>
+            <a:r>
+              <a:rPr lang="tr-TR" sz="1800" dirty="0"/>
+              <a:t>. </a:t>
+            </a:r>
+            <a:r>
+              <a:rPr lang="tr-TR" sz="1800" dirty="0" err="1"/>
+              <a:t>Intell</a:t>
+            </a:r>
+            <a:r>
+              <a:rPr lang="tr-TR" sz="1800" dirty="0"/>
+              <a:t>. 195 (2013) 470–495.</a:t>
+            </a:r>
+            <a:endParaRPr lang="en-US" sz="1800" dirty="0"/>
+          </a:p>
+          <a:p>
+            <a:r>
+              <a:rPr lang="tr-TR" sz="1800" dirty="0"/>
+              <a:t>Meir </a:t>
+            </a:r>
+            <a:r>
+              <a:rPr lang="tr-TR" sz="1800" dirty="0" err="1"/>
+              <a:t>Goldenberg</a:t>
+            </a:r>
+            <a:r>
+              <a:rPr lang="tr-TR" sz="1800" dirty="0"/>
+              <a:t>, </a:t>
+            </a:r>
+            <a:r>
+              <a:rPr lang="tr-TR" sz="1800" dirty="0" err="1"/>
+              <a:t>Ariel</a:t>
+            </a:r>
+            <a:r>
+              <a:rPr lang="tr-TR" sz="1800" dirty="0"/>
+              <a:t> </a:t>
+            </a:r>
+            <a:r>
+              <a:rPr lang="tr-TR" sz="1800" dirty="0" err="1"/>
+              <a:t>Felner</a:t>
+            </a:r>
+            <a:r>
+              <a:rPr lang="tr-TR" sz="1800" dirty="0"/>
+              <a:t>, </a:t>
+            </a:r>
+            <a:r>
+              <a:rPr lang="tr-TR" sz="1800" dirty="0" err="1"/>
+              <a:t>Roni</a:t>
+            </a:r>
+            <a:r>
+              <a:rPr lang="tr-TR" sz="1800" dirty="0"/>
+              <a:t> </a:t>
+            </a:r>
+            <a:r>
+              <a:rPr lang="tr-TR" sz="1800" dirty="0" err="1"/>
+              <a:t>Stern</a:t>
+            </a:r>
+            <a:r>
+              <a:rPr lang="tr-TR" sz="1800" dirty="0"/>
+              <a:t>, </a:t>
+            </a:r>
+            <a:r>
+              <a:rPr lang="tr-TR" sz="1800" dirty="0" err="1"/>
+              <a:t>Guni</a:t>
+            </a:r>
+            <a:r>
+              <a:rPr lang="tr-TR" sz="1800" dirty="0"/>
+              <a:t> </a:t>
+            </a:r>
+            <a:r>
+              <a:rPr lang="tr-TR" sz="1800" dirty="0" err="1"/>
+              <a:t>Sharon</a:t>
+            </a:r>
+            <a:r>
+              <a:rPr lang="tr-TR" sz="1800" dirty="0"/>
+              <a:t>, </a:t>
+            </a:r>
+            <a:r>
+              <a:rPr lang="tr-TR" sz="1800" dirty="0" err="1"/>
+              <a:t>Nathan</a:t>
+            </a:r>
+            <a:r>
+              <a:rPr lang="tr-TR" sz="1800" dirty="0"/>
+              <a:t> R. </a:t>
+            </a:r>
+            <a:r>
+              <a:rPr lang="tr-TR" sz="1800" dirty="0" err="1"/>
+              <a:t>Sturtevant</a:t>
+            </a:r>
+            <a:r>
+              <a:rPr lang="tr-TR" sz="1800" dirty="0"/>
+              <a:t>, Robert C. </a:t>
+            </a:r>
+            <a:r>
+              <a:rPr lang="tr-TR" sz="1800" dirty="0" err="1"/>
+              <a:t>Holte</a:t>
+            </a:r>
+            <a:r>
+              <a:rPr lang="tr-TR" sz="1800" dirty="0"/>
+              <a:t>, </a:t>
+            </a:r>
+            <a:r>
+              <a:rPr lang="tr-TR" sz="1800" dirty="0" err="1"/>
+              <a:t>Jonathan</a:t>
+            </a:r>
+            <a:r>
+              <a:rPr lang="tr-TR" sz="1800" dirty="0"/>
+              <a:t> </a:t>
+            </a:r>
+            <a:r>
+              <a:rPr lang="tr-TR" sz="1800" dirty="0" err="1"/>
+              <a:t>Schaeffer</a:t>
+            </a:r>
+            <a:r>
+              <a:rPr lang="tr-TR" sz="1800" dirty="0"/>
+              <a:t>, </a:t>
+            </a:r>
+            <a:r>
+              <a:rPr lang="tr-TR" sz="1800" dirty="0" err="1"/>
+              <a:t>Enhanced</a:t>
+            </a:r>
+            <a:r>
+              <a:rPr lang="tr-TR" sz="1800" dirty="0"/>
+              <a:t> </a:t>
+            </a:r>
+            <a:r>
+              <a:rPr lang="tr-TR" sz="1800" dirty="0" err="1"/>
+              <a:t>partial</a:t>
+            </a:r>
+            <a:r>
+              <a:rPr lang="tr-TR" sz="1800" dirty="0"/>
+              <a:t> </a:t>
+            </a:r>
+            <a:r>
+              <a:rPr lang="tr-TR" sz="1800" dirty="0" err="1"/>
+              <a:t>expansion</a:t>
+            </a:r>
+            <a:r>
+              <a:rPr lang="tr-TR" sz="1800" dirty="0"/>
+              <a:t> A*, J. </a:t>
+            </a:r>
+            <a:r>
+              <a:rPr lang="tr-TR" sz="1800" dirty="0" err="1"/>
+              <a:t>Artif</a:t>
+            </a:r>
+            <a:r>
+              <a:rPr lang="tr-TR" sz="1800" dirty="0"/>
+              <a:t>. </a:t>
+            </a:r>
+            <a:r>
+              <a:rPr lang="tr-TR" sz="1800" dirty="0" err="1"/>
+              <a:t>Intell</a:t>
+            </a:r>
+            <a:r>
+              <a:rPr lang="tr-TR" sz="1800" dirty="0"/>
+              <a:t>. </a:t>
+            </a:r>
+            <a:r>
+              <a:rPr lang="tr-TR" sz="1800" dirty="0" err="1"/>
+              <a:t>Res</a:t>
+            </a:r>
+            <a:r>
+              <a:rPr lang="tr-TR" sz="1800" dirty="0"/>
+              <a:t>. 50 (2014) 141–187</a:t>
+            </a:r>
+          </a:p>
+        </p:txBody>
+      </p:sp>
+      <p:sp>
+        <p:nvSpPr>
+          <p:cNvPr id="4" name="Slide Number Placeholder 3">
+            <a:extLst>
+              <a:ext uri="{FF2B5EF4-FFF2-40B4-BE49-F238E27FC236}">
+                <a16:creationId xmlns:a16="http://schemas.microsoft.com/office/drawing/2014/main" id="{E689C685-5557-4712-A7ED-C04B2E99C335}"/>
+              </a:ext>
+            </a:extLst>
+          </p:cNvPr>
+          <p:cNvSpPr>
+            <a:spLocks noGrp="1"/>
+          </p:cNvSpPr>
+          <p:nvPr>
+            <p:ph type="sldNum" sz="quarter" idx="12"/>
+          </p:nvPr>
+        </p:nvSpPr>
+        <p:spPr/>
+        <p:txBody>
+          <a:bodyPr/>
+          <a:lstStyle/>
+          <a:p>
+            <a:fld id="{4B024B25-DFCA-4944-BA90-A17C573440F7}" type="slidenum">
+              <a:rPr lang="tr-TR" smtClean="0"/>
+              <a:t>23</a:t>
+            </a:fld>
+            <a:endParaRPr lang="tr-TR"/>
+          </a:p>
+        </p:txBody>
+      </p:sp>
+    </p:spTree>
+    <p:extLst>
+      <p:ext uri="{BB962C8B-B14F-4D97-AF65-F5344CB8AC3E}">
+        <p14:creationId xmlns:p14="http://schemas.microsoft.com/office/powerpoint/2010/main" val="2620006480"/>
+      </p:ext>
+    </p:extLst>
+  </p:cSld>
+  <p:clrMapOvr>
+    <a:masterClrMapping/>
+  </p:clrMapOvr>
+</p:sld>
+</file>
+
+<file path=ppt/slides/slide24.xml><?xml version="1.0" encoding="utf-8"?>
+<p:sld xmlns:a="http://schemas.openxmlformats.org/drawingml/2006/main" xmlns:r="http://schemas.openxmlformats.org/officeDocument/2006/relationships" xmlns:p="http://schemas.openxmlformats.org/presentationml/2006/main">
+  <p:cSld>
+    <p:spTree>
+      <p:nvGrpSpPr>
+        <p:cNvPr id="1" name=""/>
+        <p:cNvGrpSpPr/>
+        <p:nvPr/>
+      </p:nvGrpSpPr>
+      <p:grpSpPr>
+        <a:xfrm>
+          <a:off x="0" y="0"/>
+          <a:ext cx="0" cy="0"/>
+          <a:chOff x="0" y="0"/>
+          <a:chExt cx="0" cy="0"/>
+        </a:xfrm>
+      </p:grpSpPr>
+      <p:sp>
+        <p:nvSpPr>
+          <p:cNvPr id="2" name="Title 1">
+            <a:extLst>
+              <a:ext uri="{FF2B5EF4-FFF2-40B4-BE49-F238E27FC236}">
+                <a16:creationId xmlns:a16="http://schemas.microsoft.com/office/drawing/2014/main" id="{9F0CB806-D71E-4969-A12D-937F7F017AB9}"/>
+              </a:ext>
+            </a:extLst>
+          </p:cNvPr>
+          <p:cNvSpPr>
+            <a:spLocks noGrp="1"/>
+          </p:cNvSpPr>
+          <p:nvPr>
+            <p:ph type="title"/>
+          </p:nvPr>
+        </p:nvSpPr>
+        <p:spPr>
+          <a:xfrm>
+            <a:off x="4133662" y="3035897"/>
+            <a:ext cx="10515600" cy="1325563"/>
+          </a:xfrm>
+        </p:spPr>
+        <p:txBody>
+          <a:bodyPr/>
+          <a:lstStyle/>
+          <a:p>
+            <a:r>
+              <a:rPr lang="en-US" dirty="0"/>
+              <a:t>Any Questions</a:t>
+            </a:r>
+            <a:endParaRPr lang="tr-TR" dirty="0"/>
+          </a:p>
+        </p:txBody>
+      </p:sp>
+      <p:sp>
+        <p:nvSpPr>
+          <p:cNvPr id="4" name="Slide Number Placeholder 3">
+            <a:extLst>
+              <a:ext uri="{FF2B5EF4-FFF2-40B4-BE49-F238E27FC236}">
+                <a16:creationId xmlns:a16="http://schemas.microsoft.com/office/drawing/2014/main" id="{5C75F63F-5666-4162-89BC-7F93F89C41FA}"/>
+              </a:ext>
+            </a:extLst>
+          </p:cNvPr>
+          <p:cNvSpPr>
+            <a:spLocks noGrp="1"/>
+          </p:cNvSpPr>
+          <p:nvPr>
+            <p:ph type="sldNum" sz="quarter" idx="12"/>
+          </p:nvPr>
+        </p:nvSpPr>
+        <p:spPr/>
+        <p:txBody>
+          <a:bodyPr/>
+          <a:lstStyle/>
+          <a:p>
+            <a:fld id="{4B024B25-DFCA-4944-BA90-A17C573440F7}" type="slidenum">
+              <a:rPr lang="tr-TR" smtClean="0"/>
+              <a:t>24</a:t>
+            </a:fld>
+            <a:endParaRPr lang="tr-TR"/>
+          </a:p>
+        </p:txBody>
+      </p:sp>
+    </p:spTree>
+    <p:extLst>
+      <p:ext uri="{BB962C8B-B14F-4D97-AF65-F5344CB8AC3E}">
+        <p14:creationId xmlns:p14="http://schemas.microsoft.com/office/powerpoint/2010/main" val="1752094238"/>
       </p:ext>
     </p:extLst>
   </p:cSld>
@@ -10822,6 +13439,54 @@
 </file>
 
 <file path=ppt/tags/tag20.xml><?xml version="1.0" encoding="utf-8"?>
+<p:tagLst xmlns:a="http://schemas.openxmlformats.org/drawingml/2006/main" xmlns:r="http://schemas.openxmlformats.org/officeDocument/2006/relationships" xmlns:p="http://schemas.openxmlformats.org/presentationml/2006/main">
+  <p:tag name="BJHEADERFOOTERLABEL" val="TRUE"/>
+  <p:tag name="BJHEADERFOOTERTEXTLABEL" val="TASNİF DIŞI"/>
+  <p:tag name="BJHEADERFOOTERTEXTMARKING" val="TASNİF DIŞI"/>
+</p:tagLst>
+</file>
+
+<file path=ppt/tags/tag21.xml><?xml version="1.0" encoding="utf-8"?>
+<p:tagLst xmlns:a="http://schemas.openxmlformats.org/drawingml/2006/main" xmlns:r="http://schemas.openxmlformats.org/officeDocument/2006/relationships" xmlns:p="http://schemas.openxmlformats.org/presentationml/2006/main">
+  <p:tag name="BJHEADERFOOTERLABEL" val="TRUE"/>
+  <p:tag name="BJHEADERFOOTERTEXTLABEL" val="TASNİF DIŞI"/>
+  <p:tag name="BJHEADERFOOTERTEXTMARKING" val="TASNİF DIŞI"/>
+</p:tagLst>
+</file>
+
+<file path=ppt/tags/tag22.xml><?xml version="1.0" encoding="utf-8"?>
+<p:tagLst xmlns:a="http://schemas.openxmlformats.org/drawingml/2006/main" xmlns:r="http://schemas.openxmlformats.org/officeDocument/2006/relationships" xmlns:p="http://schemas.openxmlformats.org/presentationml/2006/main">
+  <p:tag name="BJHEADERFOOTERLABEL" val="TRUE"/>
+  <p:tag name="BJHEADERFOOTERTEXTLABEL" val="TASNİF DIŞI"/>
+  <p:tag name="BJHEADERFOOTERTEXTMARKING" val="TASNİF DIŞI"/>
+</p:tagLst>
+</file>
+
+<file path=ppt/tags/tag23.xml><?xml version="1.0" encoding="utf-8"?>
+<p:tagLst xmlns:a="http://schemas.openxmlformats.org/drawingml/2006/main" xmlns:r="http://schemas.openxmlformats.org/officeDocument/2006/relationships" xmlns:p="http://schemas.openxmlformats.org/presentationml/2006/main">
+  <p:tag name="BJHEADERFOOTERLABEL" val="TRUE"/>
+  <p:tag name="BJHEADERFOOTERTEXTLABEL" val="TASNİF DIŞI"/>
+  <p:tag name="BJHEADERFOOTERTEXTMARKING" val="TASNİF DIŞI"/>
+</p:tagLst>
+</file>
+
+<file path=ppt/tags/tag24.xml><?xml version="1.0" encoding="utf-8"?>
+<p:tagLst xmlns:a="http://schemas.openxmlformats.org/drawingml/2006/main" xmlns:r="http://schemas.openxmlformats.org/officeDocument/2006/relationships" xmlns:p="http://schemas.openxmlformats.org/presentationml/2006/main">
+  <p:tag name="BJHEADERFOOTERLABEL" val="TRUE"/>
+  <p:tag name="BJHEADERFOOTERTEXTLABEL" val="TASNİF DIŞI"/>
+  <p:tag name="BJHEADERFOOTERTEXTMARKING" val="TASNİF DIŞI"/>
+</p:tagLst>
+</file>
+
+<file path=ppt/tags/tag25.xml><?xml version="1.0" encoding="utf-8"?>
+<p:tagLst xmlns:a="http://schemas.openxmlformats.org/drawingml/2006/main" xmlns:r="http://schemas.openxmlformats.org/officeDocument/2006/relationships" xmlns:p="http://schemas.openxmlformats.org/presentationml/2006/main">
+  <p:tag name="BJHEADERFOOTERLABEL" val="TRUE"/>
+  <p:tag name="BJHEADERFOOTERTEXTLABEL" val="TASNİF DIŞI"/>
+  <p:tag name="BJHEADERFOOTERTEXTMARKING" val="TASNİF DIŞI"/>
+</p:tagLst>
+</file>
+
+<file path=ppt/tags/tag26.xml><?xml version="1.0" encoding="utf-8"?>
 <p:tagLst xmlns:a="http://schemas.openxmlformats.org/drawingml/2006/main" xmlns:r="http://schemas.openxmlformats.org/officeDocument/2006/relationships" xmlns:p="http://schemas.openxmlformats.org/presentationml/2006/main">
   <p:tag name="BJHEADERFOOTERLABEL" val="TRUE"/>
   <p:tag name="BJHEADERFOOTERTEXTLABEL" val="TASNİF DIŞI"/>
@@ -11777,7 +14442,7 @@
 </file>
 
 <file path=customXml/itemProps1.xml><?xml version="1.0" encoding="utf-8"?>
-<ds:datastoreItem xmlns:ds="http://schemas.openxmlformats.org/officeDocument/2006/customXml" ds:itemID="{8ECEB6A6-8396-49EF-8ECF-64D3737F07E3}">
+<ds:datastoreItem xmlns:ds="http://schemas.openxmlformats.org/officeDocument/2006/customXml" ds:itemID="{8FB30D7A-EC28-4D3F-8E19-A75495E818AB}">
   <ds:schemaRefs>
     <ds:schemaRef ds:uri="http://www.w3.org/2001/XMLSchema"/>
     <ds:schemaRef ds:uri="http://www.boldonjames.com/2008/01/sie/internal/label"/>

--- a/dahahilipls.pptx
+++ b/dahahilipls.pptx
@@ -246,7 +246,7 @@
           <a:p>
             <a:fld id="{804136C7-FB4F-4486-A3C2-378AD4BCA59E}" type="datetimeFigureOut">
               <a:rPr lang="tr-TR" smtClean="0"/>
-              <a:t>26.01.2026</a:t>
+              <a:t>27.01.2026</a:t>
             </a:fld>
             <a:endParaRPr lang="tr-TR"/>
           </a:p>
@@ -435,7 +435,7 @@
           <a:p>
             <a:fld id="{03F75F1C-96D1-4385-A770-21325CBD7C70}" type="datetimeFigureOut">
               <a:rPr lang="tr-TR" smtClean="0"/>
-              <a:t>26.01.2026</a:t>
+              <a:t>27.01.2026</a:t>
             </a:fld>
             <a:endParaRPr lang="tr-TR"/>
           </a:p>
@@ -3925,7 +3925,7 @@
           <a:p>
             <a:fld id="{4BB3D0F9-C69A-4DAD-9822-657E93D18B16}" type="datetime1">
               <a:rPr lang="tr-TR" smtClean="0"/>
-              <a:t>26.01.2026</a:t>
+              <a:t>27.01.2026</a:t>
             </a:fld>
             <a:endParaRPr lang="tr-TR"/>
           </a:p>
@@ -4125,7 +4125,7 @@
           <a:p>
             <a:fld id="{162B5E83-06BF-48D1-904C-45BD28A543C2}" type="datetime1">
               <a:rPr lang="tr-TR" smtClean="0"/>
-              <a:t>26.01.2026</a:t>
+              <a:t>27.01.2026</a:t>
             </a:fld>
             <a:endParaRPr lang="tr-TR"/>
           </a:p>
@@ -4335,7 +4335,7 @@
           <a:p>
             <a:fld id="{2CF74FCA-AEC8-4A10-A5F6-696D850CFB62}" type="datetime1">
               <a:rPr lang="tr-TR" smtClean="0"/>
-              <a:t>26.01.2026</a:t>
+              <a:t>27.01.2026</a:t>
             </a:fld>
             <a:endParaRPr lang="tr-TR"/>
           </a:p>
@@ -4535,7 +4535,7 @@
           <a:p>
             <a:fld id="{B86EC6C7-06AD-4535-B763-96EA61EE6375}" type="datetime1">
               <a:rPr lang="tr-TR" smtClean="0"/>
-              <a:t>26.01.2026</a:t>
+              <a:t>27.01.2026</a:t>
             </a:fld>
             <a:endParaRPr lang="tr-TR"/>
           </a:p>
@@ -4773,7 +4773,7 @@
           <a:p>
             <a:fld id="{D1FDD170-2B24-4EF2-839B-95523F088740}" type="datetime1">
               <a:rPr lang="tr-TR" smtClean="0"/>
-              <a:t>26.01.2026</a:t>
+              <a:t>27.01.2026</a:t>
             </a:fld>
             <a:endParaRPr lang="tr-TR"/>
           </a:p>
@@ -5070,7 +5070,7 @@
           <a:p>
             <a:fld id="{FE9EF3D2-F7D3-4F4A-96EA-9F225C6F3DBC}" type="datetime1">
               <a:rPr lang="tr-TR" smtClean="0"/>
-              <a:t>26.01.2026</a:t>
+              <a:t>27.01.2026</a:t>
             </a:fld>
             <a:endParaRPr lang="tr-TR"/>
           </a:p>
@@ -5485,7 +5485,7 @@
           <a:p>
             <a:fld id="{58DF2CEC-19D4-4CDA-BD34-0453D04BC91F}" type="datetime1">
               <a:rPr lang="tr-TR" smtClean="0"/>
-              <a:t>26.01.2026</a:t>
+              <a:t>27.01.2026</a:t>
             </a:fld>
             <a:endParaRPr lang="tr-TR"/>
           </a:p>
@@ -5627,7 +5627,7 @@
           <a:p>
             <a:fld id="{56D95682-C3D2-47D8-9ABB-ED9C7D68DF14}" type="datetime1">
               <a:rPr lang="tr-TR" smtClean="0"/>
-              <a:t>26.01.2026</a:t>
+              <a:t>27.01.2026</a:t>
             </a:fld>
             <a:endParaRPr lang="tr-TR"/>
           </a:p>
@@ -5740,7 +5740,7 @@
           <a:p>
             <a:fld id="{6CB6BDAB-0756-491D-9DEA-75AA95454EA5}" type="datetime1">
               <a:rPr lang="tr-TR" smtClean="0"/>
-              <a:t>26.01.2026</a:t>
+              <a:t>27.01.2026</a:t>
             </a:fld>
             <a:endParaRPr lang="tr-TR"/>
           </a:p>
@@ -6053,7 +6053,7 @@
           <a:p>
             <a:fld id="{399D6040-17A8-4314-BB6D-05727CFD3CBF}" type="datetime1">
               <a:rPr lang="tr-TR" smtClean="0"/>
-              <a:t>26.01.2026</a:t>
+              <a:t>27.01.2026</a:t>
             </a:fld>
             <a:endParaRPr lang="tr-TR"/>
           </a:p>
@@ -6342,7 +6342,7 @@
           <a:p>
             <a:fld id="{6B052022-39F4-48AA-B984-FE3C96790416}" type="datetime1">
               <a:rPr lang="tr-TR" smtClean="0"/>
-              <a:t>26.01.2026</a:t>
+              <a:t>27.01.2026</a:t>
             </a:fld>
             <a:endParaRPr lang="tr-TR"/>
           </a:p>
@@ -6585,7 +6585,7 @@
           <a:p>
             <a:fld id="{0666F17C-CD24-48C6-B336-87BD176625D7}" type="datetime1">
               <a:rPr lang="tr-TR" smtClean="0"/>
-              <a:t>26.01.2026</a:t>
+              <a:t>27.01.2026</a:t>
             </a:fld>
             <a:endParaRPr lang="tr-TR"/>
           </a:p>
@@ -7340,7 +7340,7 @@
           <a:p>
             <a:r>
               <a:rPr lang="en-US" dirty="0"/>
-              <a:t>Low-Level: any optimal single agent pathfinding algorithm which can satisfies all the constraint such as A*</a:t>
+              <a:t>Low-Level: any optimal single agent pathfinding algorithm which can satisfies all the constraint such as A*, can be used</a:t>
             </a:r>
             <a:endParaRPr lang="tr-TR" dirty="0"/>
           </a:p>
@@ -7792,8 +7792,8 @@
           </a:p>
         </p:txBody>
       </p:sp>
-      <mc:AlternateContent xmlns:mc="http://schemas.openxmlformats.org/markup-compatibility/2006">
-        <mc:Choice xmlns:a14="http://schemas.microsoft.com/office/drawing/2010/main" Requires="a14">
+      <mc:AlternateContent xmlns:mc="http://schemas.openxmlformats.org/markup-compatibility/2006" xmlns:a14="http://schemas.microsoft.com/office/drawing/2010/main">
+        <mc:Choice Requires="a14">
           <p:sp>
             <p:nvSpPr>
               <p:cNvPr id="3" name="Content Placeholder 2">
@@ -8079,7 +8079,7 @@
             </p:txBody>
           </p:sp>
         </mc:Choice>
-        <mc:Fallback>
+        <mc:Fallback xmlns="">
           <p:sp>
             <p:nvSpPr>
               <p:cNvPr id="3" name="Content Placeholder 2">
@@ -8765,7 +8765,7 @@
           <a:p>
             <a:r>
               <a:rPr lang="en-US" dirty="0"/>
-              <a:t>MA-CBS</a:t>
+              <a:t>MA-CBS (Meta-agent Conflict-based Search)</a:t>
             </a:r>
             <a:endParaRPr lang="tr-TR" dirty="0"/>
           </a:p>
@@ -8794,7 +8794,13 @@
           <a:p>
             <a:r>
               <a:rPr lang="en-US" dirty="0"/>
-              <a:t>Idea: remedies poor behavior of CBS when a set of agents is strongly coupled by automatically merging those agent into a meta agent</a:t>
+              <a:t>Remedies poor behavior of CBS when a set of agents is frequently conflicting by automatically merging those agent into a meta agent</a:t>
+            </a:r>
+          </a:p>
+          <a:p>
+            <a:r>
+              <a:rPr lang="en-US" dirty="0"/>
+              <a:t>Therefore prevent the exponential growth of constraint tree</a:t>
             </a:r>
           </a:p>
           <a:p>
@@ -9308,55 +9314,510 @@
           </a:p>
         </p:txBody>
       </p:sp>
-      <p:sp>
-        <p:nvSpPr>
-          <p:cNvPr id="3" name="Content Placeholder 2">
-            <a:extLst>
-              <a:ext uri="{FF2B5EF4-FFF2-40B4-BE49-F238E27FC236}">
-                <a16:creationId xmlns:a16="http://schemas.microsoft.com/office/drawing/2014/main" id="{BAF884FD-3A78-40BE-9AAC-4499B65FA7AF}"/>
-              </a:ext>
-            </a:extLst>
-          </p:cNvPr>
-          <p:cNvSpPr>
-            <a:spLocks noGrp="1"/>
-          </p:cNvSpPr>
-          <p:nvPr>
-            <p:ph idx="1"/>
-          </p:nvPr>
-        </p:nvSpPr>
-        <p:spPr/>
-        <p:txBody>
-          <a:bodyPr/>
-          <a:lstStyle/>
-          <a:p>
-            <a:r>
-              <a:rPr lang="en-US" dirty="0"/>
-              <a:t>Internal Constraints</a:t>
-            </a:r>
-          </a:p>
-          <a:p>
-            <a:pPr lvl="1"/>
-            <a:r>
-              <a:rPr lang="en-US" dirty="0"/>
-              <a:t>Should not be considered since the conflict solved in low level</a:t>
-            </a:r>
-          </a:p>
-          <a:p>
-            <a:r>
-              <a:rPr lang="en-US" dirty="0"/>
-              <a:t>External Constraints</a:t>
-            </a:r>
-          </a:p>
-          <a:p>
-            <a:pPr lvl="1"/>
-            <a:r>
-              <a:rPr lang="en-US" dirty="0"/>
-              <a:t>Must be include all the external conflict for apply only to original agent</a:t>
-            </a:r>
-            <a:endParaRPr lang="tr-TR" dirty="0"/>
-          </a:p>
-        </p:txBody>
-      </p:sp>
+      <mc:AlternateContent xmlns:mc="http://schemas.openxmlformats.org/markup-compatibility/2006" xmlns:a14="http://schemas.microsoft.com/office/drawing/2010/main">
+        <mc:Choice Requires="a14">
+          <p:sp>
+            <p:nvSpPr>
+              <p:cNvPr id="3" name="Content Placeholder 2">
+                <a:extLst>
+                  <a:ext uri="{FF2B5EF4-FFF2-40B4-BE49-F238E27FC236}">
+                    <a16:creationId xmlns:a16="http://schemas.microsoft.com/office/drawing/2014/main" id="{BAF884FD-3A78-40BE-9AAC-4499B65FA7AF}"/>
+                  </a:ext>
+                </a:extLst>
+              </p:cNvPr>
+              <p:cNvSpPr>
+                <a:spLocks noGrp="1"/>
+              </p:cNvSpPr>
+              <p:nvPr>
+                <p:ph idx="1"/>
+              </p:nvPr>
+            </p:nvSpPr>
+            <p:spPr/>
+            <p:txBody>
+              <a:bodyPr/>
+              <a:lstStyle/>
+              <a:p>
+                <a:r>
+                  <a:rPr lang="en-US" dirty="0"/>
+                  <a:t>Internal Constraints</a:t>
+                </a:r>
+              </a:p>
+              <a:p>
+                <a:pPr lvl="1"/>
+                <a:r>
+                  <a:rPr lang="en-US" dirty="0"/>
+                  <a:t>Should not be considered since the conflict solved in low level</a:t>
+                </a:r>
+              </a:p>
+              <a:p>
+                <a:r>
+                  <a:rPr lang="en-US" dirty="0"/>
+                  <a:t>External Constraints</a:t>
+                </a:r>
+              </a:p>
+              <a:p>
+                <a:pPr lvl="1"/>
+                <a:r>
+                  <a:rPr lang="en-US" dirty="0"/>
+                  <a:t>Must be include all the external conflict for apply only to original agent</a:t>
+                </a:r>
+              </a:p>
+              <a:p>
+                <a:pPr lvl="1"/>
+                <a14:m>
+                  <m:oMath xmlns:m="http://schemas.openxmlformats.org/officeDocument/2006/math">
+                    <m:r>
+                      <a:rPr lang="en-US" b="0" i="1" smtClean="0">
+                        <a:latin typeface="Cambria Math" panose="02040503050406030204" pitchFamily="18" charset="0"/>
+                      </a:rPr>
+                      <m:t>(</m:t>
+                    </m:r>
+                    <m:sSub>
+                      <m:sSubPr>
+                        <m:ctrlPr>
+                          <a:rPr lang="en-US" b="0" i="1" smtClean="0">
+                            <a:latin typeface="Cambria Math" panose="02040503050406030204" pitchFamily="18" charset="0"/>
+                          </a:rPr>
+                        </m:ctrlPr>
+                      </m:sSubPr>
+                      <m:e>
+                        <m:r>
+                          <a:rPr lang="en-US" b="0" i="1" smtClean="0">
+                            <a:latin typeface="Cambria Math" panose="02040503050406030204" pitchFamily="18" charset="0"/>
+                          </a:rPr>
+                          <m:t>𝑎</m:t>
+                        </m:r>
+                      </m:e>
+                      <m:sub>
+                        <m:d>
+                          <m:dPr>
+                            <m:begChr m:val="{"/>
+                            <m:endChr m:val="}"/>
+                            <m:ctrlPr>
+                              <a:rPr lang="en-US" b="0" i="1" smtClean="0">
+                                <a:latin typeface="Cambria Math" panose="02040503050406030204" pitchFamily="18" charset="0"/>
+                              </a:rPr>
+                            </m:ctrlPr>
+                          </m:dPr>
+                          <m:e>
+                            <m:r>
+                              <a:rPr lang="en-US" b="0" i="1" smtClean="0">
+                                <a:latin typeface="Cambria Math" panose="02040503050406030204" pitchFamily="18" charset="0"/>
+                              </a:rPr>
+                              <m:t>𝑖</m:t>
+                            </m:r>
+                            <m:r>
+                              <a:rPr lang="en-US" b="0" i="1" smtClean="0">
+                                <a:latin typeface="Cambria Math" panose="02040503050406030204" pitchFamily="18" charset="0"/>
+                              </a:rPr>
+                              <m:t>,</m:t>
+                            </m:r>
+                            <m:r>
+                              <a:rPr lang="en-US" b="0" i="1" smtClean="0">
+                                <a:latin typeface="Cambria Math" panose="02040503050406030204" pitchFamily="18" charset="0"/>
+                              </a:rPr>
+                              <m:t>𝑗</m:t>
+                            </m:r>
+                          </m:e>
+                        </m:d>
+                      </m:sub>
+                    </m:sSub>
+                    <m:r>
+                      <a:rPr lang="en-US" b="0" i="1" smtClean="0">
+                        <a:latin typeface="Cambria Math" panose="02040503050406030204" pitchFamily="18" charset="0"/>
+                      </a:rPr>
+                      <m:t>,</m:t>
+                    </m:r>
+                    <m:sSub>
+                      <m:sSubPr>
+                        <m:ctrlPr>
+                          <a:rPr lang="en-US" b="0" i="1" smtClean="0">
+                            <a:latin typeface="Cambria Math" panose="02040503050406030204" pitchFamily="18" charset="0"/>
+                          </a:rPr>
+                        </m:ctrlPr>
+                      </m:sSubPr>
+                      <m:e>
+                        <m:r>
+                          <a:rPr lang="en-US" b="0" i="1" smtClean="0">
+                            <a:latin typeface="Cambria Math" panose="02040503050406030204" pitchFamily="18" charset="0"/>
+                          </a:rPr>
+                          <m:t>𝑎</m:t>
+                        </m:r>
+                      </m:e>
+                      <m:sub>
+                        <m:r>
+                          <a:rPr lang="en-US" b="0" i="1" smtClean="0">
+                            <a:latin typeface="Cambria Math" panose="02040503050406030204" pitchFamily="18" charset="0"/>
+                          </a:rPr>
+                          <m:t>𝑖</m:t>
+                        </m:r>
+                      </m:sub>
+                    </m:sSub>
+                    <m:r>
+                      <a:rPr lang="en-US" b="0" i="1" smtClean="0">
+                        <a:latin typeface="Cambria Math" panose="02040503050406030204" pitchFamily="18" charset="0"/>
+                      </a:rPr>
+                      <m:t>, </m:t>
+                    </m:r>
+                    <m:r>
+                      <a:rPr lang="en-US" b="0" i="1" smtClean="0">
+                        <a:latin typeface="Cambria Math" panose="02040503050406030204" pitchFamily="18" charset="0"/>
+                      </a:rPr>
+                      <m:t>𝑣</m:t>
+                    </m:r>
+                    <m:r>
+                      <a:rPr lang="en-US" b="0" i="1" smtClean="0">
+                        <a:latin typeface="Cambria Math" panose="02040503050406030204" pitchFamily="18" charset="0"/>
+                      </a:rPr>
+                      <m:t>,</m:t>
+                    </m:r>
+                    <m:r>
+                      <a:rPr lang="en-US" b="0" i="1" smtClean="0">
+                        <a:latin typeface="Cambria Math" panose="02040503050406030204" pitchFamily="18" charset="0"/>
+                      </a:rPr>
+                      <m:t>𝑡</m:t>
+                    </m:r>
+                    <m:r>
+                      <a:rPr lang="en-US" b="0" i="1" smtClean="0">
+                        <a:latin typeface="Cambria Math" panose="02040503050406030204" pitchFamily="18" charset="0"/>
+                      </a:rPr>
+                      <m:t>)</m:t>
+                    </m:r>
+                  </m:oMath>
+                </a14:m>
+                <a:endParaRPr lang="en-US" dirty="0"/>
+              </a:p>
+              <a:p>
+                <a:pPr lvl="1"/>
+                <a14:m>
+                  <m:oMath xmlns:m="http://schemas.openxmlformats.org/officeDocument/2006/math">
+                    <m:d>
+                      <m:dPr>
+                        <m:ctrlPr>
+                          <a:rPr lang="en-US" b="0" i="1" smtClean="0">
+                            <a:latin typeface="Cambria Math" panose="02040503050406030204" pitchFamily="18" charset="0"/>
+                          </a:rPr>
+                        </m:ctrlPr>
+                      </m:dPr>
+                      <m:e>
+                        <m:bar>
+                          <m:barPr>
+                            <m:pos m:val="top"/>
+                            <m:ctrlPr>
+                              <a:rPr lang="en-US" b="0" i="1" smtClean="0">
+                                <a:latin typeface="Cambria Math" panose="02040503050406030204" pitchFamily="18" charset="0"/>
+                              </a:rPr>
+                            </m:ctrlPr>
+                          </m:barPr>
+                          <m:e>
+                            <m:sSub>
+                              <m:sSubPr>
+                                <m:ctrlPr>
+                                  <a:rPr lang="en-US" b="0" i="1" smtClean="0">
+                                    <a:latin typeface="Cambria Math" panose="02040503050406030204" pitchFamily="18" charset="0"/>
+                                  </a:rPr>
+                                </m:ctrlPr>
+                              </m:sSubPr>
+                              <m:e>
+                                <m:r>
+                                  <a:rPr lang="en-US" b="0" i="1" smtClean="0">
+                                    <a:latin typeface="Cambria Math" panose="02040503050406030204" pitchFamily="18" charset="0"/>
+                                  </a:rPr>
+                                  <m:t>𝑎</m:t>
+                                </m:r>
+                              </m:e>
+                              <m:sub>
+                                <m:r>
+                                  <a:rPr lang="en-US" b="0" i="1" smtClean="0">
+                                    <a:latin typeface="Cambria Math" panose="02040503050406030204" pitchFamily="18" charset="0"/>
+                                  </a:rPr>
+                                  <m:t>𝑖</m:t>
+                                </m:r>
+                              </m:sub>
+                            </m:sSub>
+                          </m:e>
+                        </m:bar>
+                        <m:r>
+                          <a:rPr lang="en-US" b="0" i="1" smtClean="0">
+                            <a:latin typeface="Cambria Math" panose="02040503050406030204" pitchFamily="18" charset="0"/>
+                          </a:rPr>
+                          <m:t>,</m:t>
+                        </m:r>
+                        <m:bar>
+                          <m:barPr>
+                            <m:pos m:val="top"/>
+                            <m:ctrlPr>
+                              <a:rPr lang="en-US" b="0" i="1" smtClean="0">
+                                <a:latin typeface="Cambria Math" panose="02040503050406030204" pitchFamily="18" charset="0"/>
+                              </a:rPr>
+                            </m:ctrlPr>
+                          </m:barPr>
+                          <m:e>
+                            <m:sSub>
+                              <m:sSubPr>
+                                <m:ctrlPr>
+                                  <a:rPr lang="en-US" b="0" i="1" smtClean="0">
+                                    <a:latin typeface="Cambria Math" panose="02040503050406030204" pitchFamily="18" charset="0"/>
+                                  </a:rPr>
+                                </m:ctrlPr>
+                              </m:sSubPr>
+                              <m:e>
+                                <m:r>
+                                  <a:rPr lang="en-US" b="0" i="1" smtClean="0">
+                                    <a:latin typeface="Cambria Math" panose="02040503050406030204" pitchFamily="18" charset="0"/>
+                                  </a:rPr>
+                                  <m:t>𝑎</m:t>
+                                </m:r>
+                              </m:e>
+                              <m:sub>
+                                <m:r>
+                                  <a:rPr lang="en-US" b="0" i="1" smtClean="0">
+                                    <a:latin typeface="Cambria Math" panose="02040503050406030204" pitchFamily="18" charset="0"/>
+                                  </a:rPr>
+                                  <m:t>𝑗</m:t>
+                                </m:r>
+                              </m:sub>
+                            </m:sSub>
+                          </m:e>
+                        </m:bar>
+                        <m:r>
+                          <a:rPr lang="en-US" b="0" i="1" smtClean="0">
+                            <a:latin typeface="Cambria Math" panose="02040503050406030204" pitchFamily="18" charset="0"/>
+                          </a:rPr>
+                          <m:t>,</m:t>
+                        </m:r>
+                        <m:r>
+                          <a:rPr lang="en-US" b="0" i="1" smtClean="0">
+                            <a:latin typeface="Cambria Math" panose="02040503050406030204" pitchFamily="18" charset="0"/>
+                          </a:rPr>
+                          <m:t>𝑣</m:t>
+                        </m:r>
+                        <m:r>
+                          <a:rPr lang="en-US" b="0" i="1" smtClean="0">
+                            <a:latin typeface="Cambria Math" panose="02040503050406030204" pitchFamily="18" charset="0"/>
+                          </a:rPr>
+                          <m:t>,</m:t>
+                        </m:r>
+                        <m:r>
+                          <a:rPr lang="en-US" b="0" i="1" smtClean="0">
+                            <a:latin typeface="Cambria Math" panose="02040503050406030204" pitchFamily="18" charset="0"/>
+                          </a:rPr>
+                          <m:t>𝑡</m:t>
+                        </m:r>
+                      </m:e>
+                    </m:d>
+                  </m:oMath>
+                </a14:m>
+                <a:r>
+                  <a:rPr lang="en-US" dirty="0"/>
+                  <a:t> -&gt; </a:t>
+                </a:r>
+                <a14:m>
+                  <m:oMath xmlns:m="http://schemas.openxmlformats.org/officeDocument/2006/math">
+                    <m:d>
+                      <m:dPr>
+                        <m:ctrlPr>
+                          <a:rPr lang="en-US" b="0" i="1" smtClean="0">
+                            <a:latin typeface="Cambria Math" panose="02040503050406030204" pitchFamily="18" charset="0"/>
+                          </a:rPr>
+                        </m:ctrlPr>
+                      </m:dPr>
+                      <m:e>
+                        <m:bar>
+                          <m:barPr>
+                            <m:pos m:val="top"/>
+                            <m:ctrlPr>
+                              <a:rPr lang="en-US" i="1">
+                                <a:latin typeface="Cambria Math" panose="02040503050406030204" pitchFamily="18" charset="0"/>
+                              </a:rPr>
+                            </m:ctrlPr>
+                          </m:barPr>
+                          <m:e>
+                            <m:sSub>
+                              <m:sSubPr>
+                                <m:ctrlPr>
+                                  <a:rPr lang="en-US" i="1">
+                                    <a:latin typeface="Cambria Math" panose="02040503050406030204" pitchFamily="18" charset="0"/>
+                                  </a:rPr>
+                                </m:ctrlPr>
+                              </m:sSubPr>
+                              <m:e>
+                                <m:r>
+                                  <a:rPr lang="en-US" i="1">
+                                    <a:latin typeface="Cambria Math" panose="02040503050406030204" pitchFamily="18" charset="0"/>
+                                  </a:rPr>
+                                  <m:t>𝑎</m:t>
+                                </m:r>
+                              </m:e>
+                              <m:sub>
+                                <m:r>
+                                  <a:rPr lang="en-US" i="1">
+                                    <a:latin typeface="Cambria Math" panose="02040503050406030204" pitchFamily="18" charset="0"/>
+                                  </a:rPr>
+                                  <m:t>𝑖</m:t>
+                                </m:r>
+                              </m:sub>
+                            </m:sSub>
+                          </m:e>
+                        </m:bar>
+                        <m:r>
+                          <a:rPr lang="en-US" b="0" i="1" smtClean="0">
+                            <a:latin typeface="Cambria Math" panose="02040503050406030204" pitchFamily="18" charset="0"/>
+                          </a:rPr>
+                          <m:t>,</m:t>
+                        </m:r>
+                        <m:r>
+                          <a:rPr lang="en-US" b="0" i="1" smtClean="0">
+                            <a:latin typeface="Cambria Math" panose="02040503050406030204" pitchFamily="18" charset="0"/>
+                          </a:rPr>
+                          <m:t>𝑣</m:t>
+                        </m:r>
+                        <m:r>
+                          <a:rPr lang="en-US" b="0" i="1" smtClean="0">
+                            <a:latin typeface="Cambria Math" panose="02040503050406030204" pitchFamily="18" charset="0"/>
+                          </a:rPr>
+                          <m:t>,</m:t>
+                        </m:r>
+                        <m:r>
+                          <a:rPr lang="en-US" b="0" i="1" smtClean="0">
+                            <a:latin typeface="Cambria Math" panose="02040503050406030204" pitchFamily="18" charset="0"/>
+                          </a:rPr>
+                          <m:t>𝑡</m:t>
+                        </m:r>
+                      </m:e>
+                    </m:d>
+                    <m:r>
+                      <a:rPr lang="en-US" b="0" i="1" smtClean="0">
+                        <a:latin typeface="Cambria Math" panose="02040503050406030204" pitchFamily="18" charset="0"/>
+                      </a:rPr>
+                      <m:t> </m:t>
+                    </m:r>
+                    <m:r>
+                      <a:rPr lang="en-US" b="0" i="1" smtClean="0">
+                        <a:latin typeface="Cambria Math" panose="02040503050406030204" pitchFamily="18" charset="0"/>
+                      </a:rPr>
+                      <m:t>𝑎𝑛𝑑</m:t>
+                    </m:r>
+                    <m:r>
+                      <a:rPr lang="en-US" b="0" i="1" smtClean="0">
+                        <a:latin typeface="Cambria Math" panose="02040503050406030204" pitchFamily="18" charset="0"/>
+                      </a:rPr>
+                      <m:t> (</m:t>
+                    </m:r>
+                    <m:bar>
+                      <m:barPr>
+                        <m:pos m:val="top"/>
+                        <m:ctrlPr>
+                          <a:rPr lang="en-US" i="1">
+                            <a:latin typeface="Cambria Math" panose="02040503050406030204" pitchFamily="18" charset="0"/>
+                          </a:rPr>
+                        </m:ctrlPr>
+                      </m:barPr>
+                      <m:e>
+                        <m:sSub>
+                          <m:sSubPr>
+                            <m:ctrlPr>
+                              <a:rPr lang="en-US" i="1">
+                                <a:latin typeface="Cambria Math" panose="02040503050406030204" pitchFamily="18" charset="0"/>
+                              </a:rPr>
+                            </m:ctrlPr>
+                          </m:sSubPr>
+                          <m:e>
+                            <m:r>
+                              <a:rPr lang="en-US" i="1">
+                                <a:latin typeface="Cambria Math" panose="02040503050406030204" pitchFamily="18" charset="0"/>
+                              </a:rPr>
+                              <m:t>𝑎</m:t>
+                            </m:r>
+                          </m:e>
+                          <m:sub>
+                            <m:r>
+                              <a:rPr lang="en-US" b="0" i="1" smtClean="0">
+                                <a:latin typeface="Cambria Math" panose="02040503050406030204" pitchFamily="18" charset="0"/>
+                              </a:rPr>
+                              <m:t>𝑗</m:t>
+                            </m:r>
+                          </m:sub>
+                        </m:sSub>
+                      </m:e>
+                    </m:bar>
+                    <m:r>
+                      <a:rPr lang="en-US" b="0" i="1" smtClean="0">
+                        <a:latin typeface="Cambria Math" panose="02040503050406030204" pitchFamily="18" charset="0"/>
+                      </a:rPr>
+                      <m:t>,</m:t>
+                    </m:r>
+                    <m:r>
+                      <a:rPr lang="en-US" b="0" i="1" smtClean="0">
+                        <a:latin typeface="Cambria Math" panose="02040503050406030204" pitchFamily="18" charset="0"/>
+                      </a:rPr>
+                      <m:t>𝑣</m:t>
+                    </m:r>
+                    <m:r>
+                      <a:rPr lang="en-US" b="0" i="1" smtClean="0">
+                        <a:latin typeface="Cambria Math" panose="02040503050406030204" pitchFamily="18" charset="0"/>
+                      </a:rPr>
+                      <m:t>,</m:t>
+                    </m:r>
+                    <m:r>
+                      <a:rPr lang="en-US" b="0" i="1" smtClean="0">
+                        <a:latin typeface="Cambria Math" panose="02040503050406030204" pitchFamily="18" charset="0"/>
+                      </a:rPr>
+                      <m:t>𝑡</m:t>
+                    </m:r>
+                    <m:r>
+                      <a:rPr lang="en-US" b="0" i="1" smtClean="0">
+                        <a:latin typeface="Cambria Math" panose="02040503050406030204" pitchFamily="18" charset="0"/>
+                      </a:rPr>
+                      <m:t>)</m:t>
+                    </m:r>
+                  </m:oMath>
+                </a14:m>
+                <a:endParaRPr lang="tr-TR" dirty="0"/>
+              </a:p>
+            </p:txBody>
+          </p:sp>
+        </mc:Choice>
+        <mc:Fallback xmlns="">
+          <p:sp>
+            <p:nvSpPr>
+              <p:cNvPr id="3" name="Content Placeholder 2">
+                <a:extLst>
+                  <a:ext uri="{FF2B5EF4-FFF2-40B4-BE49-F238E27FC236}">
+                    <a16:creationId xmlns:a16="http://schemas.microsoft.com/office/drawing/2014/main" id="{BAF884FD-3A78-40BE-9AAC-4499B65FA7AF}"/>
+                  </a:ext>
+                </a:extLst>
+              </p:cNvPr>
+              <p:cNvSpPr>
+                <a:spLocks noGrp="1" noRot="1" noChangeAspect="1" noMove="1" noResize="1" noEditPoints="1" noAdjustHandles="1" noChangeArrowheads="1" noChangeShapeType="1" noTextEdit="1"/>
+              </p:cNvSpPr>
+              <p:nvPr>
+                <p:ph idx="1"/>
+              </p:nvPr>
+            </p:nvSpPr>
+            <p:spPr>
+              <a:blipFill>
+                <a:blip r:embed="rId3"/>
+                <a:stretch>
+                  <a:fillRect l="-1043" t="-2241"/>
+                </a:stretch>
+              </a:blipFill>
+            </p:spPr>
+            <p:txBody>
+              <a:bodyPr/>
+              <a:lstStyle/>
+              <a:p>
+                <a:r>
+                  <a:rPr lang="tr-TR">
+                    <a:noFill/>
+                  </a:rPr>
+                  <a:t> </a:t>
+                </a:r>
+              </a:p>
+            </p:txBody>
+          </p:sp>
+        </mc:Fallback>
+      </mc:AlternateContent>
       <p:sp>
         <p:nvSpPr>
           <p:cNvPr id="4" name="Slide Number Placeholder 3">
@@ -9602,7 +10063,7 @@
         <p:spPr/>
         <p:txBody>
           <a:bodyPr>
-            <a:normAutofit fontScale="92500" lnSpcReduction="20000"/>
+            <a:normAutofit fontScale="85000" lnSpcReduction="20000"/>
           </a:bodyPr>
           <a:lstStyle/>
           <a:p>
@@ -9614,7 +10075,7 @@
           <a:p>
             <a:r>
               <a:rPr lang="en-US" dirty="0"/>
-              <a:t>CBS</a:t>
+              <a:t>CBS (Conflict-based Search)</a:t>
             </a:r>
           </a:p>
           <a:p>
@@ -9649,13 +10110,13 @@
             <a:pPr lvl="1"/>
             <a:r>
               <a:rPr lang="en-US" dirty="0"/>
-              <a:t>Tests</a:t>
+              <a:t>Experimental results</a:t>
             </a:r>
           </a:p>
           <a:p>
             <a:r>
               <a:rPr lang="en-US" dirty="0"/>
-              <a:t>MA-CBS</a:t>
+              <a:t>MA-CBS (Meta-agent Conflict-based Search)</a:t>
             </a:r>
           </a:p>
           <a:p>
@@ -9683,7 +10144,7 @@
             <a:pPr lvl="1"/>
             <a:r>
               <a:rPr lang="en-US" dirty="0"/>
-              <a:t>Tests</a:t>
+              <a:t>Experimental results</a:t>
             </a:r>
           </a:p>
           <a:p>
@@ -10770,17 +11231,18 @@
         </p:nvSpPr>
         <p:spPr>
           <a:xfrm>
-            <a:off x="4133662" y="3035897"/>
-            <a:ext cx="10515600" cy="1325563"/>
+            <a:off x="4703675" y="2766218"/>
+            <a:ext cx="2784649" cy="1325563"/>
           </a:xfrm>
         </p:spPr>
         <p:txBody>
           <a:bodyPr/>
           <a:lstStyle/>
           <a:p>
+            <a:pPr algn="ctr"/>
             <a:r>
               <a:rPr lang="en-US" dirty="0"/>
-              <a:t>Any Questions</a:t>
+              <a:t>Any Questions?</a:t>
             </a:r>
             <a:endParaRPr lang="tr-TR" dirty="0"/>
           </a:p>
@@ -10811,7 +11273,7 @@
               <a:rPr lang="tr-TR" smtClean="0"/>
               <a:t>24</a:t>
             </a:fld>
-            <a:endParaRPr lang="tr-TR"/>
+            <a:endParaRPr lang="tr-TR" dirty="0"/>
           </a:p>
         </p:txBody>
       </p:sp>
@@ -11950,7 +12412,7 @@
           <a:p>
             <a:r>
               <a:rPr lang="en-US" dirty="0"/>
-              <a:t>CBS</a:t>
+              <a:t>CBS (Conflict-based Search)</a:t>
             </a:r>
             <a:endParaRPr lang="tr-TR" dirty="0"/>
           </a:p>
@@ -11979,7 +12441,7 @@
           <a:p>
             <a:r>
               <a:rPr lang="en-US" dirty="0"/>
-              <a:t>Motivation: reduce state space by not use joint agents</a:t>
+              <a:t>CBS solve agents independently with adding constraint to prevent exponential explosion</a:t>
             </a:r>
             <a:endParaRPr lang="tr-TR" dirty="0"/>
           </a:p>
@@ -12142,7 +12604,7 @@
                 <a:pPr lvl="1"/>
                 <a:r>
                   <a:rPr lang="en-US" dirty="0"/>
-                  <a:t>Constraint tree </a:t>
+                  <a:t>Constraint tree node</a:t>
                 </a:r>
               </a:p>
               <a:p>
@@ -12222,6 +12684,20 @@
                   <a:rPr lang="en-US" dirty="0"/>
                   <a:t>Total Cost (f-value of node)</a:t>
                 </a:r>
+              </a:p>
+              <a:p>
+                <a:pPr lvl="1"/>
+                <a:r>
+                  <a:rPr lang="en-US" dirty="0"/>
+                  <a:t>Cost function: SoC (Sum of Cost)</a:t>
+                </a:r>
+              </a:p>
+              <a:p>
+                <a:pPr lvl="1"/>
+                <a:r>
+                  <a:rPr lang="en-US" dirty="0"/>
+                  <a:t>Heuristic function: SIC (Sum of individual costs)</a:t>
+                </a:r>
                 <a:endParaRPr lang="tr-TR" dirty="0"/>
               </a:p>
             </p:txBody>
@@ -12444,107 +12920,86 @@
           </a:prstGeom>
         </p:spPr>
       </p:pic>
-      <p:grpSp>
-        <p:nvGrpSpPr>
-          <p:cNvPr id="10" name="Group 9">
-            <a:extLst>
-              <a:ext uri="{FF2B5EF4-FFF2-40B4-BE49-F238E27FC236}">
-                <a16:creationId xmlns:a16="http://schemas.microsoft.com/office/drawing/2014/main" id="{67CF94B8-4C9E-4566-BC1F-1374C9757FB5}"/>
-              </a:ext>
-            </a:extLst>
-          </p:cNvPr>
-          <p:cNvGrpSpPr/>
+      <p:pic>
+        <p:nvPicPr>
+          <p:cNvPr id="4" name="Picture 3">
+            <a:extLst>
+              <a:ext uri="{FF2B5EF4-FFF2-40B4-BE49-F238E27FC236}">
+                <a16:creationId xmlns:a16="http://schemas.microsoft.com/office/drawing/2014/main" id="{2BD08DC4-CE0C-4545-8CAC-DAEA5982294C}"/>
+              </a:ext>
+            </a:extLst>
+          </p:cNvPr>
+          <p:cNvPicPr>
+            <a:picLocks noChangeAspect="1"/>
+          </p:cNvPicPr>
           <p:nvPr/>
-        </p:nvGrpSpPr>
-        <p:grpSpPr>
+        </p:nvPicPr>
+        <p:blipFill>
+          <a:blip r:embed="rId5"/>
+          <a:stretch>
+            <a:fillRect/>
+          </a:stretch>
+        </p:blipFill>
+        <p:spPr>
           <a:xfrm>
             <a:off x="1304026" y="3614812"/>
             <a:ext cx="3626565" cy="2763617"/>
-            <a:chOff x="1304026" y="3614812"/>
-            <a:chExt cx="3626565" cy="2763617"/>
           </a:xfrm>
-        </p:grpSpPr>
-        <p:pic>
-          <p:nvPicPr>
-            <p:cNvPr id="4" name="Picture 3">
-              <a:extLst>
-                <a:ext uri="{FF2B5EF4-FFF2-40B4-BE49-F238E27FC236}">
-                  <a16:creationId xmlns:a16="http://schemas.microsoft.com/office/drawing/2014/main" id="{2BD08DC4-CE0C-4545-8CAC-DAEA5982294C}"/>
-                </a:ext>
-              </a:extLst>
-            </p:cNvPr>
-            <p:cNvPicPr>
-              <a:picLocks noChangeAspect="1"/>
-            </p:cNvPicPr>
-            <p:nvPr/>
-          </p:nvPicPr>
-          <p:blipFill>
-            <a:blip r:embed="rId5"/>
-            <a:stretch>
-              <a:fillRect/>
-            </a:stretch>
-          </p:blipFill>
-          <p:spPr>
-            <a:xfrm>
-              <a:off x="1304026" y="3614812"/>
-              <a:ext cx="3626565" cy="2763617"/>
-            </a:xfrm>
-            <a:prstGeom prst="rect">
-              <a:avLst/>
-            </a:prstGeom>
-          </p:spPr>
-        </p:pic>
-        <p:sp>
-          <p:nvSpPr>
-            <p:cNvPr id="9" name="Rectangle 8">
-              <a:extLst>
-                <a:ext uri="{FF2B5EF4-FFF2-40B4-BE49-F238E27FC236}">
-                  <a16:creationId xmlns:a16="http://schemas.microsoft.com/office/drawing/2014/main" id="{311F5E6D-4E19-4964-A2D4-089C387F47BF}"/>
-                </a:ext>
-              </a:extLst>
-            </p:cNvPr>
-            <p:cNvSpPr/>
-            <p:nvPr/>
-          </p:nvSpPr>
-          <p:spPr>
-            <a:xfrm>
-              <a:off x="3223260" y="4184796"/>
-              <a:ext cx="137160" cy="440544"/>
-            </a:xfrm>
-            <a:prstGeom prst="rect">
-              <a:avLst/>
-            </a:prstGeom>
-            <a:noFill/>
-            <a:ln>
-              <a:solidFill>
-                <a:srgbClr val="FF0000"/>
-              </a:solidFill>
-            </a:ln>
-          </p:spPr>
-          <p:style>
-            <a:lnRef idx="2">
-              <a:schemeClr val="accent2"/>
-            </a:lnRef>
-            <a:fillRef idx="1">
-              <a:schemeClr val="lt1"/>
-            </a:fillRef>
-            <a:effectRef idx="0">
-              <a:schemeClr val="accent2"/>
-            </a:effectRef>
-            <a:fontRef idx="minor">
-              <a:schemeClr val="dk1"/>
-            </a:fontRef>
-          </p:style>
-          <p:txBody>
-            <a:bodyPr rtlCol="0" anchor="ctr"/>
-            <a:lstStyle/>
-            <a:p>
-              <a:pPr algn="ctr"/>
-              <a:endParaRPr lang="tr-TR"/>
-            </a:p>
-          </p:txBody>
-        </p:sp>
-      </p:grpSp>
+          <a:prstGeom prst="rect">
+            <a:avLst/>
+          </a:prstGeom>
+        </p:spPr>
+      </p:pic>
+      <p:sp>
+        <p:nvSpPr>
+          <p:cNvPr id="9" name="Rectangle 8">
+            <a:extLst>
+              <a:ext uri="{FF2B5EF4-FFF2-40B4-BE49-F238E27FC236}">
+                <a16:creationId xmlns:a16="http://schemas.microsoft.com/office/drawing/2014/main" id="{311F5E6D-4E19-4964-A2D4-089C387F47BF}"/>
+              </a:ext>
+            </a:extLst>
+          </p:cNvPr>
+          <p:cNvSpPr/>
+          <p:nvPr/>
+        </p:nvSpPr>
+        <p:spPr>
+          <a:xfrm>
+            <a:off x="3223260" y="4184796"/>
+            <a:ext cx="137160" cy="440544"/>
+          </a:xfrm>
+          <a:prstGeom prst="rect">
+            <a:avLst/>
+          </a:prstGeom>
+          <a:noFill/>
+          <a:ln>
+            <a:solidFill>
+              <a:srgbClr val="FF0000"/>
+            </a:solidFill>
+          </a:ln>
+        </p:spPr>
+        <p:style>
+          <a:lnRef idx="2">
+            <a:schemeClr val="accent2"/>
+          </a:lnRef>
+          <a:fillRef idx="1">
+            <a:schemeClr val="lt1"/>
+          </a:fillRef>
+          <a:effectRef idx="0">
+            <a:schemeClr val="accent2"/>
+          </a:effectRef>
+          <a:fontRef idx="minor">
+            <a:schemeClr val="dk1"/>
+          </a:fontRef>
+        </p:style>
+        <p:txBody>
+          <a:bodyPr rtlCol="0" anchor="ctr"/>
+          <a:lstStyle/>
+          <a:p>
+            <a:pPr algn="ctr"/>
+            <a:endParaRPr lang="tr-TR"/>
+          </a:p>
+        </p:txBody>
+      </p:sp>
       <p:sp>
         <p:nvSpPr>
           <p:cNvPr id="3" name="Slide Number Placeholder 2">
@@ -12570,6 +13025,58 @@
               <a:rPr lang="tr-TR" smtClean="0"/>
               <a:t>7</a:t>
             </a:fld>
+            <a:endParaRPr lang="tr-TR"/>
+          </a:p>
+        </p:txBody>
+      </p:sp>
+      <p:sp>
+        <p:nvSpPr>
+          <p:cNvPr id="6" name="Rectangle 5">
+            <a:extLst>
+              <a:ext uri="{FF2B5EF4-FFF2-40B4-BE49-F238E27FC236}">
+                <a16:creationId xmlns:a16="http://schemas.microsoft.com/office/drawing/2014/main" id="{8177A755-BDD1-4BA8-AACF-FBD8531090D9}"/>
+              </a:ext>
+            </a:extLst>
+          </p:cNvPr>
+          <p:cNvSpPr/>
+          <p:nvPr/>
+        </p:nvSpPr>
+        <p:spPr>
+          <a:xfrm>
+            <a:off x="914400" y="4718137"/>
+            <a:ext cx="4599160" cy="1356738"/>
+          </a:xfrm>
+          <a:prstGeom prst="rect">
+            <a:avLst/>
+          </a:prstGeom>
+          <a:solidFill>
+            <a:schemeClr val="bg1"/>
+          </a:solidFill>
+          <a:ln>
+            <a:solidFill>
+              <a:schemeClr val="bg1"/>
+            </a:solidFill>
+          </a:ln>
+        </p:spPr>
+        <p:style>
+          <a:lnRef idx="3">
+            <a:schemeClr val="lt1"/>
+          </a:lnRef>
+          <a:fillRef idx="1">
+            <a:schemeClr val="accent1"/>
+          </a:fillRef>
+          <a:effectRef idx="1">
+            <a:schemeClr val="accent1"/>
+          </a:effectRef>
+          <a:fontRef idx="minor">
+            <a:schemeClr val="lt1"/>
+          </a:fontRef>
+        </p:style>
+        <p:txBody>
+          <a:bodyPr rtlCol="0" anchor="ctr"/>
+          <a:lstStyle/>
+          <a:p>
+            <a:pPr algn="ctr"/>
             <a:endParaRPr lang="tr-TR"/>
           </a:p>
         </p:txBody>
@@ -12584,6 +13091,130 @@
   <p:clrMapOvr>
     <a:masterClrMapping/>
   </p:clrMapOvr>
+  <p:timing>
+    <p:tnLst>
+      <p:par>
+        <p:cTn id="1" dur="indefinite" restart="never" nodeType="tmRoot">
+          <p:childTnLst>
+            <p:seq concurrent="1" nextAc="seek">
+              <p:cTn id="2" dur="indefinite" nodeType="mainSeq">
+                <p:childTnLst>
+                  <p:par>
+                    <p:cTn id="3" fill="hold">
+                      <p:stCondLst>
+                        <p:cond delay="indefinite"/>
+                      </p:stCondLst>
+                      <p:childTnLst>
+                        <p:par>
+                          <p:cTn id="4" fill="hold">
+                            <p:stCondLst>
+                              <p:cond delay="0"/>
+                            </p:stCondLst>
+                            <p:childTnLst>
+                              <p:par>
+                                <p:cTn id="5" presetID="1" presetClass="entr" presetSubtype="0" fill="hold" grpId="0" nodeType="clickEffect">
+                                  <p:stCondLst>
+                                    <p:cond delay="0"/>
+                                  </p:stCondLst>
+                                  <p:childTnLst>
+                                    <p:set>
+                                      <p:cBhvr>
+                                        <p:cTn id="6" dur="1" fill="hold">
+                                          <p:stCondLst>
+                                            <p:cond delay="0"/>
+                                          </p:stCondLst>
+                                        </p:cTn>
+                                        <p:tgtEl>
+                                          <p:spTgt spid="9"/>
+                                        </p:tgtEl>
+                                        <p:attrNameLst>
+                                          <p:attrName>style.visibility</p:attrName>
+                                        </p:attrNameLst>
+                                      </p:cBhvr>
+                                      <p:to>
+                                        <p:strVal val="visible"/>
+                                      </p:to>
+                                    </p:set>
+                                  </p:childTnLst>
+                                </p:cTn>
+                              </p:par>
+                            </p:childTnLst>
+                          </p:cTn>
+                        </p:par>
+                      </p:childTnLst>
+                    </p:cTn>
+                  </p:par>
+                  <p:par>
+                    <p:cTn id="7" fill="hold">
+                      <p:stCondLst>
+                        <p:cond delay="indefinite"/>
+                      </p:stCondLst>
+                      <p:childTnLst>
+                        <p:par>
+                          <p:cTn id="8" fill="hold">
+                            <p:stCondLst>
+                              <p:cond delay="0"/>
+                            </p:stCondLst>
+                            <p:childTnLst>
+                              <p:par>
+                                <p:cTn id="9" presetID="1" presetClass="exit" presetSubtype="0" fill="hold" grpId="0" nodeType="clickEffect">
+                                  <p:stCondLst>
+                                    <p:cond delay="0"/>
+                                  </p:stCondLst>
+                                  <p:childTnLst>
+                                    <p:set>
+                                      <p:cBhvr>
+                                        <p:cTn id="10" dur="1" fill="hold">
+                                          <p:stCondLst>
+                                            <p:cond delay="0"/>
+                                          </p:stCondLst>
+                                        </p:cTn>
+                                        <p:tgtEl>
+                                          <p:spTgt spid="6"/>
+                                        </p:tgtEl>
+                                        <p:attrNameLst>
+                                          <p:attrName>style.visibility</p:attrName>
+                                        </p:attrNameLst>
+                                      </p:cBhvr>
+                                      <p:to>
+                                        <p:strVal val="hidden"/>
+                                      </p:to>
+                                    </p:set>
+                                  </p:childTnLst>
+                                </p:cTn>
+                              </p:par>
+                            </p:childTnLst>
+                          </p:cTn>
+                        </p:par>
+                      </p:childTnLst>
+                    </p:cTn>
+                  </p:par>
+                </p:childTnLst>
+              </p:cTn>
+              <p:prevCondLst>
+                <p:cond evt="onPrev" delay="0">
+                  <p:tgtEl>
+                    <p:sldTgt/>
+                  </p:tgtEl>
+                </p:cond>
+              </p:prevCondLst>
+              <p:nextCondLst>
+                <p:cond evt="onNext" delay="0">
+                  <p:tgtEl>
+                    <p:sldTgt/>
+                  </p:tgtEl>
+                </p:cond>
+              </p:nextCondLst>
+            </p:seq>
+          </p:childTnLst>
+        </p:cTn>
+      </p:par>
+    </p:tnLst>
+    <p:bldLst>
+      <p:bldP spid="9" grpId="0" animBg="1"/>
+      <p:bldP spid="6" grpId="0" animBg="1"/>
+    </p:bldLst>
+  </p:timing>
 </p:sld>
 </file>
 
@@ -14442,7 +15073,7 @@
 </file>
 
 <file path=customXml/itemProps1.xml><?xml version="1.0" encoding="utf-8"?>
-<ds:datastoreItem xmlns:ds="http://schemas.openxmlformats.org/officeDocument/2006/customXml" ds:itemID="{8FB30D7A-EC28-4D3F-8E19-A75495E818AB}">
+<ds:datastoreItem xmlns:ds="http://schemas.openxmlformats.org/officeDocument/2006/customXml" ds:itemID="{7107ED66-91FF-4AD6-9427-5FCC29F102D3}">
   <ds:schemaRefs>
     <ds:schemaRef ds:uri="http://www.w3.org/2001/XMLSchema"/>
     <ds:schemaRef ds:uri="http://www.boldonjames.com/2008/01/sie/internal/label"/>

--- a/dahahilipls.pptx
+++ b/dahahilipls.pptx
@@ -5,10 +5,10 @@
     <p:sldMasterId id="2147483648" r:id="rId2"/>
   </p:sldMasterIdLst>
   <p:notesMasterIdLst>
-    <p:notesMasterId r:id="rId27"/>
+    <p:notesMasterId r:id="rId29"/>
   </p:notesMasterIdLst>
   <p:handoutMasterIdLst>
-    <p:handoutMasterId r:id="rId28"/>
+    <p:handoutMasterId r:id="rId30"/>
   </p:handoutMasterIdLst>
   <p:sldIdLst>
     <p:sldId id="256" r:id="rId3"/>
@@ -16,25 +16,27 @@
     <p:sldId id="258" r:id="rId5"/>
     <p:sldId id="259" r:id="rId6"/>
     <p:sldId id="260" r:id="rId7"/>
-    <p:sldId id="261" r:id="rId8"/>
-    <p:sldId id="270" r:id="rId9"/>
-    <p:sldId id="271" r:id="rId10"/>
-    <p:sldId id="272" r:id="rId11"/>
-    <p:sldId id="262" r:id="rId12"/>
-    <p:sldId id="263" r:id="rId13"/>
-    <p:sldId id="274" r:id="rId14"/>
-    <p:sldId id="264" r:id="rId15"/>
-    <p:sldId id="273" r:id="rId16"/>
-    <p:sldId id="265" r:id="rId17"/>
-    <p:sldId id="266" r:id="rId18"/>
-    <p:sldId id="267" r:id="rId19"/>
-    <p:sldId id="268" r:id="rId20"/>
-    <p:sldId id="280" r:id="rId21"/>
-    <p:sldId id="275" r:id="rId22"/>
-    <p:sldId id="277" r:id="rId23"/>
-    <p:sldId id="276" r:id="rId24"/>
-    <p:sldId id="279" r:id="rId25"/>
-    <p:sldId id="278" r:id="rId26"/>
+    <p:sldId id="281" r:id="rId8"/>
+    <p:sldId id="261" r:id="rId9"/>
+    <p:sldId id="270" r:id="rId10"/>
+    <p:sldId id="271" r:id="rId11"/>
+    <p:sldId id="272" r:id="rId12"/>
+    <p:sldId id="262" r:id="rId13"/>
+    <p:sldId id="263" r:id="rId14"/>
+    <p:sldId id="274" r:id="rId15"/>
+    <p:sldId id="264" r:id="rId16"/>
+    <p:sldId id="282" r:id="rId17"/>
+    <p:sldId id="273" r:id="rId18"/>
+    <p:sldId id="265" r:id="rId19"/>
+    <p:sldId id="266" r:id="rId20"/>
+    <p:sldId id="267" r:id="rId21"/>
+    <p:sldId id="268" r:id="rId22"/>
+    <p:sldId id="280" r:id="rId23"/>
+    <p:sldId id="275" r:id="rId24"/>
+    <p:sldId id="277" r:id="rId25"/>
+    <p:sldId id="276" r:id="rId26"/>
+    <p:sldId id="279" r:id="rId27"/>
+    <p:sldId id="278" r:id="rId28"/>
   </p:sldIdLst>
   <p:sldSz cx="12192000" cy="6858000"/>
   <p:notesSz cx="6858000" cy="9144000"/>
@@ -246,7 +248,7 @@
           <a:p>
             <a:fld id="{804136C7-FB4F-4486-A3C2-378AD4BCA59E}" type="datetimeFigureOut">
               <a:rPr lang="tr-TR" smtClean="0"/>
-              <a:t>27.01.2026</a:t>
+              <a:t>28.01.2026</a:t>
             </a:fld>
             <a:endParaRPr lang="tr-TR"/>
           </a:p>
@@ -435,7 +437,7 @@
           <a:p>
             <a:fld id="{03F75F1C-96D1-4385-A770-21325CBD7C70}" type="datetimeFigureOut">
               <a:rPr lang="tr-TR" smtClean="0"/>
-              <a:t>27.01.2026</a:t>
+              <a:t>28.01.2026</a:t>
             </a:fld>
             <a:endParaRPr lang="tr-TR"/>
           </a:p>
@@ -950,7 +952,7 @@
     </p:spTree>
     <p:extLst>
       <p:ext uri="{BB962C8B-B14F-4D97-AF65-F5344CB8AC3E}">
-        <p14:creationId xmlns:p14="http://schemas.microsoft.com/office/powerpoint/2010/main" val="3551584099"/>
+        <p14:creationId xmlns:p14="http://schemas.microsoft.com/office/powerpoint/2010/main" val="4157457556"/>
       </p:ext>
     </p:extLst>
   </p:cSld>
@@ -1078,7 +1080,7 @@
     </p:spTree>
     <p:extLst>
       <p:ext uri="{BB962C8B-B14F-4D97-AF65-F5344CB8AC3E}">
-        <p14:creationId xmlns:p14="http://schemas.microsoft.com/office/powerpoint/2010/main" val="1603975523"/>
+        <p14:creationId xmlns:p14="http://schemas.microsoft.com/office/powerpoint/2010/main" val="3551584099"/>
       </p:ext>
     </p:extLst>
   </p:cSld>
@@ -1206,7 +1208,7 @@
     </p:spTree>
     <p:extLst>
       <p:ext uri="{BB962C8B-B14F-4D97-AF65-F5344CB8AC3E}">
-        <p14:creationId xmlns:p14="http://schemas.microsoft.com/office/powerpoint/2010/main" val="2334987450"/>
+        <p14:creationId xmlns:p14="http://schemas.microsoft.com/office/powerpoint/2010/main" val="1603975523"/>
       </p:ext>
     </p:extLst>
   </p:cSld>
@@ -1334,7 +1336,7 @@
     </p:spTree>
     <p:extLst>
       <p:ext uri="{BB962C8B-B14F-4D97-AF65-F5344CB8AC3E}">
-        <p14:creationId xmlns:p14="http://schemas.microsoft.com/office/powerpoint/2010/main" val="3652783704"/>
+        <p14:creationId xmlns:p14="http://schemas.microsoft.com/office/powerpoint/2010/main" val="2334987450"/>
       </p:ext>
     </p:extLst>
   </p:cSld>
@@ -1462,7 +1464,7 @@
     </p:spTree>
     <p:extLst>
       <p:ext uri="{BB962C8B-B14F-4D97-AF65-F5344CB8AC3E}">
-        <p14:creationId xmlns:p14="http://schemas.microsoft.com/office/powerpoint/2010/main" val="1275393312"/>
+        <p14:creationId xmlns:p14="http://schemas.microsoft.com/office/powerpoint/2010/main" val="3652783704"/>
       </p:ext>
     </p:extLst>
   </p:cSld>
@@ -1590,7 +1592,7 @@
     </p:spTree>
     <p:extLst>
       <p:ext uri="{BB962C8B-B14F-4D97-AF65-F5344CB8AC3E}">
-        <p14:creationId xmlns:p14="http://schemas.microsoft.com/office/powerpoint/2010/main" val="2048345745"/>
+        <p14:creationId xmlns:p14="http://schemas.microsoft.com/office/powerpoint/2010/main" val="2906484092"/>
       </p:ext>
     </p:extLst>
   </p:cSld>
@@ -1718,7 +1720,7 @@
     </p:spTree>
     <p:extLst>
       <p:ext uri="{BB962C8B-B14F-4D97-AF65-F5344CB8AC3E}">
-        <p14:creationId xmlns:p14="http://schemas.microsoft.com/office/powerpoint/2010/main" val="3866334057"/>
+        <p14:creationId xmlns:p14="http://schemas.microsoft.com/office/powerpoint/2010/main" val="1275393312"/>
       </p:ext>
     </p:extLst>
   </p:cSld>
@@ -1846,7 +1848,7 @@
     </p:spTree>
     <p:extLst>
       <p:ext uri="{BB962C8B-B14F-4D97-AF65-F5344CB8AC3E}">
-        <p14:creationId xmlns:p14="http://schemas.microsoft.com/office/powerpoint/2010/main" val="562200285"/>
+        <p14:creationId xmlns:p14="http://schemas.microsoft.com/office/powerpoint/2010/main" val="2048345745"/>
       </p:ext>
     </p:extLst>
   </p:cSld>
@@ -1974,7 +1976,7 @@
     </p:spTree>
     <p:extLst>
       <p:ext uri="{BB962C8B-B14F-4D97-AF65-F5344CB8AC3E}">
-        <p14:creationId xmlns:p14="http://schemas.microsoft.com/office/powerpoint/2010/main" val="3720815415"/>
+        <p14:creationId xmlns:p14="http://schemas.microsoft.com/office/powerpoint/2010/main" val="3866334057"/>
       </p:ext>
     </p:extLst>
   </p:cSld>
@@ -2102,7 +2104,7 @@
     </p:spTree>
     <p:extLst>
       <p:ext uri="{BB962C8B-B14F-4D97-AF65-F5344CB8AC3E}">
-        <p14:creationId xmlns:p14="http://schemas.microsoft.com/office/powerpoint/2010/main" val="1694914794"/>
+        <p14:creationId xmlns:p14="http://schemas.microsoft.com/office/powerpoint/2010/main" val="562200285"/>
       </p:ext>
     </p:extLst>
   </p:cSld>
@@ -2358,7 +2360,7 @@
     </p:spTree>
     <p:extLst>
       <p:ext uri="{BB962C8B-B14F-4D97-AF65-F5344CB8AC3E}">
-        <p14:creationId xmlns:p14="http://schemas.microsoft.com/office/powerpoint/2010/main" val="1036198225"/>
+        <p14:creationId xmlns:p14="http://schemas.microsoft.com/office/powerpoint/2010/main" val="3720815415"/>
       </p:ext>
     </p:extLst>
   </p:cSld>
@@ -2486,7 +2488,7 @@
     </p:spTree>
     <p:extLst>
       <p:ext uri="{BB962C8B-B14F-4D97-AF65-F5344CB8AC3E}">
-        <p14:creationId xmlns:p14="http://schemas.microsoft.com/office/powerpoint/2010/main" val="3004222576"/>
+        <p14:creationId xmlns:p14="http://schemas.microsoft.com/office/powerpoint/2010/main" val="1694914794"/>
       </p:ext>
     </p:extLst>
   </p:cSld>
@@ -2614,7 +2616,7 @@
     </p:spTree>
     <p:extLst>
       <p:ext uri="{BB962C8B-B14F-4D97-AF65-F5344CB8AC3E}">
-        <p14:creationId xmlns:p14="http://schemas.microsoft.com/office/powerpoint/2010/main" val="2263818804"/>
+        <p14:creationId xmlns:p14="http://schemas.microsoft.com/office/powerpoint/2010/main" val="1036198225"/>
       </p:ext>
     </p:extLst>
   </p:cSld>
@@ -2742,7 +2744,7 @@
     </p:spTree>
     <p:extLst>
       <p:ext uri="{BB962C8B-B14F-4D97-AF65-F5344CB8AC3E}">
-        <p14:creationId xmlns:p14="http://schemas.microsoft.com/office/powerpoint/2010/main" val="3447122955"/>
+        <p14:creationId xmlns:p14="http://schemas.microsoft.com/office/powerpoint/2010/main" val="3004222576"/>
       </p:ext>
     </p:extLst>
   </p:cSld>
@@ -2862,6 +2864,262 @@
             <a:fld id="{B0C8BBDD-C3B0-48D3-84B8-B335C26FBCD7}" type="slidenum">
               <a:rPr lang="tr-TR" smtClean="0"/>
               <a:t>24</a:t>
+            </a:fld>
+            <a:endParaRPr lang="tr-TR"/>
+          </a:p>
+        </p:txBody>
+      </p:sp>
+    </p:spTree>
+    <p:extLst>
+      <p:ext uri="{BB962C8B-B14F-4D97-AF65-F5344CB8AC3E}">
+        <p14:creationId xmlns:p14="http://schemas.microsoft.com/office/powerpoint/2010/main" val="2263818804"/>
+      </p:ext>
+    </p:extLst>
+  </p:cSld>
+  <p:clrMapOvr>
+    <a:masterClrMapping/>
+  </p:clrMapOvr>
+</p:notes>
+</file>
+
+<file path=ppt/notesSlides/notesSlide25.xml><?xml version="1.0" encoding="utf-8"?>
+<p:notes xmlns:a="http://schemas.openxmlformats.org/drawingml/2006/main" xmlns:r="http://schemas.openxmlformats.org/officeDocument/2006/relationships" xmlns:p="http://schemas.openxmlformats.org/presentationml/2006/main">
+  <p:cSld>
+    <p:spTree>
+      <p:nvGrpSpPr>
+        <p:cNvPr id="1" name=""/>
+        <p:cNvGrpSpPr/>
+        <p:nvPr/>
+      </p:nvGrpSpPr>
+      <p:grpSpPr>
+        <a:xfrm>
+          <a:off x="0" y="0"/>
+          <a:ext cx="0" cy="0"/>
+          <a:chOff x="0" y="0"/>
+          <a:chExt cx="0" cy="0"/>
+        </a:xfrm>
+      </p:grpSpPr>
+      <p:sp>
+        <p:nvSpPr>
+          <p:cNvPr id="2" name="Slide Image Placeholder 1"/>
+          <p:cNvSpPr>
+            <a:spLocks noGrp="1" noRot="1" noChangeAspect="1"/>
+          </p:cNvSpPr>
+          <p:nvPr>
+            <p:ph type="sldImg"/>
+          </p:nvPr>
+        </p:nvSpPr>
+        <p:spPr/>
+      </p:sp>
+      <p:sp>
+        <p:nvSpPr>
+          <p:cNvPr id="3" name="Notes Placeholder 2"/>
+          <p:cNvSpPr>
+            <a:spLocks noGrp="1"/>
+          </p:cNvSpPr>
+          <p:nvPr>
+            <p:ph type="body" idx="1"/>
+          </p:nvPr>
+        </p:nvSpPr>
+        <p:spPr/>
+        <p:txBody>
+          <a:bodyPr/>
+          <a:lstStyle/>
+          <a:p>
+            <a:endParaRPr lang="tr-TR"/>
+          </a:p>
+        </p:txBody>
+      </p:sp>
+      <p:sp>
+        <p:nvSpPr>
+          <p:cNvPr id="4" name="Header Placeholder 3"/>
+          <p:cNvSpPr>
+            <a:spLocks noGrp="1"/>
+          </p:cNvSpPr>
+          <p:nvPr>
+            <p:ph type="hdr" sz="quarter"/>
+            <p:custDataLst>
+              <p:tags r:id="rId1"/>
+            </p:custDataLst>
+          </p:nvPr>
+        </p:nvSpPr>
+        <p:spPr/>
+        <p:txBody>
+          <a:bodyPr/>
+          <a:lstStyle/>
+          <a:p>
+            <a:r>
+              <a:rPr lang="tr-TR"/>
+              <a:t>TASNİF DIŞI</a:t>
+            </a:r>
+          </a:p>
+        </p:txBody>
+      </p:sp>
+      <p:sp>
+        <p:nvSpPr>
+          <p:cNvPr id="5" name="Footer Placeholder 4"/>
+          <p:cNvSpPr>
+            <a:spLocks noGrp="1"/>
+          </p:cNvSpPr>
+          <p:nvPr>
+            <p:ph type="ftr" sz="quarter" idx="4"/>
+          </p:nvPr>
+        </p:nvSpPr>
+        <p:spPr/>
+        <p:txBody>
+          <a:bodyPr/>
+          <a:lstStyle/>
+          <a:p>
+            <a:endParaRPr lang="tr-TR"/>
+          </a:p>
+        </p:txBody>
+      </p:sp>
+      <p:sp>
+        <p:nvSpPr>
+          <p:cNvPr id="6" name="Slide Number Placeholder 5"/>
+          <p:cNvSpPr>
+            <a:spLocks noGrp="1"/>
+          </p:cNvSpPr>
+          <p:nvPr>
+            <p:ph type="sldNum" sz="quarter" idx="5"/>
+          </p:nvPr>
+        </p:nvSpPr>
+        <p:spPr/>
+        <p:txBody>
+          <a:bodyPr/>
+          <a:lstStyle/>
+          <a:p>
+            <a:fld id="{B0C8BBDD-C3B0-48D3-84B8-B335C26FBCD7}" type="slidenum">
+              <a:rPr lang="tr-TR" smtClean="0"/>
+              <a:t>25</a:t>
+            </a:fld>
+            <a:endParaRPr lang="tr-TR"/>
+          </a:p>
+        </p:txBody>
+      </p:sp>
+    </p:spTree>
+    <p:extLst>
+      <p:ext uri="{BB962C8B-B14F-4D97-AF65-F5344CB8AC3E}">
+        <p14:creationId xmlns:p14="http://schemas.microsoft.com/office/powerpoint/2010/main" val="3447122955"/>
+      </p:ext>
+    </p:extLst>
+  </p:cSld>
+  <p:clrMapOvr>
+    <a:masterClrMapping/>
+  </p:clrMapOvr>
+</p:notes>
+</file>
+
+<file path=ppt/notesSlides/notesSlide26.xml><?xml version="1.0" encoding="utf-8"?>
+<p:notes xmlns:a="http://schemas.openxmlformats.org/drawingml/2006/main" xmlns:r="http://schemas.openxmlformats.org/officeDocument/2006/relationships" xmlns:p="http://schemas.openxmlformats.org/presentationml/2006/main">
+  <p:cSld>
+    <p:spTree>
+      <p:nvGrpSpPr>
+        <p:cNvPr id="1" name=""/>
+        <p:cNvGrpSpPr/>
+        <p:nvPr/>
+      </p:nvGrpSpPr>
+      <p:grpSpPr>
+        <a:xfrm>
+          <a:off x="0" y="0"/>
+          <a:ext cx="0" cy="0"/>
+          <a:chOff x="0" y="0"/>
+          <a:chExt cx="0" cy="0"/>
+        </a:xfrm>
+      </p:grpSpPr>
+      <p:sp>
+        <p:nvSpPr>
+          <p:cNvPr id="2" name="Slide Image Placeholder 1"/>
+          <p:cNvSpPr>
+            <a:spLocks noGrp="1" noRot="1" noChangeAspect="1"/>
+          </p:cNvSpPr>
+          <p:nvPr>
+            <p:ph type="sldImg"/>
+          </p:nvPr>
+        </p:nvSpPr>
+        <p:spPr/>
+      </p:sp>
+      <p:sp>
+        <p:nvSpPr>
+          <p:cNvPr id="3" name="Notes Placeholder 2"/>
+          <p:cNvSpPr>
+            <a:spLocks noGrp="1"/>
+          </p:cNvSpPr>
+          <p:nvPr>
+            <p:ph type="body" idx="1"/>
+          </p:nvPr>
+        </p:nvSpPr>
+        <p:spPr/>
+        <p:txBody>
+          <a:bodyPr/>
+          <a:lstStyle/>
+          <a:p>
+            <a:endParaRPr lang="tr-TR"/>
+          </a:p>
+        </p:txBody>
+      </p:sp>
+      <p:sp>
+        <p:nvSpPr>
+          <p:cNvPr id="4" name="Header Placeholder 3"/>
+          <p:cNvSpPr>
+            <a:spLocks noGrp="1"/>
+          </p:cNvSpPr>
+          <p:nvPr>
+            <p:ph type="hdr" sz="quarter"/>
+            <p:custDataLst>
+              <p:tags r:id="rId1"/>
+            </p:custDataLst>
+          </p:nvPr>
+        </p:nvSpPr>
+        <p:spPr/>
+        <p:txBody>
+          <a:bodyPr/>
+          <a:lstStyle/>
+          <a:p>
+            <a:r>
+              <a:rPr lang="tr-TR"/>
+              <a:t>TASNİF DIŞI</a:t>
+            </a:r>
+          </a:p>
+        </p:txBody>
+      </p:sp>
+      <p:sp>
+        <p:nvSpPr>
+          <p:cNvPr id="5" name="Footer Placeholder 4"/>
+          <p:cNvSpPr>
+            <a:spLocks noGrp="1"/>
+          </p:cNvSpPr>
+          <p:nvPr>
+            <p:ph type="ftr" sz="quarter" idx="4"/>
+          </p:nvPr>
+        </p:nvSpPr>
+        <p:spPr/>
+        <p:txBody>
+          <a:bodyPr/>
+          <a:lstStyle/>
+          <a:p>
+            <a:endParaRPr lang="tr-TR"/>
+          </a:p>
+        </p:txBody>
+      </p:sp>
+      <p:sp>
+        <p:nvSpPr>
+          <p:cNvPr id="6" name="Slide Number Placeholder 5"/>
+          <p:cNvSpPr>
+            <a:spLocks noGrp="1"/>
+          </p:cNvSpPr>
+          <p:nvPr>
+            <p:ph type="sldNum" sz="quarter" idx="5"/>
+          </p:nvPr>
+        </p:nvSpPr>
+        <p:spPr/>
+        <p:txBody>
+          <a:bodyPr/>
+          <a:lstStyle/>
+          <a:p>
+            <a:fld id="{B0C8BBDD-C3B0-48D3-84B8-B335C26FBCD7}" type="slidenum">
+              <a:rPr lang="tr-TR" smtClean="0"/>
+              <a:t>26</a:t>
             </a:fld>
             <a:endParaRPr lang="tr-TR"/>
           </a:p>
@@ -3382,7 +3640,7 @@
     </p:spTree>
     <p:extLst>
       <p:ext uri="{BB962C8B-B14F-4D97-AF65-F5344CB8AC3E}">
-        <p14:creationId xmlns:p14="http://schemas.microsoft.com/office/powerpoint/2010/main" val="1569182570"/>
+        <p14:creationId xmlns:p14="http://schemas.microsoft.com/office/powerpoint/2010/main" val="4252581829"/>
       </p:ext>
     </p:extLst>
   </p:cSld>
@@ -3510,7 +3768,7 @@
     </p:spTree>
     <p:extLst>
       <p:ext uri="{BB962C8B-B14F-4D97-AF65-F5344CB8AC3E}">
-        <p14:creationId xmlns:p14="http://schemas.microsoft.com/office/powerpoint/2010/main" val="525669861"/>
+        <p14:creationId xmlns:p14="http://schemas.microsoft.com/office/powerpoint/2010/main" val="1569182570"/>
       </p:ext>
     </p:extLst>
   </p:cSld>
@@ -3638,7 +3896,7 @@
     </p:spTree>
     <p:extLst>
       <p:ext uri="{BB962C8B-B14F-4D97-AF65-F5344CB8AC3E}">
-        <p14:creationId xmlns:p14="http://schemas.microsoft.com/office/powerpoint/2010/main" val="2313114444"/>
+        <p14:creationId xmlns:p14="http://schemas.microsoft.com/office/powerpoint/2010/main" val="525669861"/>
       </p:ext>
     </p:extLst>
   </p:cSld>
@@ -3766,7 +4024,7 @@
     </p:spTree>
     <p:extLst>
       <p:ext uri="{BB962C8B-B14F-4D97-AF65-F5344CB8AC3E}">
-        <p14:creationId xmlns:p14="http://schemas.microsoft.com/office/powerpoint/2010/main" val="4157457556"/>
+        <p14:creationId xmlns:p14="http://schemas.microsoft.com/office/powerpoint/2010/main" val="2313114444"/>
       </p:ext>
     </p:extLst>
   </p:cSld>
@@ -3925,7 +4183,7 @@
           <a:p>
             <a:fld id="{4BB3D0F9-C69A-4DAD-9822-657E93D18B16}" type="datetime1">
               <a:rPr lang="tr-TR" smtClean="0"/>
-              <a:t>27.01.2026</a:t>
+              <a:t>28.01.2026</a:t>
             </a:fld>
             <a:endParaRPr lang="tr-TR"/>
           </a:p>
@@ -4125,7 +4383,7 @@
           <a:p>
             <a:fld id="{162B5E83-06BF-48D1-904C-45BD28A543C2}" type="datetime1">
               <a:rPr lang="tr-TR" smtClean="0"/>
-              <a:t>27.01.2026</a:t>
+              <a:t>28.01.2026</a:t>
             </a:fld>
             <a:endParaRPr lang="tr-TR"/>
           </a:p>
@@ -4335,7 +4593,7 @@
           <a:p>
             <a:fld id="{2CF74FCA-AEC8-4A10-A5F6-696D850CFB62}" type="datetime1">
               <a:rPr lang="tr-TR" smtClean="0"/>
-              <a:t>27.01.2026</a:t>
+              <a:t>28.01.2026</a:t>
             </a:fld>
             <a:endParaRPr lang="tr-TR"/>
           </a:p>
@@ -4535,7 +4793,7 @@
           <a:p>
             <a:fld id="{B86EC6C7-06AD-4535-B763-96EA61EE6375}" type="datetime1">
               <a:rPr lang="tr-TR" smtClean="0"/>
-              <a:t>27.01.2026</a:t>
+              <a:t>28.01.2026</a:t>
             </a:fld>
             <a:endParaRPr lang="tr-TR"/>
           </a:p>
@@ -4773,7 +5031,7 @@
           <a:p>
             <a:fld id="{D1FDD170-2B24-4EF2-839B-95523F088740}" type="datetime1">
               <a:rPr lang="tr-TR" smtClean="0"/>
-              <a:t>27.01.2026</a:t>
+              <a:t>28.01.2026</a:t>
             </a:fld>
             <a:endParaRPr lang="tr-TR"/>
           </a:p>
@@ -5070,7 +5328,7 @@
           <a:p>
             <a:fld id="{FE9EF3D2-F7D3-4F4A-96EA-9F225C6F3DBC}" type="datetime1">
               <a:rPr lang="tr-TR" smtClean="0"/>
-              <a:t>27.01.2026</a:t>
+              <a:t>28.01.2026</a:t>
             </a:fld>
             <a:endParaRPr lang="tr-TR"/>
           </a:p>
@@ -5485,7 +5743,7 @@
           <a:p>
             <a:fld id="{58DF2CEC-19D4-4CDA-BD34-0453D04BC91F}" type="datetime1">
               <a:rPr lang="tr-TR" smtClean="0"/>
-              <a:t>27.01.2026</a:t>
+              <a:t>28.01.2026</a:t>
             </a:fld>
             <a:endParaRPr lang="tr-TR"/>
           </a:p>
@@ -5627,7 +5885,7 @@
           <a:p>
             <a:fld id="{56D95682-C3D2-47D8-9ABB-ED9C7D68DF14}" type="datetime1">
               <a:rPr lang="tr-TR" smtClean="0"/>
-              <a:t>27.01.2026</a:t>
+              <a:t>28.01.2026</a:t>
             </a:fld>
             <a:endParaRPr lang="tr-TR"/>
           </a:p>
@@ -5740,7 +5998,7 @@
           <a:p>
             <a:fld id="{6CB6BDAB-0756-491D-9DEA-75AA95454EA5}" type="datetime1">
               <a:rPr lang="tr-TR" smtClean="0"/>
-              <a:t>27.01.2026</a:t>
+              <a:t>28.01.2026</a:t>
             </a:fld>
             <a:endParaRPr lang="tr-TR"/>
           </a:p>
@@ -6053,7 +6311,7 @@
           <a:p>
             <a:fld id="{399D6040-17A8-4314-BB6D-05727CFD3CBF}" type="datetime1">
               <a:rPr lang="tr-TR" smtClean="0"/>
-              <a:t>27.01.2026</a:t>
+              <a:t>28.01.2026</a:t>
             </a:fld>
             <a:endParaRPr lang="tr-TR"/>
           </a:p>
@@ -6342,7 +6600,7 @@
           <a:p>
             <a:fld id="{6B052022-39F4-48AA-B984-FE3C96790416}" type="datetime1">
               <a:rPr lang="tr-TR" smtClean="0"/>
-              <a:t>27.01.2026</a:t>
+              <a:t>28.01.2026</a:t>
             </a:fld>
             <a:endParaRPr lang="tr-TR"/>
           </a:p>
@@ -6585,7 +6843,7 @@
           <a:p>
             <a:fld id="{0666F17C-CD24-48C6-B336-87BD176625D7}" type="datetime1">
               <a:rPr lang="tr-TR" smtClean="0"/>
-              <a:t>27.01.2026</a:t>
+              <a:t>28.01.2026</a:t>
             </a:fld>
             <a:endParaRPr lang="tr-TR"/>
           </a:p>
@@ -7288,7 +7546,7 @@
           <p:cNvPr id="2" name="Title 1">
             <a:extLst>
               <a:ext uri="{FF2B5EF4-FFF2-40B4-BE49-F238E27FC236}">
-                <a16:creationId xmlns:a16="http://schemas.microsoft.com/office/drawing/2014/main" id="{A83DED9F-D594-48E7-BBAD-290BE8B2D487}"/>
+                <a16:creationId xmlns:a16="http://schemas.microsoft.com/office/drawing/2014/main" id="{9AAFC9F0-A61F-45D3-A9A1-EEBCCC05DC35}"/>
               </a:ext>
             </a:extLst>
           </p:cNvPr>
@@ -7312,237 +7570,224 @@
           </a:p>
         </p:txBody>
       </p:sp>
-      <p:sp>
-        <p:nvSpPr>
-          <p:cNvPr id="3" name="Content Placeholder 2">
-            <a:extLst>
-              <a:ext uri="{FF2B5EF4-FFF2-40B4-BE49-F238E27FC236}">
-                <a16:creationId xmlns:a16="http://schemas.microsoft.com/office/drawing/2014/main" id="{1C5E9715-7B23-4555-96A9-B6FA7963A73C}"/>
-              </a:ext>
-            </a:extLst>
-          </p:cNvPr>
-          <p:cNvSpPr>
-            <a:spLocks noGrp="1"/>
-          </p:cNvSpPr>
-          <p:nvPr>
-            <p:ph idx="1"/>
-          </p:nvPr>
-        </p:nvSpPr>
-        <p:spPr>
-          <a:xfrm>
-            <a:off x="838200" y="1825625"/>
-            <a:ext cx="10515600" cy="4351338"/>
-          </a:xfrm>
-        </p:spPr>
-        <p:txBody>
-          <a:bodyPr/>
-          <a:lstStyle/>
-          <a:p>
-            <a:r>
-              <a:rPr lang="en-US" dirty="0"/>
-              <a:t>Low-Level: any optimal single agent pathfinding algorithm which can satisfies all the constraint such as A*, can be used</a:t>
-            </a:r>
-            <a:endParaRPr lang="tr-TR" dirty="0"/>
-          </a:p>
-        </p:txBody>
-      </p:sp>
-      <p:pic>
-        <p:nvPicPr>
-          <p:cNvPr id="4" name="Picture 3">
-            <a:extLst>
-              <a:ext uri="{FF2B5EF4-FFF2-40B4-BE49-F238E27FC236}">
-                <a16:creationId xmlns:a16="http://schemas.microsoft.com/office/drawing/2014/main" id="{E7BA8906-E22E-4338-9FB7-0E36DEB25B72}"/>
-              </a:ext>
-            </a:extLst>
-          </p:cNvPr>
-          <p:cNvPicPr>
-            <a:picLocks noChangeAspect="1"/>
-          </p:cNvPicPr>
-          <p:nvPr/>
-        </p:nvPicPr>
-        <p:blipFill>
-          <a:blip r:embed="rId3"/>
-          <a:stretch>
-            <a:fillRect/>
-          </a:stretch>
-        </p:blipFill>
-        <p:spPr>
-          <a:xfrm>
-            <a:off x="6182989" y="2619484"/>
-            <a:ext cx="3626565" cy="2763617"/>
-          </a:xfrm>
-          <a:prstGeom prst="rect">
-            <a:avLst/>
-          </a:prstGeom>
-        </p:spPr>
-      </p:pic>
-      <p:pic>
-        <p:nvPicPr>
-          <p:cNvPr id="5" name="Picture 4">
-            <a:extLst>
-              <a:ext uri="{FF2B5EF4-FFF2-40B4-BE49-F238E27FC236}">
-                <a16:creationId xmlns:a16="http://schemas.microsoft.com/office/drawing/2014/main" id="{7EB7CB65-31D8-4F21-B9C1-2EE0F179A48A}"/>
-              </a:ext>
-            </a:extLst>
-          </p:cNvPr>
-          <p:cNvPicPr>
-            <a:picLocks noChangeAspect="1"/>
-          </p:cNvPicPr>
-          <p:nvPr/>
-        </p:nvPicPr>
-        <p:blipFill>
-          <a:blip r:embed="rId4"/>
-          <a:stretch>
-            <a:fillRect/>
-          </a:stretch>
-        </p:blipFill>
-        <p:spPr>
-          <a:xfrm>
-            <a:off x="1486832" y="2754239"/>
-            <a:ext cx="2555239" cy="2494109"/>
-          </a:xfrm>
-          <a:prstGeom prst="rect">
-            <a:avLst/>
-          </a:prstGeom>
-        </p:spPr>
-      </p:pic>
-      <mc:AlternateContent xmlns:mc="http://schemas.openxmlformats.org/markup-compatibility/2006" xmlns:a14="http://schemas.microsoft.com/office/drawing/2010/main">
-        <mc:Choice Requires="a14">
+      <mc:AlternateContent xmlns:mc="http://schemas.openxmlformats.org/markup-compatibility/2006">
+        <mc:Choice xmlns:a14="http://schemas.microsoft.com/office/drawing/2010/main" Requires="a14">
           <p:sp>
             <p:nvSpPr>
-              <p:cNvPr id="6" name="TextBox 5">
+              <p:cNvPr id="3" name="Content Placeholder 2">
                 <a:extLst>
                   <a:ext uri="{FF2B5EF4-FFF2-40B4-BE49-F238E27FC236}">
-                    <a16:creationId xmlns:a16="http://schemas.microsoft.com/office/drawing/2014/main" id="{259FE677-9AAC-41E7-9D26-F086CF4109E3}"/>
+                    <a16:creationId xmlns:a16="http://schemas.microsoft.com/office/drawing/2014/main" id="{D54AD1DD-94E1-4010-805C-B6DD763D30CF}"/>
                   </a:ext>
                 </a:extLst>
               </p:cNvPr>
-              <p:cNvSpPr txBox="1"/>
-              <p:nvPr/>
+              <p:cNvSpPr>
+                <a:spLocks noGrp="1"/>
+              </p:cNvSpPr>
+              <p:nvPr>
+                <p:ph idx="1"/>
+              </p:nvPr>
             </p:nvSpPr>
-            <p:spPr>
-              <a:xfrm>
-                <a:off x="2011680" y="5595366"/>
-                <a:ext cx="6619504" cy="369332"/>
-              </a:xfrm>
-              <a:prstGeom prst="rect">
-                <a:avLst/>
-              </a:prstGeom>
-              <a:noFill/>
-            </p:spPr>
+            <p:spPr/>
             <p:txBody>
-              <a:bodyPr wrap="none" rtlCol="0">
-                <a:spAutoFit/>
-              </a:bodyPr>
+              <a:bodyPr/>
               <a:lstStyle/>
               <a:p>
                 <a:r>
                   <a:rPr lang="en-US" dirty="0"/>
-                  <a:t>A* will expand </a:t>
+                  <a:t>Edge conflict:</a:t>
                 </a:r>
+              </a:p>
+              <a:p>
                 <a14:m>
                   <m:oMath xmlns:m="http://schemas.openxmlformats.org/officeDocument/2006/math">
-                    <m:sSup>
-                      <m:sSupPr>
+                    <m:r>
+                      <a:rPr lang="en-US" sz="2000" i="1">
+                        <a:latin typeface="Cambria Math" panose="02040503050406030204" pitchFamily="18" charset="0"/>
+                      </a:rPr>
+                      <m:t>(</m:t>
+                    </m:r>
+                    <m:sSub>
+                      <m:sSubPr>
                         <m:ctrlPr>
-                          <a:rPr lang="en-US" b="0" i="1" smtClean="0">
+                          <a:rPr lang="en-US" sz="2000" b="0" i="1" smtClean="0">
                             <a:latin typeface="Cambria Math" panose="02040503050406030204" pitchFamily="18" charset="0"/>
                           </a:rPr>
                         </m:ctrlPr>
-                      </m:sSupPr>
+                      </m:sSubPr>
                       <m:e>
                         <m:r>
-                          <a:rPr lang="en-US" b="0" i="1" smtClean="0">
+                          <a:rPr lang="en-US" sz="2000" b="0" i="1" smtClean="0">
                             <a:latin typeface="Cambria Math" panose="02040503050406030204" pitchFamily="18" charset="0"/>
                           </a:rPr>
-                          <m:t>𝑚</m:t>
+                          <m:t>𝑎</m:t>
                         </m:r>
                       </m:e>
-                      <m:sup>
+                      <m:sub>
                         <m:r>
-                          <a:rPr lang="en-US" b="0" i="1" smtClean="0">
+                          <a:rPr lang="en-US" sz="2000" b="0" i="1" smtClean="0">
+                            <a:latin typeface="Cambria Math" panose="02040503050406030204" pitchFamily="18" charset="0"/>
+                          </a:rPr>
+                          <m:t>𝑖</m:t>
+                        </m:r>
+                      </m:sub>
+                    </m:sSub>
+                    <m:r>
+                      <a:rPr lang="en-US" sz="2000" i="1">
+                        <a:latin typeface="Cambria Math" panose="02040503050406030204" pitchFamily="18" charset="0"/>
+                      </a:rPr>
+                      <m:t>,</m:t>
+                    </m:r>
+                    <m:sSub>
+                      <m:sSubPr>
+                        <m:ctrlPr>
+                          <a:rPr lang="en-US" sz="2000" b="0" i="1" smtClean="0">
+                            <a:latin typeface="Cambria Math" panose="02040503050406030204" pitchFamily="18" charset="0"/>
+                          </a:rPr>
+                        </m:ctrlPr>
+                      </m:sSubPr>
+                      <m:e>
+                        <m:r>
+                          <a:rPr lang="en-US" sz="2000" b="0" i="1" smtClean="0">
+                            <a:latin typeface="Cambria Math" panose="02040503050406030204" pitchFamily="18" charset="0"/>
+                          </a:rPr>
+                          <m:t>𝑎</m:t>
+                        </m:r>
+                      </m:e>
+                      <m:sub>
+                        <m:r>
+                          <a:rPr lang="en-US" sz="2000" b="0" i="1" smtClean="0">
+                            <a:latin typeface="Cambria Math" panose="02040503050406030204" pitchFamily="18" charset="0"/>
+                          </a:rPr>
+                          <m:t>𝑗</m:t>
+                        </m:r>
+                      </m:sub>
+                    </m:sSub>
+                    <m:r>
+                      <a:rPr lang="en-US" sz="2000" b="0" i="1" smtClean="0">
+                        <a:latin typeface="Cambria Math" panose="02040503050406030204" pitchFamily="18" charset="0"/>
+                      </a:rPr>
+                      <m:t>,</m:t>
+                    </m:r>
+                    <m:sSub>
+                      <m:sSubPr>
+                        <m:ctrlPr>
+                          <a:rPr lang="en-US" sz="2000" i="1">
+                            <a:latin typeface="Cambria Math" panose="02040503050406030204" pitchFamily="18" charset="0"/>
+                          </a:rPr>
+                        </m:ctrlPr>
+                      </m:sSubPr>
+                      <m:e>
+                        <m:r>
+                          <a:rPr lang="en-US" sz="2000" i="1">
+                            <a:latin typeface="Cambria Math" panose="02040503050406030204" pitchFamily="18" charset="0"/>
+                          </a:rPr>
+                          <m:t>𝑣</m:t>
+                        </m:r>
+                      </m:e>
+                      <m:sub>
+                        <m:r>
+                          <a:rPr lang="en-US" sz="2000" b="0" i="1" smtClean="0">
+                            <a:latin typeface="Cambria Math" panose="02040503050406030204" pitchFamily="18" charset="0"/>
+                          </a:rPr>
+                          <m:t>1</m:t>
+                        </m:r>
+                      </m:sub>
+                    </m:sSub>
+                    <m:r>
+                      <a:rPr lang="en-US" sz="2000" i="1">
+                        <a:latin typeface="Cambria Math" panose="02040503050406030204" pitchFamily="18" charset="0"/>
+                      </a:rPr>
+                      <m:t>, </m:t>
+                    </m:r>
+                    <m:sSub>
+                      <m:sSubPr>
+                        <m:ctrlPr>
+                          <a:rPr lang="en-US" sz="2000" i="1">
+                            <a:latin typeface="Cambria Math" panose="02040503050406030204" pitchFamily="18" charset="0"/>
+                          </a:rPr>
+                        </m:ctrlPr>
+                      </m:sSubPr>
+                      <m:e>
+                        <m:r>
+                          <a:rPr lang="en-US" sz="2000" i="1">
+                            <a:latin typeface="Cambria Math" panose="02040503050406030204" pitchFamily="18" charset="0"/>
+                          </a:rPr>
+                          <m:t>𝑣</m:t>
+                        </m:r>
+                      </m:e>
+                      <m:sub>
+                        <m:r>
+                          <a:rPr lang="en-US" sz="2000" i="1">
                             <a:latin typeface="Cambria Math" panose="02040503050406030204" pitchFamily="18" charset="0"/>
                           </a:rPr>
                           <m:t>2</m:t>
                         </m:r>
-                      </m:sup>
-                    </m:sSup>
+                      </m:sub>
+                    </m:sSub>
                     <m:r>
-                      <a:rPr lang="en-US" b="0" i="1" smtClean="0">
+                      <a:rPr lang="en-US" sz="2000" i="1">
                         <a:latin typeface="Cambria Math" panose="02040503050406030204" pitchFamily="18" charset="0"/>
                       </a:rPr>
-                      <m:t>+3 </m:t>
+                      <m:t>,</m:t>
                     </m:r>
                     <m:r>
-                      <a:rPr lang="en-US" b="0" i="1" smtClean="0">
+                      <a:rPr lang="en-US" sz="2000" b="0" i="1" smtClean="0">
                         <a:latin typeface="Cambria Math" panose="02040503050406030204" pitchFamily="18" charset="0"/>
                       </a:rPr>
-                      <m:t>𝑛𝑜𝑑𝑒</m:t>
+                      <m:t>𝑡</m:t>
+                    </m:r>
+                    <m:r>
+                      <a:rPr lang="en-US" sz="2000" i="1">
+                        <a:latin typeface="Cambria Math" panose="02040503050406030204" pitchFamily="18" charset="0"/>
+                      </a:rPr>
+                      <m:t>)</m:t>
                     </m:r>
                   </m:oMath>
                 </a14:m>
+                <a:endParaRPr lang="en-US" sz="2000" dirty="0"/>
+              </a:p>
+              <a:p>
+                <a:endParaRPr lang="en-US" dirty="0"/>
+              </a:p>
+              <a:p>
+                <a:endParaRPr lang="en-US" dirty="0"/>
+              </a:p>
+              <a:p>
+                <a:pPr marL="3200400" lvl="7" indent="0">
+                  <a:buNone/>
+                </a:pPr>
                 <a:r>
                   <a:rPr lang="en-US" dirty="0"/>
-                  <a:t> while CBS only </a:t>
-                </a:r>
-                <a14:m>
-                  <m:oMath xmlns:m="http://schemas.openxmlformats.org/officeDocument/2006/math">
-                    <m:r>
-                      <a:rPr lang="en-US" i="1" dirty="0" smtClean="0">
-                        <a:latin typeface="Cambria Math" panose="02040503050406030204" pitchFamily="18" charset="0"/>
-                      </a:rPr>
-                      <m:t>2</m:t>
-                    </m:r>
-                    <m:r>
-                      <a:rPr lang="en-US" i="1" dirty="0" smtClean="0">
-                        <a:latin typeface="Cambria Math" panose="02040503050406030204" pitchFamily="18" charset="0"/>
-                      </a:rPr>
-                      <m:t>𝑚</m:t>
-                    </m:r>
-                    <m:r>
-                      <a:rPr lang="en-US" i="1" dirty="0" smtClean="0">
-                        <a:latin typeface="Cambria Math" panose="02040503050406030204" pitchFamily="18" charset="0"/>
-                      </a:rPr>
-                      <m:t>+14</m:t>
-                    </m:r>
-                  </m:oMath>
-                </a14:m>
-                <a:r>
-                  <a:rPr lang="en-US" dirty="0"/>
-                  <a:t> low level node</a:t>
+                  <a:t>			 </a:t>
                 </a:r>
                 <a:endParaRPr lang="tr-TR" dirty="0"/>
               </a:p>
             </p:txBody>
           </p:sp>
         </mc:Choice>
-        <mc:Fallback xmlns="">
+        <mc:Fallback>
           <p:sp>
             <p:nvSpPr>
-              <p:cNvPr id="6" name="TextBox 5">
+              <p:cNvPr id="3" name="Content Placeholder 2">
                 <a:extLst>
                   <a:ext uri="{FF2B5EF4-FFF2-40B4-BE49-F238E27FC236}">
-                    <a16:creationId xmlns:a16="http://schemas.microsoft.com/office/drawing/2014/main" id="{259FE677-9AAC-41E7-9D26-F086CF4109E3}"/>
+                    <a16:creationId xmlns:a16="http://schemas.microsoft.com/office/drawing/2014/main" id="{D54AD1DD-94E1-4010-805C-B6DD763D30CF}"/>
                   </a:ext>
                 </a:extLst>
               </p:cNvPr>
-              <p:cNvSpPr txBox="1">
-                <a:spLocks noRot="1" noChangeAspect="1" noMove="1" noResize="1" noEditPoints="1" noAdjustHandles="1" noChangeArrowheads="1" noChangeShapeType="1" noTextEdit="1"/>
+              <p:cNvSpPr>
+                <a:spLocks noGrp="1" noRot="1" noChangeAspect="1" noMove="1" noResize="1" noEditPoints="1" noAdjustHandles="1" noChangeArrowheads="1" noChangeShapeType="1" noTextEdit="1"/>
               </p:cNvSpPr>
-              <p:nvPr/>
+              <p:nvPr>
+                <p:ph idx="1"/>
+              </p:nvPr>
             </p:nvSpPr>
             <p:spPr>
-              <a:xfrm>
-                <a:off x="2011680" y="5595366"/>
-                <a:ext cx="6619504" cy="369332"/>
-              </a:xfrm>
-              <a:prstGeom prst="rect">
-                <a:avLst/>
-              </a:prstGeom>
               <a:blipFill>
-                <a:blip r:embed="rId5"/>
+                <a:blip r:embed="rId3"/>
                 <a:stretch>
-                  <a:fillRect l="-737" t="-10000" b="-26667"/>
+                  <a:fillRect l="-1043" t="-2241"/>
                 </a:stretch>
               </a:blipFill>
             </p:spPr>
@@ -7561,12 +7806,267 @@
           </p:sp>
         </mc:Fallback>
       </mc:AlternateContent>
+      <p:grpSp>
+        <p:nvGrpSpPr>
+          <p:cNvPr id="6" name="Group 5">
+            <a:extLst>
+              <a:ext uri="{FF2B5EF4-FFF2-40B4-BE49-F238E27FC236}">
+                <a16:creationId xmlns:a16="http://schemas.microsoft.com/office/drawing/2014/main" id="{9B88EE3C-8C96-49B1-ACF2-31E5FEA9783C}"/>
+              </a:ext>
+            </a:extLst>
+          </p:cNvPr>
+          <p:cNvGrpSpPr/>
+          <p:nvPr/>
+        </p:nvGrpSpPr>
+        <p:grpSpPr>
+          <a:xfrm>
+            <a:off x="3273519" y="1632427"/>
+            <a:ext cx="3561621" cy="1635184"/>
+            <a:chOff x="3403059" y="2539207"/>
+            <a:chExt cx="3561621" cy="1635184"/>
+          </a:xfrm>
+        </p:grpSpPr>
+        <p:pic>
+          <p:nvPicPr>
+            <p:cNvPr id="4" name="Picture 3">
+              <a:extLst>
+                <a:ext uri="{FF2B5EF4-FFF2-40B4-BE49-F238E27FC236}">
+                  <a16:creationId xmlns:a16="http://schemas.microsoft.com/office/drawing/2014/main" id="{2B170F7F-4B23-4BA6-A753-3D0BF8D59A91}"/>
+                </a:ext>
+              </a:extLst>
+            </p:cNvPr>
+            <p:cNvPicPr>
+              <a:picLocks noChangeAspect="1"/>
+            </p:cNvPicPr>
+            <p:nvPr/>
+          </p:nvPicPr>
+          <p:blipFill>
+            <a:blip r:embed="rId4"/>
+            <a:stretch>
+              <a:fillRect/>
+            </a:stretch>
+          </p:blipFill>
+          <p:spPr>
+            <a:xfrm>
+              <a:off x="3403059" y="2539207"/>
+              <a:ext cx="3561621" cy="1116330"/>
+            </a:xfrm>
+            <a:prstGeom prst="rect">
+              <a:avLst/>
+            </a:prstGeom>
+          </p:spPr>
+        </p:pic>
+        <mc:AlternateContent xmlns:mc="http://schemas.openxmlformats.org/markup-compatibility/2006">
+          <mc:Choice xmlns:a14="http://schemas.microsoft.com/office/drawing/2010/main" Requires="a14">
+            <p:sp>
+              <p:nvSpPr>
+                <p:cNvPr id="5" name="TextBox 4">
+                  <a:extLst>
+                    <a:ext uri="{FF2B5EF4-FFF2-40B4-BE49-F238E27FC236}">
+                      <a16:creationId xmlns:a16="http://schemas.microsoft.com/office/drawing/2014/main" id="{18D351A8-3462-48CE-90A5-44F023917A6D}"/>
+                    </a:ext>
+                  </a:extLst>
+                </p:cNvPr>
+                <p:cNvSpPr txBox="1"/>
+                <p:nvPr/>
+              </p:nvSpPr>
+              <p:spPr>
+                <a:xfrm>
+                  <a:off x="4450081" y="3528060"/>
+                  <a:ext cx="1577340" cy="646331"/>
+                </a:xfrm>
+                <a:prstGeom prst="rect">
+                  <a:avLst/>
+                </a:prstGeom>
+                <a:noFill/>
+              </p:spPr>
+              <p:txBody>
+                <a:bodyPr wrap="square" rtlCol="0">
+                  <a:spAutoFit/>
+                </a:bodyPr>
+                <a:lstStyle/>
+                <a:p>
+                  <a:pPr/>
+                  <a14:m>
+                    <m:oMathPara xmlns:m="http://schemas.openxmlformats.org/officeDocument/2006/math">
+                      <m:oMathParaPr>
+                        <m:jc m:val="centerGroup"/>
+                      </m:oMathParaPr>
+                      <m:oMath xmlns:m="http://schemas.openxmlformats.org/officeDocument/2006/math">
+                        <m:r>
+                          <a:rPr lang="en-US" i="1" smtClean="0">
+                            <a:latin typeface="Cambria Math" panose="02040503050406030204" pitchFamily="18" charset="0"/>
+                          </a:rPr>
+                          <m:t>(</m:t>
+                        </m:r>
+                        <m:sSub>
+                          <m:sSubPr>
+                            <m:ctrlPr>
+                              <a:rPr lang="en-US" i="1">
+                                <a:latin typeface="Cambria Math" panose="02040503050406030204" pitchFamily="18" charset="0"/>
+                              </a:rPr>
+                            </m:ctrlPr>
+                          </m:sSubPr>
+                          <m:e>
+                            <m:r>
+                              <a:rPr lang="en-US" i="1">
+                                <a:latin typeface="Cambria Math" panose="02040503050406030204" pitchFamily="18" charset="0"/>
+                              </a:rPr>
+                              <m:t>𝑎</m:t>
+                            </m:r>
+                          </m:e>
+                          <m:sub>
+                            <m:r>
+                              <a:rPr lang="en-US" i="1">
+                                <a:latin typeface="Cambria Math" panose="02040503050406030204" pitchFamily="18" charset="0"/>
+                              </a:rPr>
+                              <m:t>1</m:t>
+                            </m:r>
+                          </m:sub>
+                        </m:sSub>
+                        <m:r>
+                          <a:rPr lang="en-US" i="1">
+                            <a:latin typeface="Cambria Math" panose="02040503050406030204" pitchFamily="18" charset="0"/>
+                          </a:rPr>
+                          <m:t>,</m:t>
+                        </m:r>
+                        <m:sSub>
+                          <m:sSubPr>
+                            <m:ctrlPr>
+                              <a:rPr lang="en-US" i="1">
+                                <a:latin typeface="Cambria Math" panose="02040503050406030204" pitchFamily="18" charset="0"/>
+                              </a:rPr>
+                            </m:ctrlPr>
+                          </m:sSubPr>
+                          <m:e>
+                            <m:r>
+                              <a:rPr lang="en-US" i="1">
+                                <a:latin typeface="Cambria Math" panose="02040503050406030204" pitchFamily="18" charset="0"/>
+                              </a:rPr>
+                              <m:t>𝑣</m:t>
+                            </m:r>
+                          </m:e>
+                          <m:sub>
+                            <m:r>
+                              <a:rPr lang="en-US" i="1">
+                                <a:latin typeface="Cambria Math" panose="02040503050406030204" pitchFamily="18" charset="0"/>
+                              </a:rPr>
+                              <m:t>1</m:t>
+                            </m:r>
+                          </m:sub>
+                        </m:sSub>
+                        <m:r>
+                          <a:rPr lang="en-US" i="1">
+                            <a:latin typeface="Cambria Math" panose="02040503050406030204" pitchFamily="18" charset="0"/>
+                          </a:rPr>
+                          <m:t>, </m:t>
+                        </m:r>
+                        <m:sSub>
+                          <m:sSubPr>
+                            <m:ctrlPr>
+                              <a:rPr lang="en-US" i="1">
+                                <a:latin typeface="Cambria Math" panose="02040503050406030204" pitchFamily="18" charset="0"/>
+                              </a:rPr>
+                            </m:ctrlPr>
+                          </m:sSubPr>
+                          <m:e>
+                            <m:r>
+                              <a:rPr lang="en-US" i="1">
+                                <a:latin typeface="Cambria Math" panose="02040503050406030204" pitchFamily="18" charset="0"/>
+                              </a:rPr>
+                              <m:t>𝑣</m:t>
+                            </m:r>
+                          </m:e>
+                          <m:sub>
+                            <m:r>
+                              <a:rPr lang="en-US" i="1">
+                                <a:latin typeface="Cambria Math" panose="02040503050406030204" pitchFamily="18" charset="0"/>
+                              </a:rPr>
+                              <m:t>2</m:t>
+                            </m:r>
+                          </m:sub>
+                        </m:sSub>
+                        <m:r>
+                          <a:rPr lang="en-US" i="1">
+                            <a:latin typeface="Cambria Math" panose="02040503050406030204" pitchFamily="18" charset="0"/>
+                          </a:rPr>
+                          <m:t>,</m:t>
+                        </m:r>
+                        <m:r>
+                          <a:rPr lang="en-US" b="0" i="1" smtClean="0">
+                            <a:latin typeface="Cambria Math" panose="02040503050406030204" pitchFamily="18" charset="0"/>
+                          </a:rPr>
+                          <m:t>𝑡</m:t>
+                        </m:r>
+                        <m:r>
+                          <a:rPr lang="en-US" i="1">
+                            <a:latin typeface="Cambria Math" panose="02040503050406030204" pitchFamily="18" charset="0"/>
+                          </a:rPr>
+                          <m:t>)</m:t>
+                        </m:r>
+                      </m:oMath>
+                    </m:oMathPara>
+                  </a14:m>
+                  <a:endParaRPr lang="en-US" dirty="0"/>
+                </a:p>
+                <a:p>
+                  <a:endParaRPr lang="tr-TR" dirty="0"/>
+                </a:p>
+              </p:txBody>
+            </p:sp>
+          </mc:Choice>
+          <mc:Fallback>
+            <p:sp>
+              <p:nvSpPr>
+                <p:cNvPr id="5" name="TextBox 4">
+                  <a:extLst>
+                    <a:ext uri="{FF2B5EF4-FFF2-40B4-BE49-F238E27FC236}">
+                      <a16:creationId xmlns:a16="http://schemas.microsoft.com/office/drawing/2014/main" id="{18D351A8-3462-48CE-90A5-44F023917A6D}"/>
+                    </a:ext>
+                  </a:extLst>
+                </p:cNvPr>
+                <p:cNvSpPr txBox="1">
+                  <a:spLocks noRot="1" noChangeAspect="1" noMove="1" noResize="1" noEditPoints="1" noAdjustHandles="1" noChangeArrowheads="1" noChangeShapeType="1" noTextEdit="1"/>
+                </p:cNvSpPr>
+                <p:nvPr/>
+              </p:nvSpPr>
+              <p:spPr>
+                <a:xfrm>
+                  <a:off x="4450081" y="3528060"/>
+                  <a:ext cx="1577340" cy="646331"/>
+                </a:xfrm>
+                <a:prstGeom prst="rect">
+                  <a:avLst/>
+                </a:prstGeom>
+                <a:blipFill>
+                  <a:blip r:embed="rId5"/>
+                  <a:stretch>
+                    <a:fillRect/>
+                  </a:stretch>
+                </a:blipFill>
+              </p:spPr>
+              <p:txBody>
+                <a:bodyPr/>
+                <a:lstStyle/>
+                <a:p>
+                  <a:r>
+                    <a:rPr lang="tr-TR">
+                      <a:noFill/>
+                    </a:rPr>
+                    <a:t> </a:t>
+                  </a:r>
+                </a:p>
+              </p:txBody>
+            </p:sp>
+          </mc:Fallback>
+        </mc:AlternateContent>
+      </p:grpSp>
       <p:sp>
         <p:nvSpPr>
           <p:cNvPr id="7" name="Slide Number Placeholder 6">
             <a:extLst>
               <a:ext uri="{FF2B5EF4-FFF2-40B4-BE49-F238E27FC236}">
-                <a16:creationId xmlns:a16="http://schemas.microsoft.com/office/drawing/2014/main" id="{50C72735-EAB7-4EB6-94E6-CF4B8C58E1C1}"/>
+                <a16:creationId xmlns:a16="http://schemas.microsoft.com/office/drawing/2014/main" id="{826C51A9-6596-44FC-BAFC-03CF101E11C0}"/>
               </a:ext>
             </a:extLst>
           </p:cNvPr>
@@ -7593,7 +8093,7 @@
     </p:spTree>
     <p:extLst>
       <p:ext uri="{BB962C8B-B14F-4D97-AF65-F5344CB8AC3E}">
-        <p14:creationId xmlns:p14="http://schemas.microsoft.com/office/powerpoint/2010/main" val="328330867"/>
+        <p14:creationId xmlns:p14="http://schemas.microsoft.com/office/powerpoint/2010/main" val="1177107809"/>
       </p:ext>
     </p:extLst>
   </p:cSld>
@@ -7625,7 +8125,7 @@
           <p:cNvPr id="2" name="Title 1">
             <a:extLst>
               <a:ext uri="{FF2B5EF4-FFF2-40B4-BE49-F238E27FC236}">
-                <a16:creationId xmlns:a16="http://schemas.microsoft.com/office/drawing/2014/main" id="{D5167F7C-DFF2-483C-8B9F-3BE3C716551A}"/>
+                <a16:creationId xmlns:a16="http://schemas.microsoft.com/office/drawing/2014/main" id="{A83DED9F-D594-48E7-BBAD-290BE8B2D487}"/>
               </a:ext>
             </a:extLst>
           </p:cNvPr>
@@ -7654,7 +8154,7 @@
           <p:cNvPr id="3" name="Content Placeholder 2">
             <a:extLst>
               <a:ext uri="{FF2B5EF4-FFF2-40B4-BE49-F238E27FC236}">
-                <a16:creationId xmlns:a16="http://schemas.microsoft.com/office/drawing/2014/main" id="{A8616626-3EEB-41FD-A970-07EC85795DC4}"/>
+                <a16:creationId xmlns:a16="http://schemas.microsoft.com/office/drawing/2014/main" id="{1C5E9715-7B23-4555-96A9-B6FA7963A73C}"/>
               </a:ext>
             </a:extLst>
           </p:cNvPr>
@@ -7665,12 +8165,21 @@
             <p:ph idx="1"/>
           </p:nvPr>
         </p:nvSpPr>
-        <p:spPr/>
-        <p:txBody>
-          <a:bodyPr/>
-          <a:lstStyle/>
-          <a:p>
-            <a:endParaRPr lang="tr-TR"/>
+        <p:spPr>
+          <a:xfrm>
+            <a:off x="838200" y="1825625"/>
+            <a:ext cx="10515600" cy="4351338"/>
+          </a:xfrm>
+        </p:spPr>
+        <p:txBody>
+          <a:bodyPr/>
+          <a:lstStyle/>
+          <a:p>
+            <a:r>
+              <a:rPr lang="en-US" dirty="0"/>
+              <a:t>Low-Level: any optimal single agent pathfinding algorithm which can satisfies all the constraint such as A*, can be used</a:t>
+            </a:r>
+            <a:endParaRPr lang="tr-TR" dirty="0"/>
           </a:p>
         </p:txBody>
       </p:sp>
@@ -7679,7 +8188,7 @@
           <p:cNvPr id="4" name="Picture 3">
             <a:extLst>
               <a:ext uri="{FF2B5EF4-FFF2-40B4-BE49-F238E27FC236}">
-                <a16:creationId xmlns:a16="http://schemas.microsoft.com/office/drawing/2014/main" id="{55AD5471-6367-4A53-BF4A-CFDAA73741FF}"/>
+                <a16:creationId xmlns:a16="http://schemas.microsoft.com/office/drawing/2014/main" id="{E7BA8906-E22E-4338-9FB7-0E36DEB25B72}"/>
               </a:ext>
             </a:extLst>
           </p:cNvPr>
@@ -7696,20 +8205,50 @@
         </p:blipFill>
         <p:spPr>
           <a:xfrm>
-            <a:off x="838200" y="1690688"/>
-            <a:ext cx="7943661" cy="4667101"/>
+            <a:off x="6182989" y="2619484"/>
+            <a:ext cx="3626565" cy="2763617"/>
           </a:xfrm>
           <a:prstGeom prst="rect">
             <a:avLst/>
           </a:prstGeom>
         </p:spPr>
       </p:pic>
-      <p:sp>
-        <p:nvSpPr>
-          <p:cNvPr id="5" name="Slide Number Placeholder 4">
-            <a:extLst>
-              <a:ext uri="{FF2B5EF4-FFF2-40B4-BE49-F238E27FC236}">
-                <a16:creationId xmlns:a16="http://schemas.microsoft.com/office/drawing/2014/main" id="{7E298690-A694-4986-B9BC-82D127C9E1DF}"/>
+      <p:pic>
+        <p:nvPicPr>
+          <p:cNvPr id="5" name="Picture 4">
+            <a:extLst>
+              <a:ext uri="{FF2B5EF4-FFF2-40B4-BE49-F238E27FC236}">
+                <a16:creationId xmlns:a16="http://schemas.microsoft.com/office/drawing/2014/main" id="{7EB7CB65-31D8-4F21-B9C1-2EE0F179A48A}"/>
+              </a:ext>
+            </a:extLst>
+          </p:cNvPr>
+          <p:cNvPicPr>
+            <a:picLocks noChangeAspect="1"/>
+          </p:cNvPicPr>
+          <p:nvPr/>
+        </p:nvPicPr>
+        <p:blipFill>
+          <a:blip r:embed="rId4"/>
+          <a:stretch>
+            <a:fillRect/>
+          </a:stretch>
+        </p:blipFill>
+        <p:spPr>
+          <a:xfrm>
+            <a:off x="1486832" y="2754239"/>
+            <a:ext cx="2555239" cy="2494109"/>
+          </a:xfrm>
+          <a:prstGeom prst="rect">
+            <a:avLst/>
+          </a:prstGeom>
+        </p:spPr>
+      </p:pic>
+      <p:sp>
+        <p:nvSpPr>
+          <p:cNvPr id="7" name="Slide Number Placeholder 6">
+            <a:extLst>
+              <a:ext uri="{FF2B5EF4-FFF2-40B4-BE49-F238E27FC236}">
+                <a16:creationId xmlns:a16="http://schemas.microsoft.com/office/drawing/2014/main" id="{50C72735-EAB7-4EB6-94E6-CF4B8C58E1C1}"/>
               </a:ext>
             </a:extLst>
           </p:cNvPr>
@@ -7736,7 +8275,7 @@
     </p:spTree>
     <p:extLst>
       <p:ext uri="{BB962C8B-B14F-4D97-AF65-F5344CB8AC3E}">
-        <p14:creationId xmlns:p14="http://schemas.microsoft.com/office/powerpoint/2010/main" val="1345273416"/>
+        <p14:creationId xmlns:p14="http://schemas.microsoft.com/office/powerpoint/2010/main" val="328330867"/>
       </p:ext>
     </p:extLst>
   </p:cSld>
@@ -7768,6 +8307,149 @@
           <p:cNvPr id="2" name="Title 1">
             <a:extLst>
               <a:ext uri="{FF2B5EF4-FFF2-40B4-BE49-F238E27FC236}">
+                <a16:creationId xmlns:a16="http://schemas.microsoft.com/office/drawing/2014/main" id="{D5167F7C-DFF2-483C-8B9F-3BE3C716551A}"/>
+              </a:ext>
+            </a:extLst>
+          </p:cNvPr>
+          <p:cNvSpPr>
+            <a:spLocks noGrp="1"/>
+          </p:cNvSpPr>
+          <p:nvPr>
+            <p:ph type="title"/>
+          </p:nvPr>
+        </p:nvSpPr>
+        <p:spPr/>
+        <p:txBody>
+          <a:bodyPr/>
+          <a:lstStyle/>
+          <a:p>
+            <a:r>
+              <a:rPr lang="en-US" dirty="0"/>
+              <a:t>CBS</a:t>
+            </a:r>
+            <a:endParaRPr lang="tr-TR" dirty="0"/>
+          </a:p>
+        </p:txBody>
+      </p:sp>
+      <p:sp>
+        <p:nvSpPr>
+          <p:cNvPr id="3" name="Content Placeholder 2">
+            <a:extLst>
+              <a:ext uri="{FF2B5EF4-FFF2-40B4-BE49-F238E27FC236}">
+                <a16:creationId xmlns:a16="http://schemas.microsoft.com/office/drawing/2014/main" id="{A8616626-3EEB-41FD-A970-07EC85795DC4}"/>
+              </a:ext>
+            </a:extLst>
+          </p:cNvPr>
+          <p:cNvSpPr>
+            <a:spLocks noGrp="1"/>
+          </p:cNvSpPr>
+          <p:nvPr>
+            <p:ph idx="1"/>
+          </p:nvPr>
+        </p:nvSpPr>
+        <p:spPr/>
+        <p:txBody>
+          <a:bodyPr/>
+          <a:lstStyle/>
+          <a:p>
+            <a:endParaRPr lang="tr-TR"/>
+          </a:p>
+        </p:txBody>
+      </p:sp>
+      <p:pic>
+        <p:nvPicPr>
+          <p:cNvPr id="4" name="Picture 3">
+            <a:extLst>
+              <a:ext uri="{FF2B5EF4-FFF2-40B4-BE49-F238E27FC236}">
+                <a16:creationId xmlns:a16="http://schemas.microsoft.com/office/drawing/2014/main" id="{55AD5471-6367-4A53-BF4A-CFDAA73741FF}"/>
+              </a:ext>
+            </a:extLst>
+          </p:cNvPr>
+          <p:cNvPicPr>
+            <a:picLocks noChangeAspect="1"/>
+          </p:cNvPicPr>
+          <p:nvPr/>
+        </p:nvPicPr>
+        <p:blipFill>
+          <a:blip r:embed="rId3"/>
+          <a:stretch>
+            <a:fillRect/>
+          </a:stretch>
+        </p:blipFill>
+        <p:spPr>
+          <a:xfrm>
+            <a:off x="838200" y="1690688"/>
+            <a:ext cx="7943661" cy="4667101"/>
+          </a:xfrm>
+          <a:prstGeom prst="rect">
+            <a:avLst/>
+          </a:prstGeom>
+        </p:spPr>
+      </p:pic>
+      <p:sp>
+        <p:nvSpPr>
+          <p:cNvPr id="5" name="Slide Number Placeholder 4">
+            <a:extLst>
+              <a:ext uri="{FF2B5EF4-FFF2-40B4-BE49-F238E27FC236}">
+                <a16:creationId xmlns:a16="http://schemas.microsoft.com/office/drawing/2014/main" id="{7E298690-A694-4986-B9BC-82D127C9E1DF}"/>
+              </a:ext>
+            </a:extLst>
+          </p:cNvPr>
+          <p:cNvSpPr>
+            <a:spLocks noGrp="1"/>
+          </p:cNvSpPr>
+          <p:nvPr>
+            <p:ph type="sldNum" sz="quarter" idx="12"/>
+          </p:nvPr>
+        </p:nvSpPr>
+        <p:spPr/>
+        <p:txBody>
+          <a:bodyPr/>
+          <a:lstStyle/>
+          <a:p>
+            <a:fld id="{4B024B25-DFCA-4944-BA90-A17C573440F7}" type="slidenum">
+              <a:rPr lang="tr-TR" smtClean="0"/>
+              <a:t>12</a:t>
+            </a:fld>
+            <a:endParaRPr lang="tr-TR"/>
+          </a:p>
+        </p:txBody>
+      </p:sp>
+    </p:spTree>
+    <p:extLst>
+      <p:ext uri="{BB962C8B-B14F-4D97-AF65-F5344CB8AC3E}">
+        <p14:creationId xmlns:p14="http://schemas.microsoft.com/office/powerpoint/2010/main" val="1345273416"/>
+      </p:ext>
+    </p:extLst>
+  </p:cSld>
+  <p:clrMapOvr>
+    <a:masterClrMapping/>
+  </p:clrMapOvr>
+</p:sld>
+</file>
+
+<file path=ppt/slides/slide13.xml><?xml version="1.0" encoding="utf-8"?>
+<p:sld xmlns:a="http://schemas.openxmlformats.org/drawingml/2006/main" xmlns:r="http://schemas.openxmlformats.org/officeDocument/2006/relationships" xmlns:p="http://schemas.openxmlformats.org/presentationml/2006/main">
+  <p:cSld>
+    <p:spTree>
+      <p:nvGrpSpPr>
+        <p:cNvPr id="1" name=""/>
+        <p:cNvGrpSpPr/>
+        <p:nvPr/>
+      </p:nvGrpSpPr>
+      <p:grpSpPr>
+        <a:xfrm>
+          <a:off x="0" y="0"/>
+          <a:ext cx="0" cy="0"/>
+          <a:chOff x="0" y="0"/>
+          <a:chExt cx="0" cy="0"/>
+        </a:xfrm>
+      </p:grpSpPr>
+      <p:sp>
+        <p:nvSpPr>
+          <p:cNvPr id="2" name="Title 1">
+            <a:extLst>
+              <a:ext uri="{FF2B5EF4-FFF2-40B4-BE49-F238E27FC236}">
                 <a16:creationId xmlns:a16="http://schemas.microsoft.com/office/drawing/2014/main" id="{D0F81B46-C94F-4C9E-BD56-E67F73765C03}"/>
               </a:ext>
             </a:extLst>
@@ -7792,8 +8474,8 @@
           </a:p>
         </p:txBody>
       </p:sp>
-      <mc:AlternateContent xmlns:mc="http://schemas.openxmlformats.org/markup-compatibility/2006" xmlns:a14="http://schemas.microsoft.com/office/drawing/2010/main">
-        <mc:Choice Requires="a14">
+      <mc:AlternateContent xmlns:mc="http://schemas.openxmlformats.org/markup-compatibility/2006">
+        <mc:Choice xmlns:a14="http://schemas.microsoft.com/office/drawing/2010/main" Requires="a14">
           <p:sp>
             <p:nvSpPr>
               <p:cNvPr id="3" name="Content Placeholder 2">
@@ -8074,12 +8756,52 @@
                   <a:rPr lang="en-US" sz="2400" dirty="0"/>
                   <a:t>) low level nodes</a:t>
                 </a:r>
+              </a:p>
+              <a:p>
+                <a:r>
+                  <a:rPr lang="en-US" sz="2400" dirty="0"/>
+                  <a:t>CBS </a:t>
+                </a:r>
+                <a:r>
+                  <a:rPr lang="tr-TR" sz="2400" dirty="0" err="1"/>
+                  <a:t>outperform</a:t>
+                </a:r>
+                <a:r>
+                  <a:rPr lang="en-US" sz="2400" dirty="0"/>
+                  <a:t> A* when </a:t>
+                </a:r>
+                <a14:m>
+                  <m:oMath xmlns:m="http://schemas.openxmlformats.org/officeDocument/2006/math">
+                    <m:acc>
+                      <m:accPr>
+                        <m:chr m:val="̅"/>
+                        <m:ctrlPr>
+                          <a:rPr lang="en-US" sz="2400" i="1">
+                            <a:latin typeface="Cambria Math" panose="02040503050406030204" pitchFamily="18" charset="0"/>
+                          </a:rPr>
+                        </m:ctrlPr>
+                      </m:accPr>
+                      <m:e>
+                        <m:r>
+                          <a:rPr lang="en-US" sz="2400" i="1">
+                            <a:latin typeface="Cambria Math" panose="02040503050406030204" pitchFamily="18" charset="0"/>
+                          </a:rPr>
+                          <m:t>𝑌</m:t>
+                        </m:r>
+                      </m:e>
+                    </m:acc>
+                  </m:oMath>
+                </a14:m>
+                <a:r>
+                  <a:rPr lang="en-US" sz="2400" dirty="0"/>
+                  <a:t> &gt;&gt; X</a:t>
+                </a:r>
                 <a:endParaRPr lang="tr-TR" sz="2400" dirty="0"/>
               </a:p>
             </p:txBody>
           </p:sp>
         </mc:Choice>
-        <mc:Fallback xmlns="">
+        <mc:Fallback>
           <p:sp>
             <p:nvSpPr>
               <p:cNvPr id="3" name="Content Placeholder 2">
@@ -8142,7 +8864,7 @@
           <a:p>
             <a:fld id="{4B024B25-DFCA-4944-BA90-A17C573440F7}" type="slidenum">
               <a:rPr lang="tr-TR" smtClean="0"/>
-              <a:t>12</a:t>
+              <a:t>13</a:t>
             </a:fld>
             <a:endParaRPr lang="tr-TR"/>
           </a:p>
@@ -8202,192 +8924,6 @@
     <p:extLst>
       <p:ext uri="{BB962C8B-B14F-4D97-AF65-F5344CB8AC3E}">
         <p14:creationId xmlns:p14="http://schemas.microsoft.com/office/powerpoint/2010/main" val="1555944432"/>
-      </p:ext>
-    </p:extLst>
-  </p:cSld>
-  <p:clrMapOvr>
-    <a:masterClrMapping/>
-  </p:clrMapOvr>
-</p:sld>
-</file>
-
-<file path=ppt/slides/slide13.xml><?xml version="1.0" encoding="utf-8"?>
-<p:sld xmlns:a="http://schemas.openxmlformats.org/drawingml/2006/main" xmlns:r="http://schemas.openxmlformats.org/officeDocument/2006/relationships" xmlns:p="http://schemas.openxmlformats.org/presentationml/2006/main">
-  <p:cSld>
-    <p:spTree>
-      <p:nvGrpSpPr>
-        <p:cNvPr id="1" name=""/>
-        <p:cNvGrpSpPr/>
-        <p:nvPr/>
-      </p:nvGrpSpPr>
-      <p:grpSpPr>
-        <a:xfrm>
-          <a:off x="0" y="0"/>
-          <a:ext cx="0" cy="0"/>
-          <a:chOff x="0" y="0"/>
-          <a:chExt cx="0" cy="0"/>
-        </a:xfrm>
-      </p:grpSpPr>
-      <p:pic>
-        <p:nvPicPr>
-          <p:cNvPr id="5" name="Picture 4">
-            <a:extLst>
-              <a:ext uri="{FF2B5EF4-FFF2-40B4-BE49-F238E27FC236}">
-                <a16:creationId xmlns:a16="http://schemas.microsoft.com/office/drawing/2014/main" id="{757100F0-5E17-4E28-803F-0E8C9C4EB101}"/>
-              </a:ext>
-            </a:extLst>
-          </p:cNvPr>
-          <p:cNvPicPr>
-            <a:picLocks noChangeAspect="1"/>
-          </p:cNvPicPr>
-          <p:nvPr/>
-        </p:nvPicPr>
-        <p:blipFill>
-          <a:blip r:embed="rId3"/>
-          <a:stretch>
-            <a:fillRect/>
-          </a:stretch>
-        </p:blipFill>
-        <p:spPr>
-          <a:xfrm>
-            <a:off x="5188347" y="2477771"/>
-            <a:ext cx="6165453" cy="4015104"/>
-          </a:xfrm>
-          <a:prstGeom prst="rect">
-            <a:avLst/>
-          </a:prstGeom>
-        </p:spPr>
-      </p:pic>
-      <p:sp>
-        <p:nvSpPr>
-          <p:cNvPr id="2" name="Title 1">
-            <a:extLst>
-              <a:ext uri="{FF2B5EF4-FFF2-40B4-BE49-F238E27FC236}">
-                <a16:creationId xmlns:a16="http://schemas.microsoft.com/office/drawing/2014/main" id="{89B09484-B546-4A48-A641-AE095CE085D8}"/>
-              </a:ext>
-            </a:extLst>
-          </p:cNvPr>
-          <p:cNvSpPr>
-            <a:spLocks noGrp="1"/>
-          </p:cNvSpPr>
-          <p:nvPr>
-            <p:ph type="title"/>
-          </p:nvPr>
-        </p:nvSpPr>
-        <p:spPr/>
-        <p:txBody>
-          <a:bodyPr/>
-          <a:lstStyle/>
-          <a:p>
-            <a:r>
-              <a:rPr lang="en-US" dirty="0"/>
-              <a:t>Comparison of A* and CBS</a:t>
-            </a:r>
-            <a:endParaRPr lang="tr-TR" dirty="0"/>
-          </a:p>
-        </p:txBody>
-      </p:sp>
-      <p:sp>
-        <p:nvSpPr>
-          <p:cNvPr id="3" name="Content Placeholder 2">
-            <a:extLst>
-              <a:ext uri="{FF2B5EF4-FFF2-40B4-BE49-F238E27FC236}">
-                <a16:creationId xmlns:a16="http://schemas.microsoft.com/office/drawing/2014/main" id="{F6858EBE-EF96-4AC4-A5D7-17D1FD4BF7FD}"/>
-              </a:ext>
-            </a:extLst>
-          </p:cNvPr>
-          <p:cNvSpPr>
-            <a:spLocks noGrp="1"/>
-          </p:cNvSpPr>
-          <p:nvPr>
-            <p:ph idx="1"/>
-          </p:nvPr>
-        </p:nvSpPr>
-        <p:spPr/>
-        <p:txBody>
-          <a:bodyPr/>
-          <a:lstStyle/>
-          <a:p>
-            <a:r>
-              <a:rPr lang="en-US" dirty="0"/>
-              <a:t>CBS will expand 8 + 4 · 4 + 6 · 5 = 54 low level nodes</a:t>
-            </a:r>
-          </a:p>
-          <a:p>
-            <a:r>
-              <a:rPr lang="en-US" dirty="0"/>
-              <a:t>A* will expand 5 + 3 = 8 nodes</a:t>
-            </a:r>
-            <a:endParaRPr lang="tr-TR" dirty="0"/>
-          </a:p>
-          <a:p>
-            <a:endParaRPr lang="tr-TR" dirty="0"/>
-          </a:p>
-        </p:txBody>
-      </p:sp>
-      <p:pic>
-        <p:nvPicPr>
-          <p:cNvPr id="4" name="Picture 3">
-            <a:extLst>
-              <a:ext uri="{FF2B5EF4-FFF2-40B4-BE49-F238E27FC236}">
-                <a16:creationId xmlns:a16="http://schemas.microsoft.com/office/drawing/2014/main" id="{065B89E3-2C95-46D1-9747-451896B2E750}"/>
-              </a:ext>
-            </a:extLst>
-          </p:cNvPr>
-          <p:cNvPicPr>
-            <a:picLocks noChangeAspect="1"/>
-          </p:cNvPicPr>
-          <p:nvPr/>
-        </p:nvPicPr>
-        <p:blipFill>
-          <a:blip r:embed="rId4"/>
-          <a:stretch>
-            <a:fillRect/>
-          </a:stretch>
-        </p:blipFill>
-        <p:spPr>
-          <a:xfrm>
-            <a:off x="659779" y="3429000"/>
-            <a:ext cx="4244190" cy="2969696"/>
-          </a:xfrm>
-          <a:prstGeom prst="rect">
-            <a:avLst/>
-          </a:prstGeom>
-        </p:spPr>
-      </p:pic>
-      <p:sp>
-        <p:nvSpPr>
-          <p:cNvPr id="6" name="Slide Number Placeholder 5">
-            <a:extLst>
-              <a:ext uri="{FF2B5EF4-FFF2-40B4-BE49-F238E27FC236}">
-                <a16:creationId xmlns:a16="http://schemas.microsoft.com/office/drawing/2014/main" id="{BDA30B9E-62AD-45FD-BE07-5048F739080B}"/>
-              </a:ext>
-            </a:extLst>
-          </p:cNvPr>
-          <p:cNvSpPr>
-            <a:spLocks noGrp="1"/>
-          </p:cNvSpPr>
-          <p:nvPr>
-            <p:ph type="sldNum" sz="quarter" idx="12"/>
-          </p:nvPr>
-        </p:nvSpPr>
-        <p:spPr/>
-        <p:txBody>
-          <a:bodyPr/>
-          <a:lstStyle/>
-          <a:p>
-            <a:fld id="{4B024B25-DFCA-4944-BA90-A17C573440F7}" type="slidenum">
-              <a:rPr lang="tr-TR" smtClean="0"/>
-              <a:t>13</a:t>
-            </a:fld>
-            <a:endParaRPr lang="tr-TR"/>
-          </a:p>
-        </p:txBody>
-      </p:sp>
-    </p:spTree>
-    <p:extLst>
-      <p:ext uri="{BB962C8B-B14F-4D97-AF65-F5344CB8AC3E}">
-        <p14:creationId xmlns:p14="http://schemas.microsoft.com/office/powerpoint/2010/main" val="331830905"/>
       </p:ext>
     </p:extLst>
   </p:cSld>
@@ -8414,66 +8950,12 @@
           <a:chExt cx="0" cy="0"/>
         </a:xfrm>
       </p:grpSpPr>
-      <p:sp>
-        <p:nvSpPr>
-          <p:cNvPr id="2" name="Title 1">
-            <a:extLst>
-              <a:ext uri="{FF2B5EF4-FFF2-40B4-BE49-F238E27FC236}">
-                <a16:creationId xmlns:a16="http://schemas.microsoft.com/office/drawing/2014/main" id="{FD61823E-C56F-41DB-B07A-BC9DC0F39708}"/>
-              </a:ext>
-            </a:extLst>
-          </p:cNvPr>
-          <p:cNvSpPr>
-            <a:spLocks noGrp="1"/>
-          </p:cNvSpPr>
-          <p:nvPr>
-            <p:ph type="title"/>
-          </p:nvPr>
-        </p:nvSpPr>
-        <p:spPr/>
-        <p:txBody>
-          <a:bodyPr/>
-          <a:lstStyle/>
-          <a:p>
-            <a:r>
-              <a:rPr lang="en-US" dirty="0"/>
-              <a:t>8x8 Grid</a:t>
-            </a:r>
-            <a:endParaRPr lang="tr-TR" dirty="0"/>
-          </a:p>
-        </p:txBody>
-      </p:sp>
-      <p:sp>
-        <p:nvSpPr>
-          <p:cNvPr id="3" name="Content Placeholder 2">
-            <a:extLst>
-              <a:ext uri="{FF2B5EF4-FFF2-40B4-BE49-F238E27FC236}">
-                <a16:creationId xmlns:a16="http://schemas.microsoft.com/office/drawing/2014/main" id="{DB249683-9EF3-4C21-8B07-4A9D6644FDD3}"/>
-              </a:ext>
-            </a:extLst>
-          </p:cNvPr>
-          <p:cNvSpPr>
-            <a:spLocks noGrp="1"/>
-          </p:cNvSpPr>
-          <p:nvPr>
-            <p:ph idx="1"/>
-          </p:nvPr>
-        </p:nvSpPr>
-        <p:spPr/>
-        <p:txBody>
-          <a:bodyPr/>
-          <a:lstStyle/>
-          <a:p>
-            <a:endParaRPr lang="tr-TR" dirty="0"/>
-          </a:p>
-        </p:txBody>
-      </p:sp>
       <p:pic>
         <p:nvPicPr>
-          <p:cNvPr id="4" name="Picture 3">
-            <a:extLst>
-              <a:ext uri="{FF2B5EF4-FFF2-40B4-BE49-F238E27FC236}">
-                <a16:creationId xmlns:a16="http://schemas.microsoft.com/office/drawing/2014/main" id="{6AC9BC14-FB3F-4B54-BE46-BD55BB0F91D5}"/>
+          <p:cNvPr id="5" name="Picture 4">
+            <a:extLst>
+              <a:ext uri="{FF2B5EF4-FFF2-40B4-BE49-F238E27FC236}">
+                <a16:creationId xmlns:a16="http://schemas.microsoft.com/office/drawing/2014/main" id="{757100F0-5E17-4E28-803F-0E8C9C4EB101}"/>
               </a:ext>
             </a:extLst>
           </p:cNvPr>
@@ -8483,27 +8965,208 @@
           <p:nvPr/>
         </p:nvPicPr>
         <p:blipFill>
-          <a:blip r:embed="rId3"/>
+          <a:blip r:embed="rId3">
+            <a:extLst>
+              <a:ext uri="{28A0092B-C50C-407E-A947-70E740481C1C}">
+                <a14:useLocalDpi xmlns:a14="http://schemas.microsoft.com/office/drawing/2010/main" val="0"/>
+              </a:ext>
+            </a:extLst>
+          </a:blip>
           <a:stretch>
             <a:fillRect/>
           </a:stretch>
         </p:blipFill>
         <p:spPr>
           <a:xfrm>
-            <a:off x="6850454" y="585008"/>
-            <a:ext cx="4610743" cy="2629267"/>
+            <a:off x="6151075" y="3132264"/>
+            <a:ext cx="3855274" cy="2935192"/>
           </a:xfrm>
           <a:prstGeom prst="rect">
             <a:avLst/>
           </a:prstGeom>
         </p:spPr>
       </p:pic>
+      <p:sp>
+        <p:nvSpPr>
+          <p:cNvPr id="2" name="Title 1">
+            <a:extLst>
+              <a:ext uri="{FF2B5EF4-FFF2-40B4-BE49-F238E27FC236}">
+                <a16:creationId xmlns:a16="http://schemas.microsoft.com/office/drawing/2014/main" id="{89B09484-B546-4A48-A641-AE095CE085D8}"/>
+              </a:ext>
+            </a:extLst>
+          </p:cNvPr>
+          <p:cNvSpPr>
+            <a:spLocks noGrp="1"/>
+          </p:cNvSpPr>
+          <p:nvPr>
+            <p:ph type="title"/>
+          </p:nvPr>
+        </p:nvSpPr>
+        <p:spPr/>
+        <p:txBody>
+          <a:bodyPr/>
+          <a:lstStyle/>
+          <a:p>
+            <a:r>
+              <a:rPr lang="en-US" dirty="0"/>
+              <a:t>Comparison of A* and CBS</a:t>
+            </a:r>
+            <a:endParaRPr lang="tr-TR" dirty="0"/>
+          </a:p>
+        </p:txBody>
+      </p:sp>
+      <mc:AlternateContent xmlns:mc="http://schemas.openxmlformats.org/markup-compatibility/2006">
+        <mc:Choice xmlns:a14="http://schemas.microsoft.com/office/drawing/2010/main" Requires="a14">
+          <p:sp>
+            <p:nvSpPr>
+              <p:cNvPr id="3" name="Content Placeholder 2">
+                <a:extLst>
+                  <a:ext uri="{FF2B5EF4-FFF2-40B4-BE49-F238E27FC236}">
+                    <a16:creationId xmlns:a16="http://schemas.microsoft.com/office/drawing/2014/main" id="{F6858EBE-EF96-4AC4-A5D7-17D1FD4BF7FD}"/>
+                  </a:ext>
+                </a:extLst>
+              </p:cNvPr>
+              <p:cNvSpPr>
+                <a:spLocks noGrp="1"/>
+              </p:cNvSpPr>
+              <p:nvPr>
+                <p:ph idx="1"/>
+              </p:nvPr>
+            </p:nvSpPr>
+            <p:spPr/>
+            <p:txBody>
+              <a:bodyPr/>
+              <a:lstStyle/>
+              <a:p>
+                <a:r>
+                  <a:rPr lang="en-US" dirty="0"/>
+                  <a:t>CBS will expand </a:t>
+                </a:r>
+                <a14:m>
+                  <m:oMath xmlns:m="http://schemas.openxmlformats.org/officeDocument/2006/math">
+                    <m:r>
+                      <a:rPr lang="en-US" i="1" dirty="0">
+                        <a:latin typeface="Cambria Math" panose="02040503050406030204" pitchFamily="18" charset="0"/>
+                      </a:rPr>
+                      <m:t>2</m:t>
+                    </m:r>
+                    <m:r>
+                      <a:rPr lang="en-US" i="1" dirty="0">
+                        <a:latin typeface="Cambria Math" panose="02040503050406030204" pitchFamily="18" charset="0"/>
+                      </a:rPr>
+                      <m:t>𝑚</m:t>
+                    </m:r>
+                    <m:r>
+                      <a:rPr lang="en-US" i="1" dirty="0">
+                        <a:latin typeface="Cambria Math" panose="02040503050406030204" pitchFamily="18" charset="0"/>
+                      </a:rPr>
+                      <m:t>+14</m:t>
+                    </m:r>
+                  </m:oMath>
+                </a14:m>
+                <a:r>
+                  <a:rPr lang="en-US" dirty="0"/>
+                  <a:t> low level nodes</a:t>
+                </a:r>
+              </a:p>
+              <a:p>
+                <a:r>
+                  <a:rPr lang="en-US" dirty="0"/>
+                  <a:t>A* will expand </a:t>
+                </a:r>
+                <a14:m>
+                  <m:oMath xmlns:m="http://schemas.openxmlformats.org/officeDocument/2006/math">
+                    <m:sSup>
+                      <m:sSupPr>
+                        <m:ctrlPr>
+                          <a:rPr lang="en-US" i="1">
+                            <a:latin typeface="Cambria Math" panose="02040503050406030204" pitchFamily="18" charset="0"/>
+                          </a:rPr>
+                        </m:ctrlPr>
+                      </m:sSupPr>
+                      <m:e>
+                        <m:r>
+                          <a:rPr lang="en-US" i="1">
+                            <a:latin typeface="Cambria Math" panose="02040503050406030204" pitchFamily="18" charset="0"/>
+                          </a:rPr>
+                          <m:t>𝑚</m:t>
+                        </m:r>
+                      </m:e>
+                      <m:sup>
+                        <m:r>
+                          <a:rPr lang="en-US" i="1">
+                            <a:latin typeface="Cambria Math" panose="02040503050406030204" pitchFamily="18" charset="0"/>
+                          </a:rPr>
+                          <m:t>2</m:t>
+                        </m:r>
+                      </m:sup>
+                    </m:sSup>
+                    <m:r>
+                      <a:rPr lang="en-US" i="1">
+                        <a:latin typeface="Cambria Math" panose="02040503050406030204" pitchFamily="18" charset="0"/>
+                      </a:rPr>
+                      <m:t>+3</m:t>
+                    </m:r>
+                  </m:oMath>
+                </a14:m>
+                <a:r>
+                  <a:rPr lang="en-US" dirty="0"/>
+                  <a:t> nodes</a:t>
+                </a:r>
+                <a:endParaRPr lang="tr-TR" dirty="0"/>
+              </a:p>
+              <a:p>
+                <a:endParaRPr lang="tr-TR" dirty="0"/>
+              </a:p>
+            </p:txBody>
+          </p:sp>
+        </mc:Choice>
+        <mc:Fallback>
+          <p:sp>
+            <p:nvSpPr>
+              <p:cNvPr id="3" name="Content Placeholder 2">
+                <a:extLst>
+                  <a:ext uri="{FF2B5EF4-FFF2-40B4-BE49-F238E27FC236}">
+                    <a16:creationId xmlns:a16="http://schemas.microsoft.com/office/drawing/2014/main" id="{F6858EBE-EF96-4AC4-A5D7-17D1FD4BF7FD}"/>
+                  </a:ext>
+                </a:extLst>
+              </p:cNvPr>
+              <p:cNvSpPr>
+                <a:spLocks noGrp="1" noRot="1" noChangeAspect="1" noMove="1" noResize="1" noEditPoints="1" noAdjustHandles="1" noChangeArrowheads="1" noChangeShapeType="1" noTextEdit="1"/>
+              </p:cNvSpPr>
+              <p:nvPr>
+                <p:ph idx="1"/>
+              </p:nvPr>
+            </p:nvSpPr>
+            <p:spPr>
+              <a:blipFill>
+                <a:blip r:embed="rId4"/>
+                <a:stretch>
+                  <a:fillRect l="-1043" t="-2241"/>
+                </a:stretch>
+              </a:blipFill>
+            </p:spPr>
+            <p:txBody>
+              <a:bodyPr/>
+              <a:lstStyle/>
+              <a:p>
+                <a:r>
+                  <a:rPr lang="tr-TR">
+                    <a:noFill/>
+                  </a:rPr>
+                  <a:t> </a:t>
+                </a:r>
+              </a:p>
+            </p:txBody>
+          </p:sp>
+        </mc:Fallback>
+      </mc:AlternateContent>
       <p:pic>
         <p:nvPicPr>
-          <p:cNvPr id="6" name="Picture 5">
-            <a:extLst>
-              <a:ext uri="{FF2B5EF4-FFF2-40B4-BE49-F238E27FC236}">
-                <a16:creationId xmlns:a16="http://schemas.microsoft.com/office/drawing/2014/main" id="{C34A203A-3BE4-4066-A79F-0D5C5D20AC52}"/>
+          <p:cNvPr id="4" name="Picture 3">
+            <a:extLst>
+              <a:ext uri="{FF2B5EF4-FFF2-40B4-BE49-F238E27FC236}">
+                <a16:creationId xmlns:a16="http://schemas.microsoft.com/office/drawing/2014/main" id="{065B89E3-2C95-46D1-9747-451896B2E750}"/>
               </a:ext>
             </a:extLst>
           </p:cNvPr>
@@ -8513,15 +9176,21 @@
           <p:nvPr/>
         </p:nvPicPr>
         <p:blipFill>
-          <a:blip r:embed="rId4"/>
+          <a:blip r:embed="rId5">
+            <a:extLst>
+              <a:ext uri="{28A0092B-C50C-407E-A947-70E740481C1C}">
+                <a14:useLocalDpi xmlns:a14="http://schemas.microsoft.com/office/drawing/2010/main" val="0"/>
+              </a:ext>
+            </a:extLst>
+          </a:blip>
           <a:stretch>
             <a:fillRect/>
           </a:stretch>
         </p:blipFill>
         <p:spPr>
           <a:xfrm>
-            <a:off x="448761" y="3310304"/>
-            <a:ext cx="8707065" cy="2962688"/>
+            <a:off x="1761320" y="3274736"/>
+            <a:ext cx="3042304" cy="2969696"/>
           </a:xfrm>
           <a:prstGeom prst="rect">
             <a:avLst/>
@@ -8530,10 +9199,10 @@
       </p:pic>
       <p:sp>
         <p:nvSpPr>
-          <p:cNvPr id="7" name="Slide Number Placeholder 6">
-            <a:extLst>
-              <a:ext uri="{FF2B5EF4-FFF2-40B4-BE49-F238E27FC236}">
-                <a16:creationId xmlns:a16="http://schemas.microsoft.com/office/drawing/2014/main" id="{85DD50E0-E043-4D69-8F26-70A4F725ACD6}"/>
+          <p:cNvPr id="6" name="Slide Number Placeholder 5">
+            <a:extLst>
+              <a:ext uri="{FF2B5EF4-FFF2-40B4-BE49-F238E27FC236}">
+                <a16:creationId xmlns:a16="http://schemas.microsoft.com/office/drawing/2014/main" id="{BDA30B9E-62AD-45FD-BE07-5048F739080B}"/>
               </a:ext>
             </a:extLst>
           </p:cNvPr>
@@ -8560,7 +9229,7 @@
     </p:spTree>
     <p:extLst>
       <p:ext uri="{BB962C8B-B14F-4D97-AF65-F5344CB8AC3E}">
-        <p14:creationId xmlns:p14="http://schemas.microsoft.com/office/powerpoint/2010/main" val="2259787373"/>
+        <p14:creationId xmlns:p14="http://schemas.microsoft.com/office/powerpoint/2010/main" val="331830905"/>
       </p:ext>
     </p:extLst>
   </p:cSld>
@@ -8587,78 +9256,12 @@
           <a:chExt cx="0" cy="0"/>
         </a:xfrm>
       </p:grpSpPr>
-      <p:sp>
-        <p:nvSpPr>
-          <p:cNvPr id="2" name="Title 1">
-            <a:extLst>
-              <a:ext uri="{FF2B5EF4-FFF2-40B4-BE49-F238E27FC236}">
-                <a16:creationId xmlns:a16="http://schemas.microsoft.com/office/drawing/2014/main" id="{35E2AE60-011F-4352-822F-2BD9EC90D389}"/>
-              </a:ext>
-            </a:extLst>
-          </p:cNvPr>
-          <p:cNvSpPr>
-            <a:spLocks noGrp="1"/>
-          </p:cNvSpPr>
-          <p:nvPr>
-            <p:ph type="title"/>
-          </p:nvPr>
-        </p:nvSpPr>
-        <p:spPr/>
-        <p:txBody>
-          <a:bodyPr/>
-          <a:lstStyle/>
-          <a:p>
-            <a:r>
-              <a:rPr lang="tr-TR" dirty="0"/>
-              <a:t>DAO </a:t>
-            </a:r>
-            <a:r>
-              <a:rPr lang="en-US" dirty="0"/>
-              <a:t>M</a:t>
-            </a:r>
-            <a:r>
-              <a:rPr lang="tr-TR" dirty="0"/>
-              <a:t>a</a:t>
-            </a:r>
-            <a:r>
-              <a:rPr lang="en-US" dirty="0" err="1"/>
-              <a:t>ps</a:t>
-            </a:r>
-            <a:endParaRPr lang="tr-TR" dirty="0"/>
-          </a:p>
-        </p:txBody>
-      </p:sp>
-      <p:sp>
-        <p:nvSpPr>
-          <p:cNvPr id="3" name="Content Placeholder 2">
-            <a:extLst>
-              <a:ext uri="{FF2B5EF4-FFF2-40B4-BE49-F238E27FC236}">
-                <a16:creationId xmlns:a16="http://schemas.microsoft.com/office/drawing/2014/main" id="{5CE2662C-CE6A-4D20-AB4A-136CBE1F5A9D}"/>
-              </a:ext>
-            </a:extLst>
-          </p:cNvPr>
-          <p:cNvSpPr>
-            <a:spLocks noGrp="1"/>
-          </p:cNvSpPr>
-          <p:nvPr>
-            <p:ph idx="1"/>
-          </p:nvPr>
-        </p:nvSpPr>
-        <p:spPr/>
-        <p:txBody>
-          <a:bodyPr/>
-          <a:lstStyle/>
-          <a:p>
-            <a:endParaRPr lang="tr-TR"/>
-          </a:p>
-        </p:txBody>
-      </p:sp>
       <p:pic>
         <p:nvPicPr>
-          <p:cNvPr id="4" name="Picture 3">
-            <a:extLst>
-              <a:ext uri="{FF2B5EF4-FFF2-40B4-BE49-F238E27FC236}">
-                <a16:creationId xmlns:a16="http://schemas.microsoft.com/office/drawing/2014/main" id="{FBA4A2CF-269B-4E25-8D32-3D9F9E8A35E5}"/>
+          <p:cNvPr id="5" name="Picture 4">
+            <a:extLst>
+              <a:ext uri="{FF2B5EF4-FFF2-40B4-BE49-F238E27FC236}">
+                <a16:creationId xmlns:a16="http://schemas.microsoft.com/office/drawing/2014/main" id="{757100F0-5E17-4E28-803F-0E8C9C4EB101}"/>
               </a:ext>
             </a:extLst>
           </p:cNvPr>
@@ -8675,8 +9278,8 @@
         </p:blipFill>
         <p:spPr>
           <a:xfrm>
-            <a:off x="4679977" y="615635"/>
-            <a:ext cx="5809028" cy="5753477"/>
+            <a:off x="5188347" y="2477771"/>
+            <a:ext cx="6165453" cy="4015104"/>
           </a:xfrm>
           <a:prstGeom prst="rect">
             <a:avLst/>
@@ -8685,10 +9288,107 @@
       </p:pic>
       <p:sp>
         <p:nvSpPr>
-          <p:cNvPr id="5" name="Slide Number Placeholder 4">
-            <a:extLst>
-              <a:ext uri="{FF2B5EF4-FFF2-40B4-BE49-F238E27FC236}">
-                <a16:creationId xmlns:a16="http://schemas.microsoft.com/office/drawing/2014/main" id="{4AC47E1E-ABA9-4577-9E2E-474CBFFE349C}"/>
+          <p:cNvPr id="2" name="Title 1">
+            <a:extLst>
+              <a:ext uri="{FF2B5EF4-FFF2-40B4-BE49-F238E27FC236}">
+                <a16:creationId xmlns:a16="http://schemas.microsoft.com/office/drawing/2014/main" id="{89B09484-B546-4A48-A641-AE095CE085D8}"/>
+              </a:ext>
+            </a:extLst>
+          </p:cNvPr>
+          <p:cNvSpPr>
+            <a:spLocks noGrp="1"/>
+          </p:cNvSpPr>
+          <p:nvPr>
+            <p:ph type="title"/>
+          </p:nvPr>
+        </p:nvSpPr>
+        <p:spPr/>
+        <p:txBody>
+          <a:bodyPr/>
+          <a:lstStyle/>
+          <a:p>
+            <a:r>
+              <a:rPr lang="en-US" dirty="0"/>
+              <a:t>Comparison of A* and CBS</a:t>
+            </a:r>
+            <a:endParaRPr lang="tr-TR" dirty="0"/>
+          </a:p>
+        </p:txBody>
+      </p:sp>
+      <p:sp>
+        <p:nvSpPr>
+          <p:cNvPr id="3" name="Content Placeholder 2">
+            <a:extLst>
+              <a:ext uri="{FF2B5EF4-FFF2-40B4-BE49-F238E27FC236}">
+                <a16:creationId xmlns:a16="http://schemas.microsoft.com/office/drawing/2014/main" id="{F6858EBE-EF96-4AC4-A5D7-17D1FD4BF7FD}"/>
+              </a:ext>
+            </a:extLst>
+          </p:cNvPr>
+          <p:cNvSpPr>
+            <a:spLocks noGrp="1"/>
+          </p:cNvSpPr>
+          <p:nvPr>
+            <p:ph idx="1"/>
+          </p:nvPr>
+        </p:nvSpPr>
+        <p:spPr/>
+        <p:txBody>
+          <a:bodyPr/>
+          <a:lstStyle/>
+          <a:p>
+            <a:r>
+              <a:rPr lang="en-US" dirty="0"/>
+              <a:t>CBS will expand 8 + 4 · 4 + 6 · 5 = 54 low level nodes</a:t>
+            </a:r>
+          </a:p>
+          <a:p>
+            <a:r>
+              <a:rPr lang="en-US" dirty="0"/>
+              <a:t>A* will expand 5 + 3 = 8 nodes</a:t>
+            </a:r>
+            <a:endParaRPr lang="tr-TR" dirty="0"/>
+          </a:p>
+          <a:p>
+            <a:endParaRPr lang="tr-TR" dirty="0"/>
+          </a:p>
+        </p:txBody>
+      </p:sp>
+      <p:pic>
+        <p:nvPicPr>
+          <p:cNvPr id="4" name="Picture 3">
+            <a:extLst>
+              <a:ext uri="{FF2B5EF4-FFF2-40B4-BE49-F238E27FC236}">
+                <a16:creationId xmlns:a16="http://schemas.microsoft.com/office/drawing/2014/main" id="{065B89E3-2C95-46D1-9747-451896B2E750}"/>
+              </a:ext>
+            </a:extLst>
+          </p:cNvPr>
+          <p:cNvPicPr>
+            <a:picLocks noChangeAspect="1"/>
+          </p:cNvPicPr>
+          <p:nvPr/>
+        </p:nvPicPr>
+        <p:blipFill>
+          <a:blip r:embed="rId4"/>
+          <a:stretch>
+            <a:fillRect/>
+          </a:stretch>
+        </p:blipFill>
+        <p:spPr>
+          <a:xfrm>
+            <a:off x="659779" y="3429000"/>
+            <a:ext cx="4244190" cy="2969696"/>
+          </a:xfrm>
+          <a:prstGeom prst="rect">
+            <a:avLst/>
+          </a:prstGeom>
+        </p:spPr>
+      </p:pic>
+      <p:sp>
+        <p:nvSpPr>
+          <p:cNvPr id="6" name="Slide Number Placeholder 5">
+            <a:extLst>
+              <a:ext uri="{FF2B5EF4-FFF2-40B4-BE49-F238E27FC236}">
+                <a16:creationId xmlns:a16="http://schemas.microsoft.com/office/drawing/2014/main" id="{BDA30B9E-62AD-45FD-BE07-5048F739080B}"/>
               </a:ext>
             </a:extLst>
           </p:cNvPr>
@@ -8715,7 +9415,7 @@
     </p:spTree>
     <p:extLst>
       <p:ext uri="{BB962C8B-B14F-4D97-AF65-F5344CB8AC3E}">
-        <p14:creationId xmlns:p14="http://schemas.microsoft.com/office/powerpoint/2010/main" val="3042818153"/>
+        <p14:creationId xmlns:p14="http://schemas.microsoft.com/office/powerpoint/2010/main" val="3794345981"/>
       </p:ext>
     </p:extLst>
   </p:cSld>
@@ -8747,7 +9447,7 @@
           <p:cNvPr id="2" name="Title 1">
             <a:extLst>
               <a:ext uri="{FF2B5EF4-FFF2-40B4-BE49-F238E27FC236}">
-                <a16:creationId xmlns:a16="http://schemas.microsoft.com/office/drawing/2014/main" id="{0C767491-8677-470F-AFE3-97D113884554}"/>
+                <a16:creationId xmlns:a16="http://schemas.microsoft.com/office/drawing/2014/main" id="{FD61823E-C56F-41DB-B07A-BC9DC0F39708}"/>
               </a:ext>
             </a:extLst>
           </p:cNvPr>
@@ -8765,7 +9465,7 @@
           <a:p>
             <a:r>
               <a:rPr lang="en-US" dirty="0"/>
-              <a:t>MA-CBS (Meta-agent Conflict-based Search)</a:t>
+              <a:t>8x8 Grid</a:t>
             </a:r>
             <a:endParaRPr lang="tr-TR" dirty="0"/>
           </a:p>
@@ -8776,7 +9476,7 @@
           <p:cNvPr id="3" name="Content Placeholder 2">
             <a:extLst>
               <a:ext uri="{FF2B5EF4-FFF2-40B4-BE49-F238E27FC236}">
-                <a16:creationId xmlns:a16="http://schemas.microsoft.com/office/drawing/2014/main" id="{0E2479E4-39A3-4E1B-99F0-A6B7033968D2}"/>
+                <a16:creationId xmlns:a16="http://schemas.microsoft.com/office/drawing/2014/main" id="{DB249683-9EF3-4C21-8B07-4A9D6644FDD3}"/>
               </a:ext>
             </a:extLst>
           </p:cNvPr>
@@ -8792,45 +9492,76 @@
           <a:bodyPr/>
           <a:lstStyle/>
           <a:p>
-            <a:r>
-              <a:rPr lang="en-US" dirty="0"/>
-              <a:t>Remedies poor behavior of CBS when a set of agents is frequently conflicting by automatically merging those agent into a meta agent</a:t>
-            </a:r>
-          </a:p>
-          <a:p>
-            <a:r>
-              <a:rPr lang="en-US" dirty="0"/>
-              <a:t>Therefore prevent the exponential growth of constraint tree</a:t>
-            </a:r>
-          </a:p>
-          <a:p>
-            <a:r>
-              <a:rPr lang="en-US" dirty="0"/>
-              <a:t>Important Concepts with this:</a:t>
-            </a:r>
-          </a:p>
-          <a:p>
-            <a:pPr lvl="1"/>
-            <a:r>
-              <a:rPr lang="en-US" dirty="0"/>
-              <a:t>Merge policy</a:t>
-            </a:r>
-          </a:p>
-          <a:p>
-            <a:pPr lvl="1"/>
-            <a:r>
-              <a:rPr lang="en-US" dirty="0"/>
-              <a:t>Merging constraints</a:t>
-            </a:r>
-          </a:p>
-        </p:txBody>
-      </p:sp>
-      <p:sp>
-        <p:nvSpPr>
-          <p:cNvPr id="4" name="Slide Number Placeholder 3">
-            <a:extLst>
-              <a:ext uri="{FF2B5EF4-FFF2-40B4-BE49-F238E27FC236}">
-                <a16:creationId xmlns:a16="http://schemas.microsoft.com/office/drawing/2014/main" id="{F445A021-F867-4958-AFB7-029E498DDBED}"/>
+            <a:endParaRPr lang="tr-TR" dirty="0"/>
+          </a:p>
+        </p:txBody>
+      </p:sp>
+      <p:pic>
+        <p:nvPicPr>
+          <p:cNvPr id="4" name="Picture 3">
+            <a:extLst>
+              <a:ext uri="{FF2B5EF4-FFF2-40B4-BE49-F238E27FC236}">
+                <a16:creationId xmlns:a16="http://schemas.microsoft.com/office/drawing/2014/main" id="{6AC9BC14-FB3F-4B54-BE46-BD55BB0F91D5}"/>
+              </a:ext>
+            </a:extLst>
+          </p:cNvPr>
+          <p:cNvPicPr>
+            <a:picLocks noChangeAspect="1"/>
+          </p:cNvPicPr>
+          <p:nvPr/>
+        </p:nvPicPr>
+        <p:blipFill>
+          <a:blip r:embed="rId3"/>
+          <a:stretch>
+            <a:fillRect/>
+          </a:stretch>
+        </p:blipFill>
+        <p:spPr>
+          <a:xfrm>
+            <a:off x="6850454" y="585008"/>
+            <a:ext cx="4610743" cy="2629267"/>
+          </a:xfrm>
+          <a:prstGeom prst="rect">
+            <a:avLst/>
+          </a:prstGeom>
+        </p:spPr>
+      </p:pic>
+      <p:pic>
+        <p:nvPicPr>
+          <p:cNvPr id="6" name="Picture 5">
+            <a:extLst>
+              <a:ext uri="{FF2B5EF4-FFF2-40B4-BE49-F238E27FC236}">
+                <a16:creationId xmlns:a16="http://schemas.microsoft.com/office/drawing/2014/main" id="{C34A203A-3BE4-4066-A79F-0D5C5D20AC52}"/>
+              </a:ext>
+            </a:extLst>
+          </p:cNvPr>
+          <p:cNvPicPr>
+            <a:picLocks noChangeAspect="1"/>
+          </p:cNvPicPr>
+          <p:nvPr/>
+        </p:nvPicPr>
+        <p:blipFill>
+          <a:blip r:embed="rId4"/>
+          <a:stretch>
+            <a:fillRect/>
+          </a:stretch>
+        </p:blipFill>
+        <p:spPr>
+          <a:xfrm>
+            <a:off x="448761" y="3310304"/>
+            <a:ext cx="8707065" cy="2962688"/>
+          </a:xfrm>
+          <a:prstGeom prst="rect">
+            <a:avLst/>
+          </a:prstGeom>
+        </p:spPr>
+      </p:pic>
+      <p:sp>
+        <p:nvSpPr>
+          <p:cNvPr id="7" name="Slide Number Placeholder 6">
+            <a:extLst>
+              <a:ext uri="{FF2B5EF4-FFF2-40B4-BE49-F238E27FC236}">
+                <a16:creationId xmlns:a16="http://schemas.microsoft.com/office/drawing/2014/main" id="{85DD50E0-E043-4D69-8F26-70A4F725ACD6}"/>
               </a:ext>
             </a:extLst>
           </p:cNvPr>
@@ -8857,7 +9588,7 @@
     </p:spTree>
     <p:extLst>
       <p:ext uri="{BB962C8B-B14F-4D97-AF65-F5344CB8AC3E}">
-        <p14:creationId xmlns:p14="http://schemas.microsoft.com/office/powerpoint/2010/main" val="63228646"/>
+        <p14:creationId xmlns:p14="http://schemas.microsoft.com/office/powerpoint/2010/main" val="2259787373"/>
       </p:ext>
     </p:extLst>
   </p:cSld>
@@ -8889,7 +9620,7 @@
           <p:cNvPr id="2" name="Title 1">
             <a:extLst>
               <a:ext uri="{FF2B5EF4-FFF2-40B4-BE49-F238E27FC236}">
-                <a16:creationId xmlns:a16="http://schemas.microsoft.com/office/drawing/2014/main" id="{34CA8524-95F4-4051-B51C-462CE88A4FAF}"/>
+                <a16:creationId xmlns:a16="http://schemas.microsoft.com/office/drawing/2014/main" id="{35E2AE60-011F-4352-822F-2BD9EC90D389}"/>
               </a:ext>
             </a:extLst>
           </p:cNvPr>
@@ -8905,16 +9636,313 @@
           <a:bodyPr/>
           <a:lstStyle/>
           <a:p>
+            <a:r>
+              <a:rPr lang="tr-TR" dirty="0"/>
+              <a:t>DAO </a:t>
+            </a:r>
+            <a:r>
+              <a:rPr lang="en-US" dirty="0"/>
+              <a:t>M</a:t>
+            </a:r>
+            <a:r>
+              <a:rPr lang="tr-TR" dirty="0"/>
+              <a:t>a</a:t>
+            </a:r>
+            <a:r>
+              <a:rPr lang="en-US" dirty="0" err="1"/>
+              <a:t>ps</a:t>
+            </a:r>
+            <a:endParaRPr lang="tr-TR" dirty="0"/>
+          </a:p>
+        </p:txBody>
+      </p:sp>
+      <p:sp>
+        <p:nvSpPr>
+          <p:cNvPr id="3" name="Content Placeholder 2">
+            <a:extLst>
+              <a:ext uri="{FF2B5EF4-FFF2-40B4-BE49-F238E27FC236}">
+                <a16:creationId xmlns:a16="http://schemas.microsoft.com/office/drawing/2014/main" id="{5CE2662C-CE6A-4D20-AB4A-136CBE1F5A9D}"/>
+              </a:ext>
+            </a:extLst>
+          </p:cNvPr>
+          <p:cNvSpPr>
+            <a:spLocks noGrp="1"/>
+          </p:cNvSpPr>
+          <p:nvPr>
+            <p:ph idx="1"/>
+          </p:nvPr>
+        </p:nvSpPr>
+        <p:spPr/>
+        <p:txBody>
+          <a:bodyPr/>
+          <a:lstStyle/>
+          <a:p>
+            <a:endParaRPr lang="tr-TR"/>
+          </a:p>
+        </p:txBody>
+      </p:sp>
+      <p:pic>
+        <p:nvPicPr>
+          <p:cNvPr id="4" name="Picture 3">
+            <a:extLst>
+              <a:ext uri="{FF2B5EF4-FFF2-40B4-BE49-F238E27FC236}">
+                <a16:creationId xmlns:a16="http://schemas.microsoft.com/office/drawing/2014/main" id="{FBA4A2CF-269B-4E25-8D32-3D9F9E8A35E5}"/>
+              </a:ext>
+            </a:extLst>
+          </p:cNvPr>
+          <p:cNvPicPr>
+            <a:picLocks noChangeAspect="1"/>
+          </p:cNvPicPr>
+          <p:nvPr/>
+        </p:nvPicPr>
+        <p:blipFill>
+          <a:blip r:embed="rId3"/>
+          <a:stretch>
+            <a:fillRect/>
+          </a:stretch>
+        </p:blipFill>
+        <p:spPr>
+          <a:xfrm>
+            <a:off x="4679977" y="615635"/>
+            <a:ext cx="5809028" cy="5753477"/>
+          </a:xfrm>
+          <a:prstGeom prst="rect">
+            <a:avLst/>
+          </a:prstGeom>
+        </p:spPr>
+      </p:pic>
+      <p:sp>
+        <p:nvSpPr>
+          <p:cNvPr id="5" name="Slide Number Placeholder 4">
+            <a:extLst>
+              <a:ext uri="{FF2B5EF4-FFF2-40B4-BE49-F238E27FC236}">
+                <a16:creationId xmlns:a16="http://schemas.microsoft.com/office/drawing/2014/main" id="{4AC47E1E-ABA9-4577-9E2E-474CBFFE349C}"/>
+              </a:ext>
+            </a:extLst>
+          </p:cNvPr>
+          <p:cNvSpPr>
+            <a:spLocks noGrp="1"/>
+          </p:cNvSpPr>
+          <p:nvPr>
+            <p:ph type="sldNum" sz="quarter" idx="12"/>
+          </p:nvPr>
+        </p:nvSpPr>
+        <p:spPr/>
+        <p:txBody>
+          <a:bodyPr/>
+          <a:lstStyle/>
+          <a:p>
+            <a:fld id="{4B024B25-DFCA-4944-BA90-A17C573440F7}" type="slidenum">
+              <a:rPr lang="tr-TR" smtClean="0"/>
+              <a:t>17</a:t>
+            </a:fld>
+            <a:endParaRPr lang="tr-TR"/>
+          </a:p>
+        </p:txBody>
+      </p:sp>
+    </p:spTree>
+    <p:extLst>
+      <p:ext uri="{BB962C8B-B14F-4D97-AF65-F5344CB8AC3E}">
+        <p14:creationId xmlns:p14="http://schemas.microsoft.com/office/powerpoint/2010/main" val="3042818153"/>
+      </p:ext>
+    </p:extLst>
+  </p:cSld>
+  <p:clrMapOvr>
+    <a:masterClrMapping/>
+  </p:clrMapOvr>
+</p:sld>
+</file>
+
+<file path=ppt/slides/slide18.xml><?xml version="1.0" encoding="utf-8"?>
+<p:sld xmlns:a="http://schemas.openxmlformats.org/drawingml/2006/main" xmlns:r="http://schemas.openxmlformats.org/officeDocument/2006/relationships" xmlns:p="http://schemas.openxmlformats.org/presentationml/2006/main">
+  <p:cSld>
+    <p:spTree>
+      <p:nvGrpSpPr>
+        <p:cNvPr id="1" name=""/>
+        <p:cNvGrpSpPr/>
+        <p:nvPr/>
+      </p:nvGrpSpPr>
+      <p:grpSpPr>
+        <a:xfrm>
+          <a:off x="0" y="0"/>
+          <a:ext cx="0" cy="0"/>
+          <a:chOff x="0" y="0"/>
+          <a:chExt cx="0" cy="0"/>
+        </a:xfrm>
+      </p:grpSpPr>
+      <p:sp>
+        <p:nvSpPr>
+          <p:cNvPr id="2" name="Title 1">
+            <a:extLst>
+              <a:ext uri="{FF2B5EF4-FFF2-40B4-BE49-F238E27FC236}">
+                <a16:creationId xmlns:a16="http://schemas.microsoft.com/office/drawing/2014/main" id="{0C767491-8677-470F-AFE3-97D113884554}"/>
+              </a:ext>
+            </a:extLst>
+          </p:cNvPr>
+          <p:cNvSpPr>
+            <a:spLocks noGrp="1"/>
+          </p:cNvSpPr>
+          <p:nvPr>
+            <p:ph type="title"/>
+          </p:nvPr>
+        </p:nvSpPr>
+        <p:spPr/>
+        <p:txBody>
+          <a:bodyPr/>
+          <a:lstStyle/>
+          <a:p>
+            <a:r>
+              <a:rPr lang="en-US" dirty="0"/>
+              <a:t>MA-CBS (Meta-agent Conflict-based Search)</a:t>
+            </a:r>
+            <a:endParaRPr lang="tr-TR" dirty="0"/>
+          </a:p>
+        </p:txBody>
+      </p:sp>
+      <p:sp>
+        <p:nvSpPr>
+          <p:cNvPr id="3" name="Content Placeholder 2">
+            <a:extLst>
+              <a:ext uri="{FF2B5EF4-FFF2-40B4-BE49-F238E27FC236}">
+                <a16:creationId xmlns:a16="http://schemas.microsoft.com/office/drawing/2014/main" id="{0E2479E4-39A3-4E1B-99F0-A6B7033968D2}"/>
+              </a:ext>
+            </a:extLst>
+          </p:cNvPr>
+          <p:cNvSpPr>
+            <a:spLocks noGrp="1"/>
+          </p:cNvSpPr>
+          <p:nvPr>
+            <p:ph idx="1"/>
+          </p:nvPr>
+        </p:nvSpPr>
+        <p:spPr/>
+        <p:txBody>
+          <a:bodyPr/>
+          <a:lstStyle/>
+          <a:p>
+            <a:r>
+              <a:rPr lang="en-US" dirty="0"/>
+              <a:t>Remedies poor behavior of CBS when a set of agents is frequently conflicting by automatically merging those agent into a meta agent</a:t>
+            </a:r>
+          </a:p>
+          <a:p>
+            <a:r>
+              <a:rPr lang="en-US" dirty="0"/>
+              <a:t>Therefore prevent the exponential growth of constraint tree</a:t>
+            </a:r>
+          </a:p>
+          <a:p>
+            <a:r>
+              <a:rPr lang="en-US" dirty="0"/>
+              <a:t>Important Concepts with this:</a:t>
+            </a:r>
+          </a:p>
+          <a:p>
+            <a:pPr lvl="1"/>
             <a:r>
               <a:rPr lang="en-US" dirty="0"/>
               <a:t>Merge policy</a:t>
             </a:r>
+          </a:p>
+          <a:p>
+            <a:pPr lvl="1"/>
+            <a:r>
+              <a:rPr lang="en-US" dirty="0"/>
+              <a:t>Merging constraints</a:t>
+            </a:r>
+          </a:p>
+        </p:txBody>
+      </p:sp>
+      <p:sp>
+        <p:nvSpPr>
+          <p:cNvPr id="4" name="Slide Number Placeholder 3">
+            <a:extLst>
+              <a:ext uri="{FF2B5EF4-FFF2-40B4-BE49-F238E27FC236}">
+                <a16:creationId xmlns:a16="http://schemas.microsoft.com/office/drawing/2014/main" id="{F445A021-F867-4958-AFB7-029E498DDBED}"/>
+              </a:ext>
+            </a:extLst>
+          </p:cNvPr>
+          <p:cNvSpPr>
+            <a:spLocks noGrp="1"/>
+          </p:cNvSpPr>
+          <p:nvPr>
+            <p:ph type="sldNum" sz="quarter" idx="12"/>
+          </p:nvPr>
+        </p:nvSpPr>
+        <p:spPr/>
+        <p:txBody>
+          <a:bodyPr/>
+          <a:lstStyle/>
+          <a:p>
+            <a:fld id="{4B024B25-DFCA-4944-BA90-A17C573440F7}" type="slidenum">
+              <a:rPr lang="tr-TR" smtClean="0"/>
+              <a:t>18</a:t>
+            </a:fld>
+            <a:endParaRPr lang="tr-TR"/>
+          </a:p>
+        </p:txBody>
+      </p:sp>
+    </p:spTree>
+    <p:extLst>
+      <p:ext uri="{BB962C8B-B14F-4D97-AF65-F5344CB8AC3E}">
+        <p14:creationId xmlns:p14="http://schemas.microsoft.com/office/powerpoint/2010/main" val="63228646"/>
+      </p:ext>
+    </p:extLst>
+  </p:cSld>
+  <p:clrMapOvr>
+    <a:masterClrMapping/>
+  </p:clrMapOvr>
+</p:sld>
+</file>
+
+<file path=ppt/slides/slide19.xml><?xml version="1.0" encoding="utf-8"?>
+<p:sld xmlns:a="http://schemas.openxmlformats.org/drawingml/2006/main" xmlns:r="http://schemas.openxmlformats.org/officeDocument/2006/relationships" xmlns:p="http://schemas.openxmlformats.org/presentationml/2006/main">
+  <p:cSld>
+    <p:spTree>
+      <p:nvGrpSpPr>
+        <p:cNvPr id="1" name=""/>
+        <p:cNvGrpSpPr/>
+        <p:nvPr/>
+      </p:nvGrpSpPr>
+      <p:grpSpPr>
+        <a:xfrm>
+          <a:off x="0" y="0"/>
+          <a:ext cx="0" cy="0"/>
+          <a:chOff x="0" y="0"/>
+          <a:chExt cx="0" cy="0"/>
+        </a:xfrm>
+      </p:grpSpPr>
+      <p:sp>
+        <p:nvSpPr>
+          <p:cNvPr id="2" name="Title 1">
+            <a:extLst>
+              <a:ext uri="{FF2B5EF4-FFF2-40B4-BE49-F238E27FC236}">
+                <a16:creationId xmlns:a16="http://schemas.microsoft.com/office/drawing/2014/main" id="{34CA8524-95F4-4051-B51C-462CE88A4FAF}"/>
+              </a:ext>
+            </a:extLst>
+          </p:cNvPr>
+          <p:cNvSpPr>
+            <a:spLocks noGrp="1"/>
+          </p:cNvSpPr>
+          <p:nvPr>
+            <p:ph type="title"/>
+          </p:nvPr>
+        </p:nvSpPr>
+        <p:spPr/>
+        <p:txBody>
+          <a:bodyPr/>
+          <a:lstStyle/>
+          <a:p>
+            <a:r>
+              <a:rPr lang="en-US" dirty="0"/>
+              <a:t>Merge policy</a:t>
+            </a:r>
             <a:endParaRPr lang="tr-TR" dirty="0"/>
           </a:p>
         </p:txBody>
       </p:sp>
-      <mc:AlternateContent xmlns:mc="http://schemas.openxmlformats.org/markup-compatibility/2006" xmlns:a14="http://schemas.microsoft.com/office/drawing/2010/main">
-        <mc:Choice Requires="a14">
+      <mc:AlternateContent xmlns:mc="http://schemas.openxmlformats.org/markup-compatibility/2006">
+        <mc:Choice xmlns:a14="http://schemas.microsoft.com/office/drawing/2010/main" Requires="a14">
           <p:sp>
             <p:nvSpPr>
               <p:cNvPr id="3" name="Content Placeholder 2">
@@ -9183,10 +10211,71 @@
                   <a:t>d by MA-CBS(B)</a:t>
                 </a:r>
               </a:p>
+              <a:p>
+                <a:r>
+                  <a:rPr lang="en-US" dirty="0"/>
+                  <a:t>MA-CBS(</a:t>
+                </a:r>
+                <a14:m>
+                  <m:oMath xmlns:m="http://schemas.openxmlformats.org/officeDocument/2006/math">
+                    <m:r>
+                      <a:rPr lang="en-US" i="1" smtClean="0">
+                        <a:latin typeface="Cambria Math" panose="02040503050406030204" pitchFamily="18" charset="0"/>
+                        <a:ea typeface="Cambria Math" panose="02040503050406030204" pitchFamily="18" charset="0"/>
+                      </a:rPr>
+                      <m:t>∞</m:t>
+                    </m:r>
+                  </m:oMath>
+                </a14:m>
+                <a:r>
+                  <a:rPr lang="en-US" dirty="0"/>
+                  <a:t>) equal to basic CBS</a:t>
+                </a:r>
+              </a:p>
+              <a:p>
+                <a:r>
+                  <a:rPr lang="en-US" dirty="0"/>
+                  <a:t>MA-CBS(</a:t>
+                </a:r>
+                <a14:m>
+                  <m:oMath xmlns:m="http://schemas.openxmlformats.org/officeDocument/2006/math">
+                    <m:r>
+                      <a:rPr lang="en-US" b="0" i="1" smtClean="0">
+                        <a:latin typeface="Cambria Math" panose="02040503050406030204" pitchFamily="18" charset="0"/>
+                      </a:rPr>
+                      <m:t>0</m:t>
+                    </m:r>
+                  </m:oMath>
+                </a14:m>
+                <a:r>
+                  <a:rPr lang="en-US" dirty="0"/>
+                  <a:t>) equal to basic ID</a:t>
+                </a:r>
+              </a:p>
+              <a:p>
+                <a:r>
+                  <a:rPr lang="en-US" dirty="0"/>
+                  <a:t>MA-CBS(</a:t>
+                </a:r>
+                <a14:m>
+                  <m:oMath xmlns:m="http://schemas.openxmlformats.org/officeDocument/2006/math">
+                    <m:r>
+                      <a:rPr lang="en-US" b="0" i="1" smtClean="0">
+                        <a:latin typeface="Cambria Math" panose="02040503050406030204" pitchFamily="18" charset="0"/>
+                      </a:rPr>
+                      <m:t>1</m:t>
+                    </m:r>
+                  </m:oMath>
+                </a14:m>
+                <a:r>
+                  <a:rPr lang="en-US" dirty="0"/>
+                  <a:t>) equal to basic Enhancements to ID</a:t>
+                </a:r>
+              </a:p>
             </p:txBody>
           </p:sp>
         </mc:Choice>
-        <mc:Fallback xmlns="">
+        <mc:Fallback>
           <p:sp>
             <p:nvSpPr>
               <p:cNvPr id="3" name="Content Placeholder 2">
@@ -9249,7 +10338,7 @@
           <a:p>
             <a:fld id="{4B024B25-DFCA-4944-BA90-A17C573440F7}" type="slidenum">
               <a:rPr lang="tr-TR" smtClean="0"/>
-              <a:t>17</a:t>
+              <a:t>19</a:t>
             </a:fld>
             <a:endParaRPr lang="tr-TR"/>
           </a:p>
@@ -9268,7 +10357,225 @@
 </p:sld>
 </file>
 
-<file path=ppt/slides/slide18.xml><?xml version="1.0" encoding="utf-8"?>
+<file path=ppt/slides/slide2.xml><?xml version="1.0" encoding="utf-8"?>
+<p:sld xmlns:a="http://schemas.openxmlformats.org/drawingml/2006/main" xmlns:r="http://schemas.openxmlformats.org/officeDocument/2006/relationships" xmlns:p="http://schemas.openxmlformats.org/presentationml/2006/main">
+  <p:cSld>
+    <p:spTree>
+      <p:nvGrpSpPr>
+        <p:cNvPr id="1" name=""/>
+        <p:cNvGrpSpPr/>
+        <p:nvPr/>
+      </p:nvGrpSpPr>
+      <p:grpSpPr>
+        <a:xfrm>
+          <a:off x="0" y="0"/>
+          <a:ext cx="0" cy="0"/>
+          <a:chOff x="0" y="0"/>
+          <a:chExt cx="0" cy="0"/>
+        </a:xfrm>
+      </p:grpSpPr>
+      <p:sp>
+        <p:nvSpPr>
+          <p:cNvPr id="2" name="Title 1">
+            <a:extLst>
+              <a:ext uri="{FF2B5EF4-FFF2-40B4-BE49-F238E27FC236}">
+                <a16:creationId xmlns:a16="http://schemas.microsoft.com/office/drawing/2014/main" id="{435A02C8-731E-48B1-AF23-074D244513DC}"/>
+              </a:ext>
+            </a:extLst>
+          </p:cNvPr>
+          <p:cNvSpPr>
+            <a:spLocks noGrp="1"/>
+          </p:cNvSpPr>
+          <p:nvPr>
+            <p:ph type="title"/>
+          </p:nvPr>
+        </p:nvSpPr>
+        <p:spPr/>
+        <p:txBody>
+          <a:bodyPr/>
+          <a:lstStyle/>
+          <a:p>
+            <a:r>
+              <a:rPr lang="en-US" dirty="0"/>
+              <a:t>Index</a:t>
+            </a:r>
+            <a:endParaRPr lang="tr-TR" dirty="0"/>
+          </a:p>
+        </p:txBody>
+      </p:sp>
+      <p:sp>
+        <p:nvSpPr>
+          <p:cNvPr id="3" name="Content Placeholder 2">
+            <a:extLst>
+              <a:ext uri="{FF2B5EF4-FFF2-40B4-BE49-F238E27FC236}">
+                <a16:creationId xmlns:a16="http://schemas.microsoft.com/office/drawing/2014/main" id="{64A8D04E-8231-4EB8-8A57-4762885D2BAB}"/>
+              </a:ext>
+            </a:extLst>
+          </p:cNvPr>
+          <p:cNvSpPr>
+            <a:spLocks noGrp="1"/>
+          </p:cNvSpPr>
+          <p:nvPr>
+            <p:ph idx="1"/>
+          </p:nvPr>
+        </p:nvSpPr>
+        <p:spPr/>
+        <p:txBody>
+          <a:bodyPr>
+            <a:normAutofit fontScale="85000" lnSpcReduction="20000"/>
+          </a:bodyPr>
+          <a:lstStyle/>
+          <a:p>
+            <a:r>
+              <a:rPr lang="en-US" dirty="0"/>
+              <a:t>A*</a:t>
+            </a:r>
+          </a:p>
+          <a:p>
+            <a:r>
+              <a:rPr lang="en-US" dirty="0"/>
+              <a:t>CBS (Conflict-based Search)</a:t>
+            </a:r>
+          </a:p>
+          <a:p>
+            <a:pPr lvl="1"/>
+            <a:r>
+              <a:rPr lang="en-US" dirty="0"/>
+              <a:t>High-level</a:t>
+            </a:r>
+          </a:p>
+          <a:p>
+            <a:pPr lvl="1"/>
+            <a:r>
+              <a:rPr lang="en-US" dirty="0"/>
+              <a:t>Low-level</a:t>
+            </a:r>
+          </a:p>
+          <a:p>
+            <a:pPr lvl="1"/>
+            <a:r>
+              <a:rPr lang="en-US" dirty="0"/>
+              <a:t>Comparison of A* and CBS</a:t>
+            </a:r>
+          </a:p>
+          <a:p>
+            <a:pPr lvl="1"/>
+            <a:r>
+              <a:rPr lang="en-US" dirty="0"/>
+              <a:t>Theorical Analysis of CBS</a:t>
+            </a:r>
+          </a:p>
+          <a:p>
+            <a:pPr lvl="1"/>
+            <a:r>
+              <a:rPr lang="en-US" dirty="0"/>
+              <a:t>Experimental results</a:t>
+            </a:r>
+          </a:p>
+          <a:p>
+            <a:r>
+              <a:rPr lang="en-US" dirty="0"/>
+              <a:t>MA-CBS (Meta-agent Conflict-based Search)</a:t>
+            </a:r>
+          </a:p>
+          <a:p>
+            <a:pPr lvl="1"/>
+            <a:r>
+              <a:rPr lang="en-US" dirty="0"/>
+              <a:t>Merge policy</a:t>
+            </a:r>
+          </a:p>
+          <a:p>
+            <a:pPr lvl="1"/>
+            <a:r>
+              <a:rPr lang="en-US" dirty="0"/>
+              <a:t>Merging constraints</a:t>
+            </a:r>
+          </a:p>
+          <a:p>
+            <a:pPr lvl="1"/>
+            <a:r>
+              <a:rPr lang="en-US" dirty="0"/>
+              <a:t>Low-level</a:t>
+            </a:r>
+          </a:p>
+          <a:p>
+            <a:pPr lvl="1"/>
+            <a:r>
+              <a:rPr lang="en-US" dirty="0"/>
+              <a:t>Experimental results</a:t>
+            </a:r>
+          </a:p>
+          <a:p>
+            <a:r>
+              <a:rPr lang="en-US" dirty="0"/>
+              <a:t>References</a:t>
+            </a:r>
+          </a:p>
+          <a:p>
+            <a:pPr lvl="1"/>
+            <a:endParaRPr lang="en-US" dirty="0"/>
+          </a:p>
+          <a:p>
+            <a:pPr lvl="1"/>
+            <a:endParaRPr lang="en-US" dirty="0"/>
+          </a:p>
+          <a:p>
+            <a:pPr lvl="1"/>
+            <a:endParaRPr lang="en-US" dirty="0"/>
+          </a:p>
+          <a:p>
+            <a:pPr lvl="1"/>
+            <a:endParaRPr lang="en-US" dirty="0"/>
+          </a:p>
+          <a:p>
+            <a:endParaRPr lang="tr-TR" dirty="0"/>
+          </a:p>
+        </p:txBody>
+      </p:sp>
+      <p:sp>
+        <p:nvSpPr>
+          <p:cNvPr id="4" name="Slide Number Placeholder 3">
+            <a:extLst>
+              <a:ext uri="{FF2B5EF4-FFF2-40B4-BE49-F238E27FC236}">
+                <a16:creationId xmlns:a16="http://schemas.microsoft.com/office/drawing/2014/main" id="{D300C1ED-E168-4022-B4DB-6C6974A4D5E6}"/>
+              </a:ext>
+            </a:extLst>
+          </p:cNvPr>
+          <p:cNvSpPr>
+            <a:spLocks noGrp="1"/>
+          </p:cNvSpPr>
+          <p:nvPr>
+            <p:ph type="sldNum" sz="quarter" idx="12"/>
+          </p:nvPr>
+        </p:nvSpPr>
+        <p:spPr/>
+        <p:txBody>
+          <a:bodyPr/>
+          <a:lstStyle/>
+          <a:p>
+            <a:fld id="{4B024B25-DFCA-4944-BA90-A17C573440F7}" type="slidenum">
+              <a:rPr lang="tr-TR" smtClean="0"/>
+              <a:t>2</a:t>
+            </a:fld>
+            <a:endParaRPr lang="tr-TR"/>
+          </a:p>
+        </p:txBody>
+      </p:sp>
+    </p:spTree>
+    <p:extLst>
+      <p:ext uri="{BB962C8B-B14F-4D97-AF65-F5344CB8AC3E}">
+        <p14:creationId xmlns:p14="http://schemas.microsoft.com/office/powerpoint/2010/main" val="990298044"/>
+      </p:ext>
+    </p:extLst>
+  </p:cSld>
+  <p:clrMapOvr>
+    <a:masterClrMapping/>
+  </p:clrMapOvr>
+</p:sld>
+</file>
+
+<file path=ppt/slides/slide20.xml><?xml version="1.0" encoding="utf-8"?>
 <p:sld xmlns:a="http://schemas.openxmlformats.org/drawingml/2006/main" xmlns:r="http://schemas.openxmlformats.org/officeDocument/2006/relationships" xmlns:p="http://schemas.openxmlformats.org/presentationml/2006/main">
   <p:cSld>
     <p:spTree>
@@ -9841,7 +11148,7 @@
           <a:p>
             <a:fld id="{4B024B25-DFCA-4944-BA90-A17C573440F7}" type="slidenum">
               <a:rPr lang="tr-TR" smtClean="0"/>
-              <a:t>18</a:t>
+              <a:t>20</a:t>
             </a:fld>
             <a:endParaRPr lang="tr-TR"/>
           </a:p>
@@ -9860,7 +11167,7 @@
 </p:sld>
 </file>
 
-<file path=ppt/slides/slide19.xml><?xml version="1.0" encoding="utf-8"?>
+<file path=ppt/slides/slide21.xml><?xml version="1.0" encoding="utf-8"?>
 <p:sld xmlns:a="http://schemas.openxmlformats.org/drawingml/2006/main" xmlns:r="http://schemas.openxmlformats.org/officeDocument/2006/relationships" xmlns:p="http://schemas.openxmlformats.org/presentationml/2006/main">
   <p:cSld>
     <p:spTree>
@@ -9929,7 +11236,7 @@
           <a:p>
             <a:r>
               <a:rPr lang="en-US" dirty="0"/>
-              <a:t>Completeness</a:t>
+              <a:t>Complete</a:t>
             </a:r>
           </a:p>
           <a:p>
@@ -9941,7 +11248,7 @@
           <a:p>
             <a:r>
               <a:rPr lang="en-US" dirty="0"/>
-              <a:t>Optimality</a:t>
+              <a:t>Optimal</a:t>
             </a:r>
           </a:p>
           <a:p>
@@ -9979,7 +11286,7 @@
           <a:p>
             <a:fld id="{4B024B25-DFCA-4944-BA90-A17C573440F7}" type="slidenum">
               <a:rPr lang="tr-TR" smtClean="0"/>
-              <a:t>19</a:t>
+              <a:t>21</a:t>
             </a:fld>
             <a:endParaRPr lang="tr-TR"/>
           </a:p>
@@ -9998,7 +11305,7 @@
 </p:sld>
 </file>
 
-<file path=ppt/slides/slide2.xml><?xml version="1.0" encoding="utf-8"?>
+<file path=ppt/slides/slide22.xml><?xml version="1.0" encoding="utf-8"?>
 <p:sld xmlns:a="http://schemas.openxmlformats.org/drawingml/2006/main" xmlns:r="http://schemas.openxmlformats.org/officeDocument/2006/relationships" xmlns:p="http://schemas.openxmlformats.org/presentationml/2006/main">
   <p:cSld>
     <p:spTree>
@@ -10020,224 +11327,6 @@
           <p:cNvPr id="2" name="Title 1">
             <a:extLst>
               <a:ext uri="{FF2B5EF4-FFF2-40B4-BE49-F238E27FC236}">
-                <a16:creationId xmlns:a16="http://schemas.microsoft.com/office/drawing/2014/main" id="{435A02C8-731E-48B1-AF23-074D244513DC}"/>
-              </a:ext>
-            </a:extLst>
-          </p:cNvPr>
-          <p:cNvSpPr>
-            <a:spLocks noGrp="1"/>
-          </p:cNvSpPr>
-          <p:nvPr>
-            <p:ph type="title"/>
-          </p:nvPr>
-        </p:nvSpPr>
-        <p:spPr/>
-        <p:txBody>
-          <a:bodyPr/>
-          <a:lstStyle/>
-          <a:p>
-            <a:r>
-              <a:rPr lang="en-US" dirty="0"/>
-              <a:t>Index</a:t>
-            </a:r>
-            <a:endParaRPr lang="tr-TR" dirty="0"/>
-          </a:p>
-        </p:txBody>
-      </p:sp>
-      <p:sp>
-        <p:nvSpPr>
-          <p:cNvPr id="3" name="Content Placeholder 2">
-            <a:extLst>
-              <a:ext uri="{FF2B5EF4-FFF2-40B4-BE49-F238E27FC236}">
-                <a16:creationId xmlns:a16="http://schemas.microsoft.com/office/drawing/2014/main" id="{64A8D04E-8231-4EB8-8A57-4762885D2BAB}"/>
-              </a:ext>
-            </a:extLst>
-          </p:cNvPr>
-          <p:cNvSpPr>
-            <a:spLocks noGrp="1"/>
-          </p:cNvSpPr>
-          <p:nvPr>
-            <p:ph idx="1"/>
-          </p:nvPr>
-        </p:nvSpPr>
-        <p:spPr/>
-        <p:txBody>
-          <a:bodyPr>
-            <a:normAutofit fontScale="85000" lnSpcReduction="20000"/>
-          </a:bodyPr>
-          <a:lstStyle/>
-          <a:p>
-            <a:r>
-              <a:rPr lang="en-US" dirty="0"/>
-              <a:t>A*</a:t>
-            </a:r>
-          </a:p>
-          <a:p>
-            <a:r>
-              <a:rPr lang="en-US" dirty="0"/>
-              <a:t>CBS (Conflict-based Search)</a:t>
-            </a:r>
-          </a:p>
-          <a:p>
-            <a:pPr lvl="1"/>
-            <a:r>
-              <a:rPr lang="en-US" dirty="0"/>
-              <a:t>High-level</a:t>
-            </a:r>
-          </a:p>
-          <a:p>
-            <a:pPr lvl="1"/>
-            <a:r>
-              <a:rPr lang="en-US" dirty="0"/>
-              <a:t>Low-level</a:t>
-            </a:r>
-          </a:p>
-          <a:p>
-            <a:pPr lvl="1"/>
-            <a:r>
-              <a:rPr lang="en-US" dirty="0"/>
-              <a:t>Comparison of A* and CBS</a:t>
-            </a:r>
-          </a:p>
-          <a:p>
-            <a:pPr lvl="1"/>
-            <a:r>
-              <a:rPr lang="en-US" dirty="0"/>
-              <a:t>Theorical Analysis of CBS</a:t>
-            </a:r>
-          </a:p>
-          <a:p>
-            <a:pPr lvl="1"/>
-            <a:r>
-              <a:rPr lang="en-US" dirty="0"/>
-              <a:t>Experimental results</a:t>
-            </a:r>
-          </a:p>
-          <a:p>
-            <a:r>
-              <a:rPr lang="en-US" dirty="0"/>
-              <a:t>MA-CBS (Meta-agent Conflict-based Search)</a:t>
-            </a:r>
-          </a:p>
-          <a:p>
-            <a:pPr lvl="1"/>
-            <a:r>
-              <a:rPr lang="en-US" dirty="0"/>
-              <a:t>Merge policy</a:t>
-            </a:r>
-          </a:p>
-          <a:p>
-            <a:pPr lvl="1"/>
-            <a:r>
-              <a:rPr lang="en-US" dirty="0"/>
-              <a:t>Merging constraints</a:t>
-            </a:r>
-          </a:p>
-          <a:p>
-            <a:pPr lvl="1"/>
-            <a:r>
-              <a:rPr lang="en-US" dirty="0"/>
-              <a:t>Low-level</a:t>
-            </a:r>
-          </a:p>
-          <a:p>
-            <a:pPr lvl="1"/>
-            <a:r>
-              <a:rPr lang="en-US" dirty="0"/>
-              <a:t>Experimental results</a:t>
-            </a:r>
-          </a:p>
-          <a:p>
-            <a:r>
-              <a:rPr lang="en-US" dirty="0"/>
-              <a:t>References</a:t>
-            </a:r>
-          </a:p>
-          <a:p>
-            <a:pPr lvl="1"/>
-            <a:endParaRPr lang="en-US" dirty="0"/>
-          </a:p>
-          <a:p>
-            <a:pPr lvl="1"/>
-            <a:endParaRPr lang="en-US" dirty="0"/>
-          </a:p>
-          <a:p>
-            <a:pPr lvl="1"/>
-            <a:endParaRPr lang="en-US" dirty="0"/>
-          </a:p>
-          <a:p>
-            <a:pPr lvl="1"/>
-            <a:endParaRPr lang="en-US" dirty="0"/>
-          </a:p>
-          <a:p>
-            <a:endParaRPr lang="tr-TR" dirty="0"/>
-          </a:p>
-        </p:txBody>
-      </p:sp>
-      <p:sp>
-        <p:nvSpPr>
-          <p:cNvPr id="4" name="Slide Number Placeholder 3">
-            <a:extLst>
-              <a:ext uri="{FF2B5EF4-FFF2-40B4-BE49-F238E27FC236}">
-                <a16:creationId xmlns:a16="http://schemas.microsoft.com/office/drawing/2014/main" id="{D300C1ED-E168-4022-B4DB-6C6974A4D5E6}"/>
-              </a:ext>
-            </a:extLst>
-          </p:cNvPr>
-          <p:cNvSpPr>
-            <a:spLocks noGrp="1"/>
-          </p:cNvSpPr>
-          <p:nvPr>
-            <p:ph type="sldNum" sz="quarter" idx="12"/>
-          </p:nvPr>
-        </p:nvSpPr>
-        <p:spPr/>
-        <p:txBody>
-          <a:bodyPr/>
-          <a:lstStyle/>
-          <a:p>
-            <a:fld id="{4B024B25-DFCA-4944-BA90-A17C573440F7}" type="slidenum">
-              <a:rPr lang="tr-TR" smtClean="0"/>
-              <a:t>2</a:t>
-            </a:fld>
-            <a:endParaRPr lang="tr-TR"/>
-          </a:p>
-        </p:txBody>
-      </p:sp>
-    </p:spTree>
-    <p:extLst>
-      <p:ext uri="{BB962C8B-B14F-4D97-AF65-F5344CB8AC3E}">
-        <p14:creationId xmlns:p14="http://schemas.microsoft.com/office/powerpoint/2010/main" val="990298044"/>
-      </p:ext>
-    </p:extLst>
-  </p:cSld>
-  <p:clrMapOvr>
-    <a:masterClrMapping/>
-  </p:clrMapOvr>
-</p:sld>
-</file>
-
-<file path=ppt/slides/slide20.xml><?xml version="1.0" encoding="utf-8"?>
-<p:sld xmlns:a="http://schemas.openxmlformats.org/drawingml/2006/main" xmlns:r="http://schemas.openxmlformats.org/officeDocument/2006/relationships" xmlns:p="http://schemas.openxmlformats.org/presentationml/2006/main">
-  <p:cSld>
-    <p:spTree>
-      <p:nvGrpSpPr>
-        <p:cNvPr id="1" name=""/>
-        <p:cNvGrpSpPr/>
-        <p:nvPr/>
-      </p:nvGrpSpPr>
-      <p:grpSpPr>
-        <a:xfrm>
-          <a:off x="0" y="0"/>
-          <a:ext cx="0" cy="0"/>
-          <a:chOff x="0" y="0"/>
-          <a:chExt cx="0" cy="0"/>
-        </a:xfrm>
-      </p:grpSpPr>
-      <p:sp>
-        <p:nvSpPr>
-          <p:cNvPr id="2" name="Title 1">
-            <a:extLst>
-              <a:ext uri="{FF2B5EF4-FFF2-40B4-BE49-F238E27FC236}">
                 <a16:creationId xmlns:a16="http://schemas.microsoft.com/office/drawing/2014/main" id="{BE9757A8-FD19-4528-9F59-66E5CE8A9B6B}"/>
               </a:ext>
             </a:extLst>
@@ -10287,7 +11376,7 @@
           <a:p>
             <a:fld id="{4B024B25-DFCA-4944-BA90-A17C573440F7}" type="slidenum">
               <a:rPr lang="tr-TR" smtClean="0"/>
-              <a:t>20</a:t>
+              <a:t>22</a:t>
             </a:fld>
             <a:endParaRPr lang="tr-TR"/>
           </a:p>
@@ -10335,7 +11424,7 @@
 </p:sld>
 </file>
 
-<file path=ppt/slides/slide21.xml><?xml version="1.0" encoding="utf-8"?>
+<file path=ppt/slides/slide23.xml><?xml version="1.0" encoding="utf-8"?>
 <p:sld xmlns:a="http://schemas.openxmlformats.org/drawingml/2006/main" xmlns:r="http://schemas.openxmlformats.org/officeDocument/2006/relationships" xmlns:p="http://schemas.openxmlformats.org/presentationml/2006/main">
   <p:cSld>
     <p:spTree>
@@ -10406,7 +11495,7 @@
           <a:p>
             <a:fld id="{4B024B25-DFCA-4944-BA90-A17C573440F7}" type="slidenum">
               <a:rPr lang="tr-TR" smtClean="0"/>
-              <a:t>21</a:t>
+              <a:t>23</a:t>
             </a:fld>
             <a:endParaRPr lang="tr-TR"/>
           </a:p>
@@ -10461,7 +11550,7 @@
 </p:sld>
 </file>
 
-<file path=ppt/slides/slide22.xml><?xml version="1.0" encoding="utf-8"?>
+<file path=ppt/slides/slide24.xml><?xml version="1.0" encoding="utf-8"?>
 <p:sld xmlns:a="http://schemas.openxmlformats.org/drawingml/2006/main" xmlns:r="http://schemas.openxmlformats.org/officeDocument/2006/relationships" xmlns:p="http://schemas.openxmlformats.org/presentationml/2006/main">
   <p:cSld>
     <p:spTree>
@@ -10555,7 +11644,7 @@
           <a:p>
             <a:fld id="{4B024B25-DFCA-4944-BA90-A17C573440F7}" type="slidenum">
               <a:rPr lang="tr-TR" smtClean="0"/>
-              <a:t>22</a:t>
+              <a:t>24</a:t>
             </a:fld>
             <a:endParaRPr lang="tr-TR"/>
           </a:p>
@@ -10604,7 +11693,7 @@
 </p:sld>
 </file>
 
-<file path=ppt/slides/slide23.xml><?xml version="1.0" encoding="utf-8"?>
+<file path=ppt/slides/slide25.xml><?xml version="1.0" encoding="utf-8"?>
 <p:sld xmlns:a="http://schemas.openxmlformats.org/drawingml/2006/main" xmlns:r="http://schemas.openxmlformats.org/officeDocument/2006/relationships" xmlns:p="http://schemas.openxmlformats.org/presentationml/2006/main">
   <p:cSld>
     <p:spTree>
@@ -11177,7 +12266,7 @@
           <a:p>
             <a:fld id="{4B024B25-DFCA-4944-BA90-A17C573440F7}" type="slidenum">
               <a:rPr lang="tr-TR" smtClean="0"/>
-              <a:t>23</a:t>
+              <a:t>25</a:t>
             </a:fld>
             <a:endParaRPr lang="tr-TR"/>
           </a:p>
@@ -11196,7 +12285,7 @@
 </p:sld>
 </file>
 
-<file path=ppt/slides/slide24.xml><?xml version="1.0" encoding="utf-8"?>
+<file path=ppt/slides/slide26.xml><?xml version="1.0" encoding="utf-8"?>
 <p:sld xmlns:a="http://schemas.openxmlformats.org/drawingml/2006/main" xmlns:r="http://schemas.openxmlformats.org/officeDocument/2006/relationships" xmlns:p="http://schemas.openxmlformats.org/presentationml/2006/main">
   <p:cSld>
     <p:spTree>
@@ -11271,7 +12360,7 @@
           <a:p>
             <a:fld id="{4B024B25-DFCA-4944-BA90-A17C573440F7}" type="slidenum">
               <a:rPr lang="tr-TR" smtClean="0"/>
-              <a:t>24</a:t>
+              <a:t>26</a:t>
             </a:fld>
             <a:endParaRPr lang="tr-TR" dirty="0"/>
           </a:p>
@@ -12541,6 +13630,180 @@
           <p:cNvPr id="2" name="Title 1">
             <a:extLst>
               <a:ext uri="{FF2B5EF4-FFF2-40B4-BE49-F238E27FC236}">
+                <a16:creationId xmlns:a16="http://schemas.microsoft.com/office/drawing/2014/main" id="{A5BF6EEC-20EA-41CB-99E2-2531DEC9CD21}"/>
+              </a:ext>
+            </a:extLst>
+          </p:cNvPr>
+          <p:cNvSpPr>
+            <a:spLocks noGrp="1"/>
+          </p:cNvSpPr>
+          <p:nvPr>
+            <p:ph type="title"/>
+          </p:nvPr>
+        </p:nvSpPr>
+        <p:spPr/>
+        <p:txBody>
+          <a:bodyPr/>
+          <a:lstStyle/>
+          <a:p>
+            <a:r>
+              <a:rPr lang="en-US" dirty="0"/>
+              <a:t>Two Level of CBS</a:t>
+            </a:r>
+            <a:endParaRPr lang="tr-TR" dirty="0"/>
+          </a:p>
+        </p:txBody>
+      </p:sp>
+      <p:sp>
+        <p:nvSpPr>
+          <p:cNvPr id="3" name="Content Placeholder 2">
+            <a:extLst>
+              <a:ext uri="{FF2B5EF4-FFF2-40B4-BE49-F238E27FC236}">
+                <a16:creationId xmlns:a16="http://schemas.microsoft.com/office/drawing/2014/main" id="{36F8AAE5-978E-4E04-89FE-85570751A25A}"/>
+              </a:ext>
+            </a:extLst>
+          </p:cNvPr>
+          <p:cNvSpPr>
+            <a:spLocks noGrp="1"/>
+          </p:cNvSpPr>
+          <p:nvPr>
+            <p:ph idx="1"/>
+          </p:nvPr>
+        </p:nvSpPr>
+        <p:spPr/>
+        <p:txBody>
+          <a:bodyPr/>
+          <a:lstStyle/>
+          <a:p>
+            <a:r>
+              <a:rPr lang="en-US" dirty="0"/>
+              <a:t>High level</a:t>
+            </a:r>
+          </a:p>
+          <a:p>
+            <a:pPr lvl="1"/>
+            <a:r>
+              <a:rPr lang="en-US" dirty="0"/>
+              <a:t>Conflict detection</a:t>
+            </a:r>
+          </a:p>
+          <a:p>
+            <a:pPr lvl="1"/>
+            <a:r>
+              <a:rPr lang="en-US" dirty="0"/>
+              <a:t>Constraint management</a:t>
+            </a:r>
+          </a:p>
+          <a:p>
+            <a:r>
+              <a:rPr lang="en-US" dirty="0"/>
+              <a:t>Low level</a:t>
+            </a:r>
+          </a:p>
+          <a:p>
+            <a:pPr lvl="1"/>
+            <a:r>
+              <a:rPr lang="en-US" dirty="0"/>
+              <a:t>Optimal path finding under constraints</a:t>
+            </a:r>
+            <a:endParaRPr lang="tr-TR" dirty="0"/>
+          </a:p>
+        </p:txBody>
+      </p:sp>
+      <p:sp>
+        <p:nvSpPr>
+          <p:cNvPr id="4" name="Slide Number Placeholder 3">
+            <a:extLst>
+              <a:ext uri="{FF2B5EF4-FFF2-40B4-BE49-F238E27FC236}">
+                <a16:creationId xmlns:a16="http://schemas.microsoft.com/office/drawing/2014/main" id="{570826F4-1488-4D5C-8F61-11AD6DED35BC}"/>
+              </a:ext>
+            </a:extLst>
+          </p:cNvPr>
+          <p:cNvSpPr>
+            <a:spLocks noGrp="1"/>
+          </p:cNvSpPr>
+          <p:nvPr>
+            <p:ph type="sldNum" sz="quarter" idx="12"/>
+          </p:nvPr>
+        </p:nvSpPr>
+        <p:spPr/>
+        <p:txBody>
+          <a:bodyPr/>
+          <a:lstStyle/>
+          <a:p>
+            <a:fld id="{4B024B25-DFCA-4944-BA90-A17C573440F7}" type="slidenum">
+              <a:rPr lang="tr-TR" smtClean="0"/>
+              <a:t>6</a:t>
+            </a:fld>
+            <a:endParaRPr lang="tr-TR"/>
+          </a:p>
+        </p:txBody>
+      </p:sp>
+    </p:spTree>
+    <p:extLst>
+      <p:ext uri="{BB962C8B-B14F-4D97-AF65-F5344CB8AC3E}">
+        <p14:creationId xmlns:p14="http://schemas.microsoft.com/office/powerpoint/2010/main" val="2426421004"/>
+      </p:ext>
+    </p:extLst>
+  </p:cSld>
+  <p:clrMapOvr>
+    <a:masterClrMapping/>
+  </p:clrMapOvr>
+</p:sld>
+</file>
+
+<file path=ppt/slides/slide7.xml><?xml version="1.0" encoding="utf-8"?>
+<p:sld xmlns:a="http://schemas.openxmlformats.org/drawingml/2006/main" xmlns:r="http://schemas.openxmlformats.org/officeDocument/2006/relationships" xmlns:p="http://schemas.openxmlformats.org/presentationml/2006/main">
+  <p:cSld>
+    <p:spTree>
+      <p:nvGrpSpPr>
+        <p:cNvPr id="1" name=""/>
+        <p:cNvGrpSpPr/>
+        <p:nvPr/>
+      </p:nvGrpSpPr>
+      <p:grpSpPr>
+        <a:xfrm>
+          <a:off x="0" y="0"/>
+          <a:ext cx="0" cy="0"/>
+          <a:chOff x="0" y="0"/>
+          <a:chExt cx="0" cy="0"/>
+        </a:xfrm>
+      </p:grpSpPr>
+      <p:pic>
+        <p:nvPicPr>
+          <p:cNvPr id="7" name="Picture 6">
+            <a:extLst>
+              <a:ext uri="{FF2B5EF4-FFF2-40B4-BE49-F238E27FC236}">
+                <a16:creationId xmlns:a16="http://schemas.microsoft.com/office/drawing/2014/main" id="{DEEE68FF-2E48-4BEE-ACA9-0CF7B99652D2}"/>
+              </a:ext>
+            </a:extLst>
+          </p:cNvPr>
+          <p:cNvPicPr>
+            <a:picLocks noChangeAspect="1"/>
+          </p:cNvPicPr>
+          <p:nvPr/>
+        </p:nvPicPr>
+        <p:blipFill>
+          <a:blip r:embed="rId3"/>
+          <a:stretch>
+            <a:fillRect/>
+          </a:stretch>
+        </p:blipFill>
+        <p:spPr>
+          <a:xfrm>
+            <a:off x="7605237" y="2395993"/>
+            <a:ext cx="3585601" cy="2732401"/>
+          </a:xfrm>
+          <a:prstGeom prst="rect">
+            <a:avLst/>
+          </a:prstGeom>
+        </p:spPr>
+      </p:pic>
+      <p:sp>
+        <p:nvSpPr>
+          <p:cNvPr id="2" name="Title 1">
+            <a:extLst>
+              <a:ext uri="{FF2B5EF4-FFF2-40B4-BE49-F238E27FC236}">
                 <a16:creationId xmlns:a16="http://schemas.microsoft.com/office/drawing/2014/main" id="{E77A7BCB-50EF-4CE5-AEBC-2A216CA771C1}"/>
               </a:ext>
             </a:extLst>
@@ -12565,8 +13828,8 @@
           </a:p>
         </p:txBody>
       </p:sp>
-      <mc:AlternateContent xmlns:mc="http://schemas.openxmlformats.org/markup-compatibility/2006" xmlns:a14="http://schemas.microsoft.com/office/drawing/2010/main">
-        <mc:Choice Requires="a14">
+      <mc:AlternateContent xmlns:mc="http://schemas.openxmlformats.org/markup-compatibility/2006">
+        <mc:Choice xmlns:a14="http://schemas.microsoft.com/office/drawing/2010/main" Requires="a14">
           <p:sp>
             <p:nvSpPr>
               <p:cNvPr id="3" name="Content Placeholder 2">
@@ -12698,12 +13961,115 @@
                   <a:rPr lang="en-US" dirty="0"/>
                   <a:t>Heuristic function: SIC (Sum of individual costs)</a:t>
                 </a:r>
+              </a:p>
+              <a:p>
+                <a:pPr lvl="1"/>
+                <a:r>
+                  <a:rPr lang="en-US" dirty="0"/>
+                  <a:t>Conflicts denoted by </a:t>
+                </a:r>
+                <a14:m>
+                  <m:oMath xmlns:m="http://schemas.openxmlformats.org/officeDocument/2006/math">
+                    <m:r>
+                      <a:rPr lang="en-US" i="1">
+                        <a:latin typeface="Cambria Math" panose="02040503050406030204" pitchFamily="18" charset="0"/>
+                      </a:rPr>
+                      <m:t>(</m:t>
+                    </m:r>
+                    <m:sSub>
+                      <m:sSubPr>
+                        <m:ctrlPr>
+                          <a:rPr lang="en-US" i="1">
+                            <a:latin typeface="Cambria Math" panose="02040503050406030204" pitchFamily="18" charset="0"/>
+                          </a:rPr>
+                        </m:ctrlPr>
+                      </m:sSubPr>
+                      <m:e>
+                        <m:r>
+                          <a:rPr lang="en-US" i="1">
+                            <a:latin typeface="Cambria Math" panose="02040503050406030204" pitchFamily="18" charset="0"/>
+                          </a:rPr>
+                          <m:t>𝑎</m:t>
+                        </m:r>
+                      </m:e>
+                      <m:sub>
+                        <m:r>
+                          <a:rPr lang="en-US" i="1">
+                            <a:latin typeface="Cambria Math" panose="02040503050406030204" pitchFamily="18" charset="0"/>
+                          </a:rPr>
+                          <m:t>𝑖</m:t>
+                        </m:r>
+                      </m:sub>
+                    </m:sSub>
+                    <m:r>
+                      <a:rPr lang="en-US" i="1">
+                        <a:latin typeface="Cambria Math" panose="02040503050406030204" pitchFamily="18" charset="0"/>
+                      </a:rPr>
+                      <m:t>,</m:t>
+                    </m:r>
+                    <m:sSub>
+                      <m:sSubPr>
+                        <m:ctrlPr>
+                          <a:rPr lang="en-US" b="0" i="1" smtClean="0">
+                            <a:latin typeface="Cambria Math" panose="02040503050406030204" pitchFamily="18" charset="0"/>
+                          </a:rPr>
+                        </m:ctrlPr>
+                      </m:sSubPr>
+                      <m:e>
+                        <m:r>
+                          <a:rPr lang="en-US" b="0" i="1" smtClean="0">
+                            <a:latin typeface="Cambria Math" panose="02040503050406030204" pitchFamily="18" charset="0"/>
+                          </a:rPr>
+                          <m:t>𝑎</m:t>
+                        </m:r>
+                      </m:e>
+                      <m:sub>
+                        <m:r>
+                          <a:rPr lang="en-US" b="0" i="1" smtClean="0">
+                            <a:latin typeface="Cambria Math" panose="02040503050406030204" pitchFamily="18" charset="0"/>
+                          </a:rPr>
+                          <m:t>𝑗</m:t>
+                        </m:r>
+                      </m:sub>
+                    </m:sSub>
+                    <m:r>
+                      <a:rPr lang="en-US" i="1">
+                        <a:latin typeface="Cambria Math" panose="02040503050406030204" pitchFamily="18" charset="0"/>
+                      </a:rPr>
+                      <m:t>,</m:t>
+                    </m:r>
+                    <m:r>
+                      <a:rPr lang="en-US" b="0" i="1" smtClean="0">
+                        <a:latin typeface="Cambria Math" panose="02040503050406030204" pitchFamily="18" charset="0"/>
+                      </a:rPr>
+                      <m:t>𝑣</m:t>
+                    </m:r>
+                    <m:r>
+                      <a:rPr lang="en-US" i="1">
+                        <a:latin typeface="Cambria Math" panose="02040503050406030204" pitchFamily="18" charset="0"/>
+                      </a:rPr>
+                      <m:t>,</m:t>
+                    </m:r>
+                    <m:r>
+                      <a:rPr lang="en-US" i="1">
+                        <a:latin typeface="Cambria Math" panose="02040503050406030204" pitchFamily="18" charset="0"/>
+                      </a:rPr>
+                      <m:t>𝑡</m:t>
+                    </m:r>
+                    <m:r>
+                      <a:rPr lang="en-US" i="1">
+                        <a:latin typeface="Cambria Math" panose="02040503050406030204" pitchFamily="18" charset="0"/>
+                      </a:rPr>
+                      <m:t>)</m:t>
+                    </m:r>
+                  </m:oMath>
+                </a14:m>
                 <a:endParaRPr lang="tr-TR" dirty="0"/>
               </a:p>
             </p:txBody>
           </p:sp>
         </mc:Choice>
-        <mc:Fallback xmlns="">
+        <mc:Fallback>
           <p:sp>
             <p:nvSpPr>
               <p:cNvPr id="3" name="Content Placeholder 2">
@@ -12722,7 +14088,7 @@
             </p:nvSpPr>
             <p:spPr>
               <a:blipFill>
-                <a:blip r:embed="rId3"/>
+                <a:blip r:embed="rId4"/>
                 <a:stretch>
                   <a:fillRect l="-1043" t="-2241"/>
                 </a:stretch>
@@ -12743,36 +14109,6 @@
           </p:sp>
         </mc:Fallback>
       </mc:AlternateContent>
-      <p:pic>
-        <p:nvPicPr>
-          <p:cNvPr id="6" name="Picture 5">
-            <a:extLst>
-              <a:ext uri="{FF2B5EF4-FFF2-40B4-BE49-F238E27FC236}">
-                <a16:creationId xmlns:a16="http://schemas.microsoft.com/office/drawing/2014/main" id="{FB8DF72B-438A-4F17-8202-6B992E31CD2E}"/>
-              </a:ext>
-            </a:extLst>
-          </p:cNvPr>
-          <p:cNvPicPr>
-            <a:picLocks noChangeAspect="1"/>
-          </p:cNvPicPr>
-          <p:nvPr/>
-        </p:nvPicPr>
-        <p:blipFill>
-          <a:blip r:embed="rId4"/>
-          <a:stretch>
-            <a:fillRect/>
-          </a:stretch>
-        </p:blipFill>
-        <p:spPr>
-          <a:xfrm>
-            <a:off x="6469226" y="2896240"/>
-            <a:ext cx="2210108" cy="1105054"/>
-          </a:xfrm>
-          <a:prstGeom prst="rect">
-            <a:avLst/>
-          </a:prstGeom>
-        </p:spPr>
-      </p:pic>
       <p:sp>
         <p:nvSpPr>
           <p:cNvPr id="4" name="Slide Number Placeholder 3">
@@ -12796,7 +14132,7 @@
           <a:p>
             <a:fld id="{4B024B25-DFCA-4944-BA90-A17C573440F7}" type="slidenum">
               <a:rPr lang="tr-TR" smtClean="0"/>
-              <a:t>6</a:t>
+              <a:t>7</a:t>
             </a:fld>
             <a:endParaRPr lang="tr-TR"/>
           </a:p>
@@ -12815,7 +14151,7 @@
 </p:sld>
 </file>
 
-<file path=ppt/slides/slide7.xml><?xml version="1.0" encoding="utf-8"?>
+<file path=ppt/slides/slide8.xml><?xml version="1.0" encoding="utf-8"?>
 <p:sld xmlns:a="http://schemas.openxmlformats.org/drawingml/2006/main" xmlns:r="http://schemas.openxmlformats.org/officeDocument/2006/relationships" xmlns:p="http://schemas.openxmlformats.org/presentationml/2006/main">
   <p:cSld>
     <p:spTree>
@@ -13023,7 +14359,7 @@
           <a:p>
             <a:fld id="{4B024B25-DFCA-4944-BA90-A17C573440F7}" type="slidenum">
               <a:rPr lang="tr-TR" smtClean="0"/>
-              <a:t>7</a:t>
+              <a:t>8</a:t>
             </a:fld>
             <a:endParaRPr lang="tr-TR"/>
           </a:p>
@@ -13218,7 +14554,7 @@
 </p:sld>
 </file>
 
-<file path=ppt/slides/slide8.xml><?xml version="1.0" encoding="utf-8"?>
+<file path=ppt/slides/slide9.xml><?xml version="1.0" encoding="utf-8"?>
 <p:sld xmlns:a="http://schemas.openxmlformats.org/drawingml/2006/main" xmlns:r="http://schemas.openxmlformats.org/officeDocument/2006/relationships" xmlns:p="http://schemas.openxmlformats.org/presentationml/2006/main">
   <p:cSld>
     <p:spTree>
@@ -13418,7 +14754,7 @@
           <a:p>
             <a:fld id="{4B024B25-DFCA-4944-BA90-A17C573440F7}" type="slidenum">
               <a:rPr lang="tr-TR" smtClean="0"/>
-              <a:t>8</a:t>
+              <a:t>9</a:t>
             </a:fld>
             <a:endParaRPr lang="tr-TR"/>
           </a:p>
@@ -13428,542 +14764,6 @@
     <p:extLst>
       <p:ext uri="{BB962C8B-B14F-4D97-AF65-F5344CB8AC3E}">
         <p14:creationId xmlns:p14="http://schemas.microsoft.com/office/powerpoint/2010/main" val="1782670633"/>
-      </p:ext>
-    </p:extLst>
-  </p:cSld>
-  <p:clrMapOvr>
-    <a:masterClrMapping/>
-  </p:clrMapOvr>
-</p:sld>
-</file>
-
-<file path=ppt/slides/slide9.xml><?xml version="1.0" encoding="utf-8"?>
-<p:sld xmlns:a="http://schemas.openxmlformats.org/drawingml/2006/main" xmlns:r="http://schemas.openxmlformats.org/officeDocument/2006/relationships" xmlns:p="http://schemas.openxmlformats.org/presentationml/2006/main">
-  <p:cSld>
-    <p:spTree>
-      <p:nvGrpSpPr>
-        <p:cNvPr id="1" name=""/>
-        <p:cNvGrpSpPr/>
-        <p:nvPr/>
-      </p:nvGrpSpPr>
-      <p:grpSpPr>
-        <a:xfrm>
-          <a:off x="0" y="0"/>
-          <a:ext cx="0" cy="0"/>
-          <a:chOff x="0" y="0"/>
-          <a:chExt cx="0" cy="0"/>
-        </a:xfrm>
-      </p:grpSpPr>
-      <p:sp>
-        <p:nvSpPr>
-          <p:cNvPr id="2" name="Title 1">
-            <a:extLst>
-              <a:ext uri="{FF2B5EF4-FFF2-40B4-BE49-F238E27FC236}">
-                <a16:creationId xmlns:a16="http://schemas.microsoft.com/office/drawing/2014/main" id="{9AAFC9F0-A61F-45D3-A9A1-EEBCCC05DC35}"/>
-              </a:ext>
-            </a:extLst>
-          </p:cNvPr>
-          <p:cNvSpPr>
-            <a:spLocks noGrp="1"/>
-          </p:cNvSpPr>
-          <p:nvPr>
-            <p:ph type="title"/>
-          </p:nvPr>
-        </p:nvSpPr>
-        <p:spPr/>
-        <p:txBody>
-          <a:bodyPr/>
-          <a:lstStyle/>
-          <a:p>
-            <a:r>
-              <a:rPr lang="en-US" dirty="0"/>
-              <a:t>CBS</a:t>
-            </a:r>
-            <a:endParaRPr lang="tr-TR" dirty="0"/>
-          </a:p>
-        </p:txBody>
-      </p:sp>
-      <mc:AlternateContent xmlns:mc="http://schemas.openxmlformats.org/markup-compatibility/2006" xmlns:a14="http://schemas.microsoft.com/office/drawing/2010/main">
-        <mc:Choice Requires="a14">
-          <p:sp>
-            <p:nvSpPr>
-              <p:cNvPr id="3" name="Content Placeholder 2">
-                <a:extLst>
-                  <a:ext uri="{FF2B5EF4-FFF2-40B4-BE49-F238E27FC236}">
-                    <a16:creationId xmlns:a16="http://schemas.microsoft.com/office/drawing/2014/main" id="{D54AD1DD-94E1-4010-805C-B6DD763D30CF}"/>
-                  </a:ext>
-                </a:extLst>
-              </p:cNvPr>
-              <p:cNvSpPr>
-                <a:spLocks noGrp="1"/>
-              </p:cNvSpPr>
-              <p:nvPr>
-                <p:ph idx="1"/>
-              </p:nvPr>
-            </p:nvSpPr>
-            <p:spPr/>
-            <p:txBody>
-              <a:bodyPr/>
-              <a:lstStyle/>
-              <a:p>
-                <a:r>
-                  <a:rPr lang="en-US" dirty="0"/>
-                  <a:t>Edge conflict:</a:t>
-                </a:r>
-              </a:p>
-              <a:p>
-                <a14:m>
-                  <m:oMath xmlns:m="http://schemas.openxmlformats.org/officeDocument/2006/math">
-                    <m:r>
-                      <a:rPr lang="en-US" sz="2000" i="1">
-                        <a:latin typeface="Cambria Math" panose="02040503050406030204" pitchFamily="18" charset="0"/>
-                      </a:rPr>
-                      <m:t>(</m:t>
-                    </m:r>
-                    <m:sSub>
-                      <m:sSubPr>
-                        <m:ctrlPr>
-                          <a:rPr lang="en-US" sz="2000" b="0" i="1" smtClean="0">
-                            <a:latin typeface="Cambria Math" panose="02040503050406030204" pitchFamily="18" charset="0"/>
-                          </a:rPr>
-                        </m:ctrlPr>
-                      </m:sSubPr>
-                      <m:e>
-                        <m:r>
-                          <a:rPr lang="en-US" sz="2000" b="0" i="1" smtClean="0">
-                            <a:latin typeface="Cambria Math" panose="02040503050406030204" pitchFamily="18" charset="0"/>
-                          </a:rPr>
-                          <m:t>𝑎</m:t>
-                        </m:r>
-                      </m:e>
-                      <m:sub>
-                        <m:r>
-                          <a:rPr lang="en-US" sz="2000" b="0" i="1" smtClean="0">
-                            <a:latin typeface="Cambria Math" panose="02040503050406030204" pitchFamily="18" charset="0"/>
-                          </a:rPr>
-                          <m:t>𝑖</m:t>
-                        </m:r>
-                      </m:sub>
-                    </m:sSub>
-                    <m:r>
-                      <a:rPr lang="en-US" sz="2000" i="1">
-                        <a:latin typeface="Cambria Math" panose="02040503050406030204" pitchFamily="18" charset="0"/>
-                      </a:rPr>
-                      <m:t>,</m:t>
-                    </m:r>
-                    <m:sSub>
-                      <m:sSubPr>
-                        <m:ctrlPr>
-                          <a:rPr lang="en-US" sz="2000" i="1">
-                            <a:latin typeface="Cambria Math" panose="02040503050406030204" pitchFamily="18" charset="0"/>
-                          </a:rPr>
-                        </m:ctrlPr>
-                      </m:sSubPr>
-                      <m:e>
-                        <m:r>
-                          <a:rPr lang="en-US" sz="2000" i="1">
-                            <a:latin typeface="Cambria Math" panose="02040503050406030204" pitchFamily="18" charset="0"/>
-                          </a:rPr>
-                          <m:t>𝑣</m:t>
-                        </m:r>
-                      </m:e>
-                      <m:sub>
-                        <m:r>
-                          <a:rPr lang="en-US" sz="2000" b="0" i="1" smtClean="0">
-                            <a:latin typeface="Cambria Math" panose="02040503050406030204" pitchFamily="18" charset="0"/>
-                          </a:rPr>
-                          <m:t>1</m:t>
-                        </m:r>
-                      </m:sub>
-                    </m:sSub>
-                    <m:r>
-                      <a:rPr lang="en-US" sz="2000" i="1">
-                        <a:latin typeface="Cambria Math" panose="02040503050406030204" pitchFamily="18" charset="0"/>
-                      </a:rPr>
-                      <m:t>, </m:t>
-                    </m:r>
-                    <m:sSub>
-                      <m:sSubPr>
-                        <m:ctrlPr>
-                          <a:rPr lang="en-US" sz="2000" i="1">
-                            <a:latin typeface="Cambria Math" panose="02040503050406030204" pitchFamily="18" charset="0"/>
-                          </a:rPr>
-                        </m:ctrlPr>
-                      </m:sSubPr>
-                      <m:e>
-                        <m:r>
-                          <a:rPr lang="en-US" sz="2000" i="1">
-                            <a:latin typeface="Cambria Math" panose="02040503050406030204" pitchFamily="18" charset="0"/>
-                          </a:rPr>
-                          <m:t>𝑣</m:t>
-                        </m:r>
-                      </m:e>
-                      <m:sub>
-                        <m:r>
-                          <a:rPr lang="en-US" sz="2000" i="1">
-                            <a:latin typeface="Cambria Math" panose="02040503050406030204" pitchFamily="18" charset="0"/>
-                          </a:rPr>
-                          <m:t>2</m:t>
-                        </m:r>
-                      </m:sub>
-                    </m:sSub>
-                    <m:r>
-                      <a:rPr lang="en-US" sz="2000" i="1">
-                        <a:latin typeface="Cambria Math" panose="02040503050406030204" pitchFamily="18" charset="0"/>
-                      </a:rPr>
-                      <m:t>,</m:t>
-                    </m:r>
-                    <m:r>
-                      <a:rPr lang="en-US" sz="2000" b="0" i="1" smtClean="0">
-                        <a:latin typeface="Cambria Math" panose="02040503050406030204" pitchFamily="18" charset="0"/>
-                      </a:rPr>
-                      <m:t>𝑡</m:t>
-                    </m:r>
-                    <m:r>
-                      <a:rPr lang="en-US" sz="2000" i="1">
-                        <a:latin typeface="Cambria Math" panose="02040503050406030204" pitchFamily="18" charset="0"/>
-                      </a:rPr>
-                      <m:t>)</m:t>
-                    </m:r>
-                  </m:oMath>
-                </a14:m>
-                <a:endParaRPr lang="en-US" sz="2000" dirty="0"/>
-              </a:p>
-              <a:p>
-                <a:endParaRPr lang="en-US" dirty="0"/>
-              </a:p>
-              <a:p>
-                <a:endParaRPr lang="en-US" dirty="0"/>
-              </a:p>
-              <a:p>
-                <a:pPr marL="3200400" lvl="7" indent="0">
-                  <a:buNone/>
-                </a:pPr>
-                <a:r>
-                  <a:rPr lang="en-US" dirty="0"/>
-                  <a:t>			 </a:t>
-                </a:r>
-                <a:endParaRPr lang="tr-TR" dirty="0"/>
-              </a:p>
-            </p:txBody>
-          </p:sp>
-        </mc:Choice>
-        <mc:Fallback xmlns="">
-          <p:sp>
-            <p:nvSpPr>
-              <p:cNvPr id="3" name="Content Placeholder 2">
-                <a:extLst>
-                  <a:ext uri="{FF2B5EF4-FFF2-40B4-BE49-F238E27FC236}">
-                    <a16:creationId xmlns:a16="http://schemas.microsoft.com/office/drawing/2014/main" id="{D54AD1DD-94E1-4010-805C-B6DD763D30CF}"/>
-                  </a:ext>
-                </a:extLst>
-              </p:cNvPr>
-              <p:cNvSpPr>
-                <a:spLocks noGrp="1" noRot="1" noChangeAspect="1" noMove="1" noResize="1" noEditPoints="1" noAdjustHandles="1" noChangeArrowheads="1" noChangeShapeType="1" noTextEdit="1"/>
-              </p:cNvSpPr>
-              <p:nvPr>
-                <p:ph idx="1"/>
-              </p:nvPr>
-            </p:nvSpPr>
-            <p:spPr>
-              <a:blipFill>
-                <a:blip r:embed="rId3"/>
-                <a:stretch>
-                  <a:fillRect l="-1043" t="-2241"/>
-                </a:stretch>
-              </a:blipFill>
-            </p:spPr>
-            <p:txBody>
-              <a:bodyPr/>
-              <a:lstStyle/>
-              <a:p>
-                <a:r>
-                  <a:rPr lang="tr-TR">
-                    <a:noFill/>
-                  </a:rPr>
-                  <a:t> </a:t>
-                </a:r>
-              </a:p>
-            </p:txBody>
-          </p:sp>
-        </mc:Fallback>
-      </mc:AlternateContent>
-      <p:grpSp>
-        <p:nvGrpSpPr>
-          <p:cNvPr id="6" name="Group 5">
-            <a:extLst>
-              <a:ext uri="{FF2B5EF4-FFF2-40B4-BE49-F238E27FC236}">
-                <a16:creationId xmlns:a16="http://schemas.microsoft.com/office/drawing/2014/main" id="{9B88EE3C-8C96-49B1-ACF2-31E5FEA9783C}"/>
-              </a:ext>
-            </a:extLst>
-          </p:cNvPr>
-          <p:cNvGrpSpPr/>
-          <p:nvPr/>
-        </p:nvGrpSpPr>
-        <p:grpSpPr>
-          <a:xfrm>
-            <a:off x="3273519" y="1632427"/>
-            <a:ext cx="3561621" cy="1635184"/>
-            <a:chOff x="3403059" y="2539207"/>
-            <a:chExt cx="3561621" cy="1635184"/>
-          </a:xfrm>
-        </p:grpSpPr>
-        <p:pic>
-          <p:nvPicPr>
-            <p:cNvPr id="4" name="Picture 3">
-              <a:extLst>
-                <a:ext uri="{FF2B5EF4-FFF2-40B4-BE49-F238E27FC236}">
-                  <a16:creationId xmlns:a16="http://schemas.microsoft.com/office/drawing/2014/main" id="{2B170F7F-4B23-4BA6-A753-3D0BF8D59A91}"/>
-                </a:ext>
-              </a:extLst>
-            </p:cNvPr>
-            <p:cNvPicPr>
-              <a:picLocks noChangeAspect="1"/>
-            </p:cNvPicPr>
-            <p:nvPr/>
-          </p:nvPicPr>
-          <p:blipFill>
-            <a:blip r:embed="rId4"/>
-            <a:stretch>
-              <a:fillRect/>
-            </a:stretch>
-          </p:blipFill>
-          <p:spPr>
-            <a:xfrm>
-              <a:off x="3403059" y="2539207"/>
-              <a:ext cx="3561621" cy="1116330"/>
-            </a:xfrm>
-            <a:prstGeom prst="rect">
-              <a:avLst/>
-            </a:prstGeom>
-          </p:spPr>
-        </p:pic>
-        <mc:AlternateContent xmlns:mc="http://schemas.openxmlformats.org/markup-compatibility/2006" xmlns:a14="http://schemas.microsoft.com/office/drawing/2010/main">
-          <mc:Choice Requires="a14">
-            <p:sp>
-              <p:nvSpPr>
-                <p:cNvPr id="5" name="TextBox 4">
-                  <a:extLst>
-                    <a:ext uri="{FF2B5EF4-FFF2-40B4-BE49-F238E27FC236}">
-                      <a16:creationId xmlns:a16="http://schemas.microsoft.com/office/drawing/2014/main" id="{18D351A8-3462-48CE-90A5-44F023917A6D}"/>
-                    </a:ext>
-                  </a:extLst>
-                </p:cNvPr>
-                <p:cNvSpPr txBox="1"/>
-                <p:nvPr/>
-              </p:nvSpPr>
-              <p:spPr>
-                <a:xfrm>
-                  <a:off x="4450081" y="3528060"/>
-                  <a:ext cx="1577340" cy="646331"/>
-                </a:xfrm>
-                <a:prstGeom prst="rect">
-                  <a:avLst/>
-                </a:prstGeom>
-                <a:noFill/>
-              </p:spPr>
-              <p:txBody>
-                <a:bodyPr wrap="square" rtlCol="0">
-                  <a:spAutoFit/>
-                </a:bodyPr>
-                <a:lstStyle/>
-                <a:p>
-                  <a:pPr/>
-                  <a14:m>
-                    <m:oMathPara xmlns:m="http://schemas.openxmlformats.org/officeDocument/2006/math">
-                      <m:oMathParaPr>
-                        <m:jc m:val="centerGroup"/>
-                      </m:oMathParaPr>
-                      <m:oMath xmlns:m="http://schemas.openxmlformats.org/officeDocument/2006/math">
-                        <m:r>
-                          <a:rPr lang="en-US" i="1">
-                            <a:latin typeface="Cambria Math" panose="02040503050406030204" pitchFamily="18" charset="0"/>
-                          </a:rPr>
-                          <m:t>(</m:t>
-                        </m:r>
-                        <m:sSub>
-                          <m:sSubPr>
-                            <m:ctrlPr>
-                              <a:rPr lang="en-US" i="1">
-                                <a:latin typeface="Cambria Math" panose="02040503050406030204" pitchFamily="18" charset="0"/>
-                              </a:rPr>
-                            </m:ctrlPr>
-                          </m:sSubPr>
-                          <m:e>
-                            <m:r>
-                              <a:rPr lang="en-US" i="1">
-                                <a:latin typeface="Cambria Math" panose="02040503050406030204" pitchFamily="18" charset="0"/>
-                              </a:rPr>
-                              <m:t>𝑎</m:t>
-                            </m:r>
-                          </m:e>
-                          <m:sub>
-                            <m:r>
-                              <a:rPr lang="en-US" i="1">
-                                <a:latin typeface="Cambria Math" panose="02040503050406030204" pitchFamily="18" charset="0"/>
-                              </a:rPr>
-                              <m:t>1</m:t>
-                            </m:r>
-                          </m:sub>
-                        </m:sSub>
-                        <m:r>
-                          <a:rPr lang="en-US" i="1">
-                            <a:latin typeface="Cambria Math" panose="02040503050406030204" pitchFamily="18" charset="0"/>
-                          </a:rPr>
-                          <m:t>,</m:t>
-                        </m:r>
-                        <m:sSub>
-                          <m:sSubPr>
-                            <m:ctrlPr>
-                              <a:rPr lang="en-US" i="1">
-                                <a:latin typeface="Cambria Math" panose="02040503050406030204" pitchFamily="18" charset="0"/>
-                              </a:rPr>
-                            </m:ctrlPr>
-                          </m:sSubPr>
-                          <m:e>
-                            <m:r>
-                              <a:rPr lang="en-US" i="1">
-                                <a:latin typeface="Cambria Math" panose="02040503050406030204" pitchFamily="18" charset="0"/>
-                              </a:rPr>
-                              <m:t>𝑣</m:t>
-                            </m:r>
-                          </m:e>
-                          <m:sub>
-                            <m:r>
-                              <a:rPr lang="en-US" i="1">
-                                <a:latin typeface="Cambria Math" panose="02040503050406030204" pitchFamily="18" charset="0"/>
-                              </a:rPr>
-                              <m:t>1</m:t>
-                            </m:r>
-                          </m:sub>
-                        </m:sSub>
-                        <m:r>
-                          <a:rPr lang="en-US" i="1">
-                            <a:latin typeface="Cambria Math" panose="02040503050406030204" pitchFamily="18" charset="0"/>
-                          </a:rPr>
-                          <m:t>, </m:t>
-                        </m:r>
-                        <m:sSub>
-                          <m:sSubPr>
-                            <m:ctrlPr>
-                              <a:rPr lang="en-US" i="1">
-                                <a:latin typeface="Cambria Math" panose="02040503050406030204" pitchFamily="18" charset="0"/>
-                              </a:rPr>
-                            </m:ctrlPr>
-                          </m:sSubPr>
-                          <m:e>
-                            <m:r>
-                              <a:rPr lang="en-US" i="1">
-                                <a:latin typeface="Cambria Math" panose="02040503050406030204" pitchFamily="18" charset="0"/>
-                              </a:rPr>
-                              <m:t>𝑣</m:t>
-                            </m:r>
-                          </m:e>
-                          <m:sub>
-                            <m:r>
-                              <a:rPr lang="en-US" i="1">
-                                <a:latin typeface="Cambria Math" panose="02040503050406030204" pitchFamily="18" charset="0"/>
-                              </a:rPr>
-                              <m:t>2</m:t>
-                            </m:r>
-                          </m:sub>
-                        </m:sSub>
-                        <m:r>
-                          <a:rPr lang="en-US" i="1">
-                            <a:latin typeface="Cambria Math" panose="02040503050406030204" pitchFamily="18" charset="0"/>
-                          </a:rPr>
-                          <m:t>,0)</m:t>
-                        </m:r>
-                      </m:oMath>
-                    </m:oMathPara>
-                  </a14:m>
-                  <a:endParaRPr lang="en-US" dirty="0"/>
-                </a:p>
-                <a:p>
-                  <a:endParaRPr lang="tr-TR" dirty="0"/>
-                </a:p>
-              </p:txBody>
-            </p:sp>
-          </mc:Choice>
-          <mc:Fallback xmlns="">
-            <p:sp>
-              <p:nvSpPr>
-                <p:cNvPr id="5" name="TextBox 4">
-                  <a:extLst>
-                    <a:ext uri="{FF2B5EF4-FFF2-40B4-BE49-F238E27FC236}">
-                      <a16:creationId xmlns:a16="http://schemas.microsoft.com/office/drawing/2014/main" id="{18D351A8-3462-48CE-90A5-44F023917A6D}"/>
-                    </a:ext>
-                  </a:extLst>
-                </p:cNvPr>
-                <p:cNvSpPr txBox="1">
-                  <a:spLocks noRot="1" noChangeAspect="1" noMove="1" noResize="1" noEditPoints="1" noAdjustHandles="1" noChangeArrowheads="1" noChangeShapeType="1" noTextEdit="1"/>
-                </p:cNvSpPr>
-                <p:nvPr/>
-              </p:nvSpPr>
-              <p:spPr>
-                <a:xfrm>
-                  <a:off x="4450081" y="3528060"/>
-                  <a:ext cx="1577340" cy="646331"/>
-                </a:xfrm>
-                <a:prstGeom prst="rect">
-                  <a:avLst/>
-                </a:prstGeom>
-                <a:blipFill>
-                  <a:blip r:embed="rId5"/>
-                  <a:stretch>
-                    <a:fillRect/>
-                  </a:stretch>
-                </a:blipFill>
-              </p:spPr>
-              <p:txBody>
-                <a:bodyPr/>
-                <a:lstStyle/>
-                <a:p>
-                  <a:r>
-                    <a:rPr lang="tr-TR">
-                      <a:noFill/>
-                    </a:rPr>
-                    <a:t> </a:t>
-                  </a:r>
-                </a:p>
-              </p:txBody>
-            </p:sp>
-          </mc:Fallback>
-        </mc:AlternateContent>
-      </p:grpSp>
-      <p:sp>
-        <p:nvSpPr>
-          <p:cNvPr id="7" name="Slide Number Placeholder 6">
-            <a:extLst>
-              <a:ext uri="{FF2B5EF4-FFF2-40B4-BE49-F238E27FC236}">
-                <a16:creationId xmlns:a16="http://schemas.microsoft.com/office/drawing/2014/main" id="{826C51A9-6596-44FC-BAFC-03CF101E11C0}"/>
-              </a:ext>
-            </a:extLst>
-          </p:cNvPr>
-          <p:cNvSpPr>
-            <a:spLocks noGrp="1"/>
-          </p:cNvSpPr>
-          <p:nvPr>
-            <p:ph type="sldNum" sz="quarter" idx="12"/>
-          </p:nvPr>
-        </p:nvSpPr>
-        <p:spPr/>
-        <p:txBody>
-          <a:bodyPr/>
-          <a:lstStyle/>
-          <a:p>
-            <a:fld id="{4B024B25-DFCA-4944-BA90-A17C573440F7}" type="slidenum">
-              <a:rPr lang="tr-TR" smtClean="0"/>
-              <a:t>9</a:t>
-            </a:fld>
-            <a:endParaRPr lang="tr-TR"/>
-          </a:p>
-        </p:txBody>
-      </p:sp>
-    </p:spTree>
-    <p:extLst>
-      <p:ext uri="{BB962C8B-B14F-4D97-AF65-F5344CB8AC3E}">
-        <p14:creationId xmlns:p14="http://schemas.microsoft.com/office/powerpoint/2010/main" val="1177107809"/>
       </p:ext>
     </p:extLst>
   </p:cSld>
@@ -14118,6 +14918,22 @@
 </file>
 
 <file path=ppt/tags/tag26.xml><?xml version="1.0" encoding="utf-8"?>
+<p:tagLst xmlns:a="http://schemas.openxmlformats.org/drawingml/2006/main" xmlns:r="http://schemas.openxmlformats.org/officeDocument/2006/relationships" xmlns:p="http://schemas.openxmlformats.org/presentationml/2006/main">
+  <p:tag name="BJHEADERFOOTERLABEL" val="TRUE"/>
+  <p:tag name="BJHEADERFOOTERTEXTLABEL" val="TASNİF DIŞI"/>
+  <p:tag name="BJHEADERFOOTERTEXTMARKING" val="TASNİF DIŞI"/>
+</p:tagLst>
+</file>
+
+<file path=ppt/tags/tag27.xml><?xml version="1.0" encoding="utf-8"?>
+<p:tagLst xmlns:a="http://schemas.openxmlformats.org/drawingml/2006/main" xmlns:r="http://schemas.openxmlformats.org/officeDocument/2006/relationships" xmlns:p="http://schemas.openxmlformats.org/presentationml/2006/main">
+  <p:tag name="BJHEADERFOOTERLABEL" val="TRUE"/>
+  <p:tag name="BJHEADERFOOTERTEXTLABEL" val="TASNİF DIŞI"/>
+  <p:tag name="BJHEADERFOOTERTEXTMARKING" val="TASNİF DIŞI"/>
+</p:tagLst>
+</file>
+
+<file path=ppt/tags/tag28.xml><?xml version="1.0" encoding="utf-8"?>
 <p:tagLst xmlns:a="http://schemas.openxmlformats.org/drawingml/2006/main" xmlns:r="http://schemas.openxmlformats.org/officeDocument/2006/relationships" xmlns:p="http://schemas.openxmlformats.org/presentationml/2006/main">
   <p:tag name="BJHEADERFOOTERLABEL" val="TRUE"/>
   <p:tag name="BJHEADERFOOTERTEXTLABEL" val="TASNİF DIŞI"/>
@@ -15073,7 +15889,7 @@
 </file>
 
 <file path=customXml/itemProps1.xml><?xml version="1.0" encoding="utf-8"?>
-<ds:datastoreItem xmlns:ds="http://schemas.openxmlformats.org/officeDocument/2006/customXml" ds:itemID="{7107ED66-91FF-4AD6-9427-5FCC29F102D3}">
+<ds:datastoreItem xmlns:ds="http://schemas.openxmlformats.org/officeDocument/2006/customXml" ds:itemID="{3D1817F0-3AED-4497-977A-6BC73993470D}">
   <ds:schemaRefs>
     <ds:schemaRef ds:uri="http://www.w3.org/2001/XMLSchema"/>
     <ds:schemaRef ds:uri="http://www.boldonjames.com/2008/01/sie/internal/label"/>

--- a/dahahilipls.pptx
+++ b/dahahilipls.pptx
@@ -7570,8 +7570,8 @@
           </a:p>
         </p:txBody>
       </p:sp>
-      <mc:AlternateContent xmlns:mc="http://schemas.openxmlformats.org/markup-compatibility/2006">
-        <mc:Choice xmlns:a14="http://schemas.microsoft.com/office/drawing/2010/main" Requires="a14">
+      <mc:AlternateContent xmlns:mc="http://schemas.openxmlformats.org/markup-compatibility/2006" xmlns:a14="http://schemas.microsoft.com/office/drawing/2010/main">
+        <mc:Choice Requires="a14">
           <p:sp>
             <p:nvSpPr>
               <p:cNvPr id="3" name="Content Placeholder 2">
@@ -7766,7 +7766,7 @@
             </p:txBody>
           </p:sp>
         </mc:Choice>
-        <mc:Fallback>
+        <mc:Fallback xmlns="">
           <p:sp>
             <p:nvSpPr>
               <p:cNvPr id="3" name="Content Placeholder 2">
@@ -7856,8 +7856,8 @@
             </a:prstGeom>
           </p:spPr>
         </p:pic>
-        <mc:AlternateContent xmlns:mc="http://schemas.openxmlformats.org/markup-compatibility/2006">
-          <mc:Choice xmlns:a14="http://schemas.microsoft.com/office/drawing/2010/main" Requires="a14">
+        <mc:AlternateContent xmlns:mc="http://schemas.openxmlformats.org/markup-compatibility/2006" xmlns:a14="http://schemas.microsoft.com/office/drawing/2010/main">
+          <mc:Choice Requires="a14">
             <p:sp>
               <p:nvSpPr>
                 <p:cNvPr id="5" name="TextBox 4">
@@ -8015,7 +8015,7 @@
               </p:txBody>
             </p:sp>
           </mc:Choice>
-          <mc:Fallback>
+          <mc:Fallback xmlns="">
             <p:sp>
               <p:nvSpPr>
                 <p:cNvPr id="5" name="TextBox 4">
@@ -8474,8 +8474,8 @@
           </a:p>
         </p:txBody>
       </p:sp>
-      <mc:AlternateContent xmlns:mc="http://schemas.openxmlformats.org/markup-compatibility/2006">
-        <mc:Choice xmlns:a14="http://schemas.microsoft.com/office/drawing/2010/main" Requires="a14">
+      <mc:AlternateContent xmlns:mc="http://schemas.openxmlformats.org/markup-compatibility/2006" xmlns:a14="http://schemas.microsoft.com/office/drawing/2010/main">
+        <mc:Choice Requires="a14">
           <p:sp>
             <p:nvSpPr>
               <p:cNvPr id="3" name="Content Placeholder 2">
@@ -8801,7 +8801,7 @@
             </p:txBody>
           </p:sp>
         </mc:Choice>
-        <mc:Fallback>
+        <mc:Fallback xmlns="">
           <p:sp>
             <p:nvSpPr>
               <p:cNvPr id="3" name="Content Placeholder 2">
@@ -9015,8 +9015,8 @@
           </a:p>
         </p:txBody>
       </p:sp>
-      <mc:AlternateContent xmlns:mc="http://schemas.openxmlformats.org/markup-compatibility/2006">
-        <mc:Choice xmlns:a14="http://schemas.microsoft.com/office/drawing/2010/main" Requires="a14">
+      <mc:AlternateContent xmlns:mc="http://schemas.openxmlformats.org/markup-compatibility/2006" xmlns:a14="http://schemas.microsoft.com/office/drawing/2010/main">
+        <mc:Choice Requires="a14">
           <p:sp>
             <p:nvSpPr>
               <p:cNvPr id="3" name="Content Placeholder 2">
@@ -9121,7 +9121,7 @@
             </p:txBody>
           </p:sp>
         </mc:Choice>
-        <mc:Fallback>
+        <mc:Fallback xmlns="">
           <p:sp>
             <p:nvSpPr>
               <p:cNvPr id="3" name="Content Placeholder 2">
@@ -9966,13 +9966,13 @@
               <a:p>
                 <a:r>
                   <a:rPr lang="en-US" dirty="0"/>
-                  <a:t>B threshold</a:t>
+                  <a:t>Uses B threshold</a:t>
                 </a:r>
               </a:p>
               <a:p>
                 <a:r>
                   <a:rPr lang="en-US" dirty="0"/>
-                  <a:t>Conflict Matrix(CM)</a:t>
+                  <a:t>Stores number of conflict at Conflict Matrix(CM)</a:t>
                 </a:r>
               </a:p>
               <a:p>
@@ -10212,14 +10212,17 @@
                 </a:r>
               </a:p>
               <a:p>
+                <a:endParaRPr lang="en-US" sz="2000" dirty="0"/>
+              </a:p>
+              <a:p>
                 <a:r>
-                  <a:rPr lang="en-US" dirty="0"/>
+                  <a:rPr lang="en-US" sz="2000" dirty="0"/>
                   <a:t>MA-CBS(</a:t>
                 </a:r>
                 <a14:m>
                   <m:oMath xmlns:m="http://schemas.openxmlformats.org/officeDocument/2006/math">
                     <m:r>
-                      <a:rPr lang="en-US" i="1" smtClean="0">
+                      <a:rPr lang="en-US" sz="2000" i="1" smtClean="0">
                         <a:latin typeface="Cambria Math" panose="02040503050406030204" pitchFamily="18" charset="0"/>
                         <a:ea typeface="Cambria Math" panose="02040503050406030204" pitchFamily="18" charset="0"/>
                       </a:rPr>
@@ -10228,19 +10231,19 @@
                   </m:oMath>
                 </a14:m>
                 <a:r>
-                  <a:rPr lang="en-US" dirty="0"/>
+                  <a:rPr lang="en-US" sz="2000" dirty="0"/>
                   <a:t>) equal to basic CBS</a:t>
                 </a:r>
               </a:p>
               <a:p>
                 <a:r>
-                  <a:rPr lang="en-US" dirty="0"/>
+                  <a:rPr lang="en-US" sz="2000" dirty="0"/>
                   <a:t>MA-CBS(</a:t>
                 </a:r>
                 <a14:m>
                   <m:oMath xmlns:m="http://schemas.openxmlformats.org/officeDocument/2006/math">
                     <m:r>
-                      <a:rPr lang="en-US" b="0" i="1" smtClean="0">
+                      <a:rPr lang="en-US" sz="2000" b="0" i="1" smtClean="0">
                         <a:latin typeface="Cambria Math" panose="02040503050406030204" pitchFamily="18" charset="0"/>
                       </a:rPr>
                       <m:t>0</m:t>
@@ -10248,19 +10251,19 @@
                   </m:oMath>
                 </a14:m>
                 <a:r>
-                  <a:rPr lang="en-US" dirty="0"/>
+                  <a:rPr lang="en-US" sz="2000" dirty="0"/>
                   <a:t>) equal to basic ID</a:t>
                 </a:r>
               </a:p>
               <a:p>
                 <a:r>
-                  <a:rPr lang="en-US" dirty="0"/>
+                  <a:rPr lang="en-US" sz="2000" dirty="0"/>
                   <a:t>MA-CBS(</a:t>
                 </a:r>
                 <a14:m>
                   <m:oMath xmlns:m="http://schemas.openxmlformats.org/officeDocument/2006/math">
                     <m:r>
-                      <a:rPr lang="en-US" b="0" i="1" smtClean="0">
+                      <a:rPr lang="en-US" sz="2000" b="0" i="1" smtClean="0">
                         <a:latin typeface="Cambria Math" panose="02040503050406030204" pitchFamily="18" charset="0"/>
                       </a:rPr>
                       <m:t>1</m:t>
@@ -10268,7 +10271,7 @@
                   </m:oMath>
                 </a14:m>
                 <a:r>
-                  <a:rPr lang="en-US" dirty="0"/>
+                  <a:rPr lang="en-US" sz="2000" dirty="0"/>
                   <a:t>) equal to basic Enhancements to ID</a:t>
                 </a:r>
               </a:p>
@@ -11236,16 +11239,25 @@
           <a:p>
             <a:r>
               <a:rPr lang="en-US" dirty="0"/>
+              <a:t>Low Level solver must be</a:t>
+            </a:r>
+          </a:p>
+          <a:p>
+            <a:pPr lvl="1"/>
+            <a:r>
+              <a:rPr lang="en-US" dirty="0"/>
               <a:t>Complete</a:t>
             </a:r>
           </a:p>
           <a:p>
+            <a:pPr lvl="1"/>
             <a:r>
               <a:rPr lang="en-US" dirty="0"/>
               <a:t>Constraint handling</a:t>
             </a:r>
           </a:p>
           <a:p>
+            <a:pPr lvl="1"/>
             <a:r>
               <a:rPr lang="en-US" dirty="0"/>
               <a:t>Optimal</a:t>
@@ -11345,6 +11357,7 @@
           </a:bodyPr>
           <a:lstStyle/>
           <a:p>
+            <a:pPr algn="ctr"/>
             <a:r>
               <a:rPr lang="en-US" sz="4200" dirty="0"/>
               <a:t>Run-time on DAO maps with EPEA* as low level</a:t>
@@ -11464,9 +11477,10 @@
           </a:bodyPr>
           <a:lstStyle/>
           <a:p>
+            <a:pPr algn="ctr"/>
             <a:r>
               <a:rPr lang="en-US" sz="4200" dirty="0"/>
-              <a:t>Run-time on DAO maps with EPEA* as low level</a:t>
+              <a:t>Run-time on DAO maps with A* as low level</a:t>
             </a:r>
             <a:endParaRPr lang="tr-TR" sz="4200" dirty="0"/>
           </a:p>
@@ -11529,7 +11543,7 @@
         </p:blipFill>
         <p:spPr>
           <a:xfrm>
-            <a:off x="2025310" y="1690688"/>
+            <a:off x="2038010" y="1690688"/>
             <a:ext cx="7814104" cy="4198069"/>
           </a:xfrm>
           <a:prstGeom prst="rect">
@@ -11537,6 +11551,706 @@
           </a:prstGeom>
         </p:spPr>
       </p:pic>
+      <p:sp>
+        <p:nvSpPr>
+          <p:cNvPr id="3" name="Rectangle 2">
+            <a:extLst>
+              <a:ext uri="{FF2B5EF4-FFF2-40B4-BE49-F238E27FC236}">
+                <a16:creationId xmlns:a16="http://schemas.microsoft.com/office/drawing/2014/main" id="{BC3800FE-392D-4926-ADF4-C2897344EC6A}"/>
+              </a:ext>
+            </a:extLst>
+          </p:cNvPr>
+          <p:cNvSpPr/>
+          <p:nvPr/>
+        </p:nvSpPr>
+        <p:spPr>
+          <a:xfrm>
+            <a:off x="5175284" y="2136618"/>
+            <a:ext cx="527016" cy="149381"/>
+          </a:xfrm>
+          <a:prstGeom prst="rect">
+            <a:avLst/>
+          </a:prstGeom>
+          <a:noFill/>
+          <a:ln>
+            <a:solidFill>
+              <a:srgbClr val="FF0000"/>
+            </a:solidFill>
+          </a:ln>
+        </p:spPr>
+        <p:style>
+          <a:lnRef idx="2">
+            <a:schemeClr val="accent2"/>
+          </a:lnRef>
+          <a:fillRef idx="1">
+            <a:schemeClr val="lt1"/>
+          </a:fillRef>
+          <a:effectRef idx="0">
+            <a:schemeClr val="accent2"/>
+          </a:effectRef>
+          <a:fontRef idx="minor">
+            <a:schemeClr val="dk1"/>
+          </a:fontRef>
+        </p:style>
+        <p:txBody>
+          <a:bodyPr rtlCol="0" anchor="ctr"/>
+          <a:lstStyle/>
+          <a:p>
+            <a:pPr algn="ctr"/>
+            <a:endParaRPr lang="tr-TR"/>
+          </a:p>
+        </p:txBody>
+      </p:sp>
+      <p:sp>
+        <p:nvSpPr>
+          <p:cNvPr id="7" name="Rectangle 6">
+            <a:extLst>
+              <a:ext uri="{FF2B5EF4-FFF2-40B4-BE49-F238E27FC236}">
+                <a16:creationId xmlns:a16="http://schemas.microsoft.com/office/drawing/2014/main" id="{3548E7DA-FC63-48B2-9A87-E5E0C34E598A}"/>
+              </a:ext>
+            </a:extLst>
+          </p:cNvPr>
+          <p:cNvSpPr/>
+          <p:nvPr/>
+        </p:nvSpPr>
+        <p:spPr>
+          <a:xfrm>
+            <a:off x="3041684" y="2435068"/>
+            <a:ext cx="527016" cy="149381"/>
+          </a:xfrm>
+          <a:prstGeom prst="rect">
+            <a:avLst/>
+          </a:prstGeom>
+          <a:noFill/>
+          <a:ln>
+            <a:solidFill>
+              <a:srgbClr val="FF0000"/>
+            </a:solidFill>
+          </a:ln>
+        </p:spPr>
+        <p:style>
+          <a:lnRef idx="2">
+            <a:schemeClr val="accent2"/>
+          </a:lnRef>
+          <a:fillRef idx="1">
+            <a:schemeClr val="lt1"/>
+          </a:fillRef>
+          <a:effectRef idx="0">
+            <a:schemeClr val="accent2"/>
+          </a:effectRef>
+          <a:fontRef idx="minor">
+            <a:schemeClr val="dk1"/>
+          </a:fontRef>
+        </p:style>
+        <p:txBody>
+          <a:bodyPr rtlCol="0" anchor="ctr"/>
+          <a:lstStyle/>
+          <a:p>
+            <a:pPr algn="ctr"/>
+            <a:endParaRPr lang="tr-TR"/>
+          </a:p>
+        </p:txBody>
+      </p:sp>
+      <p:sp>
+        <p:nvSpPr>
+          <p:cNvPr id="8" name="Rectangle 7">
+            <a:extLst>
+              <a:ext uri="{FF2B5EF4-FFF2-40B4-BE49-F238E27FC236}">
+                <a16:creationId xmlns:a16="http://schemas.microsoft.com/office/drawing/2014/main" id="{0A078F6D-19A0-4B36-9D1C-7C32EAA4407F}"/>
+              </a:ext>
+            </a:extLst>
+          </p:cNvPr>
+          <p:cNvSpPr/>
+          <p:nvPr/>
+        </p:nvSpPr>
+        <p:spPr>
+          <a:xfrm>
+            <a:off x="9325098" y="2289017"/>
+            <a:ext cx="527016" cy="149381"/>
+          </a:xfrm>
+          <a:prstGeom prst="rect">
+            <a:avLst/>
+          </a:prstGeom>
+          <a:noFill/>
+          <a:ln>
+            <a:solidFill>
+              <a:srgbClr val="FF0000"/>
+            </a:solidFill>
+          </a:ln>
+        </p:spPr>
+        <p:style>
+          <a:lnRef idx="2">
+            <a:schemeClr val="accent2"/>
+          </a:lnRef>
+          <a:fillRef idx="1">
+            <a:schemeClr val="lt1"/>
+          </a:fillRef>
+          <a:effectRef idx="0">
+            <a:schemeClr val="accent2"/>
+          </a:effectRef>
+          <a:fontRef idx="minor">
+            <a:schemeClr val="dk1"/>
+          </a:fontRef>
+        </p:style>
+        <p:txBody>
+          <a:bodyPr rtlCol="0" anchor="ctr"/>
+          <a:lstStyle/>
+          <a:p>
+            <a:pPr algn="ctr"/>
+            <a:endParaRPr lang="tr-TR"/>
+          </a:p>
+        </p:txBody>
+      </p:sp>
+      <p:sp>
+        <p:nvSpPr>
+          <p:cNvPr id="9" name="Rectangle 8">
+            <a:extLst>
+              <a:ext uri="{FF2B5EF4-FFF2-40B4-BE49-F238E27FC236}">
+                <a16:creationId xmlns:a16="http://schemas.microsoft.com/office/drawing/2014/main" id="{3D96321C-EC90-4C34-84AA-3877E17A9A5D}"/>
+              </a:ext>
+            </a:extLst>
+          </p:cNvPr>
+          <p:cNvSpPr/>
+          <p:nvPr/>
+        </p:nvSpPr>
+        <p:spPr>
+          <a:xfrm>
+            <a:off x="9286998" y="2584449"/>
+            <a:ext cx="527016" cy="149381"/>
+          </a:xfrm>
+          <a:prstGeom prst="rect">
+            <a:avLst/>
+          </a:prstGeom>
+          <a:noFill/>
+          <a:ln>
+            <a:solidFill>
+              <a:srgbClr val="FF0000"/>
+            </a:solidFill>
+          </a:ln>
+        </p:spPr>
+        <p:style>
+          <a:lnRef idx="2">
+            <a:schemeClr val="accent2"/>
+          </a:lnRef>
+          <a:fillRef idx="1">
+            <a:schemeClr val="lt1"/>
+          </a:fillRef>
+          <a:effectRef idx="0">
+            <a:schemeClr val="accent2"/>
+          </a:effectRef>
+          <a:fontRef idx="minor">
+            <a:schemeClr val="dk1"/>
+          </a:fontRef>
+        </p:style>
+        <p:txBody>
+          <a:bodyPr rtlCol="0" anchor="ctr"/>
+          <a:lstStyle/>
+          <a:p>
+            <a:pPr algn="ctr"/>
+            <a:endParaRPr lang="tr-TR"/>
+          </a:p>
+        </p:txBody>
+      </p:sp>
+      <p:sp>
+        <p:nvSpPr>
+          <p:cNvPr id="10" name="Rectangle 9">
+            <a:extLst>
+              <a:ext uri="{FF2B5EF4-FFF2-40B4-BE49-F238E27FC236}">
+                <a16:creationId xmlns:a16="http://schemas.microsoft.com/office/drawing/2014/main" id="{139ABD48-F56E-4C55-BF02-5E21EF87C257}"/>
+              </a:ext>
+            </a:extLst>
+          </p:cNvPr>
+          <p:cNvSpPr/>
+          <p:nvPr/>
+        </p:nvSpPr>
+        <p:spPr>
+          <a:xfrm>
+            <a:off x="5175284" y="2731929"/>
+            <a:ext cx="527016" cy="149381"/>
+          </a:xfrm>
+          <a:prstGeom prst="rect">
+            <a:avLst/>
+          </a:prstGeom>
+          <a:noFill/>
+          <a:ln>
+            <a:solidFill>
+              <a:srgbClr val="FF0000"/>
+            </a:solidFill>
+          </a:ln>
+        </p:spPr>
+        <p:style>
+          <a:lnRef idx="2">
+            <a:schemeClr val="accent2"/>
+          </a:lnRef>
+          <a:fillRef idx="1">
+            <a:schemeClr val="lt1"/>
+          </a:fillRef>
+          <a:effectRef idx="0">
+            <a:schemeClr val="accent2"/>
+          </a:effectRef>
+          <a:fontRef idx="minor">
+            <a:schemeClr val="dk1"/>
+          </a:fontRef>
+        </p:style>
+        <p:txBody>
+          <a:bodyPr rtlCol="0" anchor="ctr"/>
+          <a:lstStyle/>
+          <a:p>
+            <a:pPr algn="ctr"/>
+            <a:endParaRPr lang="tr-TR"/>
+          </a:p>
+        </p:txBody>
+      </p:sp>
+      <p:sp>
+        <p:nvSpPr>
+          <p:cNvPr id="11" name="Rectangle 10">
+            <a:extLst>
+              <a:ext uri="{FF2B5EF4-FFF2-40B4-BE49-F238E27FC236}">
+                <a16:creationId xmlns:a16="http://schemas.microsoft.com/office/drawing/2014/main" id="{EB336B4A-E282-4A48-8CE0-D385DCDC41EA}"/>
+              </a:ext>
+            </a:extLst>
+          </p:cNvPr>
+          <p:cNvSpPr/>
+          <p:nvPr/>
+        </p:nvSpPr>
+        <p:spPr>
+          <a:xfrm>
+            <a:off x="9286998" y="2866870"/>
+            <a:ext cx="527016" cy="149381"/>
+          </a:xfrm>
+          <a:prstGeom prst="rect">
+            <a:avLst/>
+          </a:prstGeom>
+          <a:noFill/>
+          <a:ln>
+            <a:solidFill>
+              <a:srgbClr val="FF0000"/>
+            </a:solidFill>
+          </a:ln>
+        </p:spPr>
+        <p:style>
+          <a:lnRef idx="2">
+            <a:schemeClr val="accent2"/>
+          </a:lnRef>
+          <a:fillRef idx="1">
+            <a:schemeClr val="lt1"/>
+          </a:fillRef>
+          <a:effectRef idx="0">
+            <a:schemeClr val="accent2"/>
+          </a:effectRef>
+          <a:fontRef idx="minor">
+            <a:schemeClr val="dk1"/>
+          </a:fontRef>
+        </p:style>
+        <p:txBody>
+          <a:bodyPr rtlCol="0" anchor="ctr"/>
+          <a:lstStyle/>
+          <a:p>
+            <a:pPr algn="ctr"/>
+            <a:endParaRPr lang="tr-TR"/>
+          </a:p>
+        </p:txBody>
+      </p:sp>
+      <p:sp>
+        <p:nvSpPr>
+          <p:cNvPr id="12" name="Rectangle 11">
+            <a:extLst>
+              <a:ext uri="{FF2B5EF4-FFF2-40B4-BE49-F238E27FC236}">
+                <a16:creationId xmlns:a16="http://schemas.microsoft.com/office/drawing/2014/main" id="{7A5D9A9A-29A9-4561-8365-EABD2A6F5D3F}"/>
+              </a:ext>
+            </a:extLst>
+          </p:cNvPr>
+          <p:cNvSpPr/>
+          <p:nvPr/>
+        </p:nvSpPr>
+        <p:spPr>
+          <a:xfrm>
+            <a:off x="6153184" y="3016251"/>
+            <a:ext cx="527016" cy="149381"/>
+          </a:xfrm>
+          <a:prstGeom prst="rect">
+            <a:avLst/>
+          </a:prstGeom>
+          <a:noFill/>
+          <a:ln>
+            <a:solidFill>
+              <a:srgbClr val="FF0000"/>
+            </a:solidFill>
+          </a:ln>
+        </p:spPr>
+        <p:style>
+          <a:lnRef idx="2">
+            <a:schemeClr val="accent2"/>
+          </a:lnRef>
+          <a:fillRef idx="1">
+            <a:schemeClr val="lt1"/>
+          </a:fillRef>
+          <a:effectRef idx="0">
+            <a:schemeClr val="accent2"/>
+          </a:effectRef>
+          <a:fontRef idx="minor">
+            <a:schemeClr val="dk1"/>
+          </a:fontRef>
+        </p:style>
+        <p:txBody>
+          <a:bodyPr rtlCol="0" anchor="ctr"/>
+          <a:lstStyle/>
+          <a:p>
+            <a:pPr algn="ctr"/>
+            <a:endParaRPr lang="tr-TR"/>
+          </a:p>
+        </p:txBody>
+      </p:sp>
+      <p:sp>
+        <p:nvSpPr>
+          <p:cNvPr id="13" name="Rectangle 12">
+            <a:extLst>
+              <a:ext uri="{FF2B5EF4-FFF2-40B4-BE49-F238E27FC236}">
+                <a16:creationId xmlns:a16="http://schemas.microsoft.com/office/drawing/2014/main" id="{214B93BE-F149-410E-AC74-CC540A59B022}"/>
+              </a:ext>
+            </a:extLst>
+          </p:cNvPr>
+          <p:cNvSpPr/>
+          <p:nvPr/>
+        </p:nvSpPr>
+        <p:spPr>
+          <a:xfrm>
+            <a:off x="6153184" y="3165632"/>
+            <a:ext cx="527016" cy="149381"/>
+          </a:xfrm>
+          <a:prstGeom prst="rect">
+            <a:avLst/>
+          </a:prstGeom>
+          <a:noFill/>
+          <a:ln>
+            <a:solidFill>
+              <a:srgbClr val="FF0000"/>
+            </a:solidFill>
+          </a:ln>
+        </p:spPr>
+        <p:style>
+          <a:lnRef idx="2">
+            <a:schemeClr val="accent2"/>
+          </a:lnRef>
+          <a:fillRef idx="1">
+            <a:schemeClr val="lt1"/>
+          </a:fillRef>
+          <a:effectRef idx="0">
+            <a:schemeClr val="accent2"/>
+          </a:effectRef>
+          <a:fontRef idx="minor">
+            <a:schemeClr val="dk1"/>
+          </a:fontRef>
+        </p:style>
+        <p:txBody>
+          <a:bodyPr rtlCol="0" anchor="ctr"/>
+          <a:lstStyle/>
+          <a:p>
+            <a:pPr algn="ctr"/>
+            <a:endParaRPr lang="tr-TR"/>
+          </a:p>
+        </p:txBody>
+      </p:sp>
+      <p:sp>
+        <p:nvSpPr>
+          <p:cNvPr id="14" name="Rectangle 13">
+            <a:extLst>
+              <a:ext uri="{FF2B5EF4-FFF2-40B4-BE49-F238E27FC236}">
+                <a16:creationId xmlns:a16="http://schemas.microsoft.com/office/drawing/2014/main" id="{5EF092C6-EB5F-487E-A5BB-1612C5A7270F}"/>
+              </a:ext>
+            </a:extLst>
+          </p:cNvPr>
+          <p:cNvSpPr/>
+          <p:nvPr/>
+        </p:nvSpPr>
+        <p:spPr>
+          <a:xfrm>
+            <a:off x="6365892" y="3749005"/>
+            <a:ext cx="527016" cy="149381"/>
+          </a:xfrm>
+          <a:prstGeom prst="rect">
+            <a:avLst/>
+          </a:prstGeom>
+          <a:noFill/>
+          <a:ln>
+            <a:solidFill>
+              <a:srgbClr val="FF0000"/>
+            </a:solidFill>
+          </a:ln>
+        </p:spPr>
+        <p:style>
+          <a:lnRef idx="2">
+            <a:schemeClr val="accent2"/>
+          </a:lnRef>
+          <a:fillRef idx="1">
+            <a:schemeClr val="lt1"/>
+          </a:fillRef>
+          <a:effectRef idx="0">
+            <a:schemeClr val="accent2"/>
+          </a:effectRef>
+          <a:fontRef idx="minor">
+            <a:schemeClr val="dk1"/>
+          </a:fontRef>
+        </p:style>
+        <p:txBody>
+          <a:bodyPr rtlCol="0" anchor="ctr"/>
+          <a:lstStyle/>
+          <a:p>
+            <a:pPr algn="ctr"/>
+            <a:endParaRPr lang="tr-TR"/>
+          </a:p>
+        </p:txBody>
+      </p:sp>
+      <p:sp>
+        <p:nvSpPr>
+          <p:cNvPr id="15" name="Rectangle 14">
+            <a:extLst>
+              <a:ext uri="{FF2B5EF4-FFF2-40B4-BE49-F238E27FC236}">
+                <a16:creationId xmlns:a16="http://schemas.microsoft.com/office/drawing/2014/main" id="{A641484D-9F8E-4614-9B4F-843771FFA47C}"/>
+              </a:ext>
+            </a:extLst>
+          </p:cNvPr>
+          <p:cNvSpPr/>
+          <p:nvPr/>
+        </p:nvSpPr>
+        <p:spPr>
+          <a:xfrm>
+            <a:off x="9325098" y="3898386"/>
+            <a:ext cx="527016" cy="149381"/>
+          </a:xfrm>
+          <a:prstGeom prst="rect">
+            <a:avLst/>
+          </a:prstGeom>
+          <a:noFill/>
+          <a:ln>
+            <a:solidFill>
+              <a:srgbClr val="FF0000"/>
+            </a:solidFill>
+          </a:ln>
+        </p:spPr>
+        <p:style>
+          <a:lnRef idx="2">
+            <a:schemeClr val="accent2"/>
+          </a:lnRef>
+          <a:fillRef idx="1">
+            <a:schemeClr val="lt1"/>
+          </a:fillRef>
+          <a:effectRef idx="0">
+            <a:schemeClr val="accent2"/>
+          </a:effectRef>
+          <a:fontRef idx="minor">
+            <a:schemeClr val="dk1"/>
+          </a:fontRef>
+        </p:style>
+        <p:txBody>
+          <a:bodyPr rtlCol="0" anchor="ctr"/>
+          <a:lstStyle/>
+          <a:p>
+            <a:pPr algn="ctr"/>
+            <a:endParaRPr lang="tr-TR"/>
+          </a:p>
+        </p:txBody>
+      </p:sp>
+      <p:sp>
+        <p:nvSpPr>
+          <p:cNvPr id="16" name="Rectangle 15">
+            <a:extLst>
+              <a:ext uri="{FF2B5EF4-FFF2-40B4-BE49-F238E27FC236}">
+                <a16:creationId xmlns:a16="http://schemas.microsoft.com/office/drawing/2014/main" id="{EC5D0467-654C-4924-92D5-9B11F4FAAE0A}"/>
+              </a:ext>
+            </a:extLst>
+          </p:cNvPr>
+          <p:cNvSpPr/>
+          <p:nvPr/>
+        </p:nvSpPr>
+        <p:spPr>
+          <a:xfrm>
+            <a:off x="9325098" y="4031426"/>
+            <a:ext cx="527016" cy="149381"/>
+          </a:xfrm>
+          <a:prstGeom prst="rect">
+            <a:avLst/>
+          </a:prstGeom>
+          <a:noFill/>
+          <a:ln>
+            <a:solidFill>
+              <a:srgbClr val="FF0000"/>
+            </a:solidFill>
+          </a:ln>
+        </p:spPr>
+        <p:style>
+          <a:lnRef idx="2">
+            <a:schemeClr val="accent2"/>
+          </a:lnRef>
+          <a:fillRef idx="1">
+            <a:schemeClr val="lt1"/>
+          </a:fillRef>
+          <a:effectRef idx="0">
+            <a:schemeClr val="accent2"/>
+          </a:effectRef>
+          <a:fontRef idx="minor">
+            <a:schemeClr val="dk1"/>
+          </a:fontRef>
+        </p:style>
+        <p:txBody>
+          <a:bodyPr rtlCol="0" anchor="ctr"/>
+          <a:lstStyle/>
+          <a:p>
+            <a:pPr algn="ctr"/>
+            <a:endParaRPr lang="tr-TR"/>
+          </a:p>
+        </p:txBody>
+      </p:sp>
+      <p:sp>
+        <p:nvSpPr>
+          <p:cNvPr id="17" name="Rectangle 16">
+            <a:extLst>
+              <a:ext uri="{FF2B5EF4-FFF2-40B4-BE49-F238E27FC236}">
+                <a16:creationId xmlns:a16="http://schemas.microsoft.com/office/drawing/2014/main" id="{45699F11-B6CC-47C3-8925-9834AA9B2ADF}"/>
+              </a:ext>
+            </a:extLst>
+          </p:cNvPr>
+          <p:cNvSpPr/>
+          <p:nvPr/>
+        </p:nvSpPr>
+        <p:spPr>
+          <a:xfrm>
+            <a:off x="9325098" y="4179389"/>
+            <a:ext cx="527016" cy="149381"/>
+          </a:xfrm>
+          <a:prstGeom prst="rect">
+            <a:avLst/>
+          </a:prstGeom>
+          <a:noFill/>
+          <a:ln>
+            <a:solidFill>
+              <a:srgbClr val="FF0000"/>
+            </a:solidFill>
+          </a:ln>
+        </p:spPr>
+        <p:style>
+          <a:lnRef idx="2">
+            <a:schemeClr val="accent2"/>
+          </a:lnRef>
+          <a:fillRef idx="1">
+            <a:schemeClr val="lt1"/>
+          </a:fillRef>
+          <a:effectRef idx="0">
+            <a:schemeClr val="accent2"/>
+          </a:effectRef>
+          <a:fontRef idx="minor">
+            <a:schemeClr val="dk1"/>
+          </a:fontRef>
+        </p:style>
+        <p:txBody>
+          <a:bodyPr rtlCol="0" anchor="ctr"/>
+          <a:lstStyle/>
+          <a:p>
+            <a:pPr algn="ctr"/>
+            <a:endParaRPr lang="tr-TR"/>
+          </a:p>
+        </p:txBody>
+      </p:sp>
+      <p:sp>
+        <p:nvSpPr>
+          <p:cNvPr id="18" name="Rectangle 17">
+            <a:extLst>
+              <a:ext uri="{FF2B5EF4-FFF2-40B4-BE49-F238E27FC236}">
+                <a16:creationId xmlns:a16="http://schemas.microsoft.com/office/drawing/2014/main" id="{F2285387-7BA9-4672-AEA7-090F2FEA6F17}"/>
+              </a:ext>
+            </a:extLst>
+          </p:cNvPr>
+          <p:cNvSpPr/>
+          <p:nvPr/>
+        </p:nvSpPr>
+        <p:spPr>
+          <a:xfrm>
+            <a:off x="7232684" y="4330993"/>
+            <a:ext cx="527016" cy="149381"/>
+          </a:xfrm>
+          <a:prstGeom prst="rect">
+            <a:avLst/>
+          </a:prstGeom>
+          <a:noFill/>
+          <a:ln>
+            <a:solidFill>
+              <a:srgbClr val="FF0000"/>
+            </a:solidFill>
+          </a:ln>
+        </p:spPr>
+        <p:style>
+          <a:lnRef idx="2">
+            <a:schemeClr val="accent2"/>
+          </a:lnRef>
+          <a:fillRef idx="1">
+            <a:schemeClr val="lt1"/>
+          </a:fillRef>
+          <a:effectRef idx="0">
+            <a:schemeClr val="accent2"/>
+          </a:effectRef>
+          <a:fontRef idx="minor">
+            <a:schemeClr val="dk1"/>
+          </a:fontRef>
+        </p:style>
+        <p:txBody>
+          <a:bodyPr rtlCol="0" anchor="ctr"/>
+          <a:lstStyle/>
+          <a:p>
+            <a:pPr algn="ctr"/>
+            <a:endParaRPr lang="tr-TR"/>
+          </a:p>
+        </p:txBody>
+      </p:sp>
+      <p:sp>
+        <p:nvSpPr>
+          <p:cNvPr id="19" name="Rectangle 18">
+            <a:extLst>
+              <a:ext uri="{FF2B5EF4-FFF2-40B4-BE49-F238E27FC236}">
+                <a16:creationId xmlns:a16="http://schemas.microsoft.com/office/drawing/2014/main" id="{C86BD7C7-E50F-465A-B874-6416186FABE8}"/>
+              </a:ext>
+            </a:extLst>
+          </p:cNvPr>
+          <p:cNvSpPr/>
+          <p:nvPr/>
+        </p:nvSpPr>
+        <p:spPr>
+          <a:xfrm>
+            <a:off x="7232684" y="4480374"/>
+            <a:ext cx="527016" cy="149381"/>
+          </a:xfrm>
+          <a:prstGeom prst="rect">
+            <a:avLst/>
+          </a:prstGeom>
+          <a:noFill/>
+          <a:ln>
+            <a:solidFill>
+              <a:srgbClr val="FF0000"/>
+            </a:solidFill>
+          </a:ln>
+        </p:spPr>
+        <p:style>
+          <a:lnRef idx="2">
+            <a:schemeClr val="accent2"/>
+          </a:lnRef>
+          <a:fillRef idx="1">
+            <a:schemeClr val="lt1"/>
+          </a:fillRef>
+          <a:effectRef idx="0">
+            <a:schemeClr val="accent2"/>
+          </a:effectRef>
+          <a:fontRef idx="minor">
+            <a:schemeClr val="dk1"/>
+          </a:fontRef>
+        </p:style>
+        <p:txBody>
+          <a:bodyPr rtlCol="0" anchor="ctr"/>
+          <a:lstStyle/>
+          <a:p>
+            <a:pPr algn="ctr"/>
+            <a:endParaRPr lang="tr-TR"/>
+          </a:p>
+        </p:txBody>
+      </p:sp>
     </p:spTree>
     <p:extLst>
       <p:ext uri="{BB962C8B-B14F-4D97-AF65-F5344CB8AC3E}">
@@ -13251,8 +13965,8 @@
           </a:p>
         </p:txBody>
       </p:sp>
-      <mc:AlternateContent xmlns:mc="http://schemas.openxmlformats.org/markup-compatibility/2006" xmlns:a14="http://schemas.microsoft.com/office/drawing/2010/main">
-        <mc:Choice Requires="a14">
+      <mc:AlternateContent xmlns:mc="http://schemas.openxmlformats.org/markup-compatibility/2006">
+        <mc:Choice xmlns:a14="http://schemas.microsoft.com/office/drawing/2010/main" Requires="a14">
           <p:sp>
             <p:nvSpPr>
               <p:cNvPr id="3" name="Content Placeholder 2">
@@ -13275,8 +13989,8 @@
               <a:lstStyle/>
               <a:p>
                 <a:r>
-                  <a:rPr lang="en-US" sz="2700" dirty="0"/>
-                  <a:t>the problem is exponential growth of state space in the number of agent</a:t>
+                  <a:rPr lang="en-US" sz="2600" dirty="0"/>
+                  <a:t>The problem is exponential growth of state space in the number of agent</a:t>
                 </a:r>
               </a:p>
               <a:p>
@@ -13349,7 +14063,7 @@
             </p:txBody>
           </p:sp>
         </mc:Choice>
-        <mc:Fallback xmlns="">
+        <mc:Fallback>
           <p:sp>
             <p:nvSpPr>
               <p:cNvPr id="3" name="Content Placeholder 2">
@@ -13370,7 +14084,7 @@
               <a:blipFill>
                 <a:blip r:embed="rId3"/>
                 <a:stretch>
-                  <a:fillRect l="-986" t="-2101" r="-696"/>
+                  <a:fillRect l="-986" t="-2101"/>
                 </a:stretch>
               </a:blipFill>
             </p:spPr>
@@ -13860,14 +14574,14 @@
                 <a:pPr lvl="1"/>
                 <a:r>
                   <a:rPr lang="en-US" dirty="0"/>
-                  <a:t>Conflicts is found and constraints add to constraint tree</a:t>
+                  <a:t>Conflicts is found and add constraints to constraint tree</a:t>
                 </a:r>
               </a:p>
               <a:p>
                 <a:pPr lvl="1"/>
                 <a:r>
                   <a:rPr lang="en-US" dirty="0"/>
-                  <a:t>Constraint tree node</a:t>
+                  <a:t>Constraint tree node includes</a:t>
                 </a:r>
               </a:p>
               <a:p>
@@ -13952,20 +14666,6 @@
                 <a:pPr lvl="1"/>
                 <a:r>
                   <a:rPr lang="en-US" dirty="0"/>
-                  <a:t>Cost function: SoC (Sum of Cost)</a:t>
-                </a:r>
-              </a:p>
-              <a:p>
-                <a:pPr lvl="1"/>
-                <a:r>
-                  <a:rPr lang="en-US" dirty="0"/>
-                  <a:t>Heuristic function: SIC (Sum of individual costs)</a:t>
-                </a:r>
-              </a:p>
-              <a:p>
-                <a:pPr lvl="1"/>
-                <a:r>
-                  <a:rPr lang="en-US" dirty="0"/>
                   <a:t>Conflicts denoted by </a:t>
                 </a:r>
                 <a14:m>
@@ -14010,14 +14710,14 @@
                     <m:sSub>
                       <m:sSubPr>
                         <m:ctrlPr>
-                          <a:rPr lang="en-US" b="0" i="1" smtClean="0">
+                          <a:rPr lang="en-US" i="1">
                             <a:latin typeface="Cambria Math" panose="02040503050406030204" pitchFamily="18" charset="0"/>
                           </a:rPr>
                         </m:ctrlPr>
                       </m:sSubPr>
                       <m:e>
                         <m:r>
-                          <a:rPr lang="en-US" b="0" i="1" smtClean="0">
+                          <a:rPr lang="en-US" i="1">
                             <a:latin typeface="Cambria Math" panose="02040503050406030204" pitchFamily="18" charset="0"/>
                           </a:rPr>
                           <m:t>𝑎</m:t>
@@ -14025,7 +14725,7 @@
                       </m:e>
                       <m:sub>
                         <m:r>
-                          <a:rPr lang="en-US" b="0" i="1" smtClean="0">
+                          <a:rPr lang="en-US" i="1">
                             <a:latin typeface="Cambria Math" panose="02040503050406030204" pitchFamily="18" charset="0"/>
                           </a:rPr>
                           <m:t>𝑗</m:t>
@@ -14039,7 +14739,7 @@
                       <m:t>,</m:t>
                     </m:r>
                     <m:r>
-                      <a:rPr lang="en-US" b="0" i="1" smtClean="0">
+                      <a:rPr lang="en-US" i="1">
                         <a:latin typeface="Cambria Math" panose="02040503050406030204" pitchFamily="18" charset="0"/>
                       </a:rPr>
                       <m:t>𝑣</m:t>
@@ -14064,7 +14764,21 @@
                     </m:r>
                   </m:oMath>
                 </a14:m>
-                <a:endParaRPr lang="tr-TR" dirty="0"/>
+                <a:endParaRPr lang="en-US" dirty="0"/>
+              </a:p>
+              <a:p>
+                <a:pPr lvl="1"/>
+                <a:r>
+                  <a:rPr lang="en-US" dirty="0"/>
+                  <a:t>Cost function: SoC (Sum of Cost)</a:t>
+                </a:r>
+              </a:p>
+              <a:p>
+                <a:pPr lvl="1"/>
+                <a:r>
+                  <a:rPr lang="en-US" dirty="0"/>
+                  <a:t>Heuristic function: SIC (Sum of individual costs)</a:t>
+                </a:r>
               </a:p>
             </p:txBody>
           </p:sp>
@@ -15889,7 +16603,7 @@
 </file>
 
 <file path=customXml/itemProps1.xml><?xml version="1.0" encoding="utf-8"?>
-<ds:datastoreItem xmlns:ds="http://schemas.openxmlformats.org/officeDocument/2006/customXml" ds:itemID="{3D1817F0-3AED-4497-977A-6BC73993470D}">
+<ds:datastoreItem xmlns:ds="http://schemas.openxmlformats.org/officeDocument/2006/customXml" ds:itemID="{DD0F207F-50B6-41F3-823D-3C9F0887F452}">
   <ds:schemaRefs>
     <ds:schemaRef ds:uri="http://www.w3.org/2001/XMLSchema"/>
     <ds:schemaRef ds:uri="http://www.boldonjames.com/2008/01/sie/internal/label"/>
